--- a/presentations/ProjectPoster.pptx
+++ b/presentations/ProjectPoster.pptx
@@ -5,7 +5,7 @@
     <p:sldMasterId id="2147483672" r:id="rId1"/>
   </p:sldMasterIdLst>
   <p:sldIdLst>
-    <p:sldId id="256" r:id="rId2"/>
+    <p:sldId id="258" r:id="rId2"/>
   </p:sldIdLst>
   <p:sldSz cx="35999738" cy="25199975"/>
   <p:notesSz cx="6797675" cy="9928225"/>
@@ -146,14 +146,14 @@
               </a:defRPr>
             </a:pPr>
             <a:r>
-              <a:rPr lang="en-US" sz="2400" dirty="0">
+              <a:rPr lang="en-US" sz="3200" dirty="0">
                 <a:latin typeface="David" panose="020E0502060401010101" pitchFamily="34" charset="-79"/>
                 <a:cs typeface="David" panose="020E0502060401010101" pitchFamily="34" charset="-79"/>
               </a:rPr>
               <a:t>Distance of the </a:t>
             </a:r>
             <a:r>
-              <a:rPr lang="en-US" sz="2400" b="0" i="0" u="none" strike="noStrike" kern="1200" spc="0" baseline="0" dirty="0">
+              <a:rPr lang="en-US" sz="3200" b="0" i="0" u="none" strike="noStrike" kern="1200" spc="0" baseline="0" dirty="0">
                 <a:solidFill>
                   <a:prstClr val="black">
                     <a:lumMod val="65000"/>
@@ -166,7 +166,7 @@
               <a:t>frame </a:t>
             </a:r>
             <a:r>
-              <a:rPr lang="en-US" sz="2400" dirty="0">
+              <a:rPr lang="en-US" sz="3200" dirty="0">
                 <a:latin typeface="David" panose="020E0502060401010101" pitchFamily="34" charset="-79"/>
                 <a:cs typeface="David" panose="020E0502060401010101" pitchFamily="34" charset="-79"/>
               </a:rPr>
@@ -922,12 +922,16 @@
               </a:defRPr>
             </a:pPr>
             <a:r>
-              <a:rPr lang="en-US" sz="1800" dirty="0">
+              <a:rPr lang="en-US" sz="3200" dirty="0">
                 <a:latin typeface="David" panose="020E0502060401010101" pitchFamily="34" charset="-79"/>
                 <a:cs typeface="David" panose="020E0502060401010101" pitchFamily="34" charset="-79"/>
               </a:rPr>
-              <a:t>Angle which the object was detected as a function of measurement</a:t>
+              <a:t>Angle</a:t>
             </a:r>
+            <a:endParaRPr lang="en-US" sz="1800" dirty="0">
+              <a:latin typeface="David" panose="020E0502060401010101" pitchFamily="34" charset="-79"/>
+              <a:cs typeface="David" panose="020E0502060401010101" pitchFamily="34" charset="-79"/>
+            </a:endParaRPr>
           </a:p>
         </c:rich>
       </c:tx>
@@ -1731,20 +1735,20 @@
                   </a:defRPr>
                 </a:pPr>
                 <a:r>
-                  <a:rPr lang="en-US" sz="1800" dirty="0">
+                  <a:rPr lang="en-US" sz="2400" dirty="0">
                     <a:latin typeface="David" panose="020E0502060401010101" pitchFamily="34" charset="-79"/>
                     <a:cs typeface="David" panose="020E0502060401010101" pitchFamily="34" charset="-79"/>
                   </a:rPr>
                   <a:t>Measurement</a:t>
                 </a:r>
                 <a:r>
-                  <a:rPr lang="en-US" sz="1800" baseline="0" dirty="0">
+                  <a:rPr lang="en-US" sz="2400" baseline="0" dirty="0">
                     <a:latin typeface="David" panose="020E0502060401010101" pitchFamily="34" charset="-79"/>
                     <a:cs typeface="David" panose="020E0502060401010101" pitchFamily="34" charset="-79"/>
                   </a:rPr>
                   <a:t> num</a:t>
                 </a:r>
-                <a:endParaRPr lang="en-US" sz="1800" dirty="0">
+                <a:endParaRPr lang="en-US" sz="2400" dirty="0">
                   <a:latin typeface="David" panose="020E0502060401010101" pitchFamily="34" charset="-79"/>
                   <a:cs typeface="David" panose="020E0502060401010101" pitchFamily="34" charset="-79"/>
                 </a:endParaRPr>
@@ -2042,7 +2046,7 @@
               </a:defRPr>
             </a:pPr>
             <a:r>
-              <a:rPr lang="en-US" sz="1400" b="0" i="0" u="none" strike="noStrike" kern="1200" spc="0" baseline="0" dirty="0">
+              <a:rPr lang="en-US" sz="3200" b="0" i="0" u="none" strike="noStrike" kern="1200" spc="0" baseline="0" dirty="0">
                 <a:solidFill>
                   <a:prstClr val="black">
                     <a:lumMod val="65000"/>
@@ -2052,9 +2056,9 @@
                 <a:latin typeface="David" panose="020E0502060401010101" pitchFamily="34" charset="-79"/>
                 <a:cs typeface="David" panose="020E0502060401010101" pitchFamily="34" charset="-79"/>
               </a:rPr>
-              <a:t>Distance as a function of measurement</a:t>
+              <a:t>Distance (under 150 mm)</a:t>
             </a:r>
-            <a:endParaRPr lang="en-US" dirty="0">
+            <a:endParaRPr lang="en-US" sz="2000" dirty="0">
               <a:latin typeface="David" panose="020E0502060401010101" pitchFamily="34" charset="-79"/>
               <a:cs typeface="David" panose="020E0502060401010101" pitchFamily="34" charset="-79"/>
             </a:endParaRPr>
@@ -2861,7 +2865,7 @@
                   </a:defRPr>
                 </a:pPr>
                 <a:r>
-                  <a:rPr lang="en-US" sz="1800" b="0" i="0" u="none" strike="noStrike" kern="1200" baseline="0" dirty="0">
+                  <a:rPr lang="en-US" sz="2400" b="0" i="0" u="none" strike="noStrike" kern="1200" baseline="0" dirty="0">
                     <a:solidFill>
                       <a:prstClr val="black">
                         <a:lumMod val="65000"/>
@@ -4921,7 +4925,7 @@
           <a:p>
             <a:fld id="{EBC92114-2DE2-4DBD-88F5-EC34E326FC88}" type="datetimeFigureOut">
               <a:rPr lang="he-IL" smtClean="0"/>
-              <a:t>ט'/אדר ב/תשפ"ד</a:t>
+              <a:t>ג'/ניסן/תשפ"ד</a:t>
             </a:fld>
             <a:endParaRPr lang="he-IL"/>
           </a:p>
@@ -5091,7 +5095,7 @@
           <a:p>
             <a:fld id="{EBC92114-2DE2-4DBD-88F5-EC34E326FC88}" type="datetimeFigureOut">
               <a:rPr lang="he-IL" smtClean="0"/>
-              <a:t>ט'/אדר ב/תשפ"ד</a:t>
+              <a:t>ג'/ניסן/תשפ"ד</a:t>
             </a:fld>
             <a:endParaRPr lang="he-IL"/>
           </a:p>
@@ -5271,7 +5275,7 @@
           <a:p>
             <a:fld id="{EBC92114-2DE2-4DBD-88F5-EC34E326FC88}" type="datetimeFigureOut">
               <a:rPr lang="he-IL" smtClean="0"/>
-              <a:t>ט'/אדר ב/תשפ"ד</a:t>
+              <a:t>ג'/ניסן/תשפ"ד</a:t>
             </a:fld>
             <a:endParaRPr lang="he-IL"/>
           </a:p>
@@ -5441,7 +5445,7 @@
           <a:p>
             <a:fld id="{EBC92114-2DE2-4DBD-88F5-EC34E326FC88}" type="datetimeFigureOut">
               <a:rPr lang="he-IL" smtClean="0"/>
-              <a:t>ט'/אדר ב/תשפ"ד</a:t>
+              <a:t>ג'/ניסן/תשפ"ד</a:t>
             </a:fld>
             <a:endParaRPr lang="he-IL"/>
           </a:p>
@@ -5685,7 +5689,7 @@
           <a:p>
             <a:fld id="{EBC92114-2DE2-4DBD-88F5-EC34E326FC88}" type="datetimeFigureOut">
               <a:rPr lang="he-IL" smtClean="0"/>
-              <a:t>ט'/אדר ב/תשפ"ד</a:t>
+              <a:t>ג'/ניסן/תשפ"ד</a:t>
             </a:fld>
             <a:endParaRPr lang="he-IL"/>
           </a:p>
@@ -5917,7 +5921,7 @@
           <a:p>
             <a:fld id="{EBC92114-2DE2-4DBD-88F5-EC34E326FC88}" type="datetimeFigureOut">
               <a:rPr lang="he-IL" smtClean="0"/>
-              <a:t>ט'/אדר ב/תשפ"ד</a:t>
+              <a:t>ג'/ניסן/תשפ"ד</a:t>
             </a:fld>
             <a:endParaRPr lang="he-IL"/>
           </a:p>
@@ -6284,7 +6288,7 @@
           <a:p>
             <a:fld id="{EBC92114-2DE2-4DBD-88F5-EC34E326FC88}" type="datetimeFigureOut">
               <a:rPr lang="he-IL" smtClean="0"/>
-              <a:t>ט'/אדר ב/תשפ"ד</a:t>
+              <a:t>ג'/ניסן/תשפ"ד</a:t>
             </a:fld>
             <a:endParaRPr lang="he-IL"/>
           </a:p>
@@ -6402,7 +6406,7 @@
           <a:p>
             <a:fld id="{EBC92114-2DE2-4DBD-88F5-EC34E326FC88}" type="datetimeFigureOut">
               <a:rPr lang="he-IL" smtClean="0"/>
-              <a:t>ט'/אדר ב/תשפ"ד</a:t>
+              <a:t>ג'/ניסן/תשפ"ד</a:t>
             </a:fld>
             <a:endParaRPr lang="he-IL"/>
           </a:p>
@@ -6497,7 +6501,7 @@
           <a:p>
             <a:fld id="{EBC92114-2DE2-4DBD-88F5-EC34E326FC88}" type="datetimeFigureOut">
               <a:rPr lang="he-IL" smtClean="0"/>
-              <a:t>ט'/אדר ב/תשפ"ד</a:t>
+              <a:t>ג'/ניסן/תשפ"ד</a:t>
             </a:fld>
             <a:endParaRPr lang="he-IL"/>
           </a:p>
@@ -6774,7 +6778,7 @@
           <a:p>
             <a:fld id="{EBC92114-2DE2-4DBD-88F5-EC34E326FC88}" type="datetimeFigureOut">
               <a:rPr lang="he-IL" smtClean="0"/>
-              <a:t>ט'/אדר ב/תשפ"ד</a:t>
+              <a:t>ג'/ניסן/תשפ"ד</a:t>
             </a:fld>
             <a:endParaRPr lang="he-IL"/>
           </a:p>
@@ -7031,7 +7035,7 @@
           <a:p>
             <a:fld id="{EBC92114-2DE2-4DBD-88F5-EC34E326FC88}" type="datetimeFigureOut">
               <a:rPr lang="he-IL" smtClean="0"/>
-              <a:t>ט'/אדר ב/תשפ"ד</a:t>
+              <a:t>ג'/ניסן/תשפ"ד</a:t>
             </a:fld>
             <a:endParaRPr lang="he-IL"/>
           </a:p>
@@ -7244,7 +7248,7 @@
           <a:p>
             <a:fld id="{EBC92114-2DE2-4DBD-88F5-EC34E326FC88}" type="datetimeFigureOut">
               <a:rPr lang="he-IL" smtClean="0"/>
-              <a:t>ט'/אדר ב/תשפ"ד</a:t>
+              <a:t>ג'/ניסן/תשפ"ד</a:t>
             </a:fld>
             <a:endParaRPr lang="he-IL"/>
           </a:p>
@@ -7658,14 +7662,14 @@
           <p:nvPr>
             <p:extLst>
               <p:ext uri="{D42A27DB-BD31-4B8C-83A1-F6EECF244321}">
-                <p14:modId xmlns:p14="http://schemas.microsoft.com/office/powerpoint/2010/main" val="1762161120"/>
+                <p14:modId xmlns:p14="http://schemas.microsoft.com/office/powerpoint/2010/main" val="2906179071"/>
               </p:ext>
             </p:extLst>
           </p:nvPr>
         </p:nvGraphicFramePr>
         <p:xfrm>
           <a:off x="384740" y="3698810"/>
-          <a:ext cx="35185420" cy="22189440"/>
+          <a:ext cx="35185420" cy="21518880"/>
         </p:xfrm>
         <a:graphic>
           <a:graphicData uri="http://schemas.openxmlformats.org/drawingml/2006/table">
@@ -7756,7 +7760,7 @@
                           <a:ea typeface="+mn-ea"/>
                           <a:cs typeface="Open Sans Hebrew" panose="00000500000000000000" pitchFamily="2" charset="-79"/>
                         </a:rPr>
-                        <a:t>In the realm of electrical engineering, innovation often stems from the integration of cutting-edge technology into practical applications. This final project endeavors to construct a versatile infrastructure based on Raspberry Pi, tailored specifically for future endeavors in the field of physiotherapy.</a:t>
+                        <a:t>This final project endeavors to construct a versatile infrastructure based on Raspberry Pi, fit specifically for future endeavors in the field of physiotherapy.</a:t>
                       </a:r>
                     </a:p>
                     <a:p>
@@ -7787,7 +7791,7 @@
                           <a:ea typeface="+mn-ea"/>
                           <a:cs typeface="Open Sans Hebrew" panose="00000500000000000000" pitchFamily="2" charset="-79"/>
                         </a:rPr>
-                        <a:t>The infrastructure we have constructed primarily comprises a Raspberry Pi directly connected to sensors, alongside an Arduino M5Stack infrastructure integrated with complementary sensors.</a:t>
+                        <a:t>The infrastructure primarily comprises a Raspberry Pi directly connected to sensors, alongside an Arduino infrastructure integrated with complementary sensors.</a:t>
                       </a:r>
                     </a:p>
                     <a:p>
@@ -7849,64 +7853,8 @@
                           <a:ea typeface="+mn-ea"/>
                           <a:cs typeface="Open Sans Hebrew" panose="00000500000000000000" pitchFamily="2" charset="-79"/>
                         </a:rPr>
-                        <a:t>The project encompasses comprehensive instructional documents, detailing the array of sensor options considered, along with an installation guide covering all sensors, and a compilation of tests conducted for each sensor variant.</a:t>
+                        <a:t>The project encompasses comprehensive instructional documents, detailing the sensor options considered, along with an installation guide covering all sensors, and a compilation of tests conducted for each sensor variant.</a:t>
                       </a:r>
-                    </a:p>
-                    <a:p>
-                      <a:pPr marL="0" marR="0" lvl="0" indent="0" algn="l" defTabSz="2519995" rtl="0" eaLnBrk="1" fontAlgn="auto" latinLnBrk="0" hangingPunct="1">
-                        <a:lnSpc>
-                          <a:spcPct val="100000"/>
-                        </a:lnSpc>
-                        <a:spcBef>
-                          <a:spcPts val="0"/>
-                        </a:spcBef>
-                        <a:spcAft>
-                          <a:spcPts val="0"/>
-                        </a:spcAft>
-                        <a:buClrTx/>
-                        <a:buSzTx/>
-                        <a:buFont typeface="Arial" panose="020B0604020202020204" pitchFamily="34" charset="0"/>
-                        <a:buNone/>
-                        <a:tabLst/>
-                        <a:defRPr/>
-                      </a:pPr>
-                      <a:endParaRPr lang="en-US" sz="3400" kern="1200" dirty="0">
-                        <a:solidFill>
-                          <a:schemeClr val="tx1"/>
-                        </a:solidFill>
-                        <a:effectLst/>
-                        <a:latin typeface="+mn-lt"/>
-                        <a:ea typeface="+mn-ea"/>
-                        <a:cs typeface="Open Sans Hebrew" panose="00000500000000000000" pitchFamily="2" charset="-79"/>
-                      </a:endParaRPr>
-                    </a:p>
-                    <a:p>
-                      <a:pPr marL="0" marR="0" lvl="0" indent="0" algn="l" defTabSz="2519995" rtl="0" eaLnBrk="1" fontAlgn="auto" latinLnBrk="0" hangingPunct="1">
-                        <a:lnSpc>
-                          <a:spcPct val="100000"/>
-                        </a:lnSpc>
-                        <a:spcBef>
-                          <a:spcPts val="0"/>
-                        </a:spcBef>
-                        <a:spcAft>
-                          <a:spcPts val="0"/>
-                        </a:spcAft>
-                        <a:buClrTx/>
-                        <a:buSzTx/>
-                        <a:buFont typeface="Arial" panose="020B0604020202020204" pitchFamily="34" charset="0"/>
-                        <a:buNone/>
-                        <a:tabLst/>
-                        <a:defRPr/>
-                      </a:pPr>
-                      <a:endParaRPr lang="en-US" sz="3400" kern="1200" dirty="0">
-                        <a:solidFill>
-                          <a:schemeClr val="tx1"/>
-                        </a:solidFill>
-                        <a:effectLst/>
-                        <a:latin typeface="+mn-lt"/>
-                        <a:ea typeface="+mn-ea"/>
-                        <a:cs typeface="Open Sans Hebrew" panose="00000500000000000000" pitchFamily="2" charset="-79"/>
-                      </a:endParaRPr>
                     </a:p>
                     <a:p>
                       <a:pPr marL="0" marR="0" lvl="0" indent="0" algn="l" defTabSz="2519995" rtl="0" eaLnBrk="1" fontAlgn="auto" latinLnBrk="0" hangingPunct="1">
@@ -8210,12 +8158,20 @@
                         <a:defRPr/>
                       </a:pPr>
                       <a:r>
+                        <a:rPr lang="en-US" sz="3400" u="sng" baseline="0" dirty="0">
+                          <a:effectLst/>
+                          <a:latin typeface="+mn-lt"/>
+                          <a:cs typeface="Open Sans Hebrew" panose="00000500000000000000" pitchFamily="2" charset="-79"/>
+                        </a:rPr>
+                        <a:t>Enhanced User Experience</a:t>
+                      </a:r>
+                      <a:r>
                         <a:rPr lang="en-US" sz="3400" baseline="0" dirty="0">
                           <a:effectLst/>
                           <a:latin typeface="+mn-lt"/>
                           <a:cs typeface="Open Sans Hebrew" panose="00000500000000000000" pitchFamily="2" charset="-79"/>
                         </a:rPr>
-                        <a:t>Enhanced User Experience: Utilizing Raspberry Pi, we create an intuitive environment that translates sensor inputs into tailored outputs, aligning seamlessly with user preferences.</a:t>
+                        <a:t>: Utilizing Raspberry Pi, creation of an intuitive environment that translates sensor inputs into tailored outputs, aligning seamlessly with user preferences.</a:t>
                       </a:r>
                     </a:p>
                     <a:p>
@@ -8237,12 +8193,20 @@
                         <a:defRPr/>
                       </a:pPr>
                       <a:r>
+                        <a:rPr lang="en-US" sz="3400" u="sng" baseline="0" dirty="0">
+                          <a:effectLst/>
+                          <a:latin typeface="+mn-lt"/>
+                          <a:cs typeface="Open Sans Hebrew" panose="00000500000000000000" pitchFamily="2" charset="-79"/>
+                        </a:rPr>
+                        <a:t>Documentation</a:t>
+                      </a:r>
+                      <a:r>
                         <a:rPr lang="en-US" sz="3400" baseline="0" dirty="0">
                           <a:effectLst/>
                           <a:latin typeface="+mn-lt"/>
                           <a:cs typeface="Open Sans Hebrew" panose="00000500000000000000" pitchFamily="2" charset="-79"/>
                         </a:rPr>
-                        <a:t>Documentation: Detailed guides enhance accessibility, supporting future infrastructure enhancements.</a:t>
+                        <a:t>: Detailed guides enhance accessibility, supporting future infrastructure enhancements.</a:t>
                       </a:r>
                     </a:p>
                     <a:p>
@@ -8264,12 +8228,28 @@
                         <a:defRPr/>
                       </a:pPr>
                       <a:r>
+                        <a:rPr lang="en-US" sz="3400" u="sng" baseline="0" dirty="0">
+                          <a:effectLst/>
+                          <a:latin typeface="+mn-lt"/>
+                          <a:cs typeface="Open Sans Hebrew" panose="00000500000000000000" pitchFamily="2" charset="-79"/>
+                        </a:rPr>
+                        <a:t>Research &amp; Optimization:</a:t>
+                      </a:r>
+                      <a:r>
+                        <a:rPr lang="en-US" sz="3400" u="none" baseline="0" dirty="0">
+                          <a:effectLst/>
+                          <a:latin typeface="+mn-lt"/>
+                          <a:cs typeface="Open Sans Hebrew" panose="00000500000000000000" pitchFamily="2" charset="-79"/>
+                        </a:rPr>
+                        <a:t> </a:t>
+                      </a:r>
+                      <a:r>
                         <a:rPr lang="en-US" sz="3400" baseline="0" dirty="0">
                           <a:effectLst/>
                           <a:latin typeface="+mn-lt"/>
                           <a:cs typeface="Open Sans Hebrew" panose="00000500000000000000" pitchFamily="2" charset="-79"/>
                         </a:rPr>
-                        <a:t>Research &amp; Optimization: Extensive analysis ensured the selection of compatible sensor types, optimizing functionality.</a:t>
+                        <a:t>Extensive analysis ensured the selection of compatible sensor types, optimizing functionality.</a:t>
                       </a:r>
                     </a:p>
                     <a:p>
@@ -8291,40 +8271,76 @@
                         <a:defRPr/>
                       </a:pPr>
                       <a:r>
-                        <a:rPr lang="en-US" sz="3400" baseline="0" dirty="0">
+                        <a:rPr lang="en-US" sz="3400" u="sng" baseline="0" dirty="0">
                           <a:effectLst/>
                           <a:latin typeface="+mn-lt"/>
                           <a:cs typeface="Open Sans Hebrew" panose="00000500000000000000" pitchFamily="2" charset="-79"/>
                         </a:rPr>
-                        <a:t>Collaborative Synergy: Partnership with an Arduino M5Stack team enriches project scope and capabilities.</a:t>
+                        <a:t>Collaborative Synergy</a:t>
                       </a:r>
-                    </a:p>
-                    <a:p>
-                      <a:pPr marL="457200" marR="0" lvl="0" indent="-457200" algn="just" defTabSz="2519995" rtl="0" eaLnBrk="1" fontAlgn="auto" latinLnBrk="0" hangingPunct="1">
-                        <a:lnSpc>
-                          <a:spcPct val="100000"/>
-                        </a:lnSpc>
-                        <a:spcBef>
-                          <a:spcPts val="0"/>
-                        </a:spcBef>
-                        <a:spcAft>
-                          <a:spcPts val="0"/>
-                        </a:spcAft>
-                        <a:buClrTx/>
-                        <a:buSzTx/>
-                        <a:buFont typeface="Arial" panose="020B0604020202020204" pitchFamily="34" charset="0"/>
-                        <a:buChar char="•"/>
-                        <a:tabLst/>
-                        <a:defRPr/>
-                      </a:pPr>
                       <a:r>
                         <a:rPr lang="en-US" sz="3400" baseline="0" dirty="0">
                           <a:effectLst/>
                           <a:latin typeface="+mn-lt"/>
                           <a:cs typeface="Open Sans Hebrew" panose="00000500000000000000" pitchFamily="2" charset="-79"/>
                         </a:rPr>
-                        <a:t>Empowering Users: Deliverables empower users to integrate and utilize sensors within physiotherapy infrastructure.</a:t>
+                        <a:t>: Partnership with an Arduino M5Stack team enriches project scope and capabilities.</a:t>
                       </a:r>
+                    </a:p>
+                    <a:p>
+                      <a:pPr marL="0" marR="0" lvl="0" indent="0" algn="l" defTabSz="2519995" rtl="0" eaLnBrk="1" fontAlgn="auto" latinLnBrk="0" hangingPunct="1">
+                        <a:lnSpc>
+                          <a:spcPct val="100000"/>
+                        </a:lnSpc>
+                        <a:spcBef>
+                          <a:spcPts val="0"/>
+                        </a:spcBef>
+                        <a:spcAft>
+                          <a:spcPts val="0"/>
+                        </a:spcAft>
+                        <a:buClrTx/>
+                        <a:buSzTx/>
+                        <a:buFontTx/>
+                        <a:buNone/>
+                        <a:tabLst/>
+                        <a:defRPr/>
+                      </a:pPr>
+                      <a:r>
+                        <a:rPr lang="en-US" sz="5400" b="1" kern="1200" dirty="0">
+                          <a:solidFill>
+                            <a:schemeClr val="tx1"/>
+                          </a:solidFill>
+                          <a:effectLst/>
+                          <a:latin typeface="+mn-lt"/>
+                          <a:ea typeface="+mn-ea"/>
+                          <a:cs typeface="Open Sans Hebrew" panose="00000500000000000000" pitchFamily="2" charset="-79"/>
+                        </a:rPr>
+                        <a:t>Methods/Implementation</a:t>
+                      </a:r>
+                    </a:p>
+                    <a:p>
+                      <a:pPr marL="0" marR="0" lvl="0" indent="0" algn="just" defTabSz="2519995" rtl="0" eaLnBrk="1" fontAlgn="auto" latinLnBrk="0" hangingPunct="1">
+                        <a:lnSpc>
+                          <a:spcPct val="100000"/>
+                        </a:lnSpc>
+                        <a:spcBef>
+                          <a:spcPts val="0"/>
+                        </a:spcBef>
+                        <a:spcAft>
+                          <a:spcPts val="0"/>
+                        </a:spcAft>
+                        <a:buClrTx/>
+                        <a:buSzTx/>
+                        <a:buFont typeface="Arial" panose="020B0604020202020204" pitchFamily="34" charset="0"/>
+                        <a:buNone/>
+                        <a:tabLst/>
+                        <a:defRPr/>
+                      </a:pPr>
+                      <a:endParaRPr lang="en-US" sz="3400" baseline="0" dirty="0">
+                        <a:effectLst/>
+                        <a:latin typeface="+mn-lt"/>
+                        <a:cs typeface="Open Sans Hebrew" panose="00000500000000000000" pitchFamily="2" charset="-79"/>
+                      </a:endParaRPr>
                     </a:p>
                   </a:txBody>
                   <a:tcPr marL="137160" marR="137160" marT="137160" marB="137160">
@@ -8398,292 +8414,9 @@
                           <a:ea typeface="+mn-ea"/>
                           <a:cs typeface="Open Sans Hebrew" panose="00000500000000000000" pitchFamily="2" charset="-79"/>
                         </a:rPr>
-                        <a:t>Methods/Implementation</a:t>
+                        <a:t>Results</a:t>
                       </a:r>
-                    </a:p>
-                    <a:p>
-                      <a:pPr marL="0" marR="0" lvl="0" indent="0" algn="l" defTabSz="2519995" rtl="0" eaLnBrk="1" fontAlgn="auto" latinLnBrk="0" hangingPunct="1">
-                        <a:lnSpc>
-                          <a:spcPct val="100000"/>
-                        </a:lnSpc>
-                        <a:spcBef>
-                          <a:spcPts val="0"/>
-                        </a:spcBef>
-                        <a:spcAft>
-                          <a:spcPts val="0"/>
-                        </a:spcAft>
-                        <a:buClrTx/>
-                        <a:buSzTx/>
-                        <a:buFontTx/>
-                        <a:buNone/>
-                        <a:tabLst/>
-                        <a:defRPr/>
-                      </a:pPr>
-                      <a:r>
-                        <a:rPr lang="en-US" sz="3400" kern="1200" baseline="0" dirty="0">
-                          <a:solidFill>
-                            <a:schemeClr val="tx1"/>
-                          </a:solidFill>
-                          <a:effectLst/>
-                          <a:latin typeface="+mn-lt"/>
-                          <a:ea typeface="+mn-ea"/>
-                          <a:cs typeface="Open Sans Hebrew" panose="00000500000000000000" pitchFamily="2" charset="-79"/>
-                        </a:rPr>
-                        <a:t>The system components are:</a:t>
-                      </a:r>
-                    </a:p>
-                    <a:p>
-                      <a:pPr marL="342900" marR="0" lvl="0" indent="-342900" algn="just">
-                        <a:lnSpc>
-                          <a:spcPct val="100000"/>
-                        </a:lnSpc>
-                        <a:spcBef>
-                          <a:spcPts val="600"/>
-                        </a:spcBef>
-                        <a:spcAft>
-                          <a:spcPts val="600"/>
-                        </a:spcAft>
-                        <a:buFont typeface="Symbol" panose="05050102010706020507" pitchFamily="18" charset="2"/>
-                        <a:buChar char=""/>
-                      </a:pPr>
-                      <a:r>
-                        <a:rPr lang="en-US" sz="3400" kern="1200" baseline="0" dirty="0">
-                          <a:solidFill>
-                            <a:schemeClr val="tx1"/>
-                          </a:solidFill>
-                          <a:effectLst/>
-                          <a:latin typeface="+mn-lt"/>
-                          <a:ea typeface="+mn-ea"/>
-                          <a:cs typeface="Open Sans Hebrew" panose="00000500000000000000" pitchFamily="2" charset="-79"/>
-                        </a:rPr>
-                        <a:t>Raspberry PI 4 Model B</a:t>
-                      </a:r>
-                      <a:endParaRPr lang="he-IL" sz="3400" kern="1200" baseline="0" dirty="0">
-                        <a:solidFill>
-                          <a:schemeClr val="tx1"/>
-                        </a:solidFill>
-                        <a:effectLst/>
-                        <a:latin typeface="+mn-lt"/>
-                        <a:ea typeface="+mn-ea"/>
-                        <a:cs typeface="Open Sans Hebrew" panose="00000500000000000000" pitchFamily="2" charset="-79"/>
-                      </a:endParaRPr>
-                    </a:p>
-                    <a:p>
-                      <a:pPr marL="342900" indent="-342900" algn="just">
-                        <a:lnSpc>
-                          <a:spcPct val="100000"/>
-                        </a:lnSpc>
-                        <a:spcBef>
-                          <a:spcPts val="600"/>
-                        </a:spcBef>
-                        <a:spcAft>
-                          <a:spcPts val="600"/>
-                        </a:spcAft>
-                        <a:buFont typeface="Symbol" panose="05050102010706020507" pitchFamily="18" charset="2"/>
-                        <a:buChar char=""/>
-                      </a:pPr>
-                      <a:r>
-                        <a:rPr lang="en-US" sz="3400" kern="1200" baseline="0" dirty="0">
-                          <a:solidFill>
-                            <a:schemeClr val="tx1"/>
-                          </a:solidFill>
-                          <a:effectLst/>
-                          <a:latin typeface="+mn-lt"/>
-                          <a:ea typeface="+mn-ea"/>
-                          <a:cs typeface="Open Sans Hebrew" panose="00000500000000000000" pitchFamily="2" charset="-79"/>
-                        </a:rPr>
-                        <a:t>Intel RealSense D435 camera system</a:t>
-                      </a:r>
-                      <a:endParaRPr lang="he-IL" sz="3400" kern="1200" baseline="0" dirty="0">
-                        <a:solidFill>
-                          <a:schemeClr val="tx1"/>
-                        </a:solidFill>
-                        <a:effectLst/>
-                        <a:latin typeface="+mn-lt"/>
-                        <a:ea typeface="+mn-ea"/>
-                        <a:cs typeface="Open Sans Hebrew" panose="00000500000000000000" pitchFamily="2" charset="-79"/>
-                      </a:endParaRPr>
-                    </a:p>
-                    <a:p>
-                      <a:pPr marL="342900" indent="-342900" algn="just">
-                        <a:lnSpc>
-                          <a:spcPct val="100000"/>
-                        </a:lnSpc>
-                        <a:spcBef>
-                          <a:spcPts val="600"/>
-                        </a:spcBef>
-                        <a:spcAft>
-                          <a:spcPts val="600"/>
-                        </a:spcAft>
-                        <a:buFont typeface="Symbol" panose="05050102010706020507" pitchFamily="18" charset="2"/>
-                        <a:buChar char=""/>
-                      </a:pPr>
-                      <a:r>
-                        <a:rPr lang="en-US" sz="3400" kern="1200" baseline="0" dirty="0">
-                          <a:solidFill>
-                            <a:schemeClr val="tx1"/>
-                          </a:solidFill>
-                          <a:effectLst/>
-                          <a:latin typeface="+mn-lt"/>
-                          <a:ea typeface="+mn-ea"/>
-                          <a:cs typeface="Open Sans Hebrew" panose="00000500000000000000" pitchFamily="2" charset="-79"/>
-                        </a:rPr>
-                        <a:t>Rplidar: LIDAR Sensor</a:t>
-                      </a:r>
-                    </a:p>
-                    <a:p>
-                      <a:pPr marL="342900" indent="-342900" algn="just">
-                        <a:lnSpc>
-                          <a:spcPct val="100000"/>
-                        </a:lnSpc>
-                        <a:spcBef>
-                          <a:spcPts val="600"/>
-                        </a:spcBef>
-                        <a:spcAft>
-                          <a:spcPts val="600"/>
-                        </a:spcAft>
-                        <a:buFont typeface="Symbol" panose="05050102010706020507" pitchFamily="18" charset="2"/>
-                        <a:buChar char=""/>
-                      </a:pPr>
-                      <a:r>
-                        <a:rPr lang="en-US" sz="3400" kern="1200" baseline="0" dirty="0">
-                          <a:solidFill>
-                            <a:schemeClr val="tx1"/>
-                          </a:solidFill>
-                          <a:effectLst/>
-                          <a:latin typeface="+mn-lt"/>
-                          <a:ea typeface="+mn-ea"/>
-                          <a:cs typeface="Open Sans Hebrew" panose="00000500000000000000" pitchFamily="2" charset="-79"/>
-                        </a:rPr>
-                        <a:t>M5STACK (Arduino)</a:t>
-                      </a:r>
-                      <a:endParaRPr lang="he-IL" sz="3400" kern="1200" baseline="0" dirty="0">
-                        <a:solidFill>
-                          <a:schemeClr val="tx1"/>
-                        </a:solidFill>
-                        <a:effectLst/>
-                        <a:latin typeface="+mn-lt"/>
-                        <a:ea typeface="+mn-ea"/>
-                        <a:cs typeface="Open Sans Hebrew" panose="00000500000000000000" pitchFamily="2" charset="-79"/>
-                      </a:endParaRPr>
-                    </a:p>
-                    <a:p>
-                      <a:pPr marL="342900" indent="-342900" algn="just">
-                        <a:lnSpc>
-                          <a:spcPct val="100000"/>
-                        </a:lnSpc>
-                        <a:spcBef>
-                          <a:spcPts val="600"/>
-                        </a:spcBef>
-                        <a:spcAft>
-                          <a:spcPts val="600"/>
-                        </a:spcAft>
-                        <a:buFont typeface="Symbol" panose="05050102010706020507" pitchFamily="18" charset="2"/>
-                        <a:buChar char=""/>
-                      </a:pPr>
-                      <a:r>
-                        <a:rPr lang="en-US" sz="3400" kern="1200" baseline="0" dirty="0">
-                          <a:solidFill>
-                            <a:schemeClr val="tx1"/>
-                          </a:solidFill>
-                          <a:effectLst/>
-                          <a:latin typeface="+mn-lt"/>
-                          <a:ea typeface="+mn-ea"/>
-                          <a:cs typeface="Open Sans Hebrew" panose="00000500000000000000" pitchFamily="2" charset="-79"/>
-                        </a:rPr>
-                        <a:t>USB Mouse</a:t>
-                      </a:r>
-                    </a:p>
-                    <a:p>
-                      <a:pPr marL="342900" indent="-342900" algn="just">
-                        <a:lnSpc>
-                          <a:spcPct val="100000"/>
-                        </a:lnSpc>
-                        <a:spcBef>
-                          <a:spcPts val="600"/>
-                        </a:spcBef>
-                        <a:spcAft>
-                          <a:spcPts val="600"/>
-                        </a:spcAft>
-                        <a:buFont typeface="Symbol" panose="05050102010706020507" pitchFamily="18" charset="2"/>
-                        <a:buChar char=""/>
-                      </a:pPr>
-                      <a:r>
-                        <a:rPr lang="en-US" sz="3400" kern="1200" baseline="0" dirty="0">
-                          <a:solidFill>
-                            <a:schemeClr val="tx1"/>
-                          </a:solidFill>
-                          <a:effectLst/>
-                          <a:latin typeface="+mn-lt"/>
-                          <a:ea typeface="+mn-ea"/>
-                          <a:cs typeface="Open Sans Hebrew" panose="00000500000000000000" pitchFamily="2" charset="-79"/>
-                        </a:rPr>
-                        <a:t>USB keyboard</a:t>
-                      </a:r>
-                    </a:p>
-                    <a:p>
-                      <a:pPr marL="342900" indent="-342900" algn="just">
-                        <a:lnSpc>
-                          <a:spcPct val="100000"/>
-                        </a:lnSpc>
-                        <a:spcBef>
-                          <a:spcPts val="600"/>
-                        </a:spcBef>
-                        <a:spcAft>
-                          <a:spcPts val="600"/>
-                        </a:spcAft>
-                        <a:buFont typeface="Symbol" panose="05050102010706020507" pitchFamily="18" charset="2"/>
-                        <a:buChar char=""/>
-                      </a:pPr>
-                      <a:r>
-                        <a:rPr lang="en-US" sz="3400" kern="1200" baseline="0" dirty="0">
-                          <a:solidFill>
-                            <a:schemeClr val="tx1"/>
-                          </a:solidFill>
-                          <a:effectLst/>
-                          <a:latin typeface="+mn-lt"/>
-                          <a:ea typeface="+mn-ea"/>
-                          <a:cs typeface="Open Sans Hebrew" panose="00000500000000000000" pitchFamily="2" charset="-79"/>
-                        </a:rPr>
-                        <a:t>HDMI type Display</a:t>
-                      </a:r>
-                      <a:endParaRPr lang="he-IL" sz="3400" kern="1200" baseline="0" dirty="0">
-                        <a:solidFill>
-                          <a:schemeClr val="tx1"/>
-                        </a:solidFill>
-                        <a:effectLst/>
-                        <a:latin typeface="+mn-lt"/>
-                        <a:ea typeface="+mn-ea"/>
-                        <a:cs typeface="Open Sans Hebrew" panose="00000500000000000000" pitchFamily="2" charset="-79"/>
-                      </a:endParaRPr>
-                    </a:p>
-                    <a:p>
-                      <a:pPr marL="342900" indent="-342900" algn="just">
-                        <a:lnSpc>
-                          <a:spcPct val="100000"/>
-                        </a:lnSpc>
-                        <a:spcBef>
-                          <a:spcPts val="600"/>
-                        </a:spcBef>
-                        <a:spcAft>
-                          <a:spcPts val="600"/>
-                        </a:spcAft>
-                        <a:buFont typeface="Symbol" panose="05050102010706020507" pitchFamily="18" charset="2"/>
-                        <a:buChar char=""/>
-                      </a:pPr>
-                      <a:r>
-                        <a:rPr lang="en-US" sz="3400" kern="1200" baseline="0" dirty="0">
-                          <a:solidFill>
-                            <a:schemeClr val="tx1"/>
-                          </a:solidFill>
-                          <a:effectLst/>
-                          <a:latin typeface="+mn-lt"/>
-                          <a:ea typeface="+mn-ea"/>
-                          <a:cs typeface="Open Sans Hebrew" panose="00000500000000000000" pitchFamily="2" charset="-79"/>
-                        </a:rPr>
-                        <a:t>0.91 inch OLED Display</a:t>
-                      </a:r>
-                      <a:endParaRPr lang="en-US" sz="5400" b="1" kern="1200" dirty="0">
+                      <a:endParaRPr lang="en-US" sz="3400" b="1" u="sng" kern="1200" dirty="0">
                         <a:solidFill>
                           <a:schemeClr val="tx1"/>
                         </a:solidFill>
@@ -8706,23 +8439,20 @@
                         </a:spcAft>
                         <a:buClrTx/>
                         <a:buSzTx/>
-                        <a:buFontTx/>
+                        <a:buFont typeface="Arial" panose="020B0604020202020204" pitchFamily="34" charset="0"/>
                         <a:buNone/>
                         <a:tabLst/>
                         <a:defRPr/>
                       </a:pPr>
-                      <a:r>
-                        <a:rPr lang="en-US" sz="5400" b="1" kern="1200" dirty="0">
-                          <a:solidFill>
-                            <a:schemeClr val="tx1"/>
-                          </a:solidFill>
-                          <a:effectLst/>
-                          <a:latin typeface="+mn-lt"/>
-                          <a:ea typeface="+mn-ea"/>
-                          <a:cs typeface="Open Sans Hebrew" panose="00000500000000000000" pitchFamily="2" charset="-79"/>
-                        </a:rPr>
-                        <a:t>Results</a:t>
-                      </a:r>
+                      <a:endParaRPr lang="en-US" sz="3400" b="1" u="sng" kern="1200" dirty="0">
+                        <a:solidFill>
+                          <a:schemeClr val="tx1"/>
+                        </a:solidFill>
+                        <a:effectLst/>
+                        <a:latin typeface="+mn-lt"/>
+                        <a:ea typeface="+mn-ea"/>
+                        <a:cs typeface="Open Sans Hebrew" panose="00000500000000000000" pitchFamily="2" charset="-79"/>
+                      </a:endParaRPr>
                     </a:p>
                     <a:p>
                       <a:pPr marL="0" marR="0" lvl="0" indent="0" algn="l" defTabSz="2519995" rtl="0" eaLnBrk="1" fontAlgn="auto" latinLnBrk="0" hangingPunct="1">
@@ -8742,21 +8472,18 @@
                         <a:tabLst/>
                         <a:defRPr/>
                       </a:pPr>
-                      <a:r>
-                        <a:rPr lang="en-US" sz="3400" kern="1200" dirty="0">
-                          <a:solidFill>
-                            <a:schemeClr val="tx1"/>
-                          </a:solidFill>
-                          <a:effectLst/>
-                          <a:latin typeface="+mn-lt"/>
-                          <a:ea typeface="+mn-ea"/>
-                          <a:cs typeface="Open Sans Hebrew" panose="00000500000000000000" pitchFamily="2" charset="-79"/>
-                        </a:rPr>
-                        <a:t>Camera:</a:t>
-                      </a:r>
+                      <a:endParaRPr lang="en-US" sz="3400" b="1" u="sng" kern="1200" dirty="0">
+                        <a:solidFill>
+                          <a:schemeClr val="tx1"/>
+                        </a:solidFill>
+                        <a:effectLst/>
+                        <a:latin typeface="+mn-lt"/>
+                        <a:ea typeface="+mn-ea"/>
+                        <a:cs typeface="Open Sans Hebrew" panose="00000500000000000000" pitchFamily="2" charset="-79"/>
+                      </a:endParaRPr>
                     </a:p>
                     <a:p>
-                      <a:pPr marL="457200" marR="0" lvl="0" indent="-457200" algn="l" defTabSz="2519995" rtl="0" eaLnBrk="1" fontAlgn="auto" latinLnBrk="0" hangingPunct="1">
+                      <a:pPr marL="0" marR="0" lvl="0" indent="0" algn="l" defTabSz="2519995" rtl="0" eaLnBrk="1" fontAlgn="auto" latinLnBrk="0" hangingPunct="1">
                         <a:lnSpc>
                           <a:spcPct val="100000"/>
                         </a:lnSpc>
@@ -8769,25 +8496,22 @@
                         <a:buClrTx/>
                         <a:buSzTx/>
                         <a:buFont typeface="Arial" panose="020B0604020202020204" pitchFamily="34" charset="0"/>
-                        <a:buChar char="•"/>
+                        <a:buNone/>
                         <a:tabLst/>
                         <a:defRPr/>
                       </a:pPr>
-                      <a:r>
-                        <a:rPr lang="en-US" sz="3400" kern="1200" dirty="0">
-                          <a:solidFill>
-                            <a:schemeClr val="tx1"/>
-                          </a:solidFill>
-                          <a:effectLst/>
-                          <a:latin typeface="+mn-lt"/>
-                          <a:ea typeface="+mn-ea"/>
-                          <a:cs typeface="Open Sans Hebrew" panose="00000500000000000000" pitchFamily="2" charset="-79"/>
-                        </a:rPr>
-                        <a:t>Displaying the distance marked on the screen using the mouse.</a:t>
-                      </a:r>
+                      <a:endParaRPr lang="en-US" sz="3400" b="1" u="sng" kern="1200" dirty="0">
+                        <a:solidFill>
+                          <a:schemeClr val="tx1"/>
+                        </a:solidFill>
+                        <a:effectLst/>
+                        <a:latin typeface="+mn-lt"/>
+                        <a:ea typeface="+mn-ea"/>
+                        <a:cs typeface="Open Sans Hebrew" panose="00000500000000000000" pitchFamily="2" charset="-79"/>
+                      </a:endParaRPr>
                     </a:p>
                     <a:p>
-                      <a:pPr marL="457200" marR="0" lvl="0" indent="-457200" algn="l" defTabSz="2519995" rtl="0" eaLnBrk="1" fontAlgn="auto" latinLnBrk="0" hangingPunct="1">
+                      <a:pPr marL="0" marR="0" lvl="0" indent="0" algn="l" defTabSz="2519995" rtl="0" eaLnBrk="1" fontAlgn="auto" latinLnBrk="0" hangingPunct="1">
                         <a:lnSpc>
                           <a:spcPct val="100000"/>
                         </a:lnSpc>
@@ -8800,22 +8524,47 @@
                         <a:buClrTx/>
                         <a:buSzTx/>
                         <a:buFont typeface="Arial" panose="020B0604020202020204" pitchFamily="34" charset="0"/>
-                        <a:buChar char="•"/>
+                        <a:buNone/>
                         <a:tabLst/>
                         <a:defRPr/>
                       </a:pPr>
-                      <a:r>
-                        <a:rPr lang="en-US" sz="3400" kern="1200" dirty="0">
-                          <a:solidFill>
-                            <a:schemeClr val="tx1"/>
-                          </a:solidFill>
-                          <a:effectLst/>
-                          <a:latin typeface="+mn-lt"/>
-                          <a:ea typeface="+mn-ea"/>
-                          <a:cs typeface="Open Sans Hebrew" panose="00000500000000000000" pitchFamily="2" charset="-79"/>
-                        </a:rPr>
-                        <a:t>Alert on the screen when a close object is detected from a predefined distance.</a:t>
-                      </a:r>
+                      <a:endParaRPr lang="en-US" sz="3400" b="1" u="sng" kern="1200" dirty="0">
+                        <a:solidFill>
+                          <a:schemeClr val="tx1"/>
+                        </a:solidFill>
+                        <a:effectLst/>
+                        <a:latin typeface="+mn-lt"/>
+                        <a:ea typeface="+mn-ea"/>
+                        <a:cs typeface="Open Sans Hebrew" panose="00000500000000000000" pitchFamily="2" charset="-79"/>
+                      </a:endParaRPr>
+                    </a:p>
+                    <a:p>
+                      <a:pPr marL="0" marR="0" lvl="0" indent="0" algn="l" defTabSz="2519995" rtl="0" eaLnBrk="1" fontAlgn="auto" latinLnBrk="0" hangingPunct="1">
+                        <a:lnSpc>
+                          <a:spcPct val="100000"/>
+                        </a:lnSpc>
+                        <a:spcBef>
+                          <a:spcPts val="0"/>
+                        </a:spcBef>
+                        <a:spcAft>
+                          <a:spcPts val="0"/>
+                        </a:spcAft>
+                        <a:buClrTx/>
+                        <a:buSzTx/>
+                        <a:buFont typeface="Arial" panose="020B0604020202020204" pitchFamily="34" charset="0"/>
+                        <a:buNone/>
+                        <a:tabLst/>
+                        <a:defRPr/>
+                      </a:pPr>
+                      <a:endParaRPr lang="en-US" sz="3400" b="1" u="sng" kern="1200" dirty="0">
+                        <a:solidFill>
+                          <a:schemeClr val="tx1"/>
+                        </a:solidFill>
+                        <a:effectLst/>
+                        <a:latin typeface="+mn-lt"/>
+                        <a:ea typeface="+mn-ea"/>
+                        <a:cs typeface="Open Sans Hebrew" panose="00000500000000000000" pitchFamily="2" charset="-79"/>
+                      </a:endParaRPr>
                     </a:p>
                     <a:p>
                       <a:pPr marL="457200" marR="0" lvl="0" indent="-457200" algn="l" defTabSz="2519995" rtl="0" eaLnBrk="1" fontAlgn="auto" latinLnBrk="0" hangingPunct="1">
@@ -9014,7 +8763,7 @@
                       </a:endParaRPr>
                     </a:p>
                     <a:p>
-                      <a:pPr marL="457200" marR="0" lvl="0" indent="-457200" algn="l" defTabSz="2519995" rtl="0" eaLnBrk="1" fontAlgn="auto" latinLnBrk="0" hangingPunct="1">
+                      <a:pPr marL="0" marR="0" lvl="0" indent="0" algn="l" defTabSz="2519995" rtl="0" eaLnBrk="1" fontAlgn="auto" latinLnBrk="0" hangingPunct="1">
                         <a:lnSpc>
                           <a:spcPct val="100000"/>
                         </a:lnSpc>
@@ -9027,63 +8776,7 @@
                         <a:buClrTx/>
                         <a:buSzTx/>
                         <a:buFont typeface="Arial" panose="020B0604020202020204" pitchFamily="34" charset="0"/>
-                        <a:buChar char="•"/>
-                        <a:tabLst/>
-                        <a:defRPr/>
-                      </a:pPr>
-                      <a:endParaRPr lang="en-US" sz="3400" kern="1200" dirty="0">
-                        <a:solidFill>
-                          <a:schemeClr val="tx1"/>
-                        </a:solidFill>
-                        <a:effectLst/>
-                        <a:latin typeface="+mn-lt"/>
-                        <a:ea typeface="+mn-ea"/>
-                        <a:cs typeface="Open Sans Hebrew" panose="00000500000000000000" pitchFamily="2" charset="-79"/>
-                      </a:endParaRPr>
-                    </a:p>
-                    <a:p>
-                      <a:pPr marL="457200" marR="0" lvl="0" indent="-457200" algn="l" defTabSz="2519995" rtl="0" eaLnBrk="1" fontAlgn="auto" latinLnBrk="0" hangingPunct="1">
-                        <a:lnSpc>
-                          <a:spcPct val="100000"/>
-                        </a:lnSpc>
-                        <a:spcBef>
-                          <a:spcPts val="0"/>
-                        </a:spcBef>
-                        <a:spcAft>
-                          <a:spcPts val="0"/>
-                        </a:spcAft>
-                        <a:buClrTx/>
-                        <a:buSzTx/>
-                        <a:buFont typeface="Arial" panose="020B0604020202020204" pitchFamily="34" charset="0"/>
-                        <a:buChar char="•"/>
-                        <a:tabLst/>
-                        <a:defRPr/>
-                      </a:pPr>
-                      <a:endParaRPr lang="en-US" sz="3400" kern="1200" dirty="0">
-                        <a:solidFill>
-                          <a:schemeClr val="tx1"/>
-                        </a:solidFill>
-                        <a:effectLst/>
-                        <a:latin typeface="+mn-lt"/>
-                        <a:ea typeface="+mn-ea"/>
-                        <a:cs typeface="Open Sans Hebrew" panose="00000500000000000000" pitchFamily="2" charset="-79"/>
-                      </a:endParaRPr>
-                    </a:p>
-                    <a:p>
-                      <a:pPr marL="457200" marR="0" lvl="0" indent="-457200" algn="l" defTabSz="2519995" rtl="0" eaLnBrk="1" fontAlgn="auto" latinLnBrk="0" hangingPunct="1">
-                        <a:lnSpc>
-                          <a:spcPct val="100000"/>
-                        </a:lnSpc>
-                        <a:spcBef>
-                          <a:spcPts val="0"/>
-                        </a:spcBef>
-                        <a:spcAft>
-                          <a:spcPts val="0"/>
-                        </a:spcAft>
-                        <a:buClrTx/>
-                        <a:buSzTx/>
-                        <a:buFont typeface="Arial" panose="020B0604020202020204" pitchFamily="34" charset="0"/>
-                        <a:buChar char="•"/>
+                        <a:buNone/>
                         <a:tabLst/>
                         <a:defRPr/>
                       </a:pPr>
@@ -9126,7 +8819,7 @@
                       </a:endParaRPr>
                     </a:p>
                     <a:p>
-                      <a:pPr marL="457200" marR="0" lvl="0" indent="-457200" algn="l" defTabSz="2519995" rtl="0" eaLnBrk="1" fontAlgn="auto" latinLnBrk="0" hangingPunct="1">
+                      <a:pPr marL="0" marR="0" lvl="0" indent="0" algn="l" defTabSz="2519995" rtl="0" eaLnBrk="1" fontAlgn="auto" latinLnBrk="0" hangingPunct="1">
                         <a:lnSpc>
                           <a:spcPct val="100000"/>
                         </a:lnSpc>
@@ -9139,7 +8832,78 @@
                         <a:buClrTx/>
                         <a:buSzTx/>
                         <a:buFont typeface="Arial" panose="020B0604020202020204" pitchFamily="34" charset="0"/>
-                        <a:buChar char="•"/>
+                        <a:buNone/>
+                        <a:tabLst/>
+                        <a:defRPr/>
+                      </a:pPr>
+                      <a:endParaRPr lang="en-US" sz="3400" u="sng" kern="1200" dirty="0">
+                        <a:solidFill>
+                          <a:schemeClr val="tx1"/>
+                        </a:solidFill>
+                        <a:effectLst/>
+                        <a:latin typeface="+mn-lt"/>
+                        <a:ea typeface="+mn-ea"/>
+                        <a:cs typeface="Open Sans Hebrew" panose="00000500000000000000" pitchFamily="2" charset="-79"/>
+                      </a:endParaRPr>
+                    </a:p>
+                    <a:p>
+                      <a:pPr marL="0" marR="0" lvl="0" indent="0" algn="l" defTabSz="2519995" rtl="0" eaLnBrk="1" fontAlgn="auto" latinLnBrk="0" hangingPunct="1">
+                        <a:lnSpc>
+                          <a:spcPct val="100000"/>
+                        </a:lnSpc>
+                        <a:spcBef>
+                          <a:spcPts val="0"/>
+                        </a:spcBef>
+                        <a:spcAft>
+                          <a:spcPts val="0"/>
+                        </a:spcAft>
+                        <a:buClrTx/>
+                        <a:buSzTx/>
+                        <a:buFont typeface="Arial" panose="020B0604020202020204" pitchFamily="34" charset="0"/>
+                        <a:buNone/>
+                        <a:tabLst/>
+                        <a:defRPr/>
+                      </a:pPr>
+                      <a:r>
+                        <a:rPr lang="en-US" sz="3400" u="sng" kern="1200" dirty="0">
+                          <a:solidFill>
+                            <a:schemeClr val="tx1"/>
+                          </a:solidFill>
+                          <a:effectLst/>
+                          <a:latin typeface="+mn-lt"/>
+                          <a:ea typeface="+mn-ea"/>
+                          <a:cs typeface="Open Sans Hebrew" panose="00000500000000000000" pitchFamily="2" charset="-79"/>
+                        </a:rPr>
+                        <a:t>Identifying distances </a:t>
+                      </a:r>
+                      <a:r>
+                        <a:rPr lang="en-US" sz="3400" kern="1200" dirty="0">
+                          <a:solidFill>
+                            <a:schemeClr val="tx1"/>
+                          </a:solidFill>
+                          <a:effectLst/>
+                          <a:latin typeface="+mn-lt"/>
+                          <a:ea typeface="+mn-ea"/>
+                          <a:cs typeface="Open Sans Hebrew" panose="00000500000000000000" pitchFamily="2" charset="-79"/>
+                        </a:rPr>
+                        <a:t>from the center of the frame:</a:t>
+                      </a:r>
+                    </a:p>
+                    <a:p>
+                      <a:pPr marL="0" marR="0" lvl="0" indent="0" algn="l" defTabSz="2519995" rtl="0" eaLnBrk="1" fontAlgn="auto" latinLnBrk="0" hangingPunct="1">
+                        <a:lnSpc>
+                          <a:spcPct val="100000"/>
+                        </a:lnSpc>
+                        <a:spcBef>
+                          <a:spcPts val="0"/>
+                        </a:spcBef>
+                        <a:spcAft>
+                          <a:spcPts val="0"/>
+                        </a:spcAft>
+                        <a:buClrTx/>
+                        <a:buSzTx/>
+                        <a:buFont typeface="Arial" panose="020B0604020202020204" pitchFamily="34" charset="0"/>
+                        <a:buNone/>
                         <a:tabLst/>
                         <a:defRPr/>
                       </a:pPr>
@@ -9153,11 +8917,11 @@
                           <a:ea typeface="+mn-ea"/>
                           <a:cs typeface="Open Sans Hebrew" panose="00000500000000000000" pitchFamily="2" charset="-79"/>
                         </a:rPr>
-                        <a:t>Identifying distances from the center of the frame:</a:t>
+                        <a:t>Samples every second and prints the results on the screen.</a:t>
                       </a:r>
                     </a:p>
                     <a:p>
-                      <a:pPr marL="457200" marR="0" lvl="0" indent="-457200" algn="l" defTabSz="2519995" rtl="0" eaLnBrk="1" fontAlgn="auto" latinLnBrk="0" hangingPunct="1">
+                      <a:pPr marL="0" marR="0" lvl="0" indent="0" algn="l" defTabSz="2519995" rtl="0" eaLnBrk="1" fontAlgn="auto" latinLnBrk="0" hangingPunct="1">
                         <a:lnSpc>
                           <a:spcPct val="100000"/>
                         </a:lnSpc>
@@ -9169,12 +8933,595 @@
                         </a:spcAft>
                         <a:buClrTx/>
                         <a:buSzTx/>
-                        <a:buFont typeface="Arial" panose="020B0604020202020204" pitchFamily="34" charset="0"/>
-                        <a:buChar char="•"/>
+                        <a:buFontTx/>
+                        <a:buNone/>
                         <a:tabLst/>
                         <a:defRPr/>
                       </a:pPr>
-                      <a:endParaRPr lang="en-US" sz="3400" kern="1200" dirty="0">
+                      <a:endParaRPr lang="en-US" sz="3200" kern="1200" dirty="0">
+                        <a:solidFill>
+                          <a:schemeClr val="tx1"/>
+                        </a:solidFill>
+                        <a:effectLst/>
+                        <a:latin typeface="+mn-lt"/>
+                        <a:ea typeface="+mn-ea"/>
+                        <a:cs typeface="Open Sans Hebrew" panose="00000500000000000000" pitchFamily="2" charset="-79"/>
+                      </a:endParaRPr>
+                    </a:p>
+                    <a:p>
+                      <a:pPr marL="0" marR="0" lvl="0" indent="0" algn="l" defTabSz="2519995" rtl="0" eaLnBrk="1" fontAlgn="auto" latinLnBrk="0" hangingPunct="1">
+                        <a:lnSpc>
+                          <a:spcPct val="100000"/>
+                        </a:lnSpc>
+                        <a:spcBef>
+                          <a:spcPts val="0"/>
+                        </a:spcBef>
+                        <a:spcAft>
+                          <a:spcPts val="0"/>
+                        </a:spcAft>
+                        <a:buClrTx/>
+                        <a:buSzTx/>
+                        <a:buFontTx/>
+                        <a:buNone/>
+                        <a:tabLst/>
+                        <a:defRPr/>
+                      </a:pPr>
+                      <a:endParaRPr lang="en-US" sz="3200" kern="1200" dirty="0">
+                        <a:solidFill>
+                          <a:schemeClr val="tx1"/>
+                        </a:solidFill>
+                        <a:effectLst/>
+                        <a:latin typeface="+mn-lt"/>
+                        <a:ea typeface="+mn-ea"/>
+                        <a:cs typeface="Open Sans Hebrew" panose="00000500000000000000" pitchFamily="2" charset="-79"/>
+                      </a:endParaRPr>
+                    </a:p>
+                    <a:p>
+                      <a:pPr marL="0" marR="0" lvl="0" indent="0" algn="l" defTabSz="2519995" rtl="0" eaLnBrk="1" fontAlgn="auto" latinLnBrk="0" hangingPunct="1">
+                        <a:lnSpc>
+                          <a:spcPct val="100000"/>
+                        </a:lnSpc>
+                        <a:spcBef>
+                          <a:spcPts val="0"/>
+                        </a:spcBef>
+                        <a:spcAft>
+                          <a:spcPts val="0"/>
+                        </a:spcAft>
+                        <a:buClrTx/>
+                        <a:buSzTx/>
+                        <a:buFontTx/>
+                        <a:buNone/>
+                        <a:tabLst/>
+                        <a:defRPr/>
+                      </a:pPr>
+                      <a:endParaRPr lang="en-US" sz="3200" kern="1200" dirty="0">
+                        <a:solidFill>
+                          <a:schemeClr val="tx1"/>
+                        </a:solidFill>
+                        <a:effectLst/>
+                        <a:latin typeface="+mn-lt"/>
+                        <a:ea typeface="+mn-ea"/>
+                        <a:cs typeface="Open Sans Hebrew" panose="00000500000000000000" pitchFamily="2" charset="-79"/>
+                      </a:endParaRPr>
+                    </a:p>
+                    <a:p>
+                      <a:pPr marL="0" marR="0" lvl="0" indent="0" algn="l" defTabSz="2519995" rtl="0" eaLnBrk="1" fontAlgn="auto" latinLnBrk="0" hangingPunct="1">
+                        <a:lnSpc>
+                          <a:spcPct val="100000"/>
+                        </a:lnSpc>
+                        <a:spcBef>
+                          <a:spcPts val="0"/>
+                        </a:spcBef>
+                        <a:spcAft>
+                          <a:spcPts val="0"/>
+                        </a:spcAft>
+                        <a:buClrTx/>
+                        <a:buSzTx/>
+                        <a:buFontTx/>
+                        <a:buNone/>
+                        <a:tabLst/>
+                        <a:defRPr/>
+                      </a:pPr>
+                      <a:endParaRPr lang="en-US" sz="3200" kern="1200" dirty="0">
+                        <a:solidFill>
+                          <a:schemeClr val="tx1"/>
+                        </a:solidFill>
+                        <a:effectLst/>
+                        <a:latin typeface="+mn-lt"/>
+                        <a:ea typeface="+mn-ea"/>
+                        <a:cs typeface="Open Sans Hebrew" panose="00000500000000000000" pitchFamily="2" charset="-79"/>
+                      </a:endParaRPr>
+                    </a:p>
+                    <a:p>
+                      <a:pPr marL="0" marR="0" lvl="0" indent="0" algn="l" defTabSz="2519995" rtl="0" eaLnBrk="1" fontAlgn="auto" latinLnBrk="0" hangingPunct="1">
+                        <a:lnSpc>
+                          <a:spcPct val="100000"/>
+                        </a:lnSpc>
+                        <a:spcBef>
+                          <a:spcPts val="0"/>
+                        </a:spcBef>
+                        <a:spcAft>
+                          <a:spcPts val="0"/>
+                        </a:spcAft>
+                        <a:buClrTx/>
+                        <a:buSzTx/>
+                        <a:buFontTx/>
+                        <a:buNone/>
+                        <a:tabLst/>
+                        <a:defRPr/>
+                      </a:pPr>
+                      <a:endParaRPr lang="en-US" sz="3200" kern="1200" dirty="0">
+                        <a:solidFill>
+                          <a:schemeClr val="tx1"/>
+                        </a:solidFill>
+                        <a:effectLst/>
+                        <a:latin typeface="+mn-lt"/>
+                        <a:ea typeface="+mn-ea"/>
+                        <a:cs typeface="Open Sans Hebrew" panose="00000500000000000000" pitchFamily="2" charset="-79"/>
+                      </a:endParaRPr>
+                    </a:p>
+                    <a:p>
+                      <a:pPr marL="0" marR="0" lvl="0" indent="0" algn="l" defTabSz="2519995" rtl="0" eaLnBrk="1" fontAlgn="auto" latinLnBrk="0" hangingPunct="1">
+                        <a:lnSpc>
+                          <a:spcPct val="100000"/>
+                        </a:lnSpc>
+                        <a:spcBef>
+                          <a:spcPts val="0"/>
+                        </a:spcBef>
+                        <a:spcAft>
+                          <a:spcPts val="0"/>
+                        </a:spcAft>
+                        <a:buClrTx/>
+                        <a:buSzTx/>
+                        <a:buFontTx/>
+                        <a:buNone/>
+                        <a:tabLst/>
+                        <a:defRPr/>
+                      </a:pPr>
+                      <a:endParaRPr lang="en-US" sz="3200" kern="1200" dirty="0">
+                        <a:solidFill>
+                          <a:schemeClr val="tx1"/>
+                        </a:solidFill>
+                        <a:effectLst/>
+                        <a:latin typeface="+mn-lt"/>
+                        <a:ea typeface="+mn-ea"/>
+                        <a:cs typeface="Open Sans Hebrew" panose="00000500000000000000" pitchFamily="2" charset="-79"/>
+                      </a:endParaRPr>
+                    </a:p>
+                    <a:p>
+                      <a:pPr marL="0" marR="0" lvl="0" indent="0" algn="l" defTabSz="2519995" rtl="0" eaLnBrk="1" fontAlgn="auto" latinLnBrk="0" hangingPunct="1">
+                        <a:lnSpc>
+                          <a:spcPct val="100000"/>
+                        </a:lnSpc>
+                        <a:spcBef>
+                          <a:spcPts val="0"/>
+                        </a:spcBef>
+                        <a:spcAft>
+                          <a:spcPts val="0"/>
+                        </a:spcAft>
+                        <a:buClrTx/>
+                        <a:buSzTx/>
+                        <a:buFontTx/>
+                        <a:buNone/>
+                        <a:tabLst/>
+                        <a:defRPr/>
+                      </a:pPr>
+                      <a:endParaRPr lang="en-US" sz="3200" kern="1200" dirty="0">
+                        <a:solidFill>
+                          <a:schemeClr val="tx1"/>
+                        </a:solidFill>
+                        <a:effectLst/>
+                        <a:latin typeface="+mn-lt"/>
+                        <a:ea typeface="+mn-ea"/>
+                        <a:cs typeface="Open Sans Hebrew" panose="00000500000000000000" pitchFamily="2" charset="-79"/>
+                      </a:endParaRPr>
+                    </a:p>
+                    <a:p>
+                      <a:pPr marL="0" marR="0" lvl="0" indent="0" algn="l" defTabSz="2519995" rtl="0" eaLnBrk="1" fontAlgn="auto" latinLnBrk="0" hangingPunct="1">
+                        <a:lnSpc>
+                          <a:spcPct val="100000"/>
+                        </a:lnSpc>
+                        <a:spcBef>
+                          <a:spcPts val="0"/>
+                        </a:spcBef>
+                        <a:spcAft>
+                          <a:spcPts val="0"/>
+                        </a:spcAft>
+                        <a:buClrTx/>
+                        <a:buSzTx/>
+                        <a:buFontTx/>
+                        <a:buNone/>
+                        <a:tabLst/>
+                        <a:defRPr/>
+                      </a:pPr>
+                      <a:endParaRPr lang="en-US" sz="3200" kern="1200" dirty="0">
+                        <a:solidFill>
+                          <a:schemeClr val="tx1"/>
+                        </a:solidFill>
+                        <a:effectLst/>
+                        <a:latin typeface="+mn-lt"/>
+                        <a:ea typeface="+mn-ea"/>
+                        <a:cs typeface="Open Sans Hebrew" panose="00000500000000000000" pitchFamily="2" charset="-79"/>
+                      </a:endParaRPr>
+                    </a:p>
+                    <a:p>
+                      <a:pPr marL="0" marR="0" lvl="0" indent="0" algn="l" defTabSz="2519995" rtl="0" eaLnBrk="1" fontAlgn="auto" latinLnBrk="0" hangingPunct="1">
+                        <a:lnSpc>
+                          <a:spcPct val="100000"/>
+                        </a:lnSpc>
+                        <a:spcBef>
+                          <a:spcPts val="0"/>
+                        </a:spcBef>
+                        <a:spcAft>
+                          <a:spcPts val="0"/>
+                        </a:spcAft>
+                        <a:buClrTx/>
+                        <a:buSzTx/>
+                        <a:buFontTx/>
+                        <a:buNone/>
+                        <a:tabLst/>
+                        <a:defRPr/>
+                      </a:pPr>
+                      <a:endParaRPr lang="en-US" sz="3200" kern="1200" dirty="0">
+                        <a:solidFill>
+                          <a:schemeClr val="tx1"/>
+                        </a:solidFill>
+                        <a:effectLst/>
+                        <a:latin typeface="+mn-lt"/>
+                        <a:ea typeface="+mn-ea"/>
+                        <a:cs typeface="Open Sans Hebrew" panose="00000500000000000000" pitchFamily="2" charset="-79"/>
+                      </a:endParaRPr>
+                    </a:p>
+                    <a:p>
+                      <a:pPr marL="0" marR="0" lvl="0" indent="0" algn="l" defTabSz="2519995" rtl="0" eaLnBrk="1" fontAlgn="auto" latinLnBrk="0" hangingPunct="1">
+                        <a:lnSpc>
+                          <a:spcPct val="100000"/>
+                        </a:lnSpc>
+                        <a:spcBef>
+                          <a:spcPts val="0"/>
+                        </a:spcBef>
+                        <a:spcAft>
+                          <a:spcPts val="0"/>
+                        </a:spcAft>
+                        <a:buClrTx/>
+                        <a:buSzTx/>
+                        <a:buFontTx/>
+                        <a:buNone/>
+                        <a:tabLst/>
+                        <a:defRPr/>
+                      </a:pPr>
+                      <a:endParaRPr lang="en-US" sz="3200" kern="1200" dirty="0">
+                        <a:solidFill>
+                          <a:schemeClr val="tx1"/>
+                        </a:solidFill>
+                        <a:effectLst/>
+                        <a:latin typeface="+mn-lt"/>
+                        <a:ea typeface="+mn-ea"/>
+                        <a:cs typeface="Open Sans Hebrew" panose="00000500000000000000" pitchFamily="2" charset="-79"/>
+                      </a:endParaRPr>
+                    </a:p>
+                    <a:p>
+                      <a:pPr marL="0" marR="0" lvl="0" indent="0" algn="l" defTabSz="2519995" rtl="0" eaLnBrk="1" fontAlgn="auto" latinLnBrk="0" hangingPunct="1">
+                        <a:lnSpc>
+                          <a:spcPct val="100000"/>
+                        </a:lnSpc>
+                        <a:spcBef>
+                          <a:spcPts val="0"/>
+                        </a:spcBef>
+                        <a:spcAft>
+                          <a:spcPts val="0"/>
+                        </a:spcAft>
+                        <a:buClrTx/>
+                        <a:buSzTx/>
+                        <a:buFontTx/>
+                        <a:buNone/>
+                        <a:tabLst/>
+                        <a:defRPr/>
+                      </a:pPr>
+                      <a:endParaRPr lang="en-US" sz="3200" kern="1200" dirty="0">
+                        <a:solidFill>
+                          <a:schemeClr val="tx1"/>
+                        </a:solidFill>
+                        <a:effectLst/>
+                        <a:latin typeface="+mn-lt"/>
+                        <a:ea typeface="+mn-ea"/>
+                        <a:cs typeface="Open Sans Hebrew" panose="00000500000000000000" pitchFamily="2" charset="-79"/>
+                      </a:endParaRPr>
+                    </a:p>
+                    <a:p>
+                      <a:pPr marL="0" marR="0" lvl="0" indent="0" algn="l" defTabSz="2519995" rtl="0" eaLnBrk="1" fontAlgn="auto" latinLnBrk="0" hangingPunct="1">
+                        <a:lnSpc>
+                          <a:spcPct val="100000"/>
+                        </a:lnSpc>
+                        <a:spcBef>
+                          <a:spcPts val="0"/>
+                        </a:spcBef>
+                        <a:spcAft>
+                          <a:spcPts val="0"/>
+                        </a:spcAft>
+                        <a:buClrTx/>
+                        <a:buSzTx/>
+                        <a:buFontTx/>
+                        <a:buNone/>
+                        <a:tabLst/>
+                        <a:defRPr/>
+                      </a:pPr>
+                      <a:endParaRPr lang="en-US" sz="3200" kern="1200" dirty="0">
+                        <a:solidFill>
+                          <a:schemeClr val="tx1"/>
+                        </a:solidFill>
+                        <a:effectLst/>
+                        <a:latin typeface="+mn-lt"/>
+                        <a:ea typeface="+mn-ea"/>
+                        <a:cs typeface="Open Sans Hebrew" panose="00000500000000000000" pitchFamily="2" charset="-79"/>
+                      </a:endParaRPr>
+                    </a:p>
+                    <a:p>
+                      <a:pPr marL="0" marR="0" lvl="0" indent="0" algn="l" defTabSz="2519995" rtl="0" eaLnBrk="1" fontAlgn="auto" latinLnBrk="0" hangingPunct="1">
+                        <a:lnSpc>
+                          <a:spcPct val="100000"/>
+                        </a:lnSpc>
+                        <a:spcBef>
+                          <a:spcPts val="0"/>
+                        </a:spcBef>
+                        <a:spcAft>
+                          <a:spcPts val="0"/>
+                        </a:spcAft>
+                        <a:buClrTx/>
+                        <a:buSzTx/>
+                        <a:buFontTx/>
+                        <a:buNone/>
+                        <a:tabLst/>
+                        <a:defRPr/>
+                      </a:pPr>
+                      <a:endParaRPr lang="en-US" sz="3200" kern="1200" dirty="0">
+                        <a:solidFill>
+                          <a:schemeClr val="tx1"/>
+                        </a:solidFill>
+                        <a:effectLst/>
+                        <a:latin typeface="+mn-lt"/>
+                        <a:ea typeface="+mn-ea"/>
+                        <a:cs typeface="Open Sans Hebrew" panose="00000500000000000000" pitchFamily="2" charset="-79"/>
+                      </a:endParaRPr>
+                    </a:p>
+                    <a:p>
+                      <a:pPr marL="0" marR="0" lvl="0" indent="0" algn="l" defTabSz="2519995" rtl="0" eaLnBrk="1" fontAlgn="auto" latinLnBrk="0" hangingPunct="1">
+                        <a:lnSpc>
+                          <a:spcPct val="100000"/>
+                        </a:lnSpc>
+                        <a:spcBef>
+                          <a:spcPts val="0"/>
+                        </a:spcBef>
+                        <a:spcAft>
+                          <a:spcPts val="0"/>
+                        </a:spcAft>
+                        <a:buClrTx/>
+                        <a:buSzTx/>
+                        <a:buFontTx/>
+                        <a:buNone/>
+                        <a:tabLst/>
+                        <a:defRPr/>
+                      </a:pPr>
+                      <a:endParaRPr lang="en-US" sz="3200" kern="1200" dirty="0">
+                        <a:solidFill>
+                          <a:schemeClr val="tx1"/>
+                        </a:solidFill>
+                        <a:effectLst/>
+                        <a:latin typeface="+mn-lt"/>
+                        <a:ea typeface="+mn-ea"/>
+                        <a:cs typeface="Open Sans Hebrew" panose="00000500000000000000" pitchFamily="2" charset="-79"/>
+                      </a:endParaRPr>
+                    </a:p>
+                    <a:p>
+                      <a:pPr marL="0" marR="0" lvl="0" indent="0" algn="l" defTabSz="2519995" rtl="0" eaLnBrk="1" fontAlgn="auto" latinLnBrk="0" hangingPunct="1">
+                        <a:lnSpc>
+                          <a:spcPct val="100000"/>
+                        </a:lnSpc>
+                        <a:spcBef>
+                          <a:spcPts val="0"/>
+                        </a:spcBef>
+                        <a:spcAft>
+                          <a:spcPts val="0"/>
+                        </a:spcAft>
+                        <a:buClrTx/>
+                        <a:buSzTx/>
+                        <a:buFontTx/>
+                        <a:buNone/>
+                        <a:tabLst/>
+                        <a:defRPr/>
+                      </a:pPr>
+                      <a:endParaRPr lang="en-US" sz="3200" kern="1200" dirty="0">
+                        <a:solidFill>
+                          <a:schemeClr val="tx1"/>
+                        </a:solidFill>
+                        <a:effectLst/>
+                        <a:latin typeface="+mn-lt"/>
+                        <a:ea typeface="+mn-ea"/>
+                        <a:cs typeface="Open Sans Hebrew" panose="00000500000000000000" pitchFamily="2" charset="-79"/>
+                      </a:endParaRPr>
+                    </a:p>
+                    <a:p>
+                      <a:pPr marL="0" marR="0" lvl="0" indent="0" algn="l" defTabSz="2519995" rtl="0" eaLnBrk="1" fontAlgn="auto" latinLnBrk="0" hangingPunct="1">
+                        <a:lnSpc>
+                          <a:spcPct val="100000"/>
+                        </a:lnSpc>
+                        <a:spcBef>
+                          <a:spcPts val="0"/>
+                        </a:spcBef>
+                        <a:spcAft>
+                          <a:spcPts val="0"/>
+                        </a:spcAft>
+                        <a:buClrTx/>
+                        <a:buSzTx/>
+                        <a:buFont typeface="Arial" panose="020B0604020202020204" pitchFamily="34" charset="0"/>
+                        <a:buNone/>
+                        <a:tabLst/>
+                        <a:defRPr/>
+                      </a:pPr>
+                      <a:endParaRPr lang="en-US" sz="3200" b="1" u="sng" kern="1200" dirty="0">
+                        <a:solidFill>
+                          <a:schemeClr val="tx1"/>
+                        </a:solidFill>
+                        <a:effectLst/>
+                        <a:latin typeface="+mn-lt"/>
+                        <a:ea typeface="+mn-ea"/>
+                        <a:cs typeface="Open Sans Hebrew" panose="00000500000000000000" pitchFamily="2" charset="-79"/>
+                      </a:endParaRPr>
+                    </a:p>
+                    <a:p>
+                      <a:pPr marL="0" marR="0" lvl="0" indent="0" algn="l" defTabSz="2519995" rtl="0" eaLnBrk="1" fontAlgn="auto" latinLnBrk="0" hangingPunct="1">
+                        <a:lnSpc>
+                          <a:spcPct val="100000"/>
+                        </a:lnSpc>
+                        <a:spcBef>
+                          <a:spcPts val="0"/>
+                        </a:spcBef>
+                        <a:spcAft>
+                          <a:spcPts val="0"/>
+                        </a:spcAft>
+                        <a:buClrTx/>
+                        <a:buSzTx/>
+                        <a:buFont typeface="Arial" panose="020B0604020202020204" pitchFamily="34" charset="0"/>
+                        <a:buNone/>
+                        <a:tabLst/>
+                        <a:defRPr/>
+                      </a:pPr>
+                      <a:endParaRPr lang="en-US" sz="3200" b="1" u="sng" kern="1200" dirty="0">
+                        <a:solidFill>
+                          <a:schemeClr val="tx1"/>
+                        </a:solidFill>
+                        <a:effectLst/>
+                        <a:latin typeface="+mn-lt"/>
+                        <a:ea typeface="+mn-ea"/>
+                        <a:cs typeface="Open Sans Hebrew" panose="00000500000000000000" pitchFamily="2" charset="-79"/>
+                      </a:endParaRPr>
+                    </a:p>
+                    <a:p>
+                      <a:pPr marL="0" marR="0" lvl="0" indent="0" algn="l" defTabSz="2519995" rtl="0" eaLnBrk="1" fontAlgn="auto" latinLnBrk="0" hangingPunct="1">
+                        <a:lnSpc>
+                          <a:spcPct val="100000"/>
+                        </a:lnSpc>
+                        <a:spcBef>
+                          <a:spcPts val="0"/>
+                        </a:spcBef>
+                        <a:spcAft>
+                          <a:spcPts val="0"/>
+                        </a:spcAft>
+                        <a:buClrTx/>
+                        <a:buSzTx/>
+                        <a:buFont typeface="Arial" panose="020B0604020202020204" pitchFamily="34" charset="0"/>
+                        <a:buNone/>
+                        <a:tabLst/>
+                        <a:defRPr/>
+                      </a:pPr>
+                      <a:endParaRPr lang="en-US" sz="3200" b="1" u="sng" kern="1200" dirty="0">
+                        <a:solidFill>
+                          <a:schemeClr val="tx1"/>
+                        </a:solidFill>
+                        <a:effectLst/>
+                        <a:latin typeface="+mn-lt"/>
+                        <a:ea typeface="+mn-ea"/>
+                        <a:cs typeface="Open Sans Hebrew" panose="00000500000000000000" pitchFamily="2" charset="-79"/>
+                      </a:endParaRPr>
+                    </a:p>
+                    <a:p>
+                      <a:pPr marL="0" marR="0" lvl="0" indent="0" algn="l" defTabSz="2519995" rtl="0" eaLnBrk="1" fontAlgn="auto" latinLnBrk="0" hangingPunct="1">
+                        <a:lnSpc>
+                          <a:spcPct val="100000"/>
+                        </a:lnSpc>
+                        <a:spcBef>
+                          <a:spcPts val="0"/>
+                        </a:spcBef>
+                        <a:spcAft>
+                          <a:spcPts val="0"/>
+                        </a:spcAft>
+                        <a:buClrTx/>
+                        <a:buSzTx/>
+                        <a:buFont typeface="Arial" panose="020B0604020202020204" pitchFamily="34" charset="0"/>
+                        <a:buNone/>
+                        <a:tabLst/>
+                        <a:defRPr/>
+                      </a:pPr>
+                      <a:r>
+                        <a:rPr lang="en-US" sz="3200" b="1" u="sng" kern="1200" dirty="0">
+                          <a:solidFill>
+                            <a:schemeClr val="tx1"/>
+                          </a:solidFill>
+                          <a:effectLst/>
+                          <a:latin typeface="+mn-lt"/>
+                          <a:ea typeface="+mn-ea"/>
+                          <a:cs typeface="Open Sans Hebrew" panose="00000500000000000000" pitchFamily="2" charset="-79"/>
+                        </a:rPr>
+                        <a:t>LIDAR</a:t>
+                      </a:r>
+                      <a:r>
+                        <a:rPr lang="en-US" sz="3200" kern="1200" dirty="0">
+                          <a:solidFill>
+                            <a:schemeClr val="tx1"/>
+                          </a:solidFill>
+                          <a:effectLst/>
+                          <a:latin typeface="+mn-lt"/>
+                          <a:ea typeface="+mn-ea"/>
+                          <a:cs typeface="Open Sans Hebrew" panose="00000500000000000000" pitchFamily="2" charset="-79"/>
+                        </a:rPr>
+                        <a:t>:</a:t>
+                      </a:r>
+                    </a:p>
+                    <a:p>
+                      <a:pPr marL="0" marR="0" lvl="0" indent="0" algn="l" defTabSz="2519995" rtl="0" eaLnBrk="1" fontAlgn="auto" latinLnBrk="0" hangingPunct="1">
+                        <a:lnSpc>
+                          <a:spcPct val="100000"/>
+                        </a:lnSpc>
+                        <a:spcBef>
+                          <a:spcPts val="0"/>
+                        </a:spcBef>
+                        <a:spcAft>
+                          <a:spcPts val="0"/>
+                        </a:spcAft>
+                        <a:buClrTx/>
+                        <a:buSzTx/>
+                        <a:buFont typeface="Arial" panose="020B0604020202020204" pitchFamily="34" charset="0"/>
+                        <a:buNone/>
+                        <a:tabLst/>
+                        <a:defRPr/>
+                      </a:pPr>
+                      <a:r>
+                        <a:rPr lang="en-US" sz="3200" u="sng" kern="1200" dirty="0">
+                          <a:solidFill>
+                            <a:schemeClr val="tx1"/>
+                          </a:solidFill>
+                          <a:effectLst/>
+                          <a:latin typeface="+mn-lt"/>
+                          <a:ea typeface="+mn-ea"/>
+                          <a:cs typeface="Open Sans Hebrew" panose="00000500000000000000" pitchFamily="2" charset="-79"/>
+                        </a:rPr>
+                        <a:t>Alerting</a:t>
+                      </a:r>
+                      <a:r>
+                        <a:rPr lang="en-US" sz="3200" kern="1200" dirty="0">
+                          <a:solidFill>
+                            <a:schemeClr val="tx1"/>
+                          </a:solidFill>
+                          <a:effectLst/>
+                          <a:latin typeface="+mn-lt"/>
+                          <a:ea typeface="+mn-ea"/>
+                          <a:cs typeface="Open Sans Hebrew" panose="00000500000000000000" pitchFamily="2" charset="-79"/>
+                        </a:rPr>
+                        <a:t> when the presence of an object is close to the sensor from a certain distance </a:t>
+                      </a:r>
+                      <a:r>
+                        <a:rPr lang="en-US" sz="3200" b="1" kern="1200" dirty="0">
+                          <a:solidFill>
+                            <a:schemeClr val="tx1"/>
+                          </a:solidFill>
+                          <a:effectLst/>
+                          <a:latin typeface="+mn-lt"/>
+                          <a:ea typeface="+mn-ea"/>
+                          <a:cs typeface="Open Sans Hebrew" panose="00000500000000000000" pitchFamily="2" charset="-79"/>
+                        </a:rPr>
+                        <a:t>(360-degree scan). Sample only when object is closer then 150 mm</a:t>
+                      </a:r>
+                      <a:endParaRPr lang="en-US" sz="2800" b="1" kern="1200" baseline="0" dirty="0">
                         <a:solidFill>
                           <a:schemeClr val="tx1"/>
                         </a:solidFill>
@@ -9269,86 +9616,12 @@
                         </a:spcAft>
                         <a:buClrTx/>
                         <a:buSzTx/>
-                        <a:buFont typeface="Arial" panose="020B0604020202020204" pitchFamily="34" charset="0"/>
+                        <a:buFontTx/>
                         <a:buNone/>
                         <a:tabLst/>
                         <a:defRPr/>
                       </a:pPr>
-                      <a:r>
-                        <a:rPr lang="en-US" sz="3400" kern="1200" dirty="0">
-                          <a:solidFill>
-                            <a:schemeClr val="tx1"/>
-                          </a:solidFill>
-                          <a:effectLst/>
-                          <a:latin typeface="+mn-lt"/>
-                          <a:ea typeface="+mn-ea"/>
-                          <a:cs typeface="Open Sans Hebrew" panose="00000500000000000000" pitchFamily="2" charset="-79"/>
-                        </a:rPr>
-                        <a:t>LIDAR:</a:t>
-                      </a:r>
-                    </a:p>
-                    <a:p>
-                      <a:pPr marL="457200" marR="0" lvl="0" indent="-457200" algn="l" defTabSz="2519995" rtl="0" eaLnBrk="1" fontAlgn="auto" latinLnBrk="0" hangingPunct="1">
-                        <a:lnSpc>
-                          <a:spcPct val="100000"/>
-                        </a:lnSpc>
-                        <a:spcBef>
-                          <a:spcPts val="0"/>
-                        </a:spcBef>
-                        <a:spcAft>
-                          <a:spcPts val="0"/>
-                        </a:spcAft>
-                        <a:buClrTx/>
-                        <a:buSzTx/>
-                        <a:buFont typeface="Arial" panose="020B0604020202020204" pitchFamily="34" charset="0"/>
-                        <a:buChar char="•"/>
-                        <a:tabLst/>
-                        <a:defRPr/>
-                      </a:pPr>
-                      <a:r>
-                        <a:rPr lang="en-US" sz="3400" kern="1200" dirty="0">
-                          <a:solidFill>
-                            <a:schemeClr val="tx1"/>
-                          </a:solidFill>
-                          <a:effectLst/>
-                          <a:latin typeface="+mn-lt"/>
-                          <a:ea typeface="+mn-ea"/>
-                          <a:cs typeface="Open Sans Hebrew" panose="00000500000000000000" pitchFamily="2" charset="-79"/>
-                        </a:rPr>
-                        <a:t>Build a real-time visualization of the room where the sensor is in an overhead view.</a:t>
-                      </a:r>
-                    </a:p>
-                    <a:p>
-                      <a:pPr marL="457200" marR="0" lvl="0" indent="-457200" algn="l" defTabSz="2519995" rtl="0" eaLnBrk="1" fontAlgn="auto" latinLnBrk="0" hangingPunct="1">
-                        <a:lnSpc>
-                          <a:spcPct val="100000"/>
-                        </a:lnSpc>
-                        <a:spcBef>
-                          <a:spcPts val="0"/>
-                        </a:spcBef>
-                        <a:spcAft>
-                          <a:spcPts val="0"/>
-                        </a:spcAft>
-                        <a:buClrTx/>
-                        <a:buSzTx/>
-                        <a:buFont typeface="Arial" panose="020B0604020202020204" pitchFamily="34" charset="0"/>
-                        <a:buChar char="•"/>
-                        <a:tabLst/>
-                        <a:defRPr/>
-                      </a:pPr>
-                      <a:r>
-                        <a:rPr lang="en-US" sz="3400" kern="1200" dirty="0">
-                          <a:solidFill>
-                            <a:schemeClr val="tx1"/>
-                          </a:solidFill>
-                          <a:effectLst/>
-                          <a:latin typeface="+mn-lt"/>
-                          <a:ea typeface="+mn-ea"/>
-                          <a:cs typeface="Open Sans Hebrew" panose="00000500000000000000" pitchFamily="2" charset="-79"/>
-                        </a:rPr>
-                        <a:t>Warning about the presence of an object that is close to the sensor from a certain distance (360-degree scan).</a:t>
-                      </a:r>
-                      <a:endParaRPr lang="en-US" sz="3200" kern="1200" baseline="0" dirty="0">
+                      <a:endParaRPr lang="en-US" sz="3400" kern="1200" dirty="0">
                         <a:solidFill>
                           <a:schemeClr val="tx1"/>
                         </a:solidFill>
@@ -9712,34 +9985,18 @@
                         <a:tabLst/>
                         <a:defRPr/>
                       </a:pPr>
-                      <a:endParaRPr lang="en-US" sz="3400" kern="1200" dirty="0">
-                        <a:solidFill>
-                          <a:schemeClr val="tx1"/>
-                        </a:solidFill>
-                        <a:effectLst/>
-                        <a:latin typeface="+mn-lt"/>
-                        <a:ea typeface="+mn-ea"/>
-                        <a:cs typeface="Open Sans Hebrew" panose="00000500000000000000" pitchFamily="2" charset="-79"/>
-                      </a:endParaRPr>
-                    </a:p>
-                    <a:p>
-                      <a:pPr marL="0" marR="0" lvl="0" indent="0" algn="l" defTabSz="2519995" rtl="0" eaLnBrk="1" fontAlgn="auto" latinLnBrk="0" hangingPunct="1">
-                        <a:lnSpc>
-                          <a:spcPct val="100000"/>
-                        </a:lnSpc>
-                        <a:spcBef>
-                          <a:spcPts val="0"/>
-                        </a:spcBef>
-                        <a:spcAft>
-                          <a:spcPts val="0"/>
-                        </a:spcAft>
-                        <a:buClrTx/>
-                        <a:buSzTx/>
-                        <a:buFontTx/>
-                        <a:buNone/>
-                        <a:tabLst/>
-                        <a:defRPr/>
-                      </a:pPr>
+                      <a:r>
+                        <a:rPr lang="en-US" sz="3400" u="sng" kern="1200" dirty="0">
+                          <a:solidFill>
+                            <a:schemeClr val="tx1"/>
+                          </a:solidFill>
+                          <a:effectLst/>
+                          <a:latin typeface="+mn-lt"/>
+                          <a:ea typeface="+mn-ea"/>
+                          <a:cs typeface="Open Sans Hebrew" panose="00000500000000000000" pitchFamily="2" charset="-79"/>
+                        </a:rPr>
+                        <a:t>Connection of Raspberry PI and Arduino </a:t>
+                      </a:r>
                       <a:r>
                         <a:rPr lang="en-US" sz="3400" kern="1200" dirty="0">
                           <a:solidFill>
@@ -9750,7 +10007,31 @@
                           <a:ea typeface="+mn-ea"/>
                           <a:cs typeface="Open Sans Hebrew" panose="00000500000000000000" pitchFamily="2" charset="-79"/>
                         </a:rPr>
-                        <a:t>For the connection of the Raspberry PI with the M5stack: a scan of the device is performed, and a connection is made in the WIFI configuration. On the Raspberry PI display you can see the outputs of the sensors of the M5stack</a:t>
+                        <a:t>: a scan of the device is performed, and a connection is made in </a:t>
+                      </a:r>
+                      <a:r>
+                        <a:rPr lang="en-US" sz="3400" b="1" u="none" kern="1200" dirty="0">
+                          <a:solidFill>
+                            <a:schemeClr val="tx1"/>
+                          </a:solidFill>
+                          <a:effectLst/>
+                          <a:latin typeface="+mn-lt"/>
+                          <a:ea typeface="+mn-ea"/>
+                          <a:cs typeface="Open Sans Hebrew" panose="00000500000000000000" pitchFamily="2" charset="-79"/>
+                        </a:rPr>
+                        <a:t>WIFI configuration</a:t>
+                      </a:r>
+                      <a:r>
+                        <a:rPr lang="en-US" sz="3400" kern="1200" dirty="0">
+                          <a:solidFill>
+                            <a:schemeClr val="tx1"/>
+                          </a:solidFill>
+                          <a:effectLst/>
+                          <a:latin typeface="+mn-lt"/>
+                          <a:ea typeface="+mn-ea"/>
+                          <a:cs typeface="Open Sans Hebrew" panose="00000500000000000000" pitchFamily="2" charset="-79"/>
+                        </a:rPr>
+                        <a:t>. </a:t>
                       </a:r>
                     </a:p>
                     <a:p>
@@ -9827,7 +10108,7 @@
                         <a:tabLst/>
                         <a:defRPr/>
                       </a:pPr>
-                      <a:endParaRPr lang="en-US" sz="3400" kern="1200" dirty="0">
+                      <a:endParaRPr lang="en-US" sz="5400" b="1" kern="1200" dirty="0">
                         <a:solidFill>
                           <a:schemeClr val="tx1"/>
                         </a:solidFill>
@@ -9856,6 +10137,62 @@
                         <a:defRPr/>
                       </a:pPr>
                       <a:endParaRPr lang="en-US" sz="5400" b="1" kern="1200" dirty="0">
+                        <a:solidFill>
+                          <a:schemeClr val="tx1"/>
+                        </a:solidFill>
+                        <a:effectLst/>
+                        <a:latin typeface="+mn-lt"/>
+                        <a:ea typeface="+mn-ea"/>
+                        <a:cs typeface="Open Sans Hebrew" panose="00000500000000000000" pitchFamily="2" charset="-79"/>
+                      </a:endParaRPr>
+                    </a:p>
+                    <a:p>
+                      <a:pPr marL="0" marR="0" lvl="0" indent="0" algn="l" defTabSz="2519995" rtl="0" eaLnBrk="1" fontAlgn="auto" latinLnBrk="0" hangingPunct="1">
+                        <a:lnSpc>
+                          <a:spcPct val="100000"/>
+                        </a:lnSpc>
+                        <a:spcBef>
+                          <a:spcPts val="0"/>
+                        </a:spcBef>
+                        <a:spcAft>
+                          <a:spcPts val="0"/>
+                        </a:spcAft>
+                        <a:buClrTx/>
+                        <a:buSzTx/>
+                        <a:buFontTx/>
+                        <a:buNone/>
+                        <a:tabLst/>
+                        <a:defRPr/>
+                      </a:pPr>
+                      <a:endParaRPr lang="en-US" sz="1100" b="1" kern="1200" dirty="0">
+                        <a:solidFill>
+                          <a:schemeClr val="tx1"/>
+                        </a:solidFill>
+                        <a:effectLst/>
+                        <a:latin typeface="+mn-lt"/>
+                        <a:ea typeface="+mn-ea"/>
+                        <a:cs typeface="Open Sans Hebrew" panose="00000500000000000000" pitchFamily="2" charset="-79"/>
+                      </a:endParaRPr>
+                    </a:p>
+                    <a:p>
+                      <a:pPr marL="0" marR="0" lvl="0" indent="0" algn="l" defTabSz="2519995" rtl="0" eaLnBrk="1" fontAlgn="auto" latinLnBrk="0" hangingPunct="1">
+                        <a:lnSpc>
+                          <a:spcPct val="100000"/>
+                        </a:lnSpc>
+                        <a:spcBef>
+                          <a:spcPts val="0"/>
+                        </a:spcBef>
+                        <a:spcAft>
+                          <a:spcPts val="0"/>
+                        </a:spcAft>
+                        <a:buClrTx/>
+                        <a:buSzTx/>
+                        <a:buFontTx/>
+                        <a:buNone/>
+                        <a:tabLst/>
+                        <a:defRPr/>
+                      </a:pPr>
+                      <a:endParaRPr lang="en-US" sz="1100" b="1" kern="1200" dirty="0">
                         <a:solidFill>
                           <a:schemeClr val="tx1"/>
                         </a:solidFill>
@@ -9924,7 +10261,103 @@
                           <a:ea typeface="+mn-ea"/>
                           <a:cs typeface="Open Sans Hebrew" panose="00000500000000000000" pitchFamily="2" charset="-79"/>
                         </a:rPr>
-                        <a:t>This project aimed to build a hardware and software infrastructure around a Raspberry Pi, tailored for electrical engineering and physiotherapy projects.</a:t>
+                        <a:t>We selected and integrated sensors compatible with the Raspberry Pi, including </a:t>
+                      </a:r>
+                      <a:r>
+                        <a:rPr lang="en-US" sz="3400" b="1" kern="1200" dirty="0">
+                          <a:solidFill>
+                            <a:schemeClr val="tx1"/>
+                          </a:solidFill>
+                          <a:effectLst/>
+                          <a:latin typeface="+mn-lt"/>
+                          <a:ea typeface="+mn-ea"/>
+                          <a:cs typeface="Open Sans Hebrew" panose="00000500000000000000" pitchFamily="2" charset="-79"/>
+                        </a:rPr>
+                        <a:t>camera</a:t>
+                      </a:r>
+                      <a:r>
+                        <a:rPr lang="en-US" sz="3400" kern="1200" dirty="0">
+                          <a:solidFill>
+                            <a:schemeClr val="tx1"/>
+                          </a:solidFill>
+                          <a:effectLst/>
+                          <a:latin typeface="+mn-lt"/>
+                          <a:ea typeface="+mn-ea"/>
+                          <a:cs typeface="Open Sans Hebrew" panose="00000500000000000000" pitchFamily="2" charset="-79"/>
+                        </a:rPr>
+                        <a:t>, </a:t>
+                      </a:r>
+                      <a:r>
+                        <a:rPr lang="en-US" sz="3400" b="1" kern="1200" dirty="0">
+                          <a:solidFill>
+                            <a:schemeClr val="tx1"/>
+                          </a:solidFill>
+                          <a:effectLst/>
+                          <a:latin typeface="+mn-lt"/>
+                          <a:ea typeface="+mn-ea"/>
+                          <a:cs typeface="Open Sans Hebrew" panose="00000500000000000000" pitchFamily="2" charset="-79"/>
+                        </a:rPr>
+                        <a:t>LIDAR</a:t>
+                      </a:r>
+                      <a:r>
+                        <a:rPr lang="en-US" sz="3400" kern="1200" dirty="0">
+                          <a:solidFill>
+                            <a:schemeClr val="tx1"/>
+                          </a:solidFill>
+                          <a:effectLst/>
+                          <a:latin typeface="+mn-lt"/>
+                          <a:ea typeface="+mn-ea"/>
+                          <a:cs typeface="Open Sans Hebrew" panose="00000500000000000000" pitchFamily="2" charset="-79"/>
+                        </a:rPr>
+                        <a:t>, and </a:t>
+                      </a:r>
+                      <a:r>
+                        <a:rPr lang="en-US" sz="3400" b="1" kern="1200" dirty="0">
+                          <a:solidFill>
+                            <a:schemeClr val="tx1"/>
+                          </a:solidFill>
+                          <a:effectLst/>
+                          <a:latin typeface="+mn-lt"/>
+                          <a:ea typeface="+mn-ea"/>
+                          <a:cs typeface="Open Sans Hebrew" panose="00000500000000000000" pitchFamily="2" charset="-79"/>
+                        </a:rPr>
+                        <a:t>OLED</a:t>
+                      </a:r>
+                      <a:r>
+                        <a:rPr lang="en-US" sz="3400" kern="1200" dirty="0">
+                          <a:solidFill>
+                            <a:schemeClr val="tx1"/>
+                          </a:solidFill>
+                          <a:effectLst/>
+                          <a:latin typeface="+mn-lt"/>
+                          <a:ea typeface="+mn-ea"/>
+                          <a:cs typeface="Open Sans Hebrew" panose="00000500000000000000" pitchFamily="2" charset="-79"/>
+                        </a:rPr>
+                        <a:t> </a:t>
+                      </a:r>
+                      <a:r>
+                        <a:rPr lang="en-US" sz="3400" b="1" kern="1200" dirty="0">
+                          <a:solidFill>
+                            <a:schemeClr val="tx1"/>
+                          </a:solidFill>
+                          <a:effectLst/>
+                          <a:latin typeface="+mn-lt"/>
+                          <a:ea typeface="+mn-ea"/>
+                          <a:cs typeface="Open Sans Hebrew" panose="00000500000000000000" pitchFamily="2" charset="-79"/>
+                        </a:rPr>
+                        <a:t>screen</a:t>
+                      </a:r>
+                      <a:r>
+                        <a:rPr lang="en-US" sz="3400" kern="1200" dirty="0">
+                          <a:solidFill>
+                            <a:schemeClr val="tx1"/>
+                          </a:solidFill>
+                          <a:effectLst/>
+                          <a:latin typeface="+mn-lt"/>
+                          <a:ea typeface="+mn-ea"/>
+                          <a:cs typeface="Open Sans Hebrew" panose="00000500000000000000" pitchFamily="2" charset="-79"/>
+                        </a:rPr>
+                        <a:t>. Testing showcased functionalities such as Real-sense software for the camera and scanning configuration for the LIDAR sensor. </a:t>
                       </a:r>
                     </a:p>
                     <a:p>
@@ -9955,7 +10388,38 @@
                           <a:ea typeface="+mn-ea"/>
                           <a:cs typeface="Open Sans Hebrew" panose="00000500000000000000" pitchFamily="2" charset="-79"/>
                         </a:rPr>
-                        <a:t>We selected and integrated sensors compatible with the Raspberry Pi, including camera, LIDAR, and OLED screens. Testing showcased functionalities such as Real-sense software for the camera and scanning configuration for the LIDAR sensor. </a:t>
+                        <a:t>Integration with Arduino via WIFI was successful. Future recommendations include exploring sensor integration, advanced testing, and enhancing physical configuration for seamless use in upcoming projects.</a:t>
+                      </a:r>
+                    </a:p>
+                    <a:p>
+                      <a:pPr marL="0" marR="0" lvl="0" indent="0" algn="l" defTabSz="2519995" rtl="0" eaLnBrk="1" fontAlgn="auto" latinLnBrk="0" hangingPunct="1">
+                        <a:lnSpc>
+                          <a:spcPct val="100000"/>
+                        </a:lnSpc>
+                        <a:spcBef>
+                          <a:spcPts val="0"/>
+                        </a:spcBef>
+                        <a:spcAft>
+                          <a:spcPts val="0"/>
+                        </a:spcAft>
+                        <a:buClrTx/>
+                        <a:buSzTx/>
+                        <a:buFontTx/>
+                        <a:buNone/>
+                        <a:tabLst/>
+                        <a:defRPr/>
+                      </a:pPr>
+                      <a:r>
+                        <a:rPr lang="en-US" sz="5400" b="1" kern="1200" dirty="0">
+                          <a:solidFill>
+                            <a:schemeClr val="tx1"/>
+                          </a:solidFill>
+                          <a:effectLst/>
+                          <a:latin typeface="+mn-lt"/>
+                          <a:ea typeface="+mn-ea"/>
+                          <a:cs typeface="Open Sans Hebrew" panose="00000500000000000000" pitchFamily="2" charset="-79"/>
+                        </a:rPr>
+                        <a:t>Documentation</a:t>
                       </a:r>
                     </a:p>
                     <a:p>
@@ -9976,6 +10440,18 @@
                         <a:tabLst/>
                         <a:defRPr/>
                       </a:pPr>
+                      <a:r>
+                        <a:rPr lang="en-US" sz="3400" u="sng" kern="1200" dirty="0">
+                          <a:solidFill>
+                            <a:schemeClr val="tx1"/>
+                          </a:solidFill>
+                          <a:effectLst/>
+                          <a:latin typeface="+mn-lt"/>
+                          <a:ea typeface="+mn-ea"/>
+                          <a:cs typeface="Open Sans Hebrew" panose="00000500000000000000" pitchFamily="2" charset="-79"/>
+                        </a:rPr>
+                        <a:t>Component definition document </a:t>
+                      </a:r>
                       <a:r>
                         <a:rPr lang="en-US" sz="3400" kern="1200" dirty="0">
                           <a:solidFill>
@@ -9986,11 +10462,11 @@
                           <a:ea typeface="+mn-ea"/>
                           <a:cs typeface="Open Sans Hebrew" panose="00000500000000000000" pitchFamily="2" charset="-79"/>
                         </a:rPr>
-                        <a:t>Integration with M5stack via WIFI was successful. Future recommendations include exploring sensor integration, advanced testing, and enhancing physical configuration for seamless use in upcoming projects.</a:t>
+                        <a:t>- shows all the alternative components that we could use in this project and information about them.</a:t>
                       </a:r>
                     </a:p>
                     <a:p>
-                      <a:pPr marL="0" marR="0" lvl="0" indent="0" algn="l" defTabSz="2519995" rtl="0" eaLnBrk="1" fontAlgn="auto" latinLnBrk="0" hangingPunct="1">
+                      <a:pPr marL="457200" marR="0" lvl="0" indent="-457200" algn="just" defTabSz="2519995" rtl="0" eaLnBrk="1" fontAlgn="auto" latinLnBrk="0" hangingPunct="1">
                         <a:lnSpc>
                           <a:spcPct val="100000"/>
                         </a:lnSpc>
@@ -10002,14 +10478,145 @@
                         </a:spcAft>
                         <a:buClrTx/>
                         <a:buSzTx/>
-                        <a:buFontTx/>
-                        <a:buNone/>
+                        <a:buFont typeface="Arial" panose="020B0604020202020204" pitchFamily="34" charset="0"/>
+                        <a:buChar char="•"/>
                         <a:tabLst/>
                         <a:defRPr/>
                       </a:pPr>
-                      <a:endParaRPr lang="en-US" sz="7200" dirty="0">
+                      <a:r>
+                        <a:rPr lang="en-US" sz="3400" u="sng" kern="1200" dirty="0">
+                          <a:solidFill>
+                            <a:schemeClr val="tx1"/>
+                          </a:solidFill>
+                          <a:effectLst/>
+                          <a:latin typeface="+mn-lt"/>
+                          <a:ea typeface="+mn-ea"/>
+                          <a:cs typeface="Open Sans Hebrew" panose="00000500000000000000" pitchFamily="2" charset="-79"/>
+                        </a:rPr>
+                        <a:t>Sensor installation document </a:t>
+                      </a:r>
+                      <a:r>
+                        <a:rPr lang="en-US" sz="3400" kern="1200" dirty="0">
+                          <a:solidFill>
+                            <a:schemeClr val="tx1"/>
+                          </a:solidFill>
+                          <a:effectLst/>
+                          <a:latin typeface="+mn-lt"/>
+                          <a:ea typeface="+mn-ea"/>
+                          <a:cs typeface="Open Sans Hebrew" panose="00000500000000000000" pitchFamily="2" charset="-79"/>
+                        </a:rPr>
+                        <a:t>- a document that includes detailed installation guides for all the sensors in the project</a:t>
+                      </a:r>
+                    </a:p>
+                    <a:p>
+                      <a:pPr marL="457200" marR="0" lvl="0" indent="-457200" algn="just" defTabSz="2519995" rtl="0" eaLnBrk="1" fontAlgn="auto" latinLnBrk="0" hangingPunct="1">
+                        <a:lnSpc>
+                          <a:spcPct val="100000"/>
+                        </a:lnSpc>
+                        <a:spcBef>
+                          <a:spcPts val="0"/>
+                        </a:spcBef>
+                        <a:spcAft>
+                          <a:spcPts val="0"/>
+                        </a:spcAft>
+                        <a:buClrTx/>
+                        <a:buSzTx/>
+                        <a:buFont typeface="Arial" panose="020B0604020202020204" pitchFamily="34" charset="0"/>
+                        <a:buChar char="•"/>
+                        <a:tabLst/>
+                        <a:defRPr/>
+                      </a:pPr>
+                      <a:r>
+                        <a:rPr lang="en-US" sz="3400" u="sng" kern="1200" dirty="0">
+                          <a:solidFill>
+                            <a:schemeClr val="tx1"/>
+                          </a:solidFill>
+                          <a:effectLst/>
+                          <a:latin typeface="+mn-lt"/>
+                          <a:ea typeface="+mn-ea"/>
+                          <a:cs typeface="Open Sans Hebrew" panose="00000500000000000000" pitchFamily="2" charset="-79"/>
+                        </a:rPr>
+                        <a:t>Git: </a:t>
+                      </a:r>
+                      <a:r>
+                        <a:rPr lang="en-US" sz="3400" u="sng" kern="1200" dirty="0">
+                          <a:solidFill>
+                            <a:schemeClr val="tx1"/>
+                          </a:solidFill>
+                          <a:effectLst/>
+                          <a:latin typeface="+mn-lt"/>
+                          <a:ea typeface="+mn-ea"/>
+                          <a:cs typeface="Open Sans Hebrew" panose="00000500000000000000" pitchFamily="2" charset="-79"/>
+                          <a:hlinkClick r:id="rId2"/>
+                        </a:rPr>
+                        <a:t>https://github.com/ShaharHanno/TAU-RP-Sensing/</a:t>
+                      </a:r>
+                      <a:r>
+                        <a:rPr lang="en-US" sz="3400" u="sng" kern="1200" dirty="0">
+                          <a:solidFill>
+                            <a:schemeClr val="tx1"/>
+                          </a:solidFill>
+                          <a:effectLst/>
+                          <a:latin typeface="+mn-lt"/>
+                          <a:ea typeface="+mn-ea"/>
+                          <a:cs typeface="Open Sans Hebrew" panose="00000500000000000000" pitchFamily="2" charset="-79"/>
+                        </a:rPr>
+                        <a:t> </a:t>
+                      </a:r>
+                    </a:p>
+                    <a:p>
+                      <a:pPr marL="457200" marR="0" lvl="0" indent="-457200" algn="just" defTabSz="2519995" rtl="0" eaLnBrk="1" fontAlgn="auto" latinLnBrk="0" hangingPunct="1">
+                        <a:lnSpc>
+                          <a:spcPct val="100000"/>
+                        </a:lnSpc>
+                        <a:spcBef>
+                          <a:spcPts val="0"/>
+                        </a:spcBef>
+                        <a:spcAft>
+                          <a:spcPts val="0"/>
+                        </a:spcAft>
+                        <a:buClrTx/>
+                        <a:buSzTx/>
+                        <a:buFont typeface="Arial" panose="020B0604020202020204" pitchFamily="34" charset="0"/>
+                        <a:buChar char="•"/>
+                        <a:tabLst/>
+                        <a:defRPr/>
+                      </a:pPr>
+                      <a:endParaRPr lang="en-US" sz="3400" kern="1200" dirty="0">
+                        <a:solidFill>
+                          <a:schemeClr val="tx1"/>
+                        </a:solidFill>
                         <a:effectLst/>
                         <a:latin typeface="+mn-lt"/>
+                        <a:ea typeface="+mn-ea"/>
+                        <a:cs typeface="Open Sans Hebrew" panose="00000500000000000000" pitchFamily="2" charset="-79"/>
+                      </a:endParaRPr>
+                    </a:p>
+                    <a:p>
+                      <a:pPr marL="457200" marR="0" lvl="0" indent="-457200" algn="just" defTabSz="2519995" rtl="0" eaLnBrk="1" fontAlgn="auto" latinLnBrk="0" hangingPunct="1">
+                        <a:lnSpc>
+                          <a:spcPct val="100000"/>
+                        </a:lnSpc>
+                        <a:spcBef>
+                          <a:spcPts val="0"/>
+                        </a:spcBef>
+                        <a:spcAft>
+                          <a:spcPts val="0"/>
+                        </a:spcAft>
+                        <a:buClrTx/>
+                        <a:buSzTx/>
+                        <a:buFont typeface="Arial" panose="020B0604020202020204" pitchFamily="34" charset="0"/>
+                        <a:buChar char="•"/>
+                        <a:tabLst/>
+                        <a:defRPr/>
+                      </a:pPr>
+                      <a:endParaRPr lang="en-US" sz="3400" kern="1200" dirty="0">
+                        <a:solidFill>
+                          <a:schemeClr val="tx1"/>
+                        </a:solidFill>
+                        <a:effectLst/>
+                        <a:latin typeface="+mn-lt"/>
+                        <a:ea typeface="+mn-ea"/>
                         <a:cs typeface="Open Sans Hebrew" panose="00000500000000000000" pitchFamily="2" charset="-79"/>
                       </a:endParaRPr>
                     </a:p>
@@ -10090,7 +10697,7 @@
               <a:rPr lang="en-US" sz="5400" b="1" dirty="0">
                 <a:cs typeface="Open Sans Hebrew" panose="00000500000000000000" pitchFamily="2" charset="-79"/>
               </a:rPr>
-              <a:t>Insert The Project Name Here</a:t>
+              <a:t>Sensing System for Advanced Algorithms</a:t>
             </a:r>
           </a:p>
           <a:p>
@@ -10183,7 +10790,7 @@
           <p:nvPr/>
         </p:nvPicPr>
         <p:blipFill>
-          <a:blip r:embed="rId2">
+          <a:blip r:embed="rId3">
             <a:extLst>
               <a:ext uri="{28A0092B-C50C-407E-A947-70E740481C1C}">
                 <a14:useLocalDpi xmlns:a14="http://schemas.microsoft.com/office/drawing/2010/main" val="0"/>
@@ -10204,195 +10811,6 @@
           </a:prstGeom>
         </p:spPr>
       </p:pic>
-      <p:pic>
-        <p:nvPicPr>
-          <p:cNvPr id="2" name="Picture 1">
-            <a:extLst>
-              <a:ext uri="{FF2B5EF4-FFF2-40B4-BE49-F238E27FC236}">
-                <a16:creationId xmlns:a16="http://schemas.microsoft.com/office/drawing/2014/main" id="{FE9744C5-8332-317F-52B8-68493743534D}"/>
-              </a:ext>
-            </a:extLst>
-          </p:cNvPr>
-          <p:cNvPicPr>
-            <a:picLocks noChangeAspect="1"/>
-          </p:cNvPicPr>
-          <p:nvPr/>
-        </p:nvPicPr>
-        <p:blipFill>
-          <a:blip r:embed="rId3" cstate="print">
-            <a:extLst>
-              <a:ext uri="{28A0092B-C50C-407E-A947-70E740481C1C}">
-                <a14:useLocalDpi xmlns:a14="http://schemas.microsoft.com/office/drawing/2010/main" val="0"/>
-              </a:ext>
-            </a:extLst>
-          </a:blip>
-          <a:stretch>
-            <a:fillRect/>
-          </a:stretch>
-        </p:blipFill>
-        <p:spPr>
-          <a:xfrm>
-            <a:off x="1540749" y="12599987"/>
-            <a:ext cx="9259327" cy="4604304"/>
-          </a:xfrm>
-          <a:prstGeom prst="rect">
-            <a:avLst/>
-          </a:prstGeom>
-        </p:spPr>
-      </p:pic>
-      <p:grpSp>
-        <p:nvGrpSpPr>
-          <p:cNvPr id="5" name="Group 4">
-            <a:extLst>
-              <a:ext uri="{FF2B5EF4-FFF2-40B4-BE49-F238E27FC236}">
-                <a16:creationId xmlns:a16="http://schemas.microsoft.com/office/drawing/2014/main" id="{7A3F1F65-C622-D2C0-BD33-709AC7212D9F}"/>
-              </a:ext>
-            </a:extLst>
-          </p:cNvPr>
-          <p:cNvGrpSpPr/>
-          <p:nvPr/>
-        </p:nvGrpSpPr>
-        <p:grpSpPr>
-          <a:xfrm>
-            <a:off x="12719615" y="14223736"/>
-            <a:ext cx="10158165" cy="4921514"/>
-            <a:chOff x="12477750" y="19409073"/>
-            <a:chExt cx="10886067" cy="5278342"/>
-          </a:xfrm>
-        </p:grpSpPr>
-        <p:pic>
-          <p:nvPicPr>
-            <p:cNvPr id="10" name="Picture 9" descr="A computer screen shot of a computer screen&#10;&#10;Description automatically generated">
-              <a:extLst>
-                <a:ext uri="{FF2B5EF4-FFF2-40B4-BE49-F238E27FC236}">
-                  <a16:creationId xmlns:a16="http://schemas.microsoft.com/office/drawing/2014/main" id="{85A3D387-1B25-06F3-6CEF-3042E374514C}"/>
-                </a:ext>
-              </a:extLst>
-            </p:cNvPr>
-            <p:cNvPicPr>
-              <a:picLocks noChangeAspect="1"/>
-            </p:cNvPicPr>
-            <p:nvPr/>
-          </p:nvPicPr>
-          <p:blipFill rotWithShape="1">
-            <a:blip r:embed="rId4">
-              <a:extLst>
-                <a:ext uri="{28A0092B-C50C-407E-A947-70E740481C1C}">
-                  <a14:useLocalDpi xmlns:a14="http://schemas.microsoft.com/office/drawing/2010/main" val="0"/>
-                </a:ext>
-              </a:extLst>
-            </a:blip>
-            <a:srcRect l="41074" t="42627" r="30895" b="5078"/>
-            <a:stretch/>
-          </p:blipFill>
-          <p:spPr bwMode="auto">
-            <a:xfrm>
-              <a:off x="12477750" y="19409073"/>
-              <a:ext cx="5029200" cy="5278342"/>
-            </a:xfrm>
-            <a:prstGeom prst="rect">
-              <a:avLst/>
-            </a:prstGeom>
-            <a:noFill/>
-            <a:ln>
-              <a:noFill/>
-            </a:ln>
-            <a:extLst>
-              <a:ext uri="{53640926-AAD7-44D8-BBD7-CCE9431645EC}">
-                <a14:shadowObscured xmlns:a14="http://schemas.microsoft.com/office/drawing/2010/main"/>
-              </a:ext>
-            </a:extLst>
-          </p:spPr>
-        </p:pic>
-        <p:pic>
-          <p:nvPicPr>
-            <p:cNvPr id="13" name="Picture 12">
-              <a:extLst>
-                <a:ext uri="{FF2B5EF4-FFF2-40B4-BE49-F238E27FC236}">
-                  <a16:creationId xmlns:a16="http://schemas.microsoft.com/office/drawing/2014/main" id="{D7BD9473-510F-736E-8BFC-1A0138E11370}"/>
-                </a:ext>
-              </a:extLst>
-            </p:cNvPr>
-            <p:cNvPicPr>
-              <a:picLocks noChangeAspect="1"/>
-            </p:cNvPicPr>
-            <p:nvPr/>
-          </p:nvPicPr>
-          <p:blipFill rotWithShape="1">
-            <a:blip r:embed="rId5">
-              <a:extLst>
-                <a:ext uri="{28A0092B-C50C-407E-A947-70E740481C1C}">
-                  <a14:useLocalDpi xmlns:a14="http://schemas.microsoft.com/office/drawing/2010/main" val="0"/>
-                </a:ext>
-              </a:extLst>
-            </a:blip>
-            <a:srcRect l="36388" t="24800" r="36189" b="25864"/>
-            <a:stretch/>
-          </p:blipFill>
-          <p:spPr bwMode="auto">
-            <a:xfrm>
-              <a:off x="17735550" y="19409073"/>
-              <a:ext cx="5628267" cy="5166881"/>
-            </a:xfrm>
-            <a:prstGeom prst="rect">
-              <a:avLst/>
-            </a:prstGeom>
-            <a:noFill/>
-            <a:ln>
-              <a:noFill/>
-            </a:ln>
-            <a:extLst>
-              <a:ext uri="{53640926-AAD7-44D8-BBD7-CCE9431645EC}">
-                <a14:shadowObscured xmlns:a14="http://schemas.microsoft.com/office/drawing/2010/main"/>
-              </a:ext>
-            </a:extLst>
-          </p:spPr>
-        </p:pic>
-      </p:grpSp>
-      <p:pic>
-        <p:nvPicPr>
-          <p:cNvPr id="15" name="Picture 14" descr="A screenshot of a computer&#10;&#10;Description automatically generated">
-            <a:extLst>
-              <a:ext uri="{FF2B5EF4-FFF2-40B4-BE49-F238E27FC236}">
-                <a16:creationId xmlns:a16="http://schemas.microsoft.com/office/drawing/2014/main" id="{4B127C6D-E0B7-6B76-4711-B16316C73ABF}"/>
-              </a:ext>
-            </a:extLst>
-          </p:cNvPr>
-          <p:cNvPicPr>
-            <a:picLocks noChangeAspect="1"/>
-          </p:cNvPicPr>
-          <p:nvPr/>
-        </p:nvPicPr>
-        <p:blipFill rotWithShape="1">
-          <a:blip r:embed="rId6">
-            <a:extLst>
-              <a:ext uri="{28A0092B-C50C-407E-A947-70E740481C1C}">
-                <a14:useLocalDpi xmlns:a14="http://schemas.microsoft.com/office/drawing/2010/main" val="0"/>
-              </a:ext>
-            </a:extLst>
-          </a:blip>
-          <a:srcRect l="47448" t="45562" r="44455" b="40845"/>
-          <a:stretch/>
-        </p:blipFill>
-        <p:spPr bwMode="auto">
-          <a:xfrm>
-            <a:off x="31102683" y="7846226"/>
-            <a:ext cx="3615638" cy="3411874"/>
-          </a:xfrm>
-          <a:prstGeom prst="rect">
-            <a:avLst/>
-          </a:prstGeom>
-          <a:noFill/>
-          <a:ln>
-            <a:noFill/>
-          </a:ln>
-          <a:extLst>
-            <a:ext uri="{53640926-AAD7-44D8-BBD7-CCE9431645EC}">
-              <a14:shadowObscured xmlns:a14="http://schemas.microsoft.com/office/drawing/2010/main"/>
-            </a:ext>
-          </a:extLst>
-        </p:spPr>
-      </p:pic>
       <p:grpSp>
         <p:nvGrpSpPr>
           <p:cNvPr id="28" name="Group 27">
@@ -10407,8 +10825,8 @@
         </p:nvGrpSpPr>
         <p:grpSpPr>
           <a:xfrm>
-            <a:off x="28826198" y="15283223"/>
-            <a:ext cx="6491130" cy="2919558"/>
+            <a:off x="29082735" y="11807548"/>
+            <a:ext cx="6798376" cy="3229697"/>
             <a:chOff x="24936153" y="10500476"/>
             <a:chExt cx="3457670" cy="1353841"/>
           </a:xfrm>
@@ -10428,7 +10846,7 @@
             <p:nvPr/>
           </p:nvPicPr>
           <p:blipFill rotWithShape="1">
-            <a:blip r:embed="rId7" cstate="print">
+            <a:blip r:embed="rId4" cstate="print">
               <a:extLst>
                 <a:ext uri="{28A0092B-C50C-407E-A947-70E740481C1C}">
                   <a14:useLocalDpi xmlns:a14="http://schemas.microsoft.com/office/drawing/2010/main" val="0"/>
@@ -10471,7 +10889,7 @@
             <p:nvPr/>
           </p:nvPicPr>
           <p:blipFill rotWithShape="1">
-            <a:blip r:embed="rId8">
+            <a:blip r:embed="rId5">
               <a:extLst>
                 <a:ext uri="{28A0092B-C50C-407E-A947-70E740481C1C}">
                   <a14:useLocalDpi xmlns:a14="http://schemas.microsoft.com/office/drawing/2010/main" val="0"/>
@@ -10494,10 +10912,10 @@
       </p:grpSp>
       <p:pic>
         <p:nvPicPr>
-          <p:cNvPr id="4" name="Picture 3">
+          <p:cNvPr id="12" name="Picture 11">
             <a:extLst>
               <a:ext uri="{FF2B5EF4-FFF2-40B4-BE49-F238E27FC236}">
-                <a16:creationId xmlns:a16="http://schemas.microsoft.com/office/drawing/2014/main" id="{158EAA0D-B057-1D52-4282-4973CE4EAB11}"/>
+                <a16:creationId xmlns:a16="http://schemas.microsoft.com/office/drawing/2014/main" id="{E9536601-6476-3C75-4681-2861F5A3FACC}"/>
               </a:ext>
             </a:extLst>
           </p:cNvPr>
@@ -10506,123 +10924,2743 @@
           </p:cNvPicPr>
           <p:nvPr/>
         </p:nvPicPr>
-        <p:blipFill rotWithShape="1">
-          <a:blip r:embed="rId9" cstate="print">
-            <a:extLst>
-              <a:ext uri="{28A0092B-C50C-407E-A947-70E740481C1C}">
-                <a14:useLocalDpi xmlns:a14="http://schemas.microsoft.com/office/drawing/2010/main" val="0"/>
-              </a:ext>
-            </a:extLst>
-          </a:blip>
-          <a:srcRect b="1893"/>
-          <a:stretch/>
+        <p:blipFill>
+          <a:blip r:embed="rId6"/>
+          <a:stretch>
+            <a:fillRect/>
+          </a:stretch>
         </p:blipFill>
-        <p:spPr bwMode="auto">
+        <p:spPr>
           <a:xfrm>
-            <a:off x="17255668" y="6552969"/>
-            <a:ext cx="5775781" cy="3949278"/>
+            <a:off x="1220207" y="10914800"/>
+            <a:ext cx="9923664" cy="4693018"/>
           </a:xfrm>
           <a:prstGeom prst="rect">
             <a:avLst/>
           </a:prstGeom>
-          <a:ln>
-            <a:noFill/>
-          </a:ln>
-          <a:extLst>
-            <a:ext uri="{53640926-AAD7-44D8-BBD7-CCE9431645EC}">
-              <a14:shadowObscured xmlns:a14="http://schemas.microsoft.com/office/drawing/2010/main"/>
-            </a:ext>
-          </a:extLst>
         </p:spPr>
       </p:pic>
-      <p:graphicFrame>
-        <p:nvGraphicFramePr>
-          <p:cNvPr id="7" name="Chart 6">
+      <p:grpSp>
+        <p:nvGrpSpPr>
+          <p:cNvPr id="16" name="Group 15">
             <a:extLst>
               <a:ext uri="{FF2B5EF4-FFF2-40B4-BE49-F238E27FC236}">
-                <a16:creationId xmlns:a16="http://schemas.microsoft.com/office/drawing/2014/main" id="{BA3140BD-1196-68B7-ECC9-E815F01BCCF6}"/>
+                <a16:creationId xmlns:a16="http://schemas.microsoft.com/office/drawing/2014/main" id="{27716A5F-DBD3-EAA0-E155-3B4FA314F679}"/>
               </a:ext>
             </a:extLst>
           </p:cNvPr>
-          <p:cNvGraphicFramePr/>
-          <p:nvPr>
-            <p:extLst>
-              <p:ext uri="{D42A27DB-BD31-4B8C-83A1-F6EECF244321}">
-                <p14:modId xmlns:p14="http://schemas.microsoft.com/office/powerpoint/2010/main" val="3470020309"/>
-              </p:ext>
-            </p:extLst>
-          </p:nvPr>
-        </p:nvGraphicFramePr>
-        <p:xfrm>
-          <a:off x="12482036" y="20364450"/>
-          <a:ext cx="10549413" cy="4495315"/>
-        </p:xfrm>
-        <a:graphic>
-          <a:graphicData uri="http://schemas.openxmlformats.org/drawingml/2006/chart">
-            <c:chart xmlns:c="http://schemas.openxmlformats.org/drawingml/2006/chart" xmlns:r="http://schemas.openxmlformats.org/officeDocument/2006/relationships" r:id="rId10"/>
-          </a:graphicData>
-        </a:graphic>
-      </p:graphicFrame>
-      <p:graphicFrame>
-        <p:nvGraphicFramePr>
-          <p:cNvPr id="9" name="Chart 8">
+          <p:cNvGrpSpPr/>
+          <p:nvPr/>
+        </p:nvGrpSpPr>
+        <p:grpSpPr>
+          <a:xfrm>
+            <a:off x="667463" y="21761085"/>
+            <a:ext cx="11029152" cy="3351130"/>
+            <a:chOff x="9001125" y="10485611"/>
+            <a:chExt cx="5972175" cy="5863144"/>
+          </a:xfrm>
+        </p:grpSpPr>
+        <p:sp>
+          <p:nvSpPr>
+            <p:cNvPr id="17" name="TextBox 16">
+              <a:extLst>
+                <a:ext uri="{FF2B5EF4-FFF2-40B4-BE49-F238E27FC236}">
+                  <a16:creationId xmlns:a16="http://schemas.microsoft.com/office/drawing/2014/main" id="{3FD08F8F-1BF3-0190-59D4-1CB2E338D40E}"/>
+                </a:ext>
+              </a:extLst>
+            </p:cNvPr>
+            <p:cNvSpPr txBox="1"/>
+            <p:nvPr/>
+          </p:nvSpPr>
+          <p:spPr>
+            <a:xfrm>
+              <a:off x="9001125" y="10485611"/>
+              <a:ext cx="3267075" cy="5863144"/>
+            </a:xfrm>
+            <a:prstGeom prst="rect">
+              <a:avLst/>
+            </a:prstGeom>
+            <a:noFill/>
+          </p:spPr>
+          <p:txBody>
+            <a:bodyPr wrap="square">
+              <a:spAutoFit/>
+            </a:bodyPr>
+            <a:lstStyle/>
+            <a:p>
+              <a:pPr marL="0" marR="0" lvl="0" indent="0" algn="l" defTabSz="2519995" rtl="0" eaLnBrk="1" fontAlgn="auto" latinLnBrk="0" hangingPunct="1">
+                <a:lnSpc>
+                  <a:spcPct val="100000"/>
+                </a:lnSpc>
+                <a:spcBef>
+                  <a:spcPts val="0"/>
+                </a:spcBef>
+                <a:spcAft>
+                  <a:spcPts val="0"/>
+                </a:spcAft>
+                <a:buClrTx/>
+                <a:buSzTx/>
+                <a:buFontTx/>
+                <a:buNone/>
+                <a:tabLst/>
+                <a:defRPr/>
+              </a:pPr>
+              <a:r>
+                <a:rPr lang="en-US" sz="3400" u="sng" kern="1200" baseline="0" dirty="0">
+                  <a:solidFill>
+                    <a:schemeClr val="tx1"/>
+                  </a:solidFill>
+                  <a:effectLst/>
+                  <a:latin typeface="+mn-lt"/>
+                  <a:ea typeface="+mn-ea"/>
+                  <a:cs typeface="Open Sans Hebrew" panose="00000500000000000000" pitchFamily="2" charset="-79"/>
+                </a:rPr>
+                <a:t>The system components are:</a:t>
+              </a:r>
+            </a:p>
+            <a:p>
+              <a:pPr marL="342900" marR="0" lvl="0" indent="-342900" algn="just">
+                <a:lnSpc>
+                  <a:spcPct val="100000"/>
+                </a:lnSpc>
+                <a:spcBef>
+                  <a:spcPts val="600"/>
+                </a:spcBef>
+                <a:spcAft>
+                  <a:spcPts val="600"/>
+                </a:spcAft>
+                <a:buFont typeface="Symbol" panose="05050102010706020507" pitchFamily="18" charset="2"/>
+                <a:buChar char=""/>
+              </a:pPr>
+              <a:r>
+                <a:rPr lang="en-US" sz="3400" kern="1200" baseline="0" dirty="0">
+                  <a:solidFill>
+                    <a:schemeClr val="tx1"/>
+                  </a:solidFill>
+                  <a:effectLst/>
+                  <a:latin typeface="+mn-lt"/>
+                  <a:ea typeface="+mn-ea"/>
+                  <a:cs typeface="Open Sans Hebrew" panose="00000500000000000000" pitchFamily="2" charset="-79"/>
+                </a:rPr>
+                <a:t>Raspberry PI 4 Model B</a:t>
+              </a:r>
+              <a:endParaRPr lang="he-IL" sz="3400" kern="1200" baseline="0" dirty="0">
+                <a:solidFill>
+                  <a:schemeClr val="tx1"/>
+                </a:solidFill>
+                <a:effectLst/>
+                <a:latin typeface="+mn-lt"/>
+                <a:ea typeface="+mn-ea"/>
+                <a:cs typeface="Open Sans Hebrew" panose="00000500000000000000" pitchFamily="2" charset="-79"/>
+              </a:endParaRPr>
+            </a:p>
+            <a:p>
+              <a:pPr marL="342900" indent="-342900" algn="just">
+                <a:lnSpc>
+                  <a:spcPct val="100000"/>
+                </a:lnSpc>
+                <a:spcBef>
+                  <a:spcPts val="600"/>
+                </a:spcBef>
+                <a:spcAft>
+                  <a:spcPts val="600"/>
+                </a:spcAft>
+                <a:buFont typeface="Symbol" panose="05050102010706020507" pitchFamily="18" charset="2"/>
+                <a:buChar char=""/>
+              </a:pPr>
+              <a:r>
+                <a:rPr lang="en-US" sz="3400" kern="1200" baseline="0" dirty="0">
+                  <a:solidFill>
+                    <a:schemeClr val="tx1"/>
+                  </a:solidFill>
+                  <a:effectLst/>
+                  <a:latin typeface="+mn-lt"/>
+                  <a:ea typeface="+mn-ea"/>
+                  <a:cs typeface="Open Sans Hebrew" panose="00000500000000000000" pitchFamily="2" charset="-79"/>
+                </a:rPr>
+                <a:t>Intel RealSense D435 camera</a:t>
+              </a:r>
+              <a:endParaRPr lang="he-IL" sz="3400" kern="1200" baseline="0" dirty="0">
+                <a:solidFill>
+                  <a:schemeClr val="tx1"/>
+                </a:solidFill>
+                <a:effectLst/>
+                <a:latin typeface="+mn-lt"/>
+                <a:ea typeface="+mn-ea"/>
+                <a:cs typeface="Open Sans Hebrew" panose="00000500000000000000" pitchFamily="2" charset="-79"/>
+              </a:endParaRPr>
+            </a:p>
+            <a:p>
+              <a:pPr marL="342900" indent="-342900" algn="just">
+                <a:lnSpc>
+                  <a:spcPct val="100000"/>
+                </a:lnSpc>
+                <a:spcBef>
+                  <a:spcPts val="600"/>
+                </a:spcBef>
+                <a:spcAft>
+                  <a:spcPts val="600"/>
+                </a:spcAft>
+                <a:buFont typeface="Symbol" panose="05050102010706020507" pitchFamily="18" charset="2"/>
+                <a:buChar char=""/>
+              </a:pPr>
+              <a:r>
+                <a:rPr lang="en-US" sz="3400" kern="1200" baseline="0" dirty="0" err="1">
+                  <a:solidFill>
+                    <a:schemeClr val="tx1"/>
+                  </a:solidFill>
+                  <a:effectLst/>
+                  <a:latin typeface="+mn-lt"/>
+                  <a:ea typeface="+mn-ea"/>
+                  <a:cs typeface="Open Sans Hebrew" panose="00000500000000000000" pitchFamily="2" charset="-79"/>
+                </a:rPr>
+                <a:t>Rplidar</a:t>
+              </a:r>
+              <a:r>
+                <a:rPr lang="en-US" sz="3400" kern="1200" baseline="0" dirty="0">
+                  <a:solidFill>
+                    <a:schemeClr val="tx1"/>
+                  </a:solidFill>
+                  <a:effectLst/>
+                  <a:latin typeface="+mn-lt"/>
+                  <a:ea typeface="+mn-ea"/>
+                  <a:cs typeface="Open Sans Hebrew" panose="00000500000000000000" pitchFamily="2" charset="-79"/>
+                </a:rPr>
+                <a:t>: LIDAR Sensor</a:t>
+              </a:r>
+            </a:p>
+            <a:p>
+              <a:pPr marL="342900" indent="-342900" algn="just">
+                <a:lnSpc>
+                  <a:spcPct val="100000"/>
+                </a:lnSpc>
+                <a:spcBef>
+                  <a:spcPts val="600"/>
+                </a:spcBef>
+                <a:spcAft>
+                  <a:spcPts val="600"/>
+                </a:spcAft>
+                <a:buFont typeface="Symbol" panose="05050102010706020507" pitchFamily="18" charset="2"/>
+                <a:buChar char=""/>
+              </a:pPr>
+              <a:r>
+                <a:rPr lang="en-US" sz="3400" kern="1200" baseline="0" dirty="0">
+                  <a:solidFill>
+                    <a:schemeClr val="tx1"/>
+                  </a:solidFill>
+                  <a:effectLst/>
+                  <a:latin typeface="+mn-lt"/>
+                  <a:ea typeface="+mn-ea"/>
+                  <a:cs typeface="Open Sans Hebrew" panose="00000500000000000000" pitchFamily="2" charset="-79"/>
+                </a:rPr>
+                <a:t>M5STACK (Arduino)</a:t>
+              </a:r>
+              <a:endParaRPr lang="he-IL" sz="3400" kern="1200" baseline="0" dirty="0">
+                <a:solidFill>
+                  <a:schemeClr val="tx1"/>
+                </a:solidFill>
+                <a:effectLst/>
+                <a:latin typeface="+mn-lt"/>
+                <a:ea typeface="+mn-ea"/>
+                <a:cs typeface="Open Sans Hebrew" panose="00000500000000000000" pitchFamily="2" charset="-79"/>
+              </a:endParaRPr>
+            </a:p>
+          </p:txBody>
+        </p:sp>
+        <p:sp>
+          <p:nvSpPr>
+            <p:cNvPr id="19" name="TextBox 18">
+              <a:extLst>
+                <a:ext uri="{FF2B5EF4-FFF2-40B4-BE49-F238E27FC236}">
+                  <a16:creationId xmlns:a16="http://schemas.microsoft.com/office/drawing/2014/main" id="{4B179E79-DC5A-30EA-7109-246F58911CDA}"/>
+                </a:ext>
+              </a:extLst>
+            </p:cNvPr>
+            <p:cNvSpPr txBox="1"/>
+            <p:nvPr/>
+          </p:nvSpPr>
+          <p:spPr>
+            <a:xfrm>
+              <a:off x="12268200" y="11608996"/>
+              <a:ext cx="2705100" cy="4739759"/>
+            </a:xfrm>
+            <a:prstGeom prst="rect">
+              <a:avLst/>
+            </a:prstGeom>
+            <a:noFill/>
+          </p:spPr>
+          <p:txBody>
+            <a:bodyPr wrap="square">
+              <a:spAutoFit/>
+            </a:bodyPr>
+            <a:lstStyle/>
+            <a:p>
+              <a:pPr marL="342900" indent="-342900" algn="just">
+                <a:lnSpc>
+                  <a:spcPct val="100000"/>
+                </a:lnSpc>
+                <a:spcBef>
+                  <a:spcPts val="600"/>
+                </a:spcBef>
+                <a:spcAft>
+                  <a:spcPts val="600"/>
+                </a:spcAft>
+                <a:buFont typeface="Symbol" panose="05050102010706020507" pitchFamily="18" charset="2"/>
+                <a:buChar char=""/>
+              </a:pPr>
+              <a:r>
+                <a:rPr lang="en-US" sz="3400" kern="1200" baseline="0" dirty="0">
+                  <a:solidFill>
+                    <a:schemeClr val="tx1"/>
+                  </a:solidFill>
+                  <a:effectLst/>
+                  <a:latin typeface="+mn-lt"/>
+                  <a:ea typeface="+mn-ea"/>
+                  <a:cs typeface="Open Sans Hebrew" panose="00000500000000000000" pitchFamily="2" charset="-79"/>
+                </a:rPr>
+                <a:t>USB Mouse</a:t>
+              </a:r>
+            </a:p>
+            <a:p>
+              <a:pPr marL="342900" indent="-342900" algn="just">
+                <a:lnSpc>
+                  <a:spcPct val="100000"/>
+                </a:lnSpc>
+                <a:spcBef>
+                  <a:spcPts val="600"/>
+                </a:spcBef>
+                <a:spcAft>
+                  <a:spcPts val="600"/>
+                </a:spcAft>
+                <a:buFont typeface="Symbol" panose="05050102010706020507" pitchFamily="18" charset="2"/>
+                <a:buChar char=""/>
+              </a:pPr>
+              <a:r>
+                <a:rPr lang="en-US" sz="3400" kern="1200" baseline="0" dirty="0">
+                  <a:solidFill>
+                    <a:schemeClr val="tx1"/>
+                  </a:solidFill>
+                  <a:effectLst/>
+                  <a:latin typeface="+mn-lt"/>
+                  <a:ea typeface="+mn-ea"/>
+                  <a:cs typeface="Open Sans Hebrew" panose="00000500000000000000" pitchFamily="2" charset="-79"/>
+                </a:rPr>
+                <a:t>USB keyboard</a:t>
+              </a:r>
+            </a:p>
+            <a:p>
+              <a:pPr marL="342900" indent="-342900" algn="just">
+                <a:lnSpc>
+                  <a:spcPct val="100000"/>
+                </a:lnSpc>
+                <a:spcBef>
+                  <a:spcPts val="600"/>
+                </a:spcBef>
+                <a:spcAft>
+                  <a:spcPts val="600"/>
+                </a:spcAft>
+                <a:buFont typeface="Symbol" panose="05050102010706020507" pitchFamily="18" charset="2"/>
+                <a:buChar char=""/>
+              </a:pPr>
+              <a:r>
+                <a:rPr lang="en-US" sz="3400" kern="1200" baseline="0" dirty="0">
+                  <a:solidFill>
+                    <a:schemeClr val="tx1"/>
+                  </a:solidFill>
+                  <a:effectLst/>
+                  <a:latin typeface="+mn-lt"/>
+                  <a:ea typeface="+mn-ea"/>
+                  <a:cs typeface="Open Sans Hebrew" panose="00000500000000000000" pitchFamily="2" charset="-79"/>
+                </a:rPr>
+                <a:t>HDMI type Display</a:t>
+              </a:r>
+              <a:endParaRPr lang="he-IL" sz="3400" kern="1200" baseline="0" dirty="0">
+                <a:solidFill>
+                  <a:schemeClr val="tx1"/>
+                </a:solidFill>
+                <a:effectLst/>
+                <a:latin typeface="+mn-lt"/>
+                <a:ea typeface="+mn-ea"/>
+                <a:cs typeface="Open Sans Hebrew" panose="00000500000000000000" pitchFamily="2" charset="-79"/>
+              </a:endParaRPr>
+            </a:p>
+            <a:p>
+              <a:pPr marL="342900" indent="-342900" algn="just">
+                <a:lnSpc>
+                  <a:spcPct val="100000"/>
+                </a:lnSpc>
+                <a:spcBef>
+                  <a:spcPts val="600"/>
+                </a:spcBef>
+                <a:spcAft>
+                  <a:spcPts val="600"/>
+                </a:spcAft>
+                <a:buFont typeface="Symbol" panose="05050102010706020507" pitchFamily="18" charset="2"/>
+                <a:buChar char=""/>
+              </a:pPr>
+              <a:r>
+                <a:rPr lang="en-US" sz="3400" kern="1200" baseline="0" dirty="0">
+                  <a:solidFill>
+                    <a:schemeClr val="tx1"/>
+                  </a:solidFill>
+                  <a:effectLst/>
+                  <a:latin typeface="+mn-lt"/>
+                  <a:ea typeface="+mn-ea"/>
+                  <a:cs typeface="Open Sans Hebrew" panose="00000500000000000000" pitchFamily="2" charset="-79"/>
+                </a:rPr>
+                <a:t>0.91 inch OLED Display</a:t>
+              </a:r>
+              <a:endParaRPr lang="en-US" sz="3400" b="1" kern="1200" dirty="0">
+                <a:solidFill>
+                  <a:schemeClr val="tx1"/>
+                </a:solidFill>
+                <a:effectLst/>
+                <a:latin typeface="+mn-lt"/>
+                <a:ea typeface="+mn-ea"/>
+                <a:cs typeface="Open Sans Hebrew" panose="00000500000000000000" pitchFamily="2" charset="-79"/>
+              </a:endParaRPr>
+            </a:p>
+          </p:txBody>
+        </p:sp>
+      </p:grpSp>
+      <p:grpSp>
+        <p:nvGrpSpPr>
+          <p:cNvPr id="46" name="Group 45">
             <a:extLst>
               <a:ext uri="{FF2B5EF4-FFF2-40B4-BE49-F238E27FC236}">
-                <a16:creationId xmlns:a16="http://schemas.microsoft.com/office/drawing/2014/main" id="{26256128-CBF9-0B0D-52BF-D7E5636F0268}"/>
+                <a16:creationId xmlns:a16="http://schemas.microsoft.com/office/drawing/2014/main" id="{26295C07-B18B-E9CA-C9E4-16F35AEC4E46}"/>
               </a:ext>
             </a:extLst>
           </p:cNvPr>
-          <p:cNvGraphicFramePr/>
-          <p:nvPr>
-            <p:extLst>
-              <p:ext uri="{D42A27DB-BD31-4B8C-83A1-F6EECF244321}">
-                <p14:modId xmlns:p14="http://schemas.microsoft.com/office/powerpoint/2010/main" val="4054842417"/>
-              </p:ext>
-            </p:extLst>
-          </p:nvPr>
-        </p:nvGraphicFramePr>
-        <p:xfrm>
-          <a:off x="23759715" y="9629270"/>
-          <a:ext cx="6491129" cy="3411874"/>
-        </p:xfrm>
-        <a:graphic>
-          <a:graphicData uri="http://schemas.openxmlformats.org/drawingml/2006/chart">
-            <c:chart xmlns:c="http://schemas.openxmlformats.org/drawingml/2006/chart" xmlns:r="http://schemas.openxmlformats.org/officeDocument/2006/relationships" r:id="rId11"/>
-          </a:graphicData>
-        </a:graphic>
-      </p:graphicFrame>
-      <p:graphicFrame>
-        <p:nvGraphicFramePr>
-          <p:cNvPr id="11" name="Chart 10">
+          <p:cNvGrpSpPr/>
+          <p:nvPr/>
+        </p:nvGrpSpPr>
+        <p:grpSpPr>
+          <a:xfrm>
+            <a:off x="12314459" y="8469191"/>
+            <a:ext cx="10593797" cy="3867458"/>
+            <a:chOff x="12253436" y="13946422"/>
+            <a:chExt cx="10593797" cy="3867458"/>
+          </a:xfrm>
+        </p:grpSpPr>
+        <p:pic>
+          <p:nvPicPr>
+            <p:cNvPr id="13" name="Picture 12">
+              <a:extLst>
+                <a:ext uri="{FF2B5EF4-FFF2-40B4-BE49-F238E27FC236}">
+                  <a16:creationId xmlns:a16="http://schemas.microsoft.com/office/drawing/2014/main" id="{D7BD9473-510F-736E-8BFC-1A0138E11370}"/>
+                </a:ext>
+              </a:extLst>
+            </p:cNvPr>
+            <p:cNvPicPr>
+              <a:picLocks noChangeAspect="1"/>
+            </p:cNvPicPr>
+            <p:nvPr/>
+          </p:nvPicPr>
+          <p:blipFill rotWithShape="1">
+            <a:blip r:embed="rId7">
+              <a:extLst>
+                <a:ext uri="{28A0092B-C50C-407E-A947-70E740481C1C}">
+                  <a14:useLocalDpi xmlns:a14="http://schemas.microsoft.com/office/drawing/2010/main" val="0"/>
+                </a:ext>
+              </a:extLst>
+            </a:blip>
+            <a:srcRect l="36387" t="28142" r="37274" b="29442"/>
+            <a:stretch/>
+          </p:blipFill>
+          <p:spPr bwMode="auto">
+            <a:xfrm>
+              <a:off x="18264389" y="13946422"/>
+              <a:ext cx="4582844" cy="3762882"/>
+            </a:xfrm>
+            <a:prstGeom prst="rect">
+              <a:avLst/>
+            </a:prstGeom>
+            <a:noFill/>
+            <a:ln>
+              <a:noFill/>
+            </a:ln>
+            <a:extLst>
+              <a:ext uri="{53640926-AAD7-44D8-BBD7-CCE9431645EC}">
+                <a14:shadowObscured xmlns:a14="http://schemas.microsoft.com/office/drawing/2010/main"/>
+              </a:ext>
+            </a:extLst>
+          </p:spPr>
+        </p:pic>
+        <p:sp>
+          <p:nvSpPr>
+            <p:cNvPr id="4" name="TextBox 3">
+              <a:extLst>
+                <a:ext uri="{FF2B5EF4-FFF2-40B4-BE49-F238E27FC236}">
+                  <a16:creationId xmlns:a16="http://schemas.microsoft.com/office/drawing/2014/main" id="{95D3FE9D-E651-96C9-E555-A97EC5128340}"/>
+                </a:ext>
+              </a:extLst>
+            </p:cNvPr>
+            <p:cNvSpPr txBox="1"/>
+            <p:nvPr/>
+          </p:nvSpPr>
+          <p:spPr>
+            <a:xfrm>
+              <a:off x="12253436" y="14059006"/>
+              <a:ext cx="5558886" cy="3754874"/>
+            </a:xfrm>
+            <a:prstGeom prst="rect">
+              <a:avLst/>
+            </a:prstGeom>
+            <a:noFill/>
+          </p:spPr>
+          <p:txBody>
+            <a:bodyPr wrap="square">
+              <a:spAutoFit/>
+            </a:bodyPr>
+            <a:lstStyle/>
+            <a:p>
+              <a:pPr marR="0" lvl="0" algn="just" defTabSz="2519995" rtl="0" eaLnBrk="1" fontAlgn="auto" latinLnBrk="0" hangingPunct="1">
+                <a:lnSpc>
+                  <a:spcPct val="100000"/>
+                </a:lnSpc>
+                <a:spcBef>
+                  <a:spcPts val="0"/>
+                </a:spcBef>
+                <a:spcAft>
+                  <a:spcPts val="0"/>
+                </a:spcAft>
+                <a:buClrTx/>
+                <a:buSzTx/>
+                <a:tabLst/>
+                <a:defRPr/>
+              </a:pPr>
+              <a:r>
+                <a:rPr lang="en-US" sz="3400" u="sng" kern="1200" dirty="0">
+                  <a:solidFill>
+                    <a:schemeClr val="tx1"/>
+                  </a:solidFill>
+                  <a:effectLst/>
+                  <a:latin typeface="+mn-lt"/>
+                  <a:ea typeface="+mn-ea"/>
+                  <a:cs typeface="Open Sans Hebrew" panose="00000500000000000000" pitchFamily="2" charset="-79"/>
+                </a:rPr>
+                <a:t>Alert on the screen </a:t>
+              </a:r>
+              <a:r>
+                <a:rPr lang="en-US" sz="3400" kern="1200" dirty="0">
+                  <a:solidFill>
+                    <a:schemeClr val="tx1"/>
+                  </a:solidFill>
+                  <a:effectLst/>
+                  <a:latin typeface="+mn-lt"/>
+                  <a:ea typeface="+mn-ea"/>
+                  <a:cs typeface="Open Sans Hebrew" panose="00000500000000000000" pitchFamily="2" charset="-79"/>
+                </a:rPr>
+                <a:t>when a close object is detected from a predefined distance.</a:t>
+              </a:r>
+            </a:p>
+            <a:p>
+              <a:pPr marR="0" lvl="0" algn="just" defTabSz="2519995" rtl="0" eaLnBrk="1" fontAlgn="auto" latinLnBrk="0" hangingPunct="1">
+                <a:lnSpc>
+                  <a:spcPct val="100000"/>
+                </a:lnSpc>
+                <a:spcBef>
+                  <a:spcPts val="0"/>
+                </a:spcBef>
+                <a:spcAft>
+                  <a:spcPts val="0"/>
+                </a:spcAft>
+                <a:buClrTx/>
+                <a:buSzTx/>
+                <a:tabLst/>
+                <a:defRPr/>
+              </a:pPr>
+              <a:endParaRPr lang="en-US" sz="3400" kern="1200" dirty="0">
+                <a:solidFill>
+                  <a:schemeClr val="tx1"/>
+                </a:solidFill>
+                <a:effectLst/>
+                <a:latin typeface="+mn-lt"/>
+                <a:ea typeface="+mn-ea"/>
+                <a:cs typeface="Open Sans Hebrew" panose="00000500000000000000" pitchFamily="2" charset="-79"/>
+              </a:endParaRPr>
+            </a:p>
+            <a:p>
+              <a:pPr marR="0" lvl="0" algn="just" defTabSz="2519995" rtl="0" eaLnBrk="1" fontAlgn="auto" latinLnBrk="0" hangingPunct="1">
+                <a:lnSpc>
+                  <a:spcPct val="100000"/>
+                </a:lnSpc>
+                <a:spcBef>
+                  <a:spcPts val="0"/>
+                </a:spcBef>
+                <a:spcAft>
+                  <a:spcPts val="0"/>
+                </a:spcAft>
+                <a:buClrTx/>
+                <a:buSzTx/>
+                <a:tabLst/>
+                <a:defRPr/>
+              </a:pPr>
+              <a:r>
+                <a:rPr lang="en-US" sz="3400" dirty="0">
+                  <a:cs typeface="Open Sans Hebrew" panose="00000500000000000000" pitchFamily="2" charset="-79"/>
+                </a:rPr>
+                <a:t>T</a:t>
+              </a:r>
+              <a:r>
+                <a:rPr lang="en-US" sz="3400" kern="1200" dirty="0">
+                  <a:solidFill>
+                    <a:schemeClr val="tx1"/>
+                  </a:solidFill>
+                  <a:effectLst/>
+                  <a:latin typeface="+mn-lt"/>
+                  <a:ea typeface="+mn-ea"/>
+                  <a:cs typeface="Open Sans Hebrew" panose="00000500000000000000" pitchFamily="2" charset="-79"/>
+                </a:rPr>
+                <a:t>he system warns about the presence of the object since it is less than 0.75 meters away.</a:t>
+              </a:r>
+            </a:p>
+          </p:txBody>
+        </p:sp>
+      </p:grpSp>
+      <p:grpSp>
+        <p:nvGrpSpPr>
+          <p:cNvPr id="45" name="Group 44">
             <a:extLst>
               <a:ext uri="{FF2B5EF4-FFF2-40B4-BE49-F238E27FC236}">
-                <a16:creationId xmlns:a16="http://schemas.microsoft.com/office/drawing/2014/main" id="{F26C3E7C-CF4A-54DE-C4FB-8BA2407291A3}"/>
+                <a16:creationId xmlns:a16="http://schemas.microsoft.com/office/drawing/2014/main" id="{1AEF7402-3478-3AF4-D63A-752E4E524A28}"/>
               </a:ext>
             </a:extLst>
           </p:cNvPr>
-          <p:cNvGraphicFramePr/>
-          <p:nvPr>
-            <p:extLst>
-              <p:ext uri="{D42A27DB-BD31-4B8C-83A1-F6EECF244321}">
-                <p14:modId xmlns:p14="http://schemas.microsoft.com/office/powerpoint/2010/main" val="2245025324"/>
-              </p:ext>
-            </p:extLst>
-          </p:nvPr>
-        </p:nvGraphicFramePr>
-        <p:xfrm>
-          <a:off x="23759715" y="6537139"/>
-          <a:ext cx="6491129" cy="3158404"/>
-        </p:xfrm>
-        <a:graphic>
-          <a:graphicData uri="http://schemas.openxmlformats.org/drawingml/2006/chart">
-            <c:chart xmlns:c="http://schemas.openxmlformats.org/drawingml/2006/chart" xmlns:r="http://schemas.openxmlformats.org/officeDocument/2006/relationships" r:id="rId12"/>
-          </a:graphicData>
-        </a:graphic>
-      </p:graphicFrame>
+          <p:cNvGrpSpPr/>
+          <p:nvPr/>
+        </p:nvGrpSpPr>
+        <p:grpSpPr>
+          <a:xfrm>
+            <a:off x="12252128" y="4454114"/>
+            <a:ext cx="10656128" cy="3947034"/>
+            <a:chOff x="12191104" y="9629266"/>
+            <a:chExt cx="10656128" cy="3947034"/>
+          </a:xfrm>
+        </p:grpSpPr>
+        <p:pic>
+          <p:nvPicPr>
+            <p:cNvPr id="10" name="Picture 9" descr="A computer screen shot of a computer screen&#10;&#10;Description automatically generated">
+              <a:extLst>
+                <a:ext uri="{FF2B5EF4-FFF2-40B4-BE49-F238E27FC236}">
+                  <a16:creationId xmlns:a16="http://schemas.microsoft.com/office/drawing/2014/main" id="{85A3D387-1B25-06F3-6CEF-3042E374514C}"/>
+                </a:ext>
+              </a:extLst>
+            </p:cNvPr>
+            <p:cNvPicPr>
+              <a:picLocks noChangeAspect="1"/>
+            </p:cNvPicPr>
+            <p:nvPr/>
+          </p:nvPicPr>
+          <p:blipFill rotWithShape="1">
+            <a:blip r:embed="rId8">
+              <a:extLst>
+                <a:ext uri="{28A0092B-C50C-407E-A947-70E740481C1C}">
+                  <a14:useLocalDpi xmlns:a14="http://schemas.microsoft.com/office/drawing/2010/main" val="0"/>
+                </a:ext>
+              </a:extLst>
+            </a:blip>
+            <a:srcRect l="41074" t="50028" r="31261" b="7585"/>
+            <a:stretch/>
+          </p:blipFill>
+          <p:spPr bwMode="auto">
+            <a:xfrm>
+              <a:off x="18264388" y="9629266"/>
+              <a:ext cx="4582844" cy="3947034"/>
+            </a:xfrm>
+            <a:prstGeom prst="rect">
+              <a:avLst/>
+            </a:prstGeom>
+            <a:noFill/>
+            <a:ln>
+              <a:noFill/>
+            </a:ln>
+            <a:extLst>
+              <a:ext uri="{53640926-AAD7-44D8-BBD7-CCE9431645EC}">
+                <a14:shadowObscured xmlns:a14="http://schemas.microsoft.com/office/drawing/2010/main"/>
+              </a:ext>
+            </a:extLst>
+          </p:spPr>
+        </p:pic>
+        <p:sp>
+          <p:nvSpPr>
+            <p:cNvPr id="2" name="TextBox 1">
+              <a:extLst>
+                <a:ext uri="{FF2B5EF4-FFF2-40B4-BE49-F238E27FC236}">
+                  <a16:creationId xmlns:a16="http://schemas.microsoft.com/office/drawing/2014/main" id="{11B50825-8DFC-DB06-39DC-9724CC71C5C8}"/>
+                </a:ext>
+              </a:extLst>
+            </p:cNvPr>
+            <p:cNvSpPr txBox="1"/>
+            <p:nvPr/>
+          </p:nvSpPr>
+          <p:spPr>
+            <a:xfrm>
+              <a:off x="12191104" y="9667865"/>
+              <a:ext cx="6033491" cy="1661993"/>
+            </a:xfrm>
+            <a:prstGeom prst="rect">
+              <a:avLst/>
+            </a:prstGeom>
+            <a:noFill/>
+          </p:spPr>
+          <p:txBody>
+            <a:bodyPr wrap="square">
+              <a:spAutoFit/>
+            </a:bodyPr>
+            <a:lstStyle/>
+            <a:p>
+              <a:pPr defTabSz="2519995">
+                <a:defRPr/>
+              </a:pPr>
+              <a:r>
+                <a:rPr lang="en-US" sz="3400" b="1" u="sng" kern="1200" dirty="0">
+                  <a:solidFill>
+                    <a:schemeClr val="tx1"/>
+                  </a:solidFill>
+                  <a:effectLst/>
+                  <a:latin typeface="+mn-lt"/>
+                  <a:ea typeface="+mn-ea"/>
+                  <a:cs typeface="Open Sans Hebrew" panose="00000500000000000000" pitchFamily="2" charset="-79"/>
+                </a:rPr>
+                <a:t>Camera:</a:t>
+              </a:r>
+              <a:endParaRPr lang="en-US" sz="3400" u="sng" kern="1200" dirty="0">
+                <a:solidFill>
+                  <a:schemeClr val="tx1"/>
+                </a:solidFill>
+                <a:effectLst/>
+                <a:latin typeface="+mn-lt"/>
+                <a:ea typeface="+mn-ea"/>
+                <a:cs typeface="Open Sans Hebrew" panose="00000500000000000000" pitchFamily="2" charset="-79"/>
+              </a:endParaRPr>
+            </a:p>
+            <a:p>
+              <a:pPr marL="0" marR="0" lvl="0" indent="0" algn="l" defTabSz="2519995" rtl="0" eaLnBrk="1" fontAlgn="auto" latinLnBrk="0" hangingPunct="1">
+                <a:lnSpc>
+                  <a:spcPct val="100000"/>
+                </a:lnSpc>
+                <a:spcBef>
+                  <a:spcPts val="0"/>
+                </a:spcBef>
+                <a:spcAft>
+                  <a:spcPts val="0"/>
+                </a:spcAft>
+                <a:buClrTx/>
+                <a:buSzTx/>
+                <a:buFont typeface="Arial" panose="020B0604020202020204" pitchFamily="34" charset="0"/>
+                <a:buNone/>
+                <a:tabLst/>
+                <a:defRPr/>
+              </a:pPr>
+              <a:r>
+                <a:rPr lang="en-US" sz="3400" u="sng" kern="1200" dirty="0">
+                  <a:solidFill>
+                    <a:schemeClr val="tx1"/>
+                  </a:solidFill>
+                  <a:effectLst/>
+                  <a:latin typeface="+mn-lt"/>
+                  <a:ea typeface="+mn-ea"/>
+                  <a:cs typeface="Open Sans Hebrew" panose="00000500000000000000" pitchFamily="2" charset="-79"/>
+                </a:rPr>
+                <a:t>Displaying the distance </a:t>
+              </a:r>
+              <a:r>
+                <a:rPr lang="en-US" sz="3400" kern="1200" dirty="0">
+                  <a:solidFill>
+                    <a:schemeClr val="tx1"/>
+                  </a:solidFill>
+                  <a:effectLst/>
+                  <a:latin typeface="+mn-lt"/>
+                  <a:ea typeface="+mn-ea"/>
+                  <a:cs typeface="Open Sans Hebrew" panose="00000500000000000000" pitchFamily="2" charset="-79"/>
+                </a:rPr>
+                <a:t>marked on the screen using the mouse.</a:t>
+              </a:r>
+            </a:p>
+          </p:txBody>
+        </p:sp>
+        <p:cxnSp>
+          <p:nvCxnSpPr>
+            <p:cNvPr id="22" name="Straight Arrow Connector 21">
+              <a:extLst>
+                <a:ext uri="{FF2B5EF4-FFF2-40B4-BE49-F238E27FC236}">
+                  <a16:creationId xmlns:a16="http://schemas.microsoft.com/office/drawing/2014/main" id="{5449C817-E5FD-0FE9-E20C-ABB68542387F}"/>
+                </a:ext>
+              </a:extLst>
+            </p:cNvPr>
+            <p:cNvCxnSpPr>
+              <a:cxnSpLocks/>
+            </p:cNvCxnSpPr>
+            <p:nvPr/>
+          </p:nvCxnSpPr>
+          <p:spPr>
+            <a:xfrm flipV="1">
+              <a:off x="16293196" y="10921782"/>
+              <a:ext cx="3690254" cy="1143844"/>
+            </a:xfrm>
+            <a:prstGeom prst="straightConnector1">
+              <a:avLst/>
+            </a:prstGeom>
+            <a:ln w="57150">
+              <a:solidFill>
+                <a:srgbClr val="FF0000"/>
+              </a:solidFill>
+              <a:tailEnd type="triangle"/>
+            </a:ln>
+          </p:spPr>
+          <p:style>
+            <a:lnRef idx="1">
+              <a:schemeClr val="accent1"/>
+            </a:lnRef>
+            <a:fillRef idx="0">
+              <a:schemeClr val="accent1"/>
+            </a:fillRef>
+            <a:effectRef idx="0">
+              <a:schemeClr val="accent1"/>
+            </a:effectRef>
+            <a:fontRef idx="minor">
+              <a:schemeClr val="tx1"/>
+            </a:fontRef>
+          </p:style>
+        </p:cxnSp>
+        <p:sp>
+          <p:nvSpPr>
+            <p:cNvPr id="26" name="TextBox 25">
+              <a:extLst>
+                <a:ext uri="{FF2B5EF4-FFF2-40B4-BE49-F238E27FC236}">
+                  <a16:creationId xmlns:a16="http://schemas.microsoft.com/office/drawing/2014/main" id="{4CE2208A-5CB3-7D10-0D11-E89641A6E17D}"/>
+                </a:ext>
+              </a:extLst>
+            </p:cNvPr>
+            <p:cNvSpPr txBox="1"/>
+            <p:nvPr/>
+          </p:nvSpPr>
+          <p:spPr>
+            <a:xfrm>
+              <a:off x="13407767" y="11785500"/>
+              <a:ext cx="3239892" cy="1138773"/>
+            </a:xfrm>
+            <a:prstGeom prst="rect">
+              <a:avLst/>
+            </a:prstGeom>
+            <a:noFill/>
+          </p:spPr>
+          <p:txBody>
+            <a:bodyPr wrap="square">
+              <a:spAutoFit/>
+            </a:bodyPr>
+            <a:lstStyle/>
+            <a:p>
+              <a:pPr marL="0" marR="0" lvl="0" indent="0" algn="l" defTabSz="2519995" rtl="0" eaLnBrk="1" fontAlgn="auto" latinLnBrk="0" hangingPunct="1">
+                <a:lnSpc>
+                  <a:spcPct val="100000"/>
+                </a:lnSpc>
+                <a:spcBef>
+                  <a:spcPts val="0"/>
+                </a:spcBef>
+                <a:spcAft>
+                  <a:spcPts val="0"/>
+                </a:spcAft>
+                <a:buClrTx/>
+                <a:buSzTx/>
+                <a:buFont typeface="Arial" panose="020B0604020202020204" pitchFamily="34" charset="0"/>
+                <a:buNone/>
+                <a:tabLst/>
+                <a:defRPr/>
+              </a:pPr>
+              <a:r>
+                <a:rPr lang="en-US" sz="3400" kern="1200" dirty="0">
+                  <a:solidFill>
+                    <a:schemeClr val="tx1"/>
+                  </a:solidFill>
+                  <a:effectLst/>
+                  <a:latin typeface="+mn-lt"/>
+                  <a:ea typeface="+mn-ea"/>
+                  <a:cs typeface="Open Sans Hebrew" panose="00000500000000000000" pitchFamily="2" charset="-79"/>
+                </a:rPr>
+                <a:t>Required point and its distance</a:t>
+              </a:r>
+            </a:p>
+          </p:txBody>
+        </p:sp>
+      </p:grpSp>
+      <p:cxnSp>
+        <p:nvCxnSpPr>
+          <p:cNvPr id="48" name="Straight Arrow Connector 47">
+            <a:extLst>
+              <a:ext uri="{FF2B5EF4-FFF2-40B4-BE49-F238E27FC236}">
+                <a16:creationId xmlns:a16="http://schemas.microsoft.com/office/drawing/2014/main" id="{B92FFD9E-780B-385C-9B93-5B62F9C34F38}"/>
+              </a:ext>
+            </a:extLst>
+          </p:cNvPr>
+          <p:cNvCxnSpPr>
+            <a:cxnSpLocks/>
+            <a:endCxn id="31" idx="1"/>
+          </p:cNvCxnSpPr>
+          <p:nvPr/>
+        </p:nvCxnSpPr>
+        <p:spPr>
+          <a:xfrm flipV="1">
+            <a:off x="14753184" y="15910024"/>
+            <a:ext cx="1208690" cy="8043"/>
+          </a:xfrm>
+          <a:prstGeom prst="straightConnector1">
+            <a:avLst/>
+          </a:prstGeom>
+          <a:ln w="57150">
+            <a:solidFill>
+              <a:schemeClr val="tx1">
+                <a:lumMod val="75000"/>
+                <a:lumOff val="25000"/>
+              </a:schemeClr>
+            </a:solidFill>
+            <a:headEnd type="triangle"/>
+            <a:tailEnd type="triangle"/>
+          </a:ln>
+        </p:spPr>
+        <p:style>
+          <a:lnRef idx="1">
+            <a:schemeClr val="accent1"/>
+          </a:lnRef>
+          <a:fillRef idx="0">
+            <a:schemeClr val="accent1"/>
+          </a:fillRef>
+          <a:effectRef idx="0">
+            <a:schemeClr val="accent1"/>
+          </a:effectRef>
+          <a:fontRef idx="minor">
+            <a:schemeClr val="tx1"/>
+          </a:fontRef>
+        </p:style>
+      </p:cxnSp>
+      <p:cxnSp>
+        <p:nvCxnSpPr>
+          <p:cNvPr id="57" name="Straight Arrow Connector 56">
+            <a:extLst>
+              <a:ext uri="{FF2B5EF4-FFF2-40B4-BE49-F238E27FC236}">
+                <a16:creationId xmlns:a16="http://schemas.microsoft.com/office/drawing/2014/main" id="{F5520F1D-E9B4-1F60-E387-38E3D6935406}"/>
+              </a:ext>
+            </a:extLst>
+          </p:cNvPr>
+          <p:cNvCxnSpPr>
+            <a:cxnSpLocks/>
+            <a:stCxn id="56" idx="6"/>
+            <a:endCxn id="53" idx="1"/>
+          </p:cNvCxnSpPr>
+          <p:nvPr/>
+        </p:nvCxnSpPr>
+        <p:spPr>
+          <a:xfrm>
+            <a:off x="19477584" y="15910024"/>
+            <a:ext cx="2682029" cy="8043"/>
+          </a:xfrm>
+          <a:prstGeom prst="straightConnector1">
+            <a:avLst/>
+          </a:prstGeom>
+          <a:ln w="57150">
+            <a:solidFill>
+              <a:schemeClr val="tx1">
+                <a:lumMod val="75000"/>
+                <a:lumOff val="25000"/>
+              </a:schemeClr>
+            </a:solidFill>
+            <a:headEnd type="triangle"/>
+            <a:tailEnd type="triangle"/>
+          </a:ln>
+        </p:spPr>
+        <p:style>
+          <a:lnRef idx="1">
+            <a:schemeClr val="accent1"/>
+          </a:lnRef>
+          <a:fillRef idx="0">
+            <a:schemeClr val="accent1"/>
+          </a:fillRef>
+          <a:effectRef idx="0">
+            <a:schemeClr val="accent1"/>
+          </a:effectRef>
+          <a:fontRef idx="minor">
+            <a:schemeClr val="tx1"/>
+          </a:fontRef>
+        </p:style>
+      </p:cxnSp>
+      <p:grpSp>
+        <p:nvGrpSpPr>
+          <p:cNvPr id="63" name="Group 62">
+            <a:extLst>
+              <a:ext uri="{FF2B5EF4-FFF2-40B4-BE49-F238E27FC236}">
+                <a16:creationId xmlns:a16="http://schemas.microsoft.com/office/drawing/2014/main" id="{E651C294-F9BD-5C63-EF76-000E22765F43}"/>
+              </a:ext>
+            </a:extLst>
+          </p:cNvPr>
+          <p:cNvGrpSpPr/>
+          <p:nvPr/>
+        </p:nvGrpSpPr>
+        <p:grpSpPr>
+          <a:xfrm>
+            <a:off x="12355766" y="13730240"/>
+            <a:ext cx="10711321" cy="8237324"/>
+            <a:chOff x="12682941" y="18874368"/>
+            <a:chExt cx="10711321" cy="6395278"/>
+          </a:xfrm>
+        </p:grpSpPr>
+        <p:graphicFrame>
+          <p:nvGraphicFramePr>
+            <p:cNvPr id="7" name="Chart 6">
+              <a:extLst>
+                <a:ext uri="{FF2B5EF4-FFF2-40B4-BE49-F238E27FC236}">
+                  <a16:creationId xmlns:a16="http://schemas.microsoft.com/office/drawing/2014/main" id="{BA3140BD-1196-68B7-ECC9-E815F01BCCF6}"/>
+                </a:ext>
+              </a:extLst>
+            </p:cNvPr>
+            <p:cNvGraphicFramePr/>
+            <p:nvPr>
+              <p:extLst>
+                <p:ext uri="{D42A27DB-BD31-4B8C-83A1-F6EECF244321}">
+                  <p14:modId xmlns:p14="http://schemas.microsoft.com/office/powerpoint/2010/main" val="2237477529"/>
+                </p:ext>
+              </p:extLst>
+            </p:nvPr>
+          </p:nvGraphicFramePr>
+          <p:xfrm>
+            <a:off x="12682941" y="21344431"/>
+            <a:ext cx="10459346" cy="3925215"/>
+          </p:xfrm>
+          <a:graphic>
+            <a:graphicData uri="http://schemas.openxmlformats.org/drawingml/2006/chart">
+              <c:chart xmlns:c="http://schemas.openxmlformats.org/drawingml/2006/chart" xmlns:r="http://schemas.openxmlformats.org/officeDocument/2006/relationships" r:id="rId9"/>
+            </a:graphicData>
+          </a:graphic>
+        </p:graphicFrame>
+        <p:grpSp>
+          <p:nvGrpSpPr>
+            <p:cNvPr id="62" name="Group 61">
+              <a:extLst>
+                <a:ext uri="{FF2B5EF4-FFF2-40B4-BE49-F238E27FC236}">
+                  <a16:creationId xmlns:a16="http://schemas.microsoft.com/office/drawing/2014/main" id="{BEF4566C-1555-0633-B597-18E9610EF811}"/>
+                </a:ext>
+              </a:extLst>
+            </p:cNvPr>
+            <p:cNvGrpSpPr/>
+            <p:nvPr/>
+          </p:nvGrpSpPr>
+          <p:grpSpPr>
+            <a:xfrm>
+              <a:off x="12842634" y="18874368"/>
+              <a:ext cx="10551628" cy="2365487"/>
+              <a:chOff x="12577261" y="18202781"/>
+              <a:chExt cx="10551628" cy="2365487"/>
+            </a:xfrm>
+          </p:grpSpPr>
+          <p:grpSp>
+            <p:nvGrpSpPr>
+              <p:cNvPr id="61" name="Group 60">
+                <a:extLst>
+                  <a:ext uri="{FF2B5EF4-FFF2-40B4-BE49-F238E27FC236}">
+                    <a16:creationId xmlns:a16="http://schemas.microsoft.com/office/drawing/2014/main" id="{94C000B0-B4F0-F4D3-4F5C-98C2390EF250}"/>
+                  </a:ext>
+                </a:extLst>
+              </p:cNvPr>
+              <p:cNvGrpSpPr/>
+              <p:nvPr/>
+            </p:nvGrpSpPr>
+            <p:grpSpPr>
+              <a:xfrm>
+                <a:off x="12577261" y="18202781"/>
+                <a:ext cx="4353889" cy="2349835"/>
+                <a:chOff x="12577261" y="18202781"/>
+                <a:chExt cx="4353889" cy="2349835"/>
+              </a:xfrm>
+            </p:grpSpPr>
+            <p:sp>
+              <p:nvSpPr>
+                <p:cNvPr id="31" name="Rectangle: Rounded Corners 30">
+                  <a:extLst>
+                    <a:ext uri="{FF2B5EF4-FFF2-40B4-BE49-F238E27FC236}">
+                      <a16:creationId xmlns:a16="http://schemas.microsoft.com/office/drawing/2014/main" id="{45761ED7-52FD-EC21-2CC9-F21EB3CF981A}"/>
+                    </a:ext>
+                  </a:extLst>
+                </p:cNvPr>
+                <p:cNvSpPr/>
+                <p:nvPr/>
+              </p:nvSpPr>
+              <p:spPr>
+                <a:xfrm>
+                  <a:off x="16023676" y="19476201"/>
+                  <a:ext cx="907474" cy="837833"/>
+                </a:xfrm>
+                <a:prstGeom prst="roundRect">
+                  <a:avLst/>
+                </a:prstGeom>
+                <a:solidFill>
+                  <a:schemeClr val="accent2">
+                    <a:lumMod val="40000"/>
+                    <a:lumOff val="60000"/>
+                  </a:schemeClr>
+                </a:solidFill>
+                <a:ln>
+                  <a:solidFill>
+                    <a:schemeClr val="accent2">
+                      <a:lumMod val="75000"/>
+                    </a:schemeClr>
+                  </a:solidFill>
+                </a:ln>
+              </p:spPr>
+              <p:style>
+                <a:lnRef idx="2">
+                  <a:schemeClr val="accent1">
+                    <a:shade val="15000"/>
+                  </a:schemeClr>
+                </a:lnRef>
+                <a:fillRef idx="1">
+                  <a:schemeClr val="accent1"/>
+                </a:fillRef>
+                <a:effectRef idx="0">
+                  <a:schemeClr val="accent1"/>
+                </a:effectRef>
+                <a:fontRef idx="minor">
+                  <a:schemeClr val="lt1"/>
+                </a:fontRef>
+              </p:style>
+              <p:txBody>
+                <a:bodyPr rtlCol="1" anchor="ctr"/>
+                <a:lstStyle/>
+                <a:p>
+                  <a:pPr algn="ctr"/>
+                  <a:r>
+                    <a:rPr lang="en-US" sz="1600" dirty="0">
+                      <a:solidFill>
+                        <a:schemeClr val="tx1"/>
+                      </a:solidFill>
+                    </a:rPr>
+                    <a:t>Object</a:t>
+                  </a:r>
+                </a:p>
+              </p:txBody>
+            </p:sp>
+            <p:sp>
+              <p:nvSpPr>
+                <p:cNvPr id="33" name="Rectangle: Beveled 32">
+                  <a:extLst>
+                    <a:ext uri="{FF2B5EF4-FFF2-40B4-BE49-F238E27FC236}">
+                      <a16:creationId xmlns:a16="http://schemas.microsoft.com/office/drawing/2014/main" id="{C5E7F020-67A6-D48F-DBD2-6F594360150E}"/>
+                    </a:ext>
+                  </a:extLst>
+                </p:cNvPr>
+                <p:cNvSpPr/>
+                <p:nvPr/>
+              </p:nvSpPr>
+              <p:spPr>
+                <a:xfrm>
+                  <a:off x="14594681" y="18202781"/>
+                  <a:ext cx="1408533" cy="1069723"/>
+                </a:xfrm>
+                <a:prstGeom prst="bevel">
+                  <a:avLst/>
+                </a:prstGeom>
+                <a:solidFill>
+                  <a:schemeClr val="bg2">
+                    <a:lumMod val="75000"/>
+                  </a:schemeClr>
+                </a:solidFill>
+                <a:ln>
+                  <a:solidFill>
+                    <a:schemeClr val="tx1"/>
+                  </a:solidFill>
+                </a:ln>
+              </p:spPr>
+              <p:style>
+                <a:lnRef idx="2">
+                  <a:schemeClr val="accent1">
+                    <a:shade val="15000"/>
+                  </a:schemeClr>
+                </a:lnRef>
+                <a:fillRef idx="1">
+                  <a:schemeClr val="accent1"/>
+                </a:fillRef>
+                <a:effectRef idx="0">
+                  <a:schemeClr val="accent1"/>
+                </a:effectRef>
+                <a:fontRef idx="minor">
+                  <a:schemeClr val="lt1"/>
+                </a:fontRef>
+              </p:style>
+              <p:txBody>
+                <a:bodyPr rtlCol="1" anchor="ctr"/>
+                <a:lstStyle/>
+                <a:p>
+                  <a:pPr algn="ctr"/>
+                  <a:r>
+                    <a:rPr lang="he-IL" sz="3600" dirty="0">
+                      <a:latin typeface="David" panose="020E0502060401010101" pitchFamily="34" charset="-79"/>
+                      <a:cs typeface="David" panose="020E0502060401010101" pitchFamily="34" charset="-79"/>
+                    </a:rPr>
+                    <a:t>1</a:t>
+                  </a:r>
+                  <a:r>
+                    <a:rPr lang="en-US" sz="3600" dirty="0">
+                      <a:latin typeface="David" panose="020E0502060401010101" pitchFamily="34" charset="-79"/>
+                      <a:cs typeface="David" panose="020E0502060401010101" pitchFamily="34" charset="-79"/>
+                    </a:rPr>
+                    <a:t>m</a:t>
+                  </a:r>
+                  <a:endParaRPr lang="he-IL" sz="3600" dirty="0">
+                    <a:latin typeface="David" panose="020E0502060401010101" pitchFamily="34" charset="-79"/>
+                    <a:cs typeface="David" panose="020E0502060401010101" pitchFamily="34" charset="-79"/>
+                  </a:endParaRPr>
+                </a:p>
+              </p:txBody>
+            </p:sp>
+            <p:sp>
+              <p:nvSpPr>
+                <p:cNvPr id="34" name="Freeform: Shape 33">
+                  <a:extLst>
+                    <a:ext uri="{FF2B5EF4-FFF2-40B4-BE49-F238E27FC236}">
+                      <a16:creationId xmlns:a16="http://schemas.microsoft.com/office/drawing/2014/main" id="{380E75D5-194A-C2D9-2877-21023F1EA96F}"/>
+                    </a:ext>
+                  </a:extLst>
+                </p:cNvPr>
+                <p:cNvSpPr/>
+                <p:nvPr/>
+              </p:nvSpPr>
+              <p:spPr>
+                <a:xfrm>
+                  <a:off x="13778450" y="18613447"/>
+                  <a:ext cx="837603" cy="592869"/>
+                </a:xfrm>
+                <a:custGeom>
+                  <a:avLst/>
+                  <a:gdLst>
+                    <a:gd name="connsiteX0" fmla="*/ 27420 w 436493"/>
+                    <a:gd name="connsiteY0" fmla="*/ 344905 h 344905"/>
+                    <a:gd name="connsiteX1" fmla="*/ 43462 w 436493"/>
+                    <a:gd name="connsiteY1" fmla="*/ 112295 h 344905"/>
+                    <a:gd name="connsiteX2" fmla="*/ 436493 w 436493"/>
+                    <a:gd name="connsiteY2" fmla="*/ 0 h 344905"/>
+                  </a:gdLst>
+                  <a:ahLst/>
+                  <a:cxnLst>
+                    <a:cxn ang="0">
+                      <a:pos x="connsiteX0" y="connsiteY0"/>
+                    </a:cxn>
+                    <a:cxn ang="0">
+                      <a:pos x="connsiteX1" y="connsiteY1"/>
+                    </a:cxn>
+                    <a:cxn ang="0">
+                      <a:pos x="connsiteX2" y="connsiteY2"/>
+                    </a:cxn>
+                  </a:cxnLst>
+                  <a:rect l="l" t="t" r="r" b="b"/>
+                  <a:pathLst>
+                    <a:path w="436493" h="344905">
+                      <a:moveTo>
+                        <a:pt x="27420" y="344905"/>
+                      </a:moveTo>
+                      <a:cubicBezTo>
+                        <a:pt x="1351" y="257342"/>
+                        <a:pt x="-24717" y="169779"/>
+                        <a:pt x="43462" y="112295"/>
+                      </a:cubicBezTo>
+                      <a:cubicBezTo>
+                        <a:pt x="111641" y="54811"/>
+                        <a:pt x="274067" y="27405"/>
+                        <a:pt x="436493" y="0"/>
+                      </a:cubicBezTo>
+                    </a:path>
+                  </a:pathLst>
+                </a:custGeom>
+                <a:noFill/>
+              </p:spPr>
+              <p:style>
+                <a:lnRef idx="2">
+                  <a:schemeClr val="accent1">
+                    <a:shade val="15000"/>
+                  </a:schemeClr>
+                </a:lnRef>
+                <a:fillRef idx="1">
+                  <a:schemeClr val="accent1"/>
+                </a:fillRef>
+                <a:effectRef idx="0">
+                  <a:schemeClr val="accent1"/>
+                </a:effectRef>
+                <a:fontRef idx="minor">
+                  <a:schemeClr val="lt1"/>
+                </a:fontRef>
+              </p:style>
+              <p:txBody>
+                <a:bodyPr rtlCol="1" anchor="ctr"/>
+                <a:lstStyle/>
+                <a:p>
+                  <a:pPr algn="ctr"/>
+                  <a:endParaRPr lang="he-IL"/>
+                </a:p>
+              </p:txBody>
+            </p:sp>
+            <p:sp>
+              <p:nvSpPr>
+                <p:cNvPr id="35" name="Oval 34">
+                  <a:extLst>
+                    <a:ext uri="{FF2B5EF4-FFF2-40B4-BE49-F238E27FC236}">
+                      <a16:creationId xmlns:a16="http://schemas.microsoft.com/office/drawing/2014/main" id="{A402C3A5-C43C-292E-508E-D1A97EBF8E40}"/>
+                    </a:ext>
+                  </a:extLst>
+                </p:cNvPr>
+                <p:cNvSpPr/>
+                <p:nvPr/>
+              </p:nvSpPr>
+              <p:spPr>
+                <a:xfrm>
+                  <a:off x="12577261" y="19206316"/>
+                  <a:ext cx="2237725" cy="1346300"/>
+                </a:xfrm>
+                <a:prstGeom prst="ellipse">
+                  <a:avLst/>
+                </a:prstGeom>
+                <a:solidFill>
+                  <a:schemeClr val="accent6">
+                    <a:lumMod val="60000"/>
+                    <a:lumOff val="40000"/>
+                  </a:schemeClr>
+                </a:solidFill>
+                <a:ln>
+                  <a:solidFill>
+                    <a:schemeClr val="accent6">
+                      <a:lumMod val="75000"/>
+                    </a:schemeClr>
+                  </a:solidFill>
+                </a:ln>
+              </p:spPr>
+              <p:style>
+                <a:lnRef idx="2">
+                  <a:schemeClr val="accent1">
+                    <a:shade val="15000"/>
+                  </a:schemeClr>
+                </a:lnRef>
+                <a:fillRef idx="1">
+                  <a:schemeClr val="accent1"/>
+                </a:fillRef>
+                <a:effectRef idx="0">
+                  <a:schemeClr val="accent1"/>
+                </a:effectRef>
+                <a:fontRef idx="minor">
+                  <a:schemeClr val="lt1"/>
+                </a:fontRef>
+              </p:style>
+              <p:txBody>
+                <a:bodyPr rtlCol="1" anchor="ctr"/>
+                <a:lstStyle/>
+                <a:p>
+                  <a:pPr algn="ctr"/>
+                  <a:r>
+                    <a:rPr lang="en-US" sz="2800" b="1" dirty="0">
+                      <a:solidFill>
+                        <a:schemeClr val="tx1"/>
+                      </a:solidFill>
+                      <a:latin typeface="David" panose="020E0502060401010101" pitchFamily="34" charset="-79"/>
+                      <a:cs typeface="David" panose="020E0502060401010101" pitchFamily="34" charset="-79"/>
+                    </a:rPr>
+                    <a:t>Camera</a:t>
+                  </a:r>
+                  <a:endParaRPr lang="he-IL" sz="2800" dirty="0"/>
+                </a:p>
+              </p:txBody>
+            </p:sp>
+          </p:grpSp>
+          <p:grpSp>
+            <p:nvGrpSpPr>
+              <p:cNvPr id="60" name="Group 59">
+                <a:extLst>
+                  <a:ext uri="{FF2B5EF4-FFF2-40B4-BE49-F238E27FC236}">
+                    <a16:creationId xmlns:a16="http://schemas.microsoft.com/office/drawing/2014/main" id="{657D2569-C726-EBB5-ED13-7D50B5485F3E}"/>
+                  </a:ext>
+                </a:extLst>
+              </p:cNvPr>
+              <p:cNvGrpSpPr/>
+              <p:nvPr/>
+            </p:nvGrpSpPr>
+            <p:grpSpPr>
+              <a:xfrm>
+                <a:off x="17301661" y="18218433"/>
+                <a:ext cx="5827228" cy="2349835"/>
+                <a:chOff x="17301661" y="18218433"/>
+                <a:chExt cx="5827228" cy="2349835"/>
+              </a:xfrm>
+            </p:grpSpPr>
+            <p:grpSp>
+              <p:nvGrpSpPr>
+                <p:cNvPr id="51" name="Group 50">
+                  <a:extLst>
+                    <a:ext uri="{FF2B5EF4-FFF2-40B4-BE49-F238E27FC236}">
+                      <a16:creationId xmlns:a16="http://schemas.microsoft.com/office/drawing/2014/main" id="{FD21E313-02D1-AE08-208E-4D3E80B4AC7D}"/>
+                    </a:ext>
+                  </a:extLst>
+                </p:cNvPr>
+                <p:cNvGrpSpPr/>
+                <p:nvPr/>
+              </p:nvGrpSpPr>
+              <p:grpSpPr>
+                <a:xfrm>
+                  <a:off x="17301661" y="18218433"/>
+                  <a:ext cx="5827228" cy="2349835"/>
+                  <a:chOff x="681491" y="2137246"/>
+                  <a:chExt cx="5159215" cy="1869963"/>
+                </a:xfrm>
+              </p:grpSpPr>
+              <p:sp>
+                <p:nvSpPr>
+                  <p:cNvPr id="53" name="Rectangle: Rounded Corners 52">
+                    <a:extLst>
+                      <a:ext uri="{FF2B5EF4-FFF2-40B4-BE49-F238E27FC236}">
+                        <a16:creationId xmlns:a16="http://schemas.microsoft.com/office/drawing/2014/main" id="{84F199D5-BE37-D7BE-D308-09BC3C36436D}"/>
+                      </a:ext>
+                    </a:extLst>
+                  </p:cNvPr>
+                  <p:cNvSpPr/>
+                  <p:nvPr/>
+                </p:nvSpPr>
+                <p:spPr>
+                  <a:xfrm>
+                    <a:off x="5037262" y="3143128"/>
+                    <a:ext cx="803444" cy="666735"/>
+                  </a:xfrm>
+                  <a:prstGeom prst="roundRect">
+                    <a:avLst/>
+                  </a:prstGeom>
+                  <a:solidFill>
+                    <a:schemeClr val="accent2">
+                      <a:lumMod val="40000"/>
+                      <a:lumOff val="60000"/>
+                    </a:schemeClr>
+                  </a:solidFill>
+                  <a:ln>
+                    <a:solidFill>
+                      <a:schemeClr val="accent2">
+                        <a:lumMod val="75000"/>
+                      </a:schemeClr>
+                    </a:solidFill>
+                  </a:ln>
+                </p:spPr>
+                <p:style>
+                  <a:lnRef idx="2">
+                    <a:schemeClr val="accent1">
+                      <a:shade val="15000"/>
+                    </a:schemeClr>
+                  </a:lnRef>
+                  <a:fillRef idx="1">
+                    <a:schemeClr val="accent1"/>
+                  </a:fillRef>
+                  <a:effectRef idx="0">
+                    <a:schemeClr val="accent1"/>
+                  </a:effectRef>
+                  <a:fontRef idx="minor">
+                    <a:schemeClr val="lt1"/>
+                  </a:fontRef>
+                </p:style>
+                <p:txBody>
+                  <a:bodyPr rtlCol="1" anchor="ctr"/>
+                  <a:lstStyle/>
+                  <a:p>
+                    <a:pPr algn="ctr"/>
+                    <a:r>
+                      <a:rPr lang="en-US" sz="1600" dirty="0">
+                        <a:solidFill>
+                          <a:schemeClr val="tx1"/>
+                        </a:solidFill>
+                      </a:rPr>
+                      <a:t>Object</a:t>
+                    </a:r>
+                  </a:p>
+                </p:txBody>
+              </p:sp>
+              <p:sp>
+                <p:nvSpPr>
+                  <p:cNvPr id="54" name="Rectangle: Beveled 53">
+                    <a:extLst>
+                      <a:ext uri="{FF2B5EF4-FFF2-40B4-BE49-F238E27FC236}">
+                        <a16:creationId xmlns:a16="http://schemas.microsoft.com/office/drawing/2014/main" id="{CC137C54-D326-49C2-E16C-66627280F182}"/>
+                      </a:ext>
+                    </a:extLst>
+                  </p:cNvPr>
+                  <p:cNvSpPr/>
+                  <p:nvPr/>
+                </p:nvSpPr>
+                <p:spPr>
+                  <a:xfrm>
+                    <a:off x="2467641" y="2137246"/>
+                    <a:ext cx="1247064" cy="851269"/>
+                  </a:xfrm>
+                  <a:prstGeom prst="bevel">
+                    <a:avLst/>
+                  </a:prstGeom>
+                  <a:solidFill>
+                    <a:schemeClr val="bg2">
+                      <a:lumMod val="75000"/>
+                    </a:schemeClr>
+                  </a:solidFill>
+                  <a:ln>
+                    <a:solidFill>
+                      <a:schemeClr val="tx1"/>
+                    </a:solidFill>
+                  </a:ln>
+                </p:spPr>
+                <p:style>
+                  <a:lnRef idx="2">
+                    <a:schemeClr val="accent1">
+                      <a:shade val="15000"/>
+                    </a:schemeClr>
+                  </a:lnRef>
+                  <a:fillRef idx="1">
+                    <a:schemeClr val="accent1"/>
+                  </a:fillRef>
+                  <a:effectRef idx="0">
+                    <a:schemeClr val="accent1"/>
+                  </a:effectRef>
+                  <a:fontRef idx="minor">
+                    <a:schemeClr val="lt1"/>
+                  </a:fontRef>
+                </p:style>
+                <p:txBody>
+                  <a:bodyPr rtlCol="1" anchor="ctr"/>
+                  <a:lstStyle/>
+                  <a:p>
+                    <a:pPr algn="ctr"/>
+                    <a:r>
+                      <a:rPr lang="he-IL" sz="3600" dirty="0">
+                        <a:latin typeface="David" panose="020E0502060401010101" pitchFamily="34" charset="-79"/>
+                        <a:cs typeface="David" panose="020E0502060401010101" pitchFamily="34" charset="-79"/>
+                      </a:rPr>
+                      <a:t>2</a:t>
+                    </a:r>
+                    <a:r>
+                      <a:rPr lang="en-US" sz="3600" dirty="0">
+                        <a:latin typeface="David" panose="020E0502060401010101" pitchFamily="34" charset="-79"/>
+                        <a:cs typeface="David" panose="020E0502060401010101" pitchFamily="34" charset="-79"/>
+                      </a:rPr>
+                      <a:t>m</a:t>
+                    </a:r>
+                    <a:endParaRPr lang="he-IL" sz="3600" dirty="0">
+                      <a:latin typeface="David" panose="020E0502060401010101" pitchFamily="34" charset="-79"/>
+                      <a:cs typeface="David" panose="020E0502060401010101" pitchFamily="34" charset="-79"/>
+                    </a:endParaRPr>
+                  </a:p>
+                </p:txBody>
+              </p:sp>
+              <p:sp>
+                <p:nvSpPr>
+                  <p:cNvPr id="55" name="Freeform: Shape 54">
+                    <a:extLst>
+                      <a:ext uri="{FF2B5EF4-FFF2-40B4-BE49-F238E27FC236}">
+                        <a16:creationId xmlns:a16="http://schemas.microsoft.com/office/drawing/2014/main" id="{69572E6D-357C-A75C-AED5-67526D095D54}"/>
+                      </a:ext>
+                    </a:extLst>
+                  </p:cNvPr>
+                  <p:cNvSpPr/>
+                  <p:nvPr/>
+                </p:nvSpPr>
+                <p:spPr>
+                  <a:xfrm>
+                    <a:off x="1744980" y="2464048"/>
+                    <a:ext cx="741583" cy="471796"/>
+                  </a:xfrm>
+                  <a:custGeom>
+                    <a:avLst/>
+                    <a:gdLst>
+                      <a:gd name="connsiteX0" fmla="*/ 27420 w 436493"/>
+                      <a:gd name="connsiteY0" fmla="*/ 344905 h 344905"/>
+                      <a:gd name="connsiteX1" fmla="*/ 43462 w 436493"/>
+                      <a:gd name="connsiteY1" fmla="*/ 112295 h 344905"/>
+                      <a:gd name="connsiteX2" fmla="*/ 436493 w 436493"/>
+                      <a:gd name="connsiteY2" fmla="*/ 0 h 344905"/>
+                    </a:gdLst>
+                    <a:ahLst/>
+                    <a:cxnLst>
+                      <a:cxn ang="0">
+                        <a:pos x="connsiteX0" y="connsiteY0"/>
+                      </a:cxn>
+                      <a:cxn ang="0">
+                        <a:pos x="connsiteX1" y="connsiteY1"/>
+                      </a:cxn>
+                      <a:cxn ang="0">
+                        <a:pos x="connsiteX2" y="connsiteY2"/>
+                      </a:cxn>
+                    </a:cxnLst>
+                    <a:rect l="l" t="t" r="r" b="b"/>
+                    <a:pathLst>
+                      <a:path w="436493" h="344905">
+                        <a:moveTo>
+                          <a:pt x="27420" y="344905"/>
+                        </a:moveTo>
+                        <a:cubicBezTo>
+                          <a:pt x="1351" y="257342"/>
+                          <a:pt x="-24717" y="169779"/>
+                          <a:pt x="43462" y="112295"/>
+                        </a:cubicBezTo>
+                        <a:cubicBezTo>
+                          <a:pt x="111641" y="54811"/>
+                          <a:pt x="274067" y="27405"/>
+                          <a:pt x="436493" y="0"/>
+                        </a:cubicBezTo>
+                      </a:path>
+                    </a:pathLst>
+                  </a:custGeom>
+                  <a:noFill/>
+                </p:spPr>
+                <p:style>
+                  <a:lnRef idx="2">
+                    <a:schemeClr val="accent1">
+                      <a:shade val="15000"/>
+                    </a:schemeClr>
+                  </a:lnRef>
+                  <a:fillRef idx="1">
+                    <a:schemeClr val="accent1"/>
+                  </a:fillRef>
+                  <a:effectRef idx="0">
+                    <a:schemeClr val="accent1"/>
+                  </a:effectRef>
+                  <a:fontRef idx="minor">
+                    <a:schemeClr val="lt1"/>
+                  </a:fontRef>
+                </p:style>
+                <p:txBody>
+                  <a:bodyPr rtlCol="1" anchor="ctr"/>
+                  <a:lstStyle/>
+                  <a:p>
+                    <a:pPr algn="ctr"/>
+                    <a:endParaRPr lang="he-IL"/>
+                  </a:p>
+                </p:txBody>
+              </p:sp>
+              <p:sp>
+                <p:nvSpPr>
+                  <p:cNvPr id="56" name="Oval 55">
+                    <a:extLst>
+                      <a:ext uri="{FF2B5EF4-FFF2-40B4-BE49-F238E27FC236}">
+                        <a16:creationId xmlns:a16="http://schemas.microsoft.com/office/drawing/2014/main" id="{FFD9C612-D680-D490-F116-F275730A9756}"/>
+                      </a:ext>
+                    </a:extLst>
+                  </p:cNvPr>
+                  <p:cNvSpPr/>
+                  <p:nvPr/>
+                </p:nvSpPr>
+                <p:spPr>
+                  <a:xfrm>
+                    <a:off x="681491" y="2935844"/>
+                    <a:ext cx="1981200" cy="1071365"/>
+                  </a:xfrm>
+                  <a:prstGeom prst="ellipse">
+                    <a:avLst/>
+                  </a:prstGeom>
+                  <a:solidFill>
+                    <a:schemeClr val="accent6">
+                      <a:lumMod val="60000"/>
+                      <a:lumOff val="40000"/>
+                    </a:schemeClr>
+                  </a:solidFill>
+                  <a:ln>
+                    <a:solidFill>
+                      <a:schemeClr val="accent6">
+                        <a:lumMod val="75000"/>
+                      </a:schemeClr>
+                    </a:solidFill>
+                  </a:ln>
+                </p:spPr>
+                <p:style>
+                  <a:lnRef idx="2">
+                    <a:schemeClr val="accent1">
+                      <a:shade val="15000"/>
+                    </a:schemeClr>
+                  </a:lnRef>
+                  <a:fillRef idx="1">
+                    <a:schemeClr val="accent1"/>
+                  </a:fillRef>
+                  <a:effectRef idx="0">
+                    <a:schemeClr val="accent1"/>
+                  </a:effectRef>
+                  <a:fontRef idx="minor">
+                    <a:schemeClr val="lt1"/>
+                  </a:fontRef>
+                </p:style>
+                <p:txBody>
+                  <a:bodyPr rtlCol="1" anchor="ctr"/>
+                  <a:lstStyle/>
+                  <a:p>
+                    <a:pPr algn="ctr"/>
+                    <a:r>
+                      <a:rPr lang="en-US" sz="2800" b="1" dirty="0">
+                        <a:solidFill>
+                          <a:schemeClr val="tx1"/>
+                        </a:solidFill>
+                        <a:latin typeface="David" panose="020E0502060401010101" pitchFamily="34" charset="-79"/>
+                        <a:cs typeface="David" panose="020E0502060401010101" pitchFamily="34" charset="-79"/>
+                      </a:rPr>
+                      <a:t>Camera</a:t>
+                    </a:r>
+                    <a:endParaRPr lang="he-IL" sz="2800" dirty="0"/>
+                  </a:p>
+                </p:txBody>
+              </p:sp>
+            </p:grpSp>
+            <p:sp>
+              <p:nvSpPr>
+                <p:cNvPr id="52" name="TextBox 51">
+                  <a:extLst>
+                    <a:ext uri="{FF2B5EF4-FFF2-40B4-BE49-F238E27FC236}">
+                      <a16:creationId xmlns:a16="http://schemas.microsoft.com/office/drawing/2014/main" id="{09BFE059-5188-BABD-A86E-0B071E19CE94}"/>
+                    </a:ext>
+                  </a:extLst>
+                </p:cNvPr>
+                <p:cNvSpPr txBox="1"/>
+                <p:nvPr/>
+              </p:nvSpPr>
+              <p:spPr>
+                <a:xfrm>
+                  <a:off x="19437611" y="19257425"/>
+                  <a:ext cx="1246894" cy="400110"/>
+                </a:xfrm>
+                <a:prstGeom prst="rect">
+                  <a:avLst/>
+                </a:prstGeom>
+                <a:noFill/>
+              </p:spPr>
+              <p:txBody>
+                <a:bodyPr wrap="square" rtlCol="1">
+                  <a:spAutoFit/>
+                </a:bodyPr>
+                <a:lstStyle/>
+                <a:p>
+                  <a:pPr algn="ctr" rtl="1"/>
+                  <a:r>
+                    <a:rPr lang="en-US" sz="2000" dirty="0">
+                      <a:latin typeface="David" panose="020E0502060401010101" pitchFamily="34" charset="-79"/>
+                      <a:cs typeface="David" panose="020E0502060401010101" pitchFamily="34" charset="-79"/>
+                    </a:rPr>
+                    <a:t>screen</a:t>
+                  </a:r>
+                  <a:endParaRPr lang="he-IL" sz="2000" dirty="0">
+                    <a:latin typeface="David" panose="020E0502060401010101" pitchFamily="34" charset="-79"/>
+                    <a:cs typeface="David" panose="020E0502060401010101" pitchFamily="34" charset="-79"/>
+                  </a:endParaRPr>
+                </a:p>
+              </p:txBody>
+            </p:sp>
+          </p:grpSp>
+          <p:sp>
+            <p:nvSpPr>
+              <p:cNvPr id="59" name="TextBox 58">
+                <a:extLst>
+                  <a:ext uri="{FF2B5EF4-FFF2-40B4-BE49-F238E27FC236}">
+                    <a16:creationId xmlns:a16="http://schemas.microsoft.com/office/drawing/2014/main" id="{74A0B931-44A4-0C88-34B1-C93BB85D9612}"/>
+                  </a:ext>
+                </a:extLst>
+              </p:cNvPr>
+              <p:cNvSpPr txBox="1"/>
+              <p:nvPr/>
+            </p:nvSpPr>
+            <p:spPr>
+              <a:xfrm>
+                <a:off x="14687139" y="19191838"/>
+                <a:ext cx="1246894" cy="400110"/>
+              </a:xfrm>
+              <a:prstGeom prst="rect">
+                <a:avLst/>
+              </a:prstGeom>
+              <a:noFill/>
+            </p:spPr>
+            <p:txBody>
+              <a:bodyPr wrap="square" rtlCol="1">
+                <a:spAutoFit/>
+              </a:bodyPr>
+              <a:lstStyle/>
+              <a:p>
+                <a:pPr algn="ctr" rtl="1"/>
+                <a:r>
+                  <a:rPr lang="en-US" sz="2000" dirty="0">
+                    <a:latin typeface="David" panose="020E0502060401010101" pitchFamily="34" charset="-79"/>
+                    <a:cs typeface="David" panose="020E0502060401010101" pitchFamily="34" charset="-79"/>
+                  </a:rPr>
+                  <a:t>screen</a:t>
+                </a:r>
+                <a:endParaRPr lang="he-IL" sz="2000" dirty="0">
+                  <a:latin typeface="David" panose="020E0502060401010101" pitchFamily="34" charset="-79"/>
+                  <a:cs typeface="David" panose="020E0502060401010101" pitchFamily="34" charset="-79"/>
+                </a:endParaRPr>
+              </a:p>
+            </p:txBody>
+          </p:sp>
+        </p:grpSp>
+      </p:grpSp>
+      <p:grpSp>
+        <p:nvGrpSpPr>
+          <p:cNvPr id="104" name="Group 103">
+            <a:extLst>
+              <a:ext uri="{FF2B5EF4-FFF2-40B4-BE49-F238E27FC236}">
+                <a16:creationId xmlns:a16="http://schemas.microsoft.com/office/drawing/2014/main" id="{DB473DA1-F468-D9D9-2744-775CB0B6E3F1}"/>
+              </a:ext>
+            </a:extLst>
+          </p:cNvPr>
+          <p:cNvGrpSpPr/>
+          <p:nvPr/>
+        </p:nvGrpSpPr>
+        <p:grpSpPr>
+          <a:xfrm>
+            <a:off x="23085800" y="3625858"/>
+            <a:ext cx="12767887" cy="6529232"/>
+            <a:chOff x="23099647" y="3210099"/>
+            <a:chExt cx="12767887" cy="6529232"/>
+          </a:xfrm>
+        </p:grpSpPr>
+        <p:grpSp>
+          <p:nvGrpSpPr>
+            <p:cNvPr id="64" name="Group 63">
+              <a:extLst>
+                <a:ext uri="{FF2B5EF4-FFF2-40B4-BE49-F238E27FC236}">
+                  <a16:creationId xmlns:a16="http://schemas.microsoft.com/office/drawing/2014/main" id="{6EEDD9F6-5D43-9FB4-5954-BDB14E592216}"/>
+                </a:ext>
+              </a:extLst>
+            </p:cNvPr>
+            <p:cNvGrpSpPr/>
+            <p:nvPr/>
+          </p:nvGrpSpPr>
+          <p:grpSpPr>
+            <a:xfrm>
+              <a:off x="23099647" y="3210099"/>
+              <a:ext cx="7257349" cy="6529232"/>
+              <a:chOff x="23627785" y="5475670"/>
+              <a:chExt cx="6033491" cy="6011689"/>
+            </a:xfrm>
+          </p:grpSpPr>
+          <p:graphicFrame>
+            <p:nvGraphicFramePr>
+              <p:cNvPr id="9" name="Chart 8">
+                <a:extLst>
+                  <a:ext uri="{FF2B5EF4-FFF2-40B4-BE49-F238E27FC236}">
+                    <a16:creationId xmlns:a16="http://schemas.microsoft.com/office/drawing/2014/main" id="{26256128-CBF9-0B0D-52BF-D7E5636F0268}"/>
+                  </a:ext>
+                </a:extLst>
+              </p:cNvPr>
+              <p:cNvGraphicFramePr/>
+              <p:nvPr>
+                <p:extLst>
+                  <p:ext uri="{D42A27DB-BD31-4B8C-83A1-F6EECF244321}">
+                    <p14:modId xmlns:p14="http://schemas.microsoft.com/office/powerpoint/2010/main" val="2212252552"/>
+                  </p:ext>
+                </p:extLst>
+              </p:nvPr>
+            </p:nvGraphicFramePr>
+            <p:xfrm>
+              <a:off x="23627785" y="8567801"/>
+              <a:ext cx="6033491" cy="2919558"/>
+            </p:xfrm>
+            <a:graphic>
+              <a:graphicData uri="http://schemas.openxmlformats.org/drawingml/2006/chart">
+                <c:chart xmlns:c="http://schemas.openxmlformats.org/drawingml/2006/chart" xmlns:r="http://schemas.openxmlformats.org/officeDocument/2006/relationships" r:id="rId10"/>
+              </a:graphicData>
+            </a:graphic>
+          </p:graphicFrame>
+          <p:graphicFrame>
+            <p:nvGraphicFramePr>
+              <p:cNvPr id="11" name="Chart 10">
+                <a:extLst>
+                  <a:ext uri="{FF2B5EF4-FFF2-40B4-BE49-F238E27FC236}">
+                    <a16:creationId xmlns:a16="http://schemas.microsoft.com/office/drawing/2014/main" id="{F26C3E7C-CF4A-54DE-C4FB-8BA2407291A3}"/>
+                  </a:ext>
+                </a:extLst>
+              </p:cNvPr>
+              <p:cNvGraphicFramePr/>
+              <p:nvPr>
+                <p:extLst>
+                  <p:ext uri="{D42A27DB-BD31-4B8C-83A1-F6EECF244321}">
+                    <p14:modId xmlns:p14="http://schemas.microsoft.com/office/powerpoint/2010/main" val="2798874264"/>
+                  </p:ext>
+                </p:extLst>
+              </p:nvPr>
+            </p:nvGraphicFramePr>
+            <p:xfrm>
+              <a:off x="23627785" y="5475670"/>
+              <a:ext cx="6033491" cy="3158404"/>
+            </p:xfrm>
+            <a:graphic>
+              <a:graphicData uri="http://schemas.openxmlformats.org/drawingml/2006/chart">
+                <c:chart xmlns:c="http://schemas.openxmlformats.org/drawingml/2006/chart" xmlns:r="http://schemas.openxmlformats.org/officeDocument/2006/relationships" r:id="rId11"/>
+              </a:graphicData>
+            </a:graphic>
+          </p:graphicFrame>
+        </p:grpSp>
+        <p:grpSp>
+          <p:nvGrpSpPr>
+            <p:cNvPr id="81" name="Group 80">
+              <a:extLst>
+                <a:ext uri="{FF2B5EF4-FFF2-40B4-BE49-F238E27FC236}">
+                  <a16:creationId xmlns:a16="http://schemas.microsoft.com/office/drawing/2014/main" id="{52588C4B-9814-3915-A9D0-DC2F113C508F}"/>
+                </a:ext>
+              </a:extLst>
+            </p:cNvPr>
+            <p:cNvGrpSpPr/>
+            <p:nvPr/>
+          </p:nvGrpSpPr>
+          <p:grpSpPr>
+            <a:xfrm>
+              <a:off x="30192653" y="3400444"/>
+              <a:ext cx="5674881" cy="5821343"/>
+              <a:chOff x="22123159" y="9035261"/>
+              <a:chExt cx="4837896" cy="4921272"/>
+            </a:xfrm>
+          </p:grpSpPr>
+          <p:grpSp>
+            <p:nvGrpSpPr>
+              <p:cNvPr id="82" name="Group 81">
+                <a:extLst>
+                  <a:ext uri="{FF2B5EF4-FFF2-40B4-BE49-F238E27FC236}">
+                    <a16:creationId xmlns:a16="http://schemas.microsoft.com/office/drawing/2014/main" id="{7ED016E6-6625-9446-2838-D34E03A6F3F3}"/>
+                  </a:ext>
+                </a:extLst>
+              </p:cNvPr>
+              <p:cNvGrpSpPr/>
+              <p:nvPr/>
+            </p:nvGrpSpPr>
+            <p:grpSpPr>
+              <a:xfrm>
+                <a:off x="22123159" y="9035261"/>
+                <a:ext cx="4579647" cy="2603164"/>
+                <a:chOff x="22123159" y="9035261"/>
+                <a:chExt cx="4579647" cy="2603164"/>
+              </a:xfrm>
+            </p:grpSpPr>
+            <p:sp>
+              <p:nvSpPr>
+                <p:cNvPr id="90" name="Oval 89">
+                  <a:extLst>
+                    <a:ext uri="{FF2B5EF4-FFF2-40B4-BE49-F238E27FC236}">
+                      <a16:creationId xmlns:a16="http://schemas.microsoft.com/office/drawing/2014/main" id="{532AC910-7DF6-B7A0-590C-336181752CBF}"/>
+                    </a:ext>
+                  </a:extLst>
+                </p:cNvPr>
+                <p:cNvSpPr/>
+                <p:nvPr/>
+              </p:nvSpPr>
+              <p:spPr>
+                <a:xfrm>
+                  <a:off x="23655505" y="9825772"/>
+                  <a:ext cx="1792705" cy="1812653"/>
+                </a:xfrm>
+                <a:prstGeom prst="ellipse">
+                  <a:avLst/>
+                </a:prstGeom>
+              </p:spPr>
+              <p:style>
+                <a:lnRef idx="2">
+                  <a:schemeClr val="accent1">
+                    <a:shade val="15000"/>
+                  </a:schemeClr>
+                </a:lnRef>
+                <a:fillRef idx="1">
+                  <a:schemeClr val="accent1"/>
+                </a:fillRef>
+                <a:effectRef idx="0">
+                  <a:schemeClr val="accent1"/>
+                </a:effectRef>
+                <a:fontRef idx="minor">
+                  <a:schemeClr val="lt1"/>
+                </a:fontRef>
+              </p:style>
+              <p:txBody>
+                <a:bodyPr rtlCol="1" anchor="ctr"/>
+                <a:lstStyle/>
+                <a:p>
+                  <a:pPr algn="ctr"/>
+                  <a:r>
+                    <a:rPr lang="en-US" sz="3200" dirty="0"/>
+                    <a:t>LIDAR</a:t>
+                  </a:r>
+                  <a:endParaRPr lang="en-US" dirty="0"/>
+                </a:p>
+              </p:txBody>
+            </p:sp>
+            <p:sp>
+              <p:nvSpPr>
+                <p:cNvPr id="91" name="Rectangle: Rounded Corners 90">
+                  <a:extLst>
+                    <a:ext uri="{FF2B5EF4-FFF2-40B4-BE49-F238E27FC236}">
+                      <a16:creationId xmlns:a16="http://schemas.microsoft.com/office/drawing/2014/main" id="{5E6E289A-397F-5A60-5192-BE3402D94321}"/>
+                    </a:ext>
+                  </a:extLst>
+                </p:cNvPr>
+                <p:cNvSpPr/>
+                <p:nvPr/>
+              </p:nvSpPr>
+              <p:spPr>
+                <a:xfrm>
+                  <a:off x="22123159" y="9035261"/>
+                  <a:ext cx="869296" cy="666735"/>
+                </a:xfrm>
+                <a:prstGeom prst="roundRect">
+                  <a:avLst/>
+                </a:prstGeom>
+                <a:solidFill>
+                  <a:schemeClr val="accent2">
+                    <a:lumMod val="40000"/>
+                    <a:lumOff val="60000"/>
+                  </a:schemeClr>
+                </a:solidFill>
+                <a:ln>
+                  <a:solidFill>
+                    <a:schemeClr val="accent2">
+                      <a:lumMod val="75000"/>
+                    </a:schemeClr>
+                  </a:solidFill>
+                </a:ln>
+              </p:spPr>
+              <p:style>
+                <a:lnRef idx="2">
+                  <a:schemeClr val="accent1">
+                    <a:shade val="15000"/>
+                  </a:schemeClr>
+                </a:lnRef>
+                <a:fillRef idx="1">
+                  <a:schemeClr val="accent1"/>
+                </a:fillRef>
+                <a:effectRef idx="0">
+                  <a:schemeClr val="accent1"/>
+                </a:effectRef>
+                <a:fontRef idx="minor">
+                  <a:schemeClr val="lt1"/>
+                </a:fontRef>
+              </p:style>
+              <p:txBody>
+                <a:bodyPr rtlCol="1" anchor="ctr"/>
+                <a:lstStyle/>
+                <a:p>
+                  <a:pPr algn="ctr"/>
+                  <a:r>
+                    <a:rPr lang="en-US" sz="1600" dirty="0">
+                      <a:solidFill>
+                        <a:schemeClr val="tx1"/>
+                      </a:solidFill>
+                    </a:rPr>
+                    <a:t>Object</a:t>
+                  </a:r>
+                  <a:endParaRPr lang="en-US" sz="1200" dirty="0">
+                    <a:solidFill>
+                      <a:schemeClr val="tx1"/>
+                    </a:solidFill>
+                  </a:endParaRPr>
+                </a:p>
+              </p:txBody>
+            </p:sp>
+            <p:cxnSp>
+              <p:nvCxnSpPr>
+                <p:cNvPr id="92" name="Straight Arrow Connector 91">
+                  <a:extLst>
+                    <a:ext uri="{FF2B5EF4-FFF2-40B4-BE49-F238E27FC236}">
+                      <a16:creationId xmlns:a16="http://schemas.microsoft.com/office/drawing/2014/main" id="{C0F8ADDE-EF54-BB05-E7C2-50D75BE97ACE}"/>
+                    </a:ext>
+                  </a:extLst>
+                </p:cNvPr>
+                <p:cNvCxnSpPr>
+                  <a:cxnSpLocks/>
+                  <a:stCxn id="91" idx="3"/>
+                  <a:endCxn id="90" idx="1"/>
+                </p:cNvCxnSpPr>
+                <p:nvPr/>
+              </p:nvCxnSpPr>
+              <p:spPr>
+                <a:xfrm>
+                  <a:off x="22992455" y="9368629"/>
+                  <a:ext cx="925586" cy="722600"/>
+                </a:xfrm>
+                <a:prstGeom prst="straightConnector1">
+                  <a:avLst/>
+                </a:prstGeom>
+                <a:ln w="28575">
+                  <a:solidFill>
+                    <a:schemeClr val="tx1">
+                      <a:lumMod val="75000"/>
+                      <a:lumOff val="25000"/>
+                    </a:schemeClr>
+                  </a:solidFill>
+                  <a:headEnd type="triangle"/>
+                  <a:tailEnd type="triangle"/>
+                </a:ln>
+              </p:spPr>
+              <p:style>
+                <a:lnRef idx="1">
+                  <a:schemeClr val="accent1"/>
+                </a:lnRef>
+                <a:fillRef idx="0">
+                  <a:schemeClr val="accent1"/>
+                </a:fillRef>
+                <a:effectRef idx="0">
+                  <a:schemeClr val="accent1"/>
+                </a:effectRef>
+                <a:fontRef idx="minor">
+                  <a:schemeClr val="tx1"/>
+                </a:fontRef>
+              </p:style>
+            </p:cxnSp>
+            <p:sp>
+              <p:nvSpPr>
+                <p:cNvPr id="93" name="Rectangle: Beveled 92">
+                  <a:extLst>
+                    <a:ext uri="{FF2B5EF4-FFF2-40B4-BE49-F238E27FC236}">
+                      <a16:creationId xmlns:a16="http://schemas.microsoft.com/office/drawing/2014/main" id="{E38958FE-931E-0F49-85A8-0FAC76C5F3B8}"/>
+                    </a:ext>
+                  </a:extLst>
+                </p:cNvPr>
+                <p:cNvSpPr/>
+                <p:nvPr/>
+              </p:nvSpPr>
+              <p:spPr>
+                <a:xfrm>
+                  <a:off x="25287740" y="9116184"/>
+                  <a:ext cx="1415066" cy="851269"/>
+                </a:xfrm>
+                <a:prstGeom prst="bevel">
+                  <a:avLst/>
+                </a:prstGeom>
+                <a:solidFill>
+                  <a:schemeClr val="bg2">
+                    <a:lumMod val="75000"/>
+                  </a:schemeClr>
+                </a:solidFill>
+                <a:ln>
+                  <a:solidFill>
+                    <a:schemeClr val="tx1"/>
+                  </a:solidFill>
+                </a:ln>
+              </p:spPr>
+              <p:style>
+                <a:lnRef idx="2">
+                  <a:schemeClr val="accent1">
+                    <a:shade val="15000"/>
+                  </a:schemeClr>
+                </a:lnRef>
+                <a:fillRef idx="1">
+                  <a:schemeClr val="accent1"/>
+                </a:fillRef>
+                <a:effectRef idx="0">
+                  <a:schemeClr val="accent1"/>
+                </a:effectRef>
+                <a:fontRef idx="minor">
+                  <a:schemeClr val="lt1"/>
+                </a:fontRef>
+              </p:style>
+              <p:txBody>
+                <a:bodyPr rtlCol="1" anchor="ctr"/>
+                <a:lstStyle/>
+                <a:p>
+                  <a:pPr algn="ctr"/>
+                  <a:endParaRPr lang="he-IL" dirty="0"/>
+                </a:p>
+              </p:txBody>
+            </p:sp>
+            <p:sp>
+              <p:nvSpPr>
+                <p:cNvPr id="94" name="TextBox 93">
+                  <a:extLst>
+                    <a:ext uri="{FF2B5EF4-FFF2-40B4-BE49-F238E27FC236}">
+                      <a16:creationId xmlns:a16="http://schemas.microsoft.com/office/drawing/2014/main" id="{3BA06839-2BA9-CA3F-9A6E-9003E766A557}"/>
+                    </a:ext>
+                  </a:extLst>
+                </p:cNvPr>
+                <p:cNvSpPr txBox="1"/>
+                <p:nvPr/>
+              </p:nvSpPr>
+              <p:spPr>
+                <a:xfrm>
+                  <a:off x="25493965" y="9934928"/>
+                  <a:ext cx="1050588" cy="400110"/>
+                </a:xfrm>
+                <a:prstGeom prst="rect">
+                  <a:avLst/>
+                </a:prstGeom>
+                <a:noFill/>
+              </p:spPr>
+              <p:txBody>
+                <a:bodyPr wrap="square" rtlCol="1">
+                  <a:spAutoFit/>
+                </a:bodyPr>
+                <a:lstStyle/>
+                <a:p>
+                  <a:pPr algn="ctr" rtl="1"/>
+                  <a:r>
+                    <a:rPr lang="en-US" sz="2000" dirty="0">
+                      <a:latin typeface="David" panose="020E0502060401010101" pitchFamily="34" charset="-79"/>
+                      <a:cs typeface="David" panose="020E0502060401010101" pitchFamily="34" charset="-79"/>
+                    </a:rPr>
+                    <a:t>screen</a:t>
+                  </a:r>
+                  <a:endParaRPr lang="he-IL" sz="2000" dirty="0">
+                    <a:latin typeface="David" panose="020E0502060401010101" pitchFamily="34" charset="-79"/>
+                    <a:cs typeface="David" panose="020E0502060401010101" pitchFamily="34" charset="-79"/>
+                  </a:endParaRPr>
+                </a:p>
+              </p:txBody>
+            </p:sp>
+            <p:sp>
+              <p:nvSpPr>
+                <p:cNvPr id="95" name="Freeform: Shape 94">
+                  <a:extLst>
+                    <a:ext uri="{FF2B5EF4-FFF2-40B4-BE49-F238E27FC236}">
+                      <a16:creationId xmlns:a16="http://schemas.microsoft.com/office/drawing/2014/main" id="{753959CE-C01B-EFA0-63B5-5CE9DF8EFC85}"/>
+                    </a:ext>
+                  </a:extLst>
+                </p:cNvPr>
+                <p:cNvSpPr/>
+                <p:nvPr/>
+              </p:nvSpPr>
+              <p:spPr>
+                <a:xfrm>
+                  <a:off x="24852166" y="9537887"/>
+                  <a:ext cx="436493" cy="344905"/>
+                </a:xfrm>
+                <a:custGeom>
+                  <a:avLst/>
+                  <a:gdLst>
+                    <a:gd name="connsiteX0" fmla="*/ 27420 w 436493"/>
+                    <a:gd name="connsiteY0" fmla="*/ 344905 h 344905"/>
+                    <a:gd name="connsiteX1" fmla="*/ 43462 w 436493"/>
+                    <a:gd name="connsiteY1" fmla="*/ 112295 h 344905"/>
+                    <a:gd name="connsiteX2" fmla="*/ 436493 w 436493"/>
+                    <a:gd name="connsiteY2" fmla="*/ 0 h 344905"/>
+                  </a:gdLst>
+                  <a:ahLst/>
+                  <a:cxnLst>
+                    <a:cxn ang="0">
+                      <a:pos x="connsiteX0" y="connsiteY0"/>
+                    </a:cxn>
+                    <a:cxn ang="0">
+                      <a:pos x="connsiteX1" y="connsiteY1"/>
+                    </a:cxn>
+                    <a:cxn ang="0">
+                      <a:pos x="connsiteX2" y="connsiteY2"/>
+                    </a:cxn>
+                  </a:cxnLst>
+                  <a:rect l="l" t="t" r="r" b="b"/>
+                  <a:pathLst>
+                    <a:path w="436493" h="344905">
+                      <a:moveTo>
+                        <a:pt x="27420" y="344905"/>
+                      </a:moveTo>
+                      <a:cubicBezTo>
+                        <a:pt x="1351" y="257342"/>
+                        <a:pt x="-24717" y="169779"/>
+                        <a:pt x="43462" y="112295"/>
+                      </a:cubicBezTo>
+                      <a:cubicBezTo>
+                        <a:pt x="111641" y="54811"/>
+                        <a:pt x="274067" y="27405"/>
+                        <a:pt x="436493" y="0"/>
+                      </a:cubicBezTo>
+                    </a:path>
+                  </a:pathLst>
+                </a:custGeom>
+                <a:noFill/>
+              </p:spPr>
+              <p:style>
+                <a:lnRef idx="2">
+                  <a:schemeClr val="accent1">
+                    <a:shade val="15000"/>
+                  </a:schemeClr>
+                </a:lnRef>
+                <a:fillRef idx="1">
+                  <a:schemeClr val="accent1"/>
+                </a:fillRef>
+                <a:effectRef idx="0">
+                  <a:schemeClr val="accent1"/>
+                </a:effectRef>
+                <a:fontRef idx="minor">
+                  <a:schemeClr val="lt1"/>
+                </a:fontRef>
+              </p:style>
+              <p:txBody>
+                <a:bodyPr rtlCol="1" anchor="ctr"/>
+                <a:lstStyle/>
+                <a:p>
+                  <a:pPr algn="ctr"/>
+                  <a:endParaRPr lang="he-IL"/>
+                </a:p>
+              </p:txBody>
+            </p:sp>
+          </p:grpSp>
+          <p:grpSp>
+            <p:nvGrpSpPr>
+              <p:cNvPr id="83" name="Group 82">
+                <a:extLst>
+                  <a:ext uri="{FF2B5EF4-FFF2-40B4-BE49-F238E27FC236}">
+                    <a16:creationId xmlns:a16="http://schemas.microsoft.com/office/drawing/2014/main" id="{730E3A32-3E84-6551-5E1B-F05B3F37B4EF}"/>
+                  </a:ext>
+                </a:extLst>
+              </p:cNvPr>
+              <p:cNvGrpSpPr/>
+              <p:nvPr/>
+            </p:nvGrpSpPr>
+            <p:grpSpPr>
+              <a:xfrm>
+                <a:off x="22816981" y="11610204"/>
+                <a:ext cx="4144074" cy="2346329"/>
+                <a:chOff x="28162695" y="9168320"/>
+                <a:chExt cx="4144074" cy="2346329"/>
+              </a:xfrm>
+            </p:grpSpPr>
+            <p:sp>
+              <p:nvSpPr>
+                <p:cNvPr id="84" name="Oval 83">
+                  <a:extLst>
+                    <a:ext uri="{FF2B5EF4-FFF2-40B4-BE49-F238E27FC236}">
+                      <a16:creationId xmlns:a16="http://schemas.microsoft.com/office/drawing/2014/main" id="{E6B90330-6F82-67A6-9EA4-43CC3D93A7B0}"/>
+                    </a:ext>
+                  </a:extLst>
+                </p:cNvPr>
+                <p:cNvSpPr/>
+                <p:nvPr/>
+              </p:nvSpPr>
+              <p:spPr>
+                <a:xfrm>
+                  <a:off x="28999680" y="9701996"/>
+                  <a:ext cx="1792705" cy="1812653"/>
+                </a:xfrm>
+                <a:prstGeom prst="ellipse">
+                  <a:avLst/>
+                </a:prstGeom>
+              </p:spPr>
+              <p:style>
+                <a:lnRef idx="2">
+                  <a:schemeClr val="accent1">
+                    <a:shade val="15000"/>
+                  </a:schemeClr>
+                </a:lnRef>
+                <a:fillRef idx="1">
+                  <a:schemeClr val="accent1"/>
+                </a:fillRef>
+                <a:effectRef idx="0">
+                  <a:schemeClr val="accent1"/>
+                </a:effectRef>
+                <a:fontRef idx="minor">
+                  <a:schemeClr val="lt1"/>
+                </a:fontRef>
+              </p:style>
+              <p:txBody>
+                <a:bodyPr rtlCol="1" anchor="ctr"/>
+                <a:lstStyle/>
+                <a:p>
+                  <a:pPr algn="ctr"/>
+                  <a:r>
+                    <a:rPr lang="en-US" sz="3200" dirty="0"/>
+                    <a:t>LIDAR</a:t>
+                  </a:r>
+                </a:p>
+              </p:txBody>
+            </p:sp>
+            <p:sp>
+              <p:nvSpPr>
+                <p:cNvPr id="85" name="Rectangle: Rounded Corners 84">
+                  <a:extLst>
+                    <a:ext uri="{FF2B5EF4-FFF2-40B4-BE49-F238E27FC236}">
+                      <a16:creationId xmlns:a16="http://schemas.microsoft.com/office/drawing/2014/main" id="{536981CA-B874-3D7D-F179-F2A003001BE3}"/>
+                    </a:ext>
+                  </a:extLst>
+                </p:cNvPr>
+                <p:cNvSpPr/>
+                <p:nvPr/>
+              </p:nvSpPr>
+              <p:spPr>
+                <a:xfrm>
+                  <a:off x="28162695" y="9468601"/>
+                  <a:ext cx="869296" cy="666735"/>
+                </a:xfrm>
+                <a:prstGeom prst="roundRect">
+                  <a:avLst/>
+                </a:prstGeom>
+                <a:solidFill>
+                  <a:schemeClr val="accent2">
+                    <a:lumMod val="40000"/>
+                    <a:lumOff val="60000"/>
+                  </a:schemeClr>
+                </a:solidFill>
+                <a:ln>
+                  <a:solidFill>
+                    <a:schemeClr val="accent2">
+                      <a:lumMod val="75000"/>
+                    </a:schemeClr>
+                  </a:solidFill>
+                </a:ln>
+              </p:spPr>
+              <p:style>
+                <a:lnRef idx="2">
+                  <a:schemeClr val="accent1">
+                    <a:shade val="15000"/>
+                  </a:schemeClr>
+                </a:lnRef>
+                <a:fillRef idx="1">
+                  <a:schemeClr val="accent1"/>
+                </a:fillRef>
+                <a:effectRef idx="0">
+                  <a:schemeClr val="accent1"/>
+                </a:effectRef>
+                <a:fontRef idx="minor">
+                  <a:schemeClr val="lt1"/>
+                </a:fontRef>
+              </p:style>
+              <p:txBody>
+                <a:bodyPr rtlCol="1" anchor="ctr"/>
+                <a:lstStyle/>
+                <a:p>
+                  <a:pPr algn="ctr"/>
+                  <a:r>
+                    <a:rPr lang="en-US" sz="1600" dirty="0">
+                      <a:solidFill>
+                        <a:schemeClr val="tx1"/>
+                      </a:solidFill>
+                    </a:rPr>
+                    <a:t>Object</a:t>
+                  </a:r>
+                </a:p>
+              </p:txBody>
+            </p:sp>
+            <p:cxnSp>
+              <p:nvCxnSpPr>
+                <p:cNvPr id="86" name="Straight Arrow Connector 85">
+                  <a:extLst>
+                    <a:ext uri="{FF2B5EF4-FFF2-40B4-BE49-F238E27FC236}">
+                      <a16:creationId xmlns:a16="http://schemas.microsoft.com/office/drawing/2014/main" id="{CF0B4BCF-1F58-231B-2FB8-2407AB031048}"/>
+                    </a:ext>
+                  </a:extLst>
+                </p:cNvPr>
+                <p:cNvCxnSpPr>
+                  <a:cxnSpLocks/>
+                  <a:stCxn id="85" idx="3"/>
+                  <a:endCxn id="84" idx="1"/>
+                </p:cNvCxnSpPr>
+                <p:nvPr/>
+              </p:nvCxnSpPr>
+              <p:spPr>
+                <a:xfrm>
+                  <a:off x="29031991" y="9801969"/>
+                  <a:ext cx="230225" cy="165484"/>
+                </a:xfrm>
+                <a:prstGeom prst="straightConnector1">
+                  <a:avLst/>
+                </a:prstGeom>
+                <a:ln w="28575">
+                  <a:solidFill>
+                    <a:schemeClr val="tx1">
+                      <a:lumMod val="75000"/>
+                      <a:lumOff val="25000"/>
+                    </a:schemeClr>
+                  </a:solidFill>
+                  <a:headEnd type="triangle"/>
+                  <a:tailEnd type="triangle"/>
+                </a:ln>
+              </p:spPr>
+              <p:style>
+                <a:lnRef idx="1">
+                  <a:schemeClr val="accent1"/>
+                </a:lnRef>
+                <a:fillRef idx="0">
+                  <a:schemeClr val="accent1"/>
+                </a:fillRef>
+                <a:effectRef idx="0">
+                  <a:schemeClr val="accent1"/>
+                </a:effectRef>
+                <a:fontRef idx="minor">
+                  <a:schemeClr val="tx1"/>
+                </a:fontRef>
+              </p:style>
+            </p:cxnSp>
+            <p:sp>
+              <p:nvSpPr>
+                <p:cNvPr id="87" name="Rectangle: Beveled 86">
+                  <a:extLst>
+                    <a:ext uri="{FF2B5EF4-FFF2-40B4-BE49-F238E27FC236}">
+                      <a16:creationId xmlns:a16="http://schemas.microsoft.com/office/drawing/2014/main" id="{0F23AFF6-69CA-DB34-DC6F-DCE5728EC067}"/>
+                    </a:ext>
+                  </a:extLst>
+                </p:cNvPr>
+                <p:cNvSpPr/>
+                <p:nvPr/>
+              </p:nvSpPr>
+              <p:spPr>
+                <a:xfrm>
+                  <a:off x="30891702" y="9168320"/>
+                  <a:ext cx="1415067" cy="851269"/>
+                </a:xfrm>
+                <a:prstGeom prst="bevel">
+                  <a:avLst/>
+                </a:prstGeom>
+                <a:solidFill>
+                  <a:schemeClr val="bg2">
+                    <a:lumMod val="75000"/>
+                  </a:schemeClr>
+                </a:solidFill>
+                <a:ln>
+                  <a:solidFill>
+                    <a:schemeClr val="tx1"/>
+                  </a:solidFill>
+                </a:ln>
+              </p:spPr>
+              <p:style>
+                <a:lnRef idx="2">
+                  <a:schemeClr val="accent1">
+                    <a:shade val="15000"/>
+                  </a:schemeClr>
+                </a:lnRef>
+                <a:fillRef idx="1">
+                  <a:schemeClr val="accent1"/>
+                </a:fillRef>
+                <a:effectRef idx="0">
+                  <a:schemeClr val="accent1"/>
+                </a:effectRef>
+                <a:fontRef idx="minor">
+                  <a:schemeClr val="lt1"/>
+                </a:fontRef>
+              </p:style>
+              <p:txBody>
+                <a:bodyPr rtlCol="1" anchor="ctr"/>
+                <a:lstStyle/>
+                <a:p>
+                  <a:pPr algn="ctr"/>
+                  <a:r>
+                    <a:rPr lang="en-US" sz="2400" dirty="0">
+                      <a:solidFill>
+                        <a:srgbClr val="FF0000"/>
+                      </a:solidFill>
+                    </a:rPr>
+                    <a:t>Alert-</a:t>
+                  </a:r>
+                  <a:endParaRPr lang="en-US" dirty="0">
+                    <a:solidFill>
+                      <a:srgbClr val="FF0000"/>
+                    </a:solidFill>
+                  </a:endParaRPr>
+                </a:p>
+                <a:p>
+                  <a:pPr algn="ctr"/>
+                  <a:r>
+                    <a:rPr lang="en-US" sz="1400" dirty="0">
+                      <a:solidFill>
+                        <a:schemeClr val="tx1"/>
+                      </a:solidFill>
+                      <a:latin typeface="David" panose="020E0502060401010101" pitchFamily="34" charset="-79"/>
+                      <a:cs typeface="David" panose="020E0502060401010101" pitchFamily="34" charset="-79"/>
+                    </a:rPr>
+                    <a:t>100 mm,300 deg</a:t>
+                  </a:r>
+                  <a:endParaRPr lang="he-IL" sz="2000" dirty="0">
+                    <a:solidFill>
+                      <a:schemeClr val="tx1"/>
+                    </a:solidFill>
+                    <a:latin typeface="David" panose="020E0502060401010101" pitchFamily="34" charset="-79"/>
+                    <a:cs typeface="David" panose="020E0502060401010101" pitchFamily="34" charset="-79"/>
+                  </a:endParaRPr>
+                </a:p>
+              </p:txBody>
+            </p:sp>
+            <p:sp>
+              <p:nvSpPr>
+                <p:cNvPr id="88" name="Freeform: Shape 87">
+                  <a:extLst>
+                    <a:ext uri="{FF2B5EF4-FFF2-40B4-BE49-F238E27FC236}">
+                      <a16:creationId xmlns:a16="http://schemas.microsoft.com/office/drawing/2014/main" id="{A95635ED-8105-4AD2-CFCD-34446A1ACE8F}"/>
+                    </a:ext>
+                  </a:extLst>
+                </p:cNvPr>
+                <p:cNvSpPr/>
+                <p:nvPr/>
+              </p:nvSpPr>
+              <p:spPr>
+                <a:xfrm>
+                  <a:off x="30456129" y="9590023"/>
+                  <a:ext cx="436493" cy="344905"/>
+                </a:xfrm>
+                <a:custGeom>
+                  <a:avLst/>
+                  <a:gdLst>
+                    <a:gd name="connsiteX0" fmla="*/ 27420 w 436493"/>
+                    <a:gd name="connsiteY0" fmla="*/ 344905 h 344905"/>
+                    <a:gd name="connsiteX1" fmla="*/ 43462 w 436493"/>
+                    <a:gd name="connsiteY1" fmla="*/ 112295 h 344905"/>
+                    <a:gd name="connsiteX2" fmla="*/ 436493 w 436493"/>
+                    <a:gd name="connsiteY2" fmla="*/ 0 h 344905"/>
+                  </a:gdLst>
+                  <a:ahLst/>
+                  <a:cxnLst>
+                    <a:cxn ang="0">
+                      <a:pos x="connsiteX0" y="connsiteY0"/>
+                    </a:cxn>
+                    <a:cxn ang="0">
+                      <a:pos x="connsiteX1" y="connsiteY1"/>
+                    </a:cxn>
+                    <a:cxn ang="0">
+                      <a:pos x="connsiteX2" y="connsiteY2"/>
+                    </a:cxn>
+                  </a:cxnLst>
+                  <a:rect l="l" t="t" r="r" b="b"/>
+                  <a:pathLst>
+                    <a:path w="436493" h="344905">
+                      <a:moveTo>
+                        <a:pt x="27420" y="344905"/>
+                      </a:moveTo>
+                      <a:cubicBezTo>
+                        <a:pt x="1351" y="257342"/>
+                        <a:pt x="-24717" y="169779"/>
+                        <a:pt x="43462" y="112295"/>
+                      </a:cubicBezTo>
+                      <a:cubicBezTo>
+                        <a:pt x="111641" y="54811"/>
+                        <a:pt x="274067" y="27405"/>
+                        <a:pt x="436493" y="0"/>
+                      </a:cubicBezTo>
+                    </a:path>
+                  </a:pathLst>
+                </a:custGeom>
+                <a:noFill/>
+              </p:spPr>
+              <p:style>
+                <a:lnRef idx="2">
+                  <a:schemeClr val="accent1">
+                    <a:shade val="15000"/>
+                  </a:schemeClr>
+                </a:lnRef>
+                <a:fillRef idx="1">
+                  <a:schemeClr val="accent1"/>
+                </a:fillRef>
+                <a:effectRef idx="0">
+                  <a:schemeClr val="accent1"/>
+                </a:effectRef>
+                <a:fontRef idx="minor">
+                  <a:schemeClr val="lt1"/>
+                </a:fontRef>
+              </p:style>
+              <p:txBody>
+                <a:bodyPr rtlCol="1" anchor="ctr"/>
+                <a:lstStyle/>
+                <a:p>
+                  <a:pPr algn="ctr"/>
+                  <a:endParaRPr lang="he-IL"/>
+                </a:p>
+              </p:txBody>
+            </p:sp>
+            <p:sp>
+              <p:nvSpPr>
+                <p:cNvPr id="89" name="TextBox 88">
+                  <a:extLst>
+                    <a:ext uri="{FF2B5EF4-FFF2-40B4-BE49-F238E27FC236}">
+                      <a16:creationId xmlns:a16="http://schemas.microsoft.com/office/drawing/2014/main" id="{46428019-2347-A9EC-A903-9606D662DDB0}"/>
+                    </a:ext>
+                  </a:extLst>
+                </p:cNvPr>
+                <p:cNvSpPr txBox="1"/>
+                <p:nvPr/>
+              </p:nvSpPr>
+              <p:spPr>
+                <a:xfrm>
+                  <a:off x="31084181" y="9987268"/>
+                  <a:ext cx="1050588" cy="400110"/>
+                </a:xfrm>
+                <a:prstGeom prst="rect">
+                  <a:avLst/>
+                </a:prstGeom>
+                <a:noFill/>
+              </p:spPr>
+              <p:txBody>
+                <a:bodyPr wrap="square" rtlCol="1">
+                  <a:spAutoFit/>
+                </a:bodyPr>
+                <a:lstStyle/>
+                <a:p>
+                  <a:pPr algn="ctr" rtl="1"/>
+                  <a:r>
+                    <a:rPr lang="en-US" sz="2000" dirty="0">
+                      <a:latin typeface="David" panose="020E0502060401010101" pitchFamily="34" charset="-79"/>
+                      <a:cs typeface="David" panose="020E0502060401010101" pitchFamily="34" charset="-79"/>
+                    </a:rPr>
+                    <a:t>screen</a:t>
+                  </a:r>
+                  <a:endParaRPr lang="he-IL" sz="2000" dirty="0">
+                    <a:latin typeface="David" panose="020E0502060401010101" pitchFamily="34" charset="-79"/>
+                    <a:cs typeface="David" panose="020E0502060401010101" pitchFamily="34" charset="-79"/>
+                  </a:endParaRPr>
+                </a:p>
+              </p:txBody>
+            </p:sp>
+          </p:grpSp>
+        </p:grpSp>
+      </p:grpSp>
+      <p:sp>
+        <p:nvSpPr>
+          <p:cNvPr id="98" name="TextBox 97">
+            <a:extLst>
+              <a:ext uri="{FF2B5EF4-FFF2-40B4-BE49-F238E27FC236}">
+                <a16:creationId xmlns:a16="http://schemas.microsoft.com/office/drawing/2014/main" id="{BA1D6A41-2D40-6DEC-A4E7-1F5288730463}"/>
+              </a:ext>
+            </a:extLst>
+          </p:cNvPr>
+          <p:cNvSpPr txBox="1"/>
+          <p:nvPr/>
+        </p:nvSpPr>
+        <p:spPr>
+          <a:xfrm>
+            <a:off x="23767015" y="11816386"/>
+            <a:ext cx="5315720" cy="2708434"/>
+          </a:xfrm>
+          <a:prstGeom prst="rect">
+            <a:avLst/>
+          </a:prstGeom>
+          <a:noFill/>
+        </p:spPr>
+        <p:txBody>
+          <a:bodyPr wrap="square">
+            <a:spAutoFit/>
+          </a:bodyPr>
+          <a:lstStyle/>
+          <a:p>
+            <a:pPr marR="0" lvl="0" algn="just" defTabSz="2519995" rtl="0" eaLnBrk="1" fontAlgn="auto" latinLnBrk="0" hangingPunct="1">
+              <a:lnSpc>
+                <a:spcPct val="100000"/>
+              </a:lnSpc>
+              <a:spcBef>
+                <a:spcPts val="0"/>
+              </a:spcBef>
+              <a:spcAft>
+                <a:spcPts val="0"/>
+              </a:spcAft>
+              <a:buClrTx/>
+              <a:buSzTx/>
+              <a:tabLst/>
+              <a:defRPr/>
+            </a:pPr>
+            <a:r>
+              <a:rPr lang="en-US" sz="3400" u="sng" kern="1200" dirty="0">
+                <a:solidFill>
+                  <a:schemeClr val="tx1"/>
+                </a:solidFill>
+                <a:effectLst/>
+                <a:latin typeface="+mn-lt"/>
+                <a:ea typeface="+mn-ea"/>
+                <a:cs typeface="Open Sans Hebrew" panose="00000500000000000000" pitchFamily="2" charset="-79"/>
+              </a:rPr>
+              <a:t>Temperature sensor results:</a:t>
+            </a:r>
+            <a:r>
+              <a:rPr lang="en-US" sz="3400" kern="1200" dirty="0">
+                <a:solidFill>
+                  <a:schemeClr val="tx1"/>
+                </a:solidFill>
+                <a:effectLst/>
+                <a:latin typeface="+mn-lt"/>
+                <a:ea typeface="+mn-ea"/>
+                <a:cs typeface="Open Sans Hebrew" panose="00000500000000000000" pitchFamily="2" charset="-79"/>
+              </a:rPr>
+              <a:t> On the right - placing a high temperature object on the sensor, on the left - lifting the object.</a:t>
+            </a:r>
+          </a:p>
+        </p:txBody>
+      </p:sp>
     </p:spTree>
     <p:extLst>
       <p:ext uri="{BB962C8B-B14F-4D97-AF65-F5344CB8AC3E}">
-        <p14:creationId xmlns:p14="http://schemas.microsoft.com/office/powerpoint/2010/main" val="2356532939"/>
+        <p14:creationId xmlns:p14="http://schemas.microsoft.com/office/powerpoint/2010/main" val="3662390581"/>
       </p:ext>
     </p:extLst>
   </p:cSld>

--- a/presentations/ProjectPoster.pptx
+++ b/presentations/ProjectPoster.pptx
@@ -10670,117 +10670,6 @@
           </a:graphicData>
         </a:graphic>
       </p:graphicFrame>
-      <p:sp>
-        <p:nvSpPr>
-          <p:cNvPr id="14" name="TextBox 13"/>
-          <p:cNvSpPr txBox="1"/>
-          <p:nvPr/>
-        </p:nvSpPr>
-        <p:spPr>
-          <a:xfrm>
-            <a:off x="10267328" y="776420"/>
-            <a:ext cx="16737952" cy="3016210"/>
-          </a:xfrm>
-          <a:prstGeom prst="rect">
-            <a:avLst/>
-          </a:prstGeom>
-          <a:noFill/>
-        </p:spPr>
-        <p:txBody>
-          <a:bodyPr wrap="square" rtlCol="1">
-            <a:spAutoFit/>
-          </a:bodyPr>
-          <a:lstStyle/>
-          <a:p>
-            <a:pPr algn="ctr"/>
-            <a:r>
-              <a:rPr lang="en-US" sz="5400" b="1" dirty="0">
-                <a:cs typeface="Open Sans Hebrew" panose="00000500000000000000" pitchFamily="2" charset="-79"/>
-              </a:rPr>
-              <a:t>Sensing System for Advanced Algorithms</a:t>
-            </a:r>
-          </a:p>
-          <a:p>
-            <a:pPr algn="ctr"/>
-            <a:r>
-              <a:rPr lang="en-US" sz="4400" b="1" dirty="0">
-                <a:cs typeface="Open Sans Hebrew" panose="00000500000000000000" pitchFamily="2" charset="-79"/>
-              </a:rPr>
-              <a:t>Project Number</a:t>
-            </a:r>
-            <a:r>
-              <a:rPr lang="he-IL" sz="4400" dirty="0">
-                <a:cs typeface="Open Sans Hebrew" panose="00000500000000000000" pitchFamily="2" charset="-79"/>
-              </a:rPr>
-              <a:t>:</a:t>
-            </a:r>
-            <a:r>
-              <a:rPr lang="en-US" sz="4400" dirty="0">
-                <a:cs typeface="Open Sans Hebrew" panose="00000500000000000000" pitchFamily="2" charset="-79"/>
-              </a:rPr>
-              <a:t> 22-1-1-2667</a:t>
-            </a:r>
-          </a:p>
-          <a:p>
-            <a:pPr algn="ctr"/>
-            <a:r>
-              <a:rPr lang="en-US" sz="4400" b="1" dirty="0">
-                <a:cs typeface="Open Sans Hebrew" panose="00000500000000000000" pitchFamily="2" charset="-79"/>
-              </a:rPr>
-              <a:t>Names</a:t>
-            </a:r>
-            <a:r>
-              <a:rPr lang="en-US" sz="4400" dirty="0">
-                <a:cs typeface="Open Sans Hebrew" panose="00000500000000000000" pitchFamily="2" charset="-79"/>
-              </a:rPr>
-              <a:t>: </a:t>
-            </a:r>
-            <a:r>
-              <a:rPr lang="en-US" sz="4800" dirty="0">
-                <a:cs typeface="Open Sans Hebrew" panose="00000500000000000000" pitchFamily="2" charset="-79"/>
-              </a:rPr>
-              <a:t>Shahar Hannover and Tal Ariely</a:t>
-            </a:r>
-            <a:endParaRPr lang="he-IL" sz="4400" dirty="0">
-              <a:cs typeface="Open Sans Hebrew" panose="00000500000000000000" pitchFamily="2" charset="-79"/>
-            </a:endParaRPr>
-          </a:p>
-          <a:p>
-            <a:pPr algn="ctr"/>
-            <a:r>
-              <a:rPr lang="en-US" sz="4400" b="1" dirty="0">
-                <a:cs typeface="Open Sans Hebrew" panose="00000500000000000000" pitchFamily="2" charset="-79"/>
-              </a:rPr>
-              <a:t>Advisor</a:t>
-            </a:r>
-            <a:r>
-              <a:rPr lang="he-IL" sz="4400" dirty="0">
-                <a:cs typeface="Open Sans Hebrew" panose="00000500000000000000" pitchFamily="2" charset="-79"/>
-              </a:rPr>
-              <a:t>:</a:t>
-            </a:r>
-            <a:r>
-              <a:rPr lang="en-US" sz="4400" dirty="0">
-                <a:cs typeface="Open Sans Hebrew" panose="00000500000000000000" pitchFamily="2" charset="-79"/>
-              </a:rPr>
-              <a:t> </a:t>
-            </a:r>
-            <a:r>
-              <a:rPr lang="en-US" sz="4400" b="0" i="0" dirty="0">
-                <a:solidFill>
-                  <a:srgbClr val="202124"/>
-                </a:solidFill>
-                <a:effectLst/>
-                <a:latin typeface="Google Sans"/>
-              </a:rPr>
-              <a:t>Simcha Leibovitz</a:t>
-            </a:r>
-            <a:endParaRPr lang="he-IL" sz="4400" dirty="0">
-              <a:cs typeface="Open Sans Hebrew" panose="00000500000000000000" pitchFamily="2" charset="-79"/>
-            </a:endParaRPr>
-          </a:p>
-        </p:txBody>
-      </p:sp>
       <p:pic>
         <p:nvPicPr>
           <p:cNvPr id="3" name="Picture 2"/>
@@ -13657,6 +13546,117 @@
           </a:p>
         </p:txBody>
       </p:sp>
+      <p:sp>
+        <p:nvSpPr>
+          <p:cNvPr id="14" name="TextBox 13"/>
+          <p:cNvSpPr txBox="1"/>
+          <p:nvPr/>
+        </p:nvSpPr>
+        <p:spPr>
+          <a:xfrm>
+            <a:off x="10267328" y="776420"/>
+            <a:ext cx="16737952" cy="3016210"/>
+          </a:xfrm>
+          <a:prstGeom prst="rect">
+            <a:avLst/>
+          </a:prstGeom>
+          <a:noFill/>
+        </p:spPr>
+        <p:txBody>
+          <a:bodyPr wrap="square" rtlCol="1">
+            <a:spAutoFit/>
+          </a:bodyPr>
+          <a:lstStyle/>
+          <a:p>
+            <a:pPr algn="ctr"/>
+            <a:r>
+              <a:rPr lang="en-US" sz="5400" b="1" dirty="0">
+                <a:cs typeface="Open Sans Hebrew" panose="00000500000000000000" pitchFamily="2" charset="-79"/>
+              </a:rPr>
+              <a:t>Sensing System for Advanced Algorithms</a:t>
+            </a:r>
+          </a:p>
+          <a:p>
+            <a:pPr algn="ctr"/>
+            <a:r>
+              <a:rPr lang="en-US" sz="4400" b="1" dirty="0">
+                <a:cs typeface="Open Sans Hebrew" panose="00000500000000000000" pitchFamily="2" charset="-79"/>
+              </a:rPr>
+              <a:t>Project Number</a:t>
+            </a:r>
+            <a:r>
+              <a:rPr lang="he-IL" sz="4400" dirty="0">
+                <a:cs typeface="Open Sans Hebrew" panose="00000500000000000000" pitchFamily="2" charset="-79"/>
+              </a:rPr>
+              <a:t>:</a:t>
+            </a:r>
+            <a:r>
+              <a:rPr lang="en-US" sz="4400" dirty="0">
+                <a:cs typeface="Open Sans Hebrew" panose="00000500000000000000" pitchFamily="2" charset="-79"/>
+              </a:rPr>
+              <a:t> 22-1-1-2667</a:t>
+            </a:r>
+          </a:p>
+          <a:p>
+            <a:pPr algn="ctr"/>
+            <a:r>
+              <a:rPr lang="en-US" sz="4400" b="1" dirty="0">
+                <a:cs typeface="Open Sans Hebrew" panose="00000500000000000000" pitchFamily="2" charset="-79"/>
+              </a:rPr>
+              <a:t>Names</a:t>
+            </a:r>
+            <a:r>
+              <a:rPr lang="en-US" sz="4400" dirty="0">
+                <a:cs typeface="Open Sans Hebrew" panose="00000500000000000000" pitchFamily="2" charset="-79"/>
+              </a:rPr>
+              <a:t>: </a:t>
+            </a:r>
+            <a:r>
+              <a:rPr lang="en-US" sz="4800" dirty="0">
+                <a:cs typeface="Open Sans Hebrew" panose="00000500000000000000" pitchFamily="2" charset="-79"/>
+              </a:rPr>
+              <a:t>Shahar Hannover and Tal Ariely</a:t>
+            </a:r>
+            <a:endParaRPr lang="he-IL" sz="4400" dirty="0">
+              <a:cs typeface="Open Sans Hebrew" panose="00000500000000000000" pitchFamily="2" charset="-79"/>
+            </a:endParaRPr>
+          </a:p>
+          <a:p>
+            <a:pPr algn="ctr"/>
+            <a:r>
+              <a:rPr lang="en-US" sz="4400" b="1" dirty="0">
+                <a:cs typeface="Open Sans Hebrew" panose="00000500000000000000" pitchFamily="2" charset="-79"/>
+              </a:rPr>
+              <a:t>Advisor</a:t>
+            </a:r>
+            <a:r>
+              <a:rPr lang="he-IL" sz="4400" dirty="0">
+                <a:cs typeface="Open Sans Hebrew" panose="00000500000000000000" pitchFamily="2" charset="-79"/>
+              </a:rPr>
+              <a:t>:</a:t>
+            </a:r>
+            <a:r>
+              <a:rPr lang="en-US" sz="4400" dirty="0">
+                <a:cs typeface="Open Sans Hebrew" panose="00000500000000000000" pitchFamily="2" charset="-79"/>
+              </a:rPr>
+              <a:t> </a:t>
+            </a:r>
+            <a:r>
+              <a:rPr lang="en-US" sz="4400" b="0" i="0" dirty="0">
+                <a:solidFill>
+                  <a:srgbClr val="202124"/>
+                </a:solidFill>
+                <a:effectLst/>
+                <a:latin typeface="Google Sans"/>
+              </a:rPr>
+              <a:t>Simcha Leibovitz</a:t>
+            </a:r>
+            <a:endParaRPr lang="he-IL" sz="4400" dirty="0">
+              <a:cs typeface="Open Sans Hebrew" panose="00000500000000000000" pitchFamily="2" charset="-79"/>
+            </a:endParaRPr>
+          </a:p>
+        </p:txBody>
+      </p:sp>
     </p:spTree>
     <p:extLst>
       <p:ext uri="{BB962C8B-B14F-4D97-AF65-F5344CB8AC3E}">

--- a/presentations/ProjectPoster.pptx
+++ b/presentations/ProjectPoster.pptx
@@ -150,782 +150,6 @@
                 <a:latin typeface="David" panose="020E0502060401010101" pitchFamily="34" charset="-79"/>
                 <a:cs typeface="David" panose="020E0502060401010101" pitchFamily="34" charset="-79"/>
               </a:rPr>
-              <a:t>Distance of the </a:t>
-            </a:r>
-            <a:r>
-              <a:rPr lang="en-US" sz="3200" b="0" i="0" u="none" strike="noStrike" kern="1200" spc="0" baseline="0" dirty="0">
-                <a:solidFill>
-                  <a:prstClr val="black">
-                    <a:lumMod val="65000"/>
-                    <a:lumOff val="35000"/>
-                  </a:prstClr>
-                </a:solidFill>
-                <a:latin typeface="David" panose="020E0502060401010101" pitchFamily="34" charset="-79"/>
-                <a:cs typeface="David" panose="020E0502060401010101" pitchFamily="34" charset="-79"/>
-              </a:rPr>
-              <a:t>frame </a:t>
-            </a:r>
-            <a:r>
-              <a:rPr lang="en-US" sz="3200" dirty="0">
-                <a:latin typeface="David" panose="020E0502060401010101" pitchFamily="34" charset="-79"/>
-                <a:cs typeface="David" panose="020E0502060401010101" pitchFamily="34" charset="-79"/>
-              </a:rPr>
-              <a:t>center as a function of time</a:t>
-            </a:r>
-          </a:p>
-        </c:rich>
-      </c:tx>
-      <c:overlay val="0"/>
-      <c:spPr>
-        <a:noFill/>
-        <a:ln>
-          <a:noFill/>
-        </a:ln>
-        <a:effectLst/>
-      </c:spPr>
-      <c:txPr>
-        <a:bodyPr rot="0" spcFirstLastPara="1" vertOverflow="ellipsis" vert="horz" wrap="square" anchor="ctr" anchorCtr="1"/>
-        <a:lstStyle/>
-        <a:p>
-          <a:pPr>
-            <a:defRPr sz="1400" b="0" i="0" u="none" strike="noStrike" kern="1200" spc="0" baseline="0">
-              <a:solidFill>
-                <a:schemeClr val="tx1">
-                  <a:lumMod val="65000"/>
-                  <a:lumOff val="35000"/>
-                </a:schemeClr>
-              </a:solidFill>
-              <a:latin typeface="+mn-lt"/>
-              <a:ea typeface="+mn-ea"/>
-              <a:cs typeface="+mn-cs"/>
-            </a:defRPr>
-          </a:pPr>
-          <a:endParaRPr lang="he-IL"/>
-        </a:p>
-      </c:txPr>
-    </c:title>
-    <c:autoTitleDeleted val="0"/>
-    <c:plotArea>
-      <c:layout/>
-      <c:scatterChart>
-        <c:scatterStyle val="smoothMarker"/>
-        <c:varyColors val="0"/>
-        <c:ser>
-          <c:idx val="0"/>
-          <c:order val="0"/>
-          <c:spPr>
-            <a:ln w="44450" cap="rnd">
-              <a:solidFill>
-                <a:schemeClr val="accent1"/>
-              </a:solidFill>
-              <a:round/>
-            </a:ln>
-            <a:effectLst/>
-          </c:spPr>
-          <c:marker>
-            <c:symbol val="circle"/>
-            <c:size val="5"/>
-            <c:spPr>
-              <a:solidFill>
-                <a:schemeClr val="accent1"/>
-              </a:solidFill>
-              <a:ln w="9525">
-                <a:solidFill>
-                  <a:schemeClr val="accent1"/>
-                </a:solidFill>
-              </a:ln>
-              <a:effectLst/>
-            </c:spPr>
-          </c:marker>
-          <c:xVal>
-            <c:numRef>
-              <c:f>'[גרפים לחיישנים.xlsx]Sheet1'!$A$2:$A$47</c:f>
-              <c:numCache>
-                <c:formatCode>General</c:formatCode>
-                <c:ptCount val="46"/>
-                <c:pt idx="0">
-                  <c:v>1</c:v>
-                </c:pt>
-                <c:pt idx="1">
-                  <c:v>2</c:v>
-                </c:pt>
-                <c:pt idx="2">
-                  <c:v>3</c:v>
-                </c:pt>
-                <c:pt idx="3">
-                  <c:v>4</c:v>
-                </c:pt>
-                <c:pt idx="4">
-                  <c:v>5</c:v>
-                </c:pt>
-                <c:pt idx="5">
-                  <c:v>6</c:v>
-                </c:pt>
-                <c:pt idx="6">
-                  <c:v>7</c:v>
-                </c:pt>
-                <c:pt idx="7">
-                  <c:v>8</c:v>
-                </c:pt>
-                <c:pt idx="8">
-                  <c:v>9</c:v>
-                </c:pt>
-                <c:pt idx="9">
-                  <c:v>10</c:v>
-                </c:pt>
-                <c:pt idx="10">
-                  <c:v>11</c:v>
-                </c:pt>
-                <c:pt idx="11">
-                  <c:v>12</c:v>
-                </c:pt>
-                <c:pt idx="12">
-                  <c:v>13</c:v>
-                </c:pt>
-                <c:pt idx="13">
-                  <c:v>14</c:v>
-                </c:pt>
-                <c:pt idx="14">
-                  <c:v>15</c:v>
-                </c:pt>
-                <c:pt idx="15">
-                  <c:v>16</c:v>
-                </c:pt>
-                <c:pt idx="16">
-                  <c:v>17</c:v>
-                </c:pt>
-                <c:pt idx="17">
-                  <c:v>18</c:v>
-                </c:pt>
-                <c:pt idx="18">
-                  <c:v>19</c:v>
-                </c:pt>
-                <c:pt idx="19">
-                  <c:v>20</c:v>
-                </c:pt>
-                <c:pt idx="20">
-                  <c:v>21</c:v>
-                </c:pt>
-                <c:pt idx="21">
-                  <c:v>22</c:v>
-                </c:pt>
-                <c:pt idx="22">
-                  <c:v>23</c:v>
-                </c:pt>
-                <c:pt idx="23">
-                  <c:v>24</c:v>
-                </c:pt>
-                <c:pt idx="24">
-                  <c:v>25</c:v>
-                </c:pt>
-                <c:pt idx="25">
-                  <c:v>26</c:v>
-                </c:pt>
-                <c:pt idx="26">
-                  <c:v>27</c:v>
-                </c:pt>
-                <c:pt idx="27">
-                  <c:v>28</c:v>
-                </c:pt>
-                <c:pt idx="28">
-                  <c:v>29</c:v>
-                </c:pt>
-                <c:pt idx="29">
-                  <c:v>30</c:v>
-                </c:pt>
-                <c:pt idx="30">
-                  <c:v>31</c:v>
-                </c:pt>
-                <c:pt idx="31">
-                  <c:v>32</c:v>
-                </c:pt>
-                <c:pt idx="32">
-                  <c:v>33</c:v>
-                </c:pt>
-                <c:pt idx="33">
-                  <c:v>34</c:v>
-                </c:pt>
-                <c:pt idx="34">
-                  <c:v>35</c:v>
-                </c:pt>
-                <c:pt idx="35">
-                  <c:v>36</c:v>
-                </c:pt>
-                <c:pt idx="36">
-                  <c:v>37</c:v>
-                </c:pt>
-                <c:pt idx="37">
-                  <c:v>38</c:v>
-                </c:pt>
-                <c:pt idx="38">
-                  <c:v>39</c:v>
-                </c:pt>
-                <c:pt idx="39">
-                  <c:v>40</c:v>
-                </c:pt>
-                <c:pt idx="40">
-                  <c:v>41</c:v>
-                </c:pt>
-                <c:pt idx="41">
-                  <c:v>42</c:v>
-                </c:pt>
-                <c:pt idx="42">
-                  <c:v>43</c:v>
-                </c:pt>
-                <c:pt idx="43">
-                  <c:v>44</c:v>
-                </c:pt>
-                <c:pt idx="44">
-                  <c:v>45</c:v>
-                </c:pt>
-                <c:pt idx="45">
-                  <c:v>46</c:v>
-                </c:pt>
-              </c:numCache>
-            </c:numRef>
-          </c:xVal>
-          <c:yVal>
-            <c:numRef>
-              <c:f>'[גרפים לחיישנים.xlsx]Sheet1'!$B$2:$B$47</c:f>
-              <c:numCache>
-                <c:formatCode>General</c:formatCode>
-                <c:ptCount val="46"/>
-                <c:pt idx="0">
-                  <c:v>0.2</c:v>
-                </c:pt>
-                <c:pt idx="1">
-                  <c:v>0.26</c:v>
-                </c:pt>
-                <c:pt idx="2">
-                  <c:v>0.26</c:v>
-                </c:pt>
-                <c:pt idx="3">
-                  <c:v>0.34</c:v>
-                </c:pt>
-                <c:pt idx="4">
-                  <c:v>0.46</c:v>
-                </c:pt>
-                <c:pt idx="5">
-                  <c:v>0.54</c:v>
-                </c:pt>
-                <c:pt idx="6">
-                  <c:v>0.66</c:v>
-                </c:pt>
-                <c:pt idx="7">
-                  <c:v>0.83</c:v>
-                </c:pt>
-                <c:pt idx="8">
-                  <c:v>0.98</c:v>
-                </c:pt>
-                <c:pt idx="9">
-                  <c:v>1.1399999999999999</c:v>
-                </c:pt>
-                <c:pt idx="10">
-                  <c:v>1.31</c:v>
-                </c:pt>
-                <c:pt idx="11">
-                  <c:v>1.5</c:v>
-                </c:pt>
-                <c:pt idx="12">
-                  <c:v>1.68</c:v>
-                </c:pt>
-                <c:pt idx="13">
-                  <c:v>1.87</c:v>
-                </c:pt>
-                <c:pt idx="14">
-                  <c:v>2</c:v>
-                </c:pt>
-                <c:pt idx="15">
-                  <c:v>2.19</c:v>
-                </c:pt>
-                <c:pt idx="16">
-                  <c:v>2.37</c:v>
-                </c:pt>
-                <c:pt idx="17">
-                  <c:v>2.48</c:v>
-                </c:pt>
-                <c:pt idx="18">
-                  <c:v>2.46</c:v>
-                </c:pt>
-                <c:pt idx="19">
-                  <c:v>2.19</c:v>
-                </c:pt>
-                <c:pt idx="20">
-                  <c:v>1.9</c:v>
-                </c:pt>
-                <c:pt idx="21">
-                  <c:v>1.59</c:v>
-                </c:pt>
-                <c:pt idx="22">
-                  <c:v>1.3</c:v>
-                </c:pt>
-                <c:pt idx="23">
-                  <c:v>0.97</c:v>
-                </c:pt>
-                <c:pt idx="24">
-                  <c:v>0.7</c:v>
-                </c:pt>
-                <c:pt idx="25">
-                  <c:v>0.47</c:v>
-                </c:pt>
-                <c:pt idx="26">
-                  <c:v>0.34</c:v>
-                </c:pt>
-                <c:pt idx="27">
-                  <c:v>0.28000000000000003</c:v>
-                </c:pt>
-                <c:pt idx="28">
-                  <c:v>0.42</c:v>
-                </c:pt>
-                <c:pt idx="29">
-                  <c:v>0.61</c:v>
-                </c:pt>
-                <c:pt idx="30">
-                  <c:v>0.8</c:v>
-                </c:pt>
-                <c:pt idx="31">
-                  <c:v>0.97</c:v>
-                </c:pt>
-                <c:pt idx="32">
-                  <c:v>1.1399999999999999</c:v>
-                </c:pt>
-                <c:pt idx="33">
-                  <c:v>1.34</c:v>
-                </c:pt>
-                <c:pt idx="34">
-                  <c:v>1.51</c:v>
-                </c:pt>
-                <c:pt idx="35">
-                  <c:v>1.73</c:v>
-                </c:pt>
-                <c:pt idx="36">
-                  <c:v>1.6</c:v>
-                </c:pt>
-                <c:pt idx="37">
-                  <c:v>1.31</c:v>
-                </c:pt>
-                <c:pt idx="38">
-                  <c:v>1.01</c:v>
-                </c:pt>
-                <c:pt idx="39">
-                  <c:v>0.75</c:v>
-                </c:pt>
-                <c:pt idx="40">
-                  <c:v>0.6</c:v>
-                </c:pt>
-                <c:pt idx="41">
-                  <c:v>0.55000000000000004</c:v>
-                </c:pt>
-                <c:pt idx="42">
-                  <c:v>0.56000000000000005</c:v>
-                </c:pt>
-                <c:pt idx="43">
-                  <c:v>0.56000000000000005</c:v>
-                </c:pt>
-                <c:pt idx="44">
-                  <c:v>0.49</c:v>
-                </c:pt>
-                <c:pt idx="45">
-                  <c:v>0.46</c:v>
-                </c:pt>
-              </c:numCache>
-            </c:numRef>
-          </c:yVal>
-          <c:smooth val="1"/>
-          <c:extLst>
-            <c:ext xmlns:c16="http://schemas.microsoft.com/office/drawing/2014/chart" uri="{C3380CC4-5D6E-409C-BE32-E72D297353CC}">
-              <c16:uniqueId val="{00000000-6D1C-4B21-8C84-0B4A645F8038}"/>
-            </c:ext>
-          </c:extLst>
-        </c:ser>
-        <c:dLbls>
-          <c:showLegendKey val="0"/>
-          <c:showVal val="0"/>
-          <c:showCatName val="0"/>
-          <c:showSerName val="0"/>
-          <c:showPercent val="0"/>
-          <c:showBubbleSize val="0"/>
-        </c:dLbls>
-        <c:axId val="925720159"/>
-        <c:axId val="925715839"/>
-      </c:scatterChart>
-      <c:valAx>
-        <c:axId val="925720159"/>
-        <c:scaling>
-          <c:orientation val="minMax"/>
-        </c:scaling>
-        <c:delete val="0"/>
-        <c:axPos val="b"/>
-        <c:majorGridlines>
-          <c:spPr>
-            <a:ln w="9525" cap="flat" cmpd="sng" algn="ctr">
-              <a:solidFill>
-                <a:schemeClr val="tx1">
-                  <a:lumMod val="15000"/>
-                  <a:lumOff val="85000"/>
-                </a:schemeClr>
-              </a:solidFill>
-              <a:round/>
-            </a:ln>
-            <a:effectLst/>
-          </c:spPr>
-        </c:majorGridlines>
-        <c:minorGridlines>
-          <c:spPr>
-            <a:ln w="9525" cap="flat" cmpd="sng" algn="ctr">
-              <a:solidFill>
-                <a:schemeClr val="tx1">
-                  <a:lumMod val="5000"/>
-                  <a:lumOff val="95000"/>
-                </a:schemeClr>
-              </a:solidFill>
-              <a:round/>
-            </a:ln>
-            <a:effectLst/>
-          </c:spPr>
-        </c:minorGridlines>
-        <c:title>
-          <c:tx>
-            <c:rich>
-              <a:bodyPr rot="0" spcFirstLastPara="1" vertOverflow="ellipsis" vert="horz" wrap="square" anchor="ctr" anchorCtr="1"/>
-              <a:lstStyle/>
-              <a:p>
-                <a:pPr>
-                  <a:defRPr sz="1000" b="0" i="0" u="none" strike="noStrike" kern="1200" baseline="0">
-                    <a:solidFill>
-                      <a:schemeClr val="tx1">
-                        <a:lumMod val="65000"/>
-                        <a:lumOff val="35000"/>
-                      </a:schemeClr>
-                    </a:solidFill>
-                    <a:latin typeface="+mn-lt"/>
-                    <a:ea typeface="+mn-ea"/>
-                    <a:cs typeface="+mn-cs"/>
-                  </a:defRPr>
-                </a:pPr>
-                <a:r>
-                  <a:rPr lang="en-US" sz="2000" dirty="0">
-                    <a:latin typeface="David" panose="020E0502060401010101" pitchFamily="34" charset="-79"/>
-                    <a:cs typeface="David" panose="020E0502060401010101" pitchFamily="34" charset="-79"/>
-                  </a:rPr>
-                  <a:t>Time</a:t>
-                </a:r>
-                <a:r>
-                  <a:rPr lang="en-US" sz="2000" baseline="0" dirty="0">
-                    <a:latin typeface="David" panose="020E0502060401010101" pitchFamily="34" charset="-79"/>
-                    <a:cs typeface="David" panose="020E0502060401010101" pitchFamily="34" charset="-79"/>
-                  </a:rPr>
-                  <a:t> (Sec)</a:t>
-                </a:r>
-                <a:endParaRPr lang="en-US" sz="2000" dirty="0">
-                  <a:latin typeface="David" panose="020E0502060401010101" pitchFamily="34" charset="-79"/>
-                  <a:cs typeface="David" panose="020E0502060401010101" pitchFamily="34" charset="-79"/>
-                </a:endParaRPr>
-              </a:p>
-            </c:rich>
-          </c:tx>
-          <c:layout>
-            <c:manualLayout>
-              <c:xMode val="edge"/>
-              <c:yMode val="edge"/>
-              <c:x val="0.46574818902246029"/>
-              <c:y val="0.90079516118447767"/>
-            </c:manualLayout>
-          </c:layout>
-          <c:overlay val="0"/>
-          <c:spPr>
-            <a:noFill/>
-            <a:ln>
-              <a:noFill/>
-            </a:ln>
-            <a:effectLst/>
-          </c:spPr>
-          <c:txPr>
-            <a:bodyPr rot="0" spcFirstLastPara="1" vertOverflow="ellipsis" vert="horz" wrap="square" anchor="ctr" anchorCtr="1"/>
-            <a:lstStyle/>
-            <a:p>
-              <a:pPr>
-                <a:defRPr sz="1000" b="0" i="0" u="none" strike="noStrike" kern="1200" baseline="0">
-                  <a:solidFill>
-                    <a:schemeClr val="tx1">
-                      <a:lumMod val="65000"/>
-                      <a:lumOff val="35000"/>
-                    </a:schemeClr>
-                  </a:solidFill>
-                  <a:latin typeface="+mn-lt"/>
-                  <a:ea typeface="+mn-ea"/>
-                  <a:cs typeface="+mn-cs"/>
-                </a:defRPr>
-              </a:pPr>
-              <a:endParaRPr lang="he-IL"/>
-            </a:p>
-          </c:txPr>
-        </c:title>
-        <c:numFmt formatCode="General" sourceLinked="1"/>
-        <c:majorTickMark val="none"/>
-        <c:minorTickMark val="none"/>
-        <c:tickLblPos val="low"/>
-        <c:spPr>
-          <a:noFill/>
-          <a:ln w="9525" cap="flat" cmpd="sng" algn="ctr">
-            <a:solidFill>
-              <a:schemeClr val="tx1">
-                <a:lumMod val="25000"/>
-                <a:lumOff val="75000"/>
-              </a:schemeClr>
-            </a:solidFill>
-            <a:round/>
-          </a:ln>
-          <a:effectLst/>
-        </c:spPr>
-        <c:txPr>
-          <a:bodyPr rot="-60000000" spcFirstLastPara="1" vertOverflow="ellipsis" vert="horz" wrap="square" anchor="ctr" anchorCtr="1"/>
-          <a:lstStyle/>
-          <a:p>
-            <a:pPr>
-              <a:defRPr sz="900" b="0" i="0" u="none" strike="noStrike" kern="1200" baseline="0">
-                <a:solidFill>
-                  <a:schemeClr val="tx1">
-                    <a:lumMod val="65000"/>
-                    <a:lumOff val="35000"/>
-                  </a:schemeClr>
-                </a:solidFill>
-                <a:latin typeface="+mn-lt"/>
-                <a:ea typeface="+mn-ea"/>
-                <a:cs typeface="+mn-cs"/>
-              </a:defRPr>
-            </a:pPr>
-            <a:endParaRPr lang="he-IL"/>
-          </a:p>
-        </c:txPr>
-        <c:crossAx val="925715839"/>
-        <c:crosses val="autoZero"/>
-        <c:crossBetween val="midCat"/>
-      </c:valAx>
-      <c:valAx>
-        <c:axId val="925715839"/>
-        <c:scaling>
-          <c:orientation val="minMax"/>
-        </c:scaling>
-        <c:delete val="0"/>
-        <c:axPos val="l"/>
-        <c:majorGridlines>
-          <c:spPr>
-            <a:ln w="9525" cap="flat" cmpd="sng" algn="ctr">
-              <a:solidFill>
-                <a:schemeClr val="tx1">
-                  <a:lumMod val="15000"/>
-                  <a:lumOff val="85000"/>
-                </a:schemeClr>
-              </a:solidFill>
-              <a:round/>
-            </a:ln>
-            <a:effectLst/>
-          </c:spPr>
-        </c:majorGridlines>
-        <c:minorGridlines>
-          <c:spPr>
-            <a:ln w="9525" cap="flat" cmpd="sng" algn="ctr">
-              <a:solidFill>
-                <a:schemeClr val="tx1">
-                  <a:lumMod val="5000"/>
-                  <a:lumOff val="95000"/>
-                </a:schemeClr>
-              </a:solidFill>
-              <a:round/>
-            </a:ln>
-            <a:effectLst/>
-          </c:spPr>
-        </c:minorGridlines>
-        <c:title>
-          <c:tx>
-            <c:rich>
-              <a:bodyPr rot="-5400000" spcFirstLastPara="1" vertOverflow="ellipsis" vert="horz" wrap="square" anchor="ctr" anchorCtr="1"/>
-              <a:lstStyle/>
-              <a:p>
-                <a:pPr>
-                  <a:defRPr sz="1000" b="0" i="0" u="none" strike="noStrike" kern="1200" baseline="0">
-                    <a:solidFill>
-                      <a:schemeClr val="tx1">
-                        <a:lumMod val="65000"/>
-                        <a:lumOff val="35000"/>
-                      </a:schemeClr>
-                    </a:solidFill>
-                    <a:latin typeface="+mn-lt"/>
-                    <a:ea typeface="+mn-ea"/>
-                    <a:cs typeface="+mn-cs"/>
-                  </a:defRPr>
-                </a:pPr>
-                <a:r>
-                  <a:rPr lang="en-US" sz="2400" b="0" i="0" u="none" strike="noStrike" kern="1200" baseline="0" dirty="0">
-                    <a:solidFill>
-                      <a:prstClr val="black">
-                        <a:lumMod val="65000"/>
-                        <a:lumOff val="35000"/>
-                      </a:prstClr>
-                    </a:solidFill>
-                    <a:latin typeface="David" panose="020E0502060401010101" pitchFamily="34" charset="-79"/>
-                    <a:cs typeface="David" panose="020E0502060401010101" pitchFamily="34" charset="-79"/>
-                  </a:rPr>
-                  <a:t>Distance (m)</a:t>
-                </a:r>
-                <a:endParaRPr lang="en-US" sz="2400" dirty="0">
-                  <a:latin typeface="David" panose="020E0502060401010101" pitchFamily="34" charset="-79"/>
-                  <a:cs typeface="David" panose="020E0502060401010101" pitchFamily="34" charset="-79"/>
-                </a:endParaRPr>
-              </a:p>
-            </c:rich>
-          </c:tx>
-          <c:overlay val="0"/>
-          <c:spPr>
-            <a:noFill/>
-            <a:ln>
-              <a:noFill/>
-            </a:ln>
-            <a:effectLst/>
-          </c:spPr>
-          <c:txPr>
-            <a:bodyPr rot="-5400000" spcFirstLastPara="1" vertOverflow="ellipsis" vert="horz" wrap="square" anchor="ctr" anchorCtr="1"/>
-            <a:lstStyle/>
-            <a:p>
-              <a:pPr>
-                <a:defRPr sz="1000" b="0" i="0" u="none" strike="noStrike" kern="1200" baseline="0">
-                  <a:solidFill>
-                    <a:schemeClr val="tx1">
-                      <a:lumMod val="65000"/>
-                      <a:lumOff val="35000"/>
-                    </a:schemeClr>
-                  </a:solidFill>
-                  <a:latin typeface="+mn-lt"/>
-                  <a:ea typeface="+mn-ea"/>
-                  <a:cs typeface="+mn-cs"/>
-                </a:defRPr>
-              </a:pPr>
-              <a:endParaRPr lang="he-IL"/>
-            </a:p>
-          </c:txPr>
-        </c:title>
-        <c:numFmt formatCode="General" sourceLinked="1"/>
-        <c:majorTickMark val="none"/>
-        <c:minorTickMark val="none"/>
-        <c:tickLblPos val="nextTo"/>
-        <c:spPr>
-          <a:noFill/>
-          <a:ln w="9525" cap="flat" cmpd="sng" algn="ctr">
-            <a:solidFill>
-              <a:schemeClr val="tx1">
-                <a:lumMod val="25000"/>
-                <a:lumOff val="75000"/>
-              </a:schemeClr>
-            </a:solidFill>
-            <a:round/>
-          </a:ln>
-          <a:effectLst/>
-        </c:spPr>
-        <c:txPr>
-          <a:bodyPr rot="-60000000" spcFirstLastPara="1" vertOverflow="ellipsis" vert="horz" wrap="square" anchor="ctr" anchorCtr="1"/>
-          <a:lstStyle/>
-          <a:p>
-            <a:pPr>
-              <a:defRPr sz="900" b="0" i="0" u="none" strike="noStrike" kern="1200" baseline="0">
-                <a:solidFill>
-                  <a:schemeClr val="tx1">
-                    <a:lumMod val="65000"/>
-                    <a:lumOff val="35000"/>
-                  </a:schemeClr>
-                </a:solidFill>
-                <a:latin typeface="+mn-lt"/>
-                <a:ea typeface="+mn-ea"/>
-                <a:cs typeface="+mn-cs"/>
-              </a:defRPr>
-            </a:pPr>
-            <a:endParaRPr lang="he-IL"/>
-          </a:p>
-        </c:txPr>
-        <c:crossAx val="925720159"/>
-        <c:crosses val="autoZero"/>
-        <c:crossBetween val="midCat"/>
-      </c:valAx>
-      <c:spPr>
-        <a:noFill/>
-        <a:ln>
-          <a:noFill/>
-        </a:ln>
-        <a:effectLst/>
-      </c:spPr>
-    </c:plotArea>
-    <c:plotVisOnly val="1"/>
-    <c:dispBlanksAs val="gap"/>
-    <c:extLst>
-      <c:ext xmlns:c16r3="http://schemas.microsoft.com/office/drawing/2017/03/chart" uri="{56B9EC1D-385E-4148-901F-78D8002777C0}">
-        <c16r3:dataDisplayOptions16>
-          <c16r3:dispNaAsBlank val="1"/>
-        </c16r3:dataDisplayOptions16>
-      </c:ext>
-    </c:extLst>
-    <c:showDLblsOverMax val="0"/>
-  </c:chart>
-  <c:spPr>
-    <a:noFill/>
-    <a:ln>
-      <a:noFill/>
-    </a:ln>
-    <a:effectLst/>
-  </c:spPr>
-  <c:txPr>
-    <a:bodyPr/>
-    <a:lstStyle/>
-    <a:p>
-      <a:pPr>
-        <a:defRPr/>
-      </a:pPr>
-      <a:endParaRPr lang="he-IL"/>
-    </a:p>
-  </c:txPr>
-  <c:externalData r:id="rId3">
-    <c:autoUpdate val="0"/>
-  </c:externalData>
-</c:chartSpace>
-</file>
-
-<file path=ppt/charts/chart2.xml><?xml version="1.0" encoding="utf-8"?>
-<c:chartSpace xmlns:c="http://schemas.openxmlformats.org/drawingml/2006/chart" xmlns:a="http://schemas.openxmlformats.org/drawingml/2006/main" xmlns:r="http://schemas.openxmlformats.org/officeDocument/2006/relationships" xmlns:c16r2="http://schemas.microsoft.com/office/drawing/2015/06/chart">
-  <c:date1904 val="0"/>
-  <c:lang val="en-US"/>
-  <c:roundedCorners val="0"/>
-  <mc:AlternateContent xmlns:mc="http://schemas.openxmlformats.org/markup-compatibility/2006">
-    <mc:Choice xmlns:c14="http://schemas.microsoft.com/office/drawing/2007/8/2/chart" Requires="c14">
-      <c14:style val="102"/>
-    </mc:Choice>
-    <mc:Fallback>
-      <c:style val="2"/>
-    </mc:Fallback>
-  </mc:AlternateContent>
-  <c:chart>
-    <c:title>
-      <c:tx>
-        <c:rich>
-          <a:bodyPr rot="0" spcFirstLastPara="1" vertOverflow="ellipsis" vert="horz" wrap="square" anchor="ctr" anchorCtr="1"/>
-          <a:lstStyle/>
-          <a:p>
-            <a:pPr>
-              <a:defRPr sz="1400" b="0" i="0" u="none" strike="noStrike" kern="1200" spc="0" baseline="0">
-                <a:solidFill>
-                  <a:schemeClr val="tx1">
-                    <a:lumMod val="65000"/>
-                    <a:lumOff val="35000"/>
-                  </a:schemeClr>
-                </a:solidFill>
-                <a:latin typeface="+mn-lt"/>
-                <a:ea typeface="+mn-ea"/>
-                <a:cs typeface="+mn-cs"/>
-              </a:defRPr>
-            </a:pPr>
-            <a:r>
-              <a:rPr lang="en-US" sz="3200" dirty="0">
-                <a:latin typeface="David" panose="020E0502060401010101" pitchFamily="34" charset="-79"/>
-                <a:cs typeface="David" panose="020E0502060401010101" pitchFamily="34" charset="-79"/>
-              </a:rPr>
               <a:t>Angle</a:t>
             </a:r>
             <a:endParaRPr lang="en-US" sz="1800" dirty="0">
@@ -1735,20 +959,20 @@
                   </a:defRPr>
                 </a:pPr>
                 <a:r>
-                  <a:rPr lang="en-US" sz="2400" dirty="0">
+                  <a:rPr lang="en-US" sz="3200" dirty="0">
                     <a:latin typeface="David" panose="020E0502060401010101" pitchFamily="34" charset="-79"/>
                     <a:cs typeface="David" panose="020E0502060401010101" pitchFamily="34" charset="-79"/>
                   </a:rPr>
                   <a:t>Measurement</a:t>
                 </a:r>
                 <a:r>
-                  <a:rPr lang="en-US" sz="2400" baseline="0" dirty="0">
+                  <a:rPr lang="en-US" sz="3200" baseline="0" dirty="0">
                     <a:latin typeface="David" panose="020E0502060401010101" pitchFamily="34" charset="-79"/>
                     <a:cs typeface="David" panose="020E0502060401010101" pitchFamily="34" charset="-79"/>
                   </a:rPr>
                   <a:t> num</a:t>
                 </a:r>
-                <a:endParaRPr lang="en-US" sz="2400" dirty="0">
+                <a:endParaRPr lang="en-US" sz="3200" dirty="0">
                   <a:latin typeface="David" panose="020E0502060401010101" pitchFamily="34" charset="-79"/>
                   <a:cs typeface="David" panose="020E0502060401010101" pitchFamily="34" charset="-79"/>
                 </a:endParaRPr>
@@ -1880,20 +1104,20 @@
                   </a:defRPr>
                 </a:pPr>
                 <a:r>
-                  <a:rPr lang="en-US" sz="1800" dirty="0">
+                  <a:rPr lang="en-US" sz="3200" dirty="0">
                     <a:latin typeface="David" panose="020E0502060401010101" pitchFamily="34" charset="-79"/>
                     <a:cs typeface="David" panose="020E0502060401010101" pitchFamily="34" charset="-79"/>
                   </a:rPr>
                   <a:t>Angle</a:t>
                 </a:r>
                 <a:r>
-                  <a:rPr lang="en-US" sz="1800" baseline="0" dirty="0">
+                  <a:rPr lang="en-US" sz="3200" baseline="0" dirty="0">
                     <a:latin typeface="David" panose="020E0502060401010101" pitchFamily="34" charset="-79"/>
                     <a:cs typeface="David" panose="020E0502060401010101" pitchFamily="34" charset="-79"/>
                   </a:rPr>
                   <a:t> (deg)</a:t>
                 </a:r>
-                <a:endParaRPr lang="en-US" sz="1800" dirty="0">
+                <a:endParaRPr lang="en-US" sz="3200" dirty="0">
                   <a:latin typeface="David" panose="020E0502060401010101" pitchFamily="34" charset="-79"/>
                   <a:cs typeface="David" panose="020E0502060401010101" pitchFamily="34" charset="-79"/>
                 </a:endParaRPr>
@@ -2012,7 +1236,7 @@
 </c:chartSpace>
 </file>
 
-<file path=ppt/charts/chart3.xml><?xml version="1.0" encoding="utf-8"?>
+<file path=ppt/charts/chart2.xml><?xml version="1.0" encoding="utf-8"?>
 <c:chartSpace xmlns:c="http://schemas.openxmlformats.org/drawingml/2006/chart" xmlns:a="http://schemas.openxmlformats.org/drawingml/2006/main" xmlns:r="http://schemas.openxmlformats.org/officeDocument/2006/relationships" xmlns:c16r2="http://schemas.microsoft.com/office/drawing/2015/06/chart">
   <c:date1904 val="0"/>
   <c:lang val="en-US"/>
@@ -2046,7 +1270,7 @@
               </a:defRPr>
             </a:pPr>
             <a:r>
-              <a:rPr lang="en-US" sz="3200" b="0" i="0" u="none" strike="noStrike" kern="1200" spc="0" baseline="0" dirty="0">
+              <a:rPr lang="en-US" sz="3600" b="0" i="0" u="none" strike="noStrike" kern="1200" spc="0" baseline="0" dirty="0">
                 <a:solidFill>
                   <a:prstClr val="black">
                     <a:lumMod val="65000"/>
@@ -2058,7 +1282,7 @@
               </a:rPr>
               <a:t>Distance (under 150 mm)</a:t>
             </a:r>
-            <a:endParaRPr lang="en-US" sz="2000" dirty="0">
+            <a:endParaRPr lang="en-US" sz="3600" dirty="0">
               <a:latin typeface="David" panose="020E0502060401010101" pitchFamily="34" charset="-79"/>
               <a:cs typeface="David" panose="020E0502060401010101" pitchFamily="34" charset="-79"/>
             </a:endParaRPr>
@@ -2865,7 +2089,7 @@
                   </a:defRPr>
                 </a:pPr>
                 <a:r>
-                  <a:rPr lang="en-US" sz="2400" b="0" i="0" u="none" strike="noStrike" kern="1200" baseline="0" dirty="0">
+                  <a:rPr lang="en-US" sz="3600" b="0" i="0" u="none" strike="noStrike" kern="1200" baseline="0" dirty="0">
                     <a:solidFill>
                       <a:prstClr val="black">
                         <a:lumMod val="65000"/>
@@ -3005,7 +2229,7 @@
                   </a:defRPr>
                 </a:pPr>
                 <a:r>
-                  <a:rPr lang="en-US" sz="1800" dirty="0">
+                  <a:rPr lang="en-US" sz="3400" dirty="0">
                     <a:latin typeface="David" panose="020E0502060401010101" pitchFamily="34" charset="-79"/>
                     <a:cs typeface="David" panose="020E0502060401010101" pitchFamily="34" charset="-79"/>
                   </a:rPr>
@@ -3167,46 +2391,6 @@
 </file>
 
 <file path=ppt/charts/colors2.xml><?xml version="1.0" encoding="utf-8"?>
-<cs:colorStyle xmlns:cs="http://schemas.microsoft.com/office/drawing/2012/chartStyle" xmlns:a="http://schemas.openxmlformats.org/drawingml/2006/main" meth="cycle" id="10">
-  <a:schemeClr val="accent1"/>
-  <a:schemeClr val="accent2"/>
-  <a:schemeClr val="accent3"/>
-  <a:schemeClr val="accent4"/>
-  <a:schemeClr val="accent5"/>
-  <a:schemeClr val="accent6"/>
-  <cs:variation/>
-  <cs:variation>
-    <a:lumMod val="60000"/>
-  </cs:variation>
-  <cs:variation>
-    <a:lumMod val="80000"/>
-    <a:lumOff val="20000"/>
-  </cs:variation>
-  <cs:variation>
-    <a:lumMod val="80000"/>
-  </cs:variation>
-  <cs:variation>
-    <a:lumMod val="60000"/>
-    <a:lumOff val="40000"/>
-  </cs:variation>
-  <cs:variation>
-    <a:lumMod val="50000"/>
-  </cs:variation>
-  <cs:variation>
-    <a:lumMod val="70000"/>
-    <a:lumOff val="30000"/>
-  </cs:variation>
-  <cs:variation>
-    <a:lumMod val="70000"/>
-  </cs:variation>
-  <cs:variation>
-    <a:lumMod val="50000"/>
-    <a:lumOff val="50000"/>
-  </cs:variation>
-</cs:colorStyle>
-</file>
-
-<file path=ppt/charts/colors3.xml><?xml version="1.0" encoding="utf-8"?>
 <cs:colorStyle xmlns:cs="http://schemas.microsoft.com/office/drawing/2012/chartStyle" xmlns:a="http://schemas.openxmlformats.org/drawingml/2006/main" meth="cycle" id="10">
   <a:schemeClr val="accent1"/>
   <a:schemeClr val="accent2"/>
@@ -4278,522 +3462,6 @@
 </cs:chartStyle>
 </file>
 
-<file path=ppt/charts/style3.xml><?xml version="1.0" encoding="utf-8"?>
-<cs:chartStyle xmlns:cs="http://schemas.microsoft.com/office/drawing/2012/chartStyle" xmlns:a="http://schemas.openxmlformats.org/drawingml/2006/main" id="240">
-  <cs:axisTitle>
-    <cs:lnRef idx="0"/>
-    <cs:fillRef idx="0"/>
-    <cs:effectRef idx="0"/>
-    <cs:fontRef idx="minor">
-      <a:schemeClr val="tx1">
-        <a:lumMod val="65000"/>
-        <a:lumOff val="35000"/>
-      </a:schemeClr>
-    </cs:fontRef>
-    <cs:defRPr sz="1000" kern="1200"/>
-  </cs:axisTitle>
-  <cs:categoryAxis>
-    <cs:lnRef idx="0"/>
-    <cs:fillRef idx="0"/>
-    <cs:effectRef idx="0"/>
-    <cs:fontRef idx="minor">
-      <a:schemeClr val="tx1">
-        <a:lumMod val="65000"/>
-        <a:lumOff val="35000"/>
-      </a:schemeClr>
-    </cs:fontRef>
-    <cs:spPr>
-      <a:ln w="9525" cap="flat" cmpd="sng" algn="ctr">
-        <a:solidFill>
-          <a:schemeClr val="tx1">
-            <a:lumMod val="25000"/>
-            <a:lumOff val="75000"/>
-          </a:schemeClr>
-        </a:solidFill>
-        <a:round/>
-      </a:ln>
-    </cs:spPr>
-    <cs:defRPr sz="900" kern="1200"/>
-  </cs:categoryAxis>
-  <cs:chartArea mods="allowNoFillOverride allowNoLineOverride">
-    <cs:lnRef idx="0"/>
-    <cs:fillRef idx="0"/>
-    <cs:effectRef idx="0"/>
-    <cs:fontRef idx="minor">
-      <a:schemeClr val="tx1"/>
-    </cs:fontRef>
-    <cs:spPr>
-      <a:solidFill>
-        <a:schemeClr val="bg1"/>
-      </a:solidFill>
-      <a:ln w="9525" cap="flat" cmpd="sng" algn="ctr">
-        <a:solidFill>
-          <a:schemeClr val="tx1">
-            <a:lumMod val="15000"/>
-            <a:lumOff val="85000"/>
-          </a:schemeClr>
-        </a:solidFill>
-        <a:round/>
-      </a:ln>
-    </cs:spPr>
-    <cs:defRPr sz="1000" kern="1200"/>
-  </cs:chartArea>
-  <cs:dataLabel>
-    <cs:lnRef idx="0"/>
-    <cs:fillRef idx="0"/>
-    <cs:effectRef idx="0"/>
-    <cs:fontRef idx="minor">
-      <a:schemeClr val="tx1">
-        <a:lumMod val="75000"/>
-        <a:lumOff val="25000"/>
-      </a:schemeClr>
-    </cs:fontRef>
-    <cs:defRPr sz="900" kern="1200"/>
-  </cs:dataLabel>
-  <cs:dataLabelCallout>
-    <cs:lnRef idx="0"/>
-    <cs:fillRef idx="0"/>
-    <cs:effectRef idx="0"/>
-    <cs:fontRef idx="minor">
-      <a:schemeClr val="dk1">
-        <a:lumMod val="65000"/>
-        <a:lumOff val="35000"/>
-      </a:schemeClr>
-    </cs:fontRef>
-    <cs:spPr>
-      <a:solidFill>
-        <a:schemeClr val="lt1"/>
-      </a:solidFill>
-      <a:ln>
-        <a:solidFill>
-          <a:schemeClr val="dk1">
-            <a:lumMod val="25000"/>
-            <a:lumOff val="75000"/>
-          </a:schemeClr>
-        </a:solidFill>
-      </a:ln>
-    </cs:spPr>
-    <cs:defRPr sz="900" kern="1200"/>
-    <cs:bodyPr rot="0" spcFirstLastPara="1" vertOverflow="clip" horzOverflow="clip" vert="horz" wrap="square" lIns="36576" tIns="18288" rIns="36576" bIns="18288" anchor="ctr" anchorCtr="1">
-      <a:spAutoFit/>
-    </cs:bodyPr>
-  </cs:dataLabelCallout>
-  <cs:dataPoint>
-    <cs:lnRef idx="0"/>
-    <cs:fillRef idx="1">
-      <cs:styleClr val="auto"/>
-    </cs:fillRef>
-    <cs:effectRef idx="0"/>
-    <cs:fontRef idx="minor">
-      <a:schemeClr val="tx1"/>
-    </cs:fontRef>
-  </cs:dataPoint>
-  <cs:dataPoint3D>
-    <cs:lnRef idx="0"/>
-    <cs:fillRef idx="1">
-      <cs:styleClr val="auto"/>
-    </cs:fillRef>
-    <cs:effectRef idx="0"/>
-    <cs:fontRef idx="minor">
-      <a:schemeClr val="tx1"/>
-    </cs:fontRef>
-  </cs:dataPoint3D>
-  <cs:dataPointLine>
-    <cs:lnRef idx="0">
-      <cs:styleClr val="auto"/>
-    </cs:lnRef>
-    <cs:fillRef idx="1"/>
-    <cs:effectRef idx="0"/>
-    <cs:fontRef idx="minor">
-      <a:schemeClr val="tx1"/>
-    </cs:fontRef>
-    <cs:spPr>
-      <a:ln w="19050" cap="rnd">
-        <a:solidFill>
-          <a:schemeClr val="phClr"/>
-        </a:solidFill>
-        <a:round/>
-      </a:ln>
-    </cs:spPr>
-  </cs:dataPointLine>
-  <cs:dataPointMarker>
-    <cs:lnRef idx="0">
-      <cs:styleClr val="auto"/>
-    </cs:lnRef>
-    <cs:fillRef idx="1">
-      <cs:styleClr val="auto"/>
-    </cs:fillRef>
-    <cs:effectRef idx="0"/>
-    <cs:fontRef idx="minor">
-      <a:schemeClr val="tx1"/>
-    </cs:fontRef>
-    <cs:spPr>
-      <a:ln w="9525">
-        <a:solidFill>
-          <a:schemeClr val="phClr"/>
-        </a:solidFill>
-      </a:ln>
-    </cs:spPr>
-  </cs:dataPointMarker>
-  <cs:dataPointMarkerLayout symbol="circle" size="5"/>
-  <cs:dataPointWireframe>
-    <cs:lnRef idx="0">
-      <cs:styleClr val="auto"/>
-    </cs:lnRef>
-    <cs:fillRef idx="0"/>
-    <cs:effectRef idx="0"/>
-    <cs:fontRef idx="minor">
-      <a:schemeClr val="dk1"/>
-    </cs:fontRef>
-    <cs:spPr>
-      <a:ln w="9525" cap="rnd">
-        <a:solidFill>
-          <a:schemeClr val="phClr"/>
-        </a:solidFill>
-        <a:round/>
-      </a:ln>
-    </cs:spPr>
-  </cs:dataPointWireframe>
-  <cs:dataTable>
-    <cs:lnRef idx="0"/>
-    <cs:fillRef idx="0"/>
-    <cs:effectRef idx="0"/>
-    <cs:fontRef idx="minor">
-      <a:schemeClr val="tx1">
-        <a:lumMod val="65000"/>
-        <a:lumOff val="35000"/>
-      </a:schemeClr>
-    </cs:fontRef>
-    <cs:spPr>
-      <a:noFill/>
-      <a:ln w="9525" cap="flat" cmpd="sng" algn="ctr">
-        <a:solidFill>
-          <a:schemeClr val="tx1">
-            <a:lumMod val="15000"/>
-            <a:lumOff val="85000"/>
-          </a:schemeClr>
-        </a:solidFill>
-        <a:round/>
-      </a:ln>
-    </cs:spPr>
-    <cs:defRPr sz="900" kern="1200"/>
-  </cs:dataTable>
-  <cs:downBar>
-    <cs:lnRef idx="0"/>
-    <cs:fillRef idx="0"/>
-    <cs:effectRef idx="0"/>
-    <cs:fontRef idx="minor">
-      <a:schemeClr val="tx1"/>
-    </cs:fontRef>
-    <cs:spPr>
-      <a:solidFill>
-        <a:schemeClr val="dk1">
-          <a:lumMod val="75000"/>
-          <a:lumOff val="25000"/>
-        </a:schemeClr>
-      </a:solidFill>
-      <a:ln w="9525" cap="flat" cmpd="sng" algn="ctr">
-        <a:solidFill>
-          <a:schemeClr val="tx1">
-            <a:lumMod val="65000"/>
-            <a:lumOff val="35000"/>
-          </a:schemeClr>
-        </a:solidFill>
-        <a:round/>
-      </a:ln>
-    </cs:spPr>
-  </cs:downBar>
-  <cs:dropLine>
-    <cs:lnRef idx="0"/>
-    <cs:fillRef idx="0"/>
-    <cs:effectRef idx="0"/>
-    <cs:fontRef idx="minor">
-      <a:schemeClr val="tx1"/>
-    </cs:fontRef>
-    <cs:spPr>
-      <a:ln w="9525" cap="flat" cmpd="sng" algn="ctr">
-        <a:solidFill>
-          <a:schemeClr val="tx1">
-            <a:lumMod val="35000"/>
-            <a:lumOff val="65000"/>
-          </a:schemeClr>
-        </a:solidFill>
-        <a:round/>
-      </a:ln>
-    </cs:spPr>
-  </cs:dropLine>
-  <cs:errorBar>
-    <cs:lnRef idx="0"/>
-    <cs:fillRef idx="0"/>
-    <cs:effectRef idx="0"/>
-    <cs:fontRef idx="minor">
-      <a:schemeClr val="tx1"/>
-    </cs:fontRef>
-    <cs:spPr>
-      <a:ln w="9525" cap="flat" cmpd="sng" algn="ctr">
-        <a:solidFill>
-          <a:schemeClr val="tx1">
-            <a:lumMod val="65000"/>
-            <a:lumOff val="35000"/>
-          </a:schemeClr>
-        </a:solidFill>
-        <a:round/>
-      </a:ln>
-    </cs:spPr>
-  </cs:errorBar>
-  <cs:floor>
-    <cs:lnRef idx="0"/>
-    <cs:fillRef idx="0"/>
-    <cs:effectRef idx="0"/>
-    <cs:fontRef idx="minor">
-      <a:schemeClr val="tx1"/>
-    </cs:fontRef>
-    <cs:spPr>
-      <a:noFill/>
-      <a:ln>
-        <a:noFill/>
-      </a:ln>
-    </cs:spPr>
-  </cs:floor>
-  <cs:gridlineMajor>
-    <cs:lnRef idx="0"/>
-    <cs:fillRef idx="0"/>
-    <cs:effectRef idx="0"/>
-    <cs:fontRef idx="minor">
-      <a:schemeClr val="tx1"/>
-    </cs:fontRef>
-    <cs:spPr>
-      <a:ln w="9525" cap="flat" cmpd="sng" algn="ctr">
-        <a:solidFill>
-          <a:schemeClr val="tx1">
-            <a:lumMod val="15000"/>
-            <a:lumOff val="85000"/>
-          </a:schemeClr>
-        </a:solidFill>
-        <a:round/>
-      </a:ln>
-    </cs:spPr>
-  </cs:gridlineMajor>
-  <cs:gridlineMinor>
-    <cs:lnRef idx="0"/>
-    <cs:fillRef idx="0"/>
-    <cs:effectRef idx="0"/>
-    <cs:fontRef idx="minor">
-      <a:schemeClr val="tx1"/>
-    </cs:fontRef>
-    <cs:spPr>
-      <a:ln w="9525" cap="flat" cmpd="sng" algn="ctr">
-        <a:solidFill>
-          <a:schemeClr val="tx1">
-            <a:lumMod val="5000"/>
-            <a:lumOff val="95000"/>
-          </a:schemeClr>
-        </a:solidFill>
-        <a:round/>
-      </a:ln>
-    </cs:spPr>
-  </cs:gridlineMinor>
-  <cs:hiLoLine>
-    <cs:lnRef idx="0"/>
-    <cs:fillRef idx="0"/>
-    <cs:effectRef idx="0"/>
-    <cs:fontRef idx="minor">
-      <a:schemeClr val="tx1"/>
-    </cs:fontRef>
-    <cs:spPr>
-      <a:ln w="9525" cap="flat" cmpd="sng" algn="ctr">
-        <a:solidFill>
-          <a:schemeClr val="tx1">
-            <a:lumMod val="50000"/>
-            <a:lumOff val="50000"/>
-          </a:schemeClr>
-        </a:solidFill>
-        <a:round/>
-      </a:ln>
-    </cs:spPr>
-  </cs:hiLoLine>
-  <cs:leaderLine>
-    <cs:lnRef idx="0"/>
-    <cs:fillRef idx="0"/>
-    <cs:effectRef idx="0"/>
-    <cs:fontRef idx="minor">
-      <a:schemeClr val="tx1"/>
-    </cs:fontRef>
-    <cs:spPr>
-      <a:ln w="9525" cap="flat" cmpd="sng" algn="ctr">
-        <a:solidFill>
-          <a:schemeClr val="tx1">
-            <a:lumMod val="35000"/>
-            <a:lumOff val="65000"/>
-          </a:schemeClr>
-        </a:solidFill>
-        <a:round/>
-      </a:ln>
-    </cs:spPr>
-  </cs:leaderLine>
-  <cs:legend>
-    <cs:lnRef idx="0"/>
-    <cs:fillRef idx="0"/>
-    <cs:effectRef idx="0"/>
-    <cs:fontRef idx="minor">
-      <a:schemeClr val="tx1">
-        <a:lumMod val="65000"/>
-        <a:lumOff val="35000"/>
-      </a:schemeClr>
-    </cs:fontRef>
-    <cs:defRPr sz="900" kern="1200"/>
-  </cs:legend>
-  <cs:plotArea mods="allowNoFillOverride allowNoLineOverride">
-    <cs:lnRef idx="0"/>
-    <cs:fillRef idx="0"/>
-    <cs:effectRef idx="0"/>
-    <cs:fontRef idx="minor">
-      <a:schemeClr val="tx1"/>
-    </cs:fontRef>
-  </cs:plotArea>
-  <cs:plotArea3D mods="allowNoFillOverride allowNoLineOverride">
-    <cs:lnRef idx="0"/>
-    <cs:fillRef idx="0"/>
-    <cs:effectRef idx="0"/>
-    <cs:fontRef idx="minor">
-      <a:schemeClr val="tx1"/>
-    </cs:fontRef>
-  </cs:plotArea3D>
-  <cs:seriesAxis>
-    <cs:lnRef idx="0"/>
-    <cs:fillRef idx="0"/>
-    <cs:effectRef idx="0"/>
-    <cs:fontRef idx="minor">
-      <a:schemeClr val="tx1">
-        <a:lumMod val="65000"/>
-        <a:lumOff val="35000"/>
-      </a:schemeClr>
-    </cs:fontRef>
-    <cs:defRPr sz="900" kern="1200"/>
-  </cs:seriesAxis>
-  <cs:seriesLine>
-    <cs:lnRef idx="0"/>
-    <cs:fillRef idx="0"/>
-    <cs:effectRef idx="0"/>
-    <cs:fontRef idx="minor">
-      <a:schemeClr val="tx1"/>
-    </cs:fontRef>
-    <cs:spPr>
-      <a:ln w="9525" cap="flat" cmpd="sng" algn="ctr">
-        <a:solidFill>
-          <a:schemeClr val="tx1">
-            <a:lumMod val="35000"/>
-            <a:lumOff val="65000"/>
-          </a:schemeClr>
-        </a:solidFill>
-        <a:round/>
-      </a:ln>
-    </cs:spPr>
-  </cs:seriesLine>
-  <cs:title>
-    <cs:lnRef idx="0"/>
-    <cs:fillRef idx="0"/>
-    <cs:effectRef idx="0"/>
-    <cs:fontRef idx="minor">
-      <a:schemeClr val="tx1">
-        <a:lumMod val="65000"/>
-        <a:lumOff val="35000"/>
-      </a:schemeClr>
-    </cs:fontRef>
-    <cs:defRPr sz="1400" b="0" kern="1200" spc="0" baseline="0"/>
-  </cs:title>
-  <cs:trendline>
-    <cs:lnRef idx="0">
-      <cs:styleClr val="auto"/>
-    </cs:lnRef>
-    <cs:fillRef idx="0"/>
-    <cs:effectRef idx="0"/>
-    <cs:fontRef idx="minor">
-      <a:schemeClr val="tx1"/>
-    </cs:fontRef>
-    <cs:spPr>
-      <a:ln w="19050" cap="rnd">
-        <a:solidFill>
-          <a:schemeClr val="phClr"/>
-        </a:solidFill>
-        <a:prstDash val="sysDot"/>
-      </a:ln>
-    </cs:spPr>
-  </cs:trendline>
-  <cs:trendlineLabel>
-    <cs:lnRef idx="0"/>
-    <cs:fillRef idx="0"/>
-    <cs:effectRef idx="0"/>
-    <cs:fontRef idx="minor">
-      <a:schemeClr val="tx1">
-        <a:lumMod val="65000"/>
-        <a:lumOff val="35000"/>
-      </a:schemeClr>
-    </cs:fontRef>
-    <cs:defRPr sz="900" kern="1200"/>
-  </cs:trendlineLabel>
-  <cs:upBar>
-    <cs:lnRef idx="0"/>
-    <cs:fillRef idx="0"/>
-    <cs:effectRef idx="0"/>
-    <cs:fontRef idx="minor">
-      <a:schemeClr val="tx1"/>
-    </cs:fontRef>
-    <cs:spPr>
-      <a:solidFill>
-        <a:schemeClr val="lt1"/>
-      </a:solidFill>
-      <a:ln w="9525" cap="flat" cmpd="sng" algn="ctr">
-        <a:solidFill>
-          <a:schemeClr val="tx1">
-            <a:lumMod val="65000"/>
-            <a:lumOff val="35000"/>
-          </a:schemeClr>
-        </a:solidFill>
-        <a:round/>
-      </a:ln>
-    </cs:spPr>
-  </cs:upBar>
-  <cs:valueAxis>
-    <cs:lnRef idx="0"/>
-    <cs:fillRef idx="0"/>
-    <cs:effectRef idx="0"/>
-    <cs:fontRef idx="minor">
-      <a:schemeClr val="tx1">
-        <a:lumMod val="65000"/>
-        <a:lumOff val="35000"/>
-      </a:schemeClr>
-    </cs:fontRef>
-    <cs:spPr>
-      <a:ln w="9525" cap="flat" cmpd="sng" algn="ctr">
-        <a:solidFill>
-          <a:schemeClr val="tx1">
-            <a:lumMod val="25000"/>
-            <a:lumOff val="75000"/>
-          </a:schemeClr>
-        </a:solidFill>
-        <a:round/>
-      </a:ln>
-    </cs:spPr>
-    <cs:defRPr sz="900" kern="1200"/>
-  </cs:valueAxis>
-  <cs:wall>
-    <cs:lnRef idx="0"/>
-    <cs:fillRef idx="0"/>
-    <cs:effectRef idx="0"/>
-    <cs:fontRef idx="minor">
-      <a:schemeClr val="tx1"/>
-    </cs:fontRef>
-    <cs:spPr>
-      <a:noFill/>
-      <a:ln>
-        <a:noFill/>
-      </a:ln>
-    </cs:spPr>
-  </cs:wall>
-</cs:chartStyle>
-</file>
-
 <file path=ppt/slideLayouts/slideLayout1.xml><?xml version="1.0" encoding="utf-8"?>
 <p:sldLayout xmlns:a="http://schemas.openxmlformats.org/drawingml/2006/main" xmlns:r="http://schemas.openxmlformats.org/officeDocument/2006/relationships" xmlns:p="http://schemas.openxmlformats.org/presentationml/2006/main" type="title" preserve="1">
   <p:cSld name="Title Slide">
@@ -4925,7 +3593,7 @@
           <a:p>
             <a:fld id="{EBC92114-2DE2-4DBD-88F5-EC34E326FC88}" type="datetimeFigureOut">
               <a:rPr lang="he-IL" smtClean="0"/>
-              <a:t>ג'/ניסן/תשפ"ד</a:t>
+              <a:t>ו'/ניסן/תשפ"ד</a:t>
             </a:fld>
             <a:endParaRPr lang="he-IL"/>
           </a:p>
@@ -5095,7 +3763,7 @@
           <a:p>
             <a:fld id="{EBC92114-2DE2-4DBD-88F5-EC34E326FC88}" type="datetimeFigureOut">
               <a:rPr lang="he-IL" smtClean="0"/>
-              <a:t>ג'/ניסן/תשפ"ד</a:t>
+              <a:t>ו'/ניסן/תשפ"ד</a:t>
             </a:fld>
             <a:endParaRPr lang="he-IL"/>
           </a:p>
@@ -5275,7 +3943,7 @@
           <a:p>
             <a:fld id="{EBC92114-2DE2-4DBD-88F5-EC34E326FC88}" type="datetimeFigureOut">
               <a:rPr lang="he-IL" smtClean="0"/>
-              <a:t>ג'/ניסן/תשפ"ד</a:t>
+              <a:t>ו'/ניסן/תשפ"ד</a:t>
             </a:fld>
             <a:endParaRPr lang="he-IL"/>
           </a:p>
@@ -5445,7 +4113,7 @@
           <a:p>
             <a:fld id="{EBC92114-2DE2-4DBD-88F5-EC34E326FC88}" type="datetimeFigureOut">
               <a:rPr lang="he-IL" smtClean="0"/>
-              <a:t>ג'/ניסן/תשפ"ד</a:t>
+              <a:t>ו'/ניסן/תשפ"ד</a:t>
             </a:fld>
             <a:endParaRPr lang="he-IL"/>
           </a:p>
@@ -5689,7 +4357,7 @@
           <a:p>
             <a:fld id="{EBC92114-2DE2-4DBD-88F5-EC34E326FC88}" type="datetimeFigureOut">
               <a:rPr lang="he-IL" smtClean="0"/>
-              <a:t>ג'/ניסן/תשפ"ד</a:t>
+              <a:t>ו'/ניסן/תשפ"ד</a:t>
             </a:fld>
             <a:endParaRPr lang="he-IL"/>
           </a:p>
@@ -5921,7 +4589,7 @@
           <a:p>
             <a:fld id="{EBC92114-2DE2-4DBD-88F5-EC34E326FC88}" type="datetimeFigureOut">
               <a:rPr lang="he-IL" smtClean="0"/>
-              <a:t>ג'/ניסן/תשפ"ד</a:t>
+              <a:t>ו'/ניסן/תשפ"ד</a:t>
             </a:fld>
             <a:endParaRPr lang="he-IL"/>
           </a:p>
@@ -6288,7 +4956,7 @@
           <a:p>
             <a:fld id="{EBC92114-2DE2-4DBD-88F5-EC34E326FC88}" type="datetimeFigureOut">
               <a:rPr lang="he-IL" smtClean="0"/>
-              <a:t>ג'/ניסן/תשפ"ד</a:t>
+              <a:t>ו'/ניסן/תשפ"ד</a:t>
             </a:fld>
             <a:endParaRPr lang="he-IL"/>
           </a:p>
@@ -6406,7 +5074,7 @@
           <a:p>
             <a:fld id="{EBC92114-2DE2-4DBD-88F5-EC34E326FC88}" type="datetimeFigureOut">
               <a:rPr lang="he-IL" smtClean="0"/>
-              <a:t>ג'/ניסן/תשפ"ד</a:t>
+              <a:t>ו'/ניסן/תשפ"ד</a:t>
             </a:fld>
             <a:endParaRPr lang="he-IL"/>
           </a:p>
@@ -6501,7 +5169,7 @@
           <a:p>
             <a:fld id="{EBC92114-2DE2-4DBD-88F5-EC34E326FC88}" type="datetimeFigureOut">
               <a:rPr lang="he-IL" smtClean="0"/>
-              <a:t>ג'/ניסן/תשפ"ד</a:t>
+              <a:t>ו'/ניסן/תשפ"ד</a:t>
             </a:fld>
             <a:endParaRPr lang="he-IL"/>
           </a:p>
@@ -6778,7 +5446,7 @@
           <a:p>
             <a:fld id="{EBC92114-2DE2-4DBD-88F5-EC34E326FC88}" type="datetimeFigureOut">
               <a:rPr lang="he-IL" smtClean="0"/>
-              <a:t>ג'/ניסן/תשפ"ד</a:t>
+              <a:t>ו'/ניסן/תשפ"ד</a:t>
             </a:fld>
             <a:endParaRPr lang="he-IL"/>
           </a:p>
@@ -7035,7 +5703,7 @@
           <a:p>
             <a:fld id="{EBC92114-2DE2-4DBD-88F5-EC34E326FC88}" type="datetimeFigureOut">
               <a:rPr lang="he-IL" smtClean="0"/>
-              <a:t>ג'/ניסן/תשפ"ד</a:t>
+              <a:t>ו'/ניסן/תשפ"ד</a:t>
             </a:fld>
             <a:endParaRPr lang="he-IL"/>
           </a:p>
@@ -7248,7 +5916,7 @@
           <a:p>
             <a:fld id="{EBC92114-2DE2-4DBD-88F5-EC34E326FC88}" type="datetimeFigureOut">
               <a:rPr lang="he-IL" smtClean="0"/>
-              <a:t>ג'/ניסן/תשפ"ד</a:t>
+              <a:t>ו'/ניסן/תשפ"ד</a:t>
             </a:fld>
             <a:endParaRPr lang="he-IL"/>
           </a:p>
@@ -7662,14 +6330,14 @@
           <p:nvPr>
             <p:extLst>
               <p:ext uri="{D42A27DB-BD31-4B8C-83A1-F6EECF244321}">
-                <p14:modId xmlns:p14="http://schemas.microsoft.com/office/powerpoint/2010/main" val="2906179071"/>
+                <p14:modId xmlns:p14="http://schemas.microsoft.com/office/powerpoint/2010/main" val="2761090100"/>
               </p:ext>
             </p:extLst>
           </p:nvPr>
         </p:nvGraphicFramePr>
         <p:xfrm>
           <a:off x="384740" y="3698810"/>
-          <a:ext cx="35185420" cy="21518880"/>
+          <a:ext cx="35185420" cy="22555200"/>
         </p:xfrm>
         <a:graphic>
           <a:graphicData uri="http://schemas.openxmlformats.org/drawingml/2006/table">
@@ -7751,7 +6419,7 @@
                         <a:defRPr/>
                       </a:pPr>
                       <a:r>
-                        <a:rPr lang="en-US" sz="3400" u="none" kern="1200" dirty="0">
+                        <a:rPr lang="en-US" sz="3600" u="none" kern="1200" dirty="0">
                           <a:solidFill>
                             <a:schemeClr val="tx1"/>
                           </a:solidFill>
@@ -7782,7 +6450,7 @@
                         <a:defRPr/>
                       </a:pPr>
                       <a:r>
-                        <a:rPr lang="en-US" sz="3400" kern="1200" dirty="0">
+                        <a:rPr lang="en-US" sz="3600" kern="1200" dirty="0">
                           <a:solidFill>
                             <a:schemeClr val="tx1"/>
                           </a:solidFill>
@@ -7813,7 +6481,7 @@
                         <a:defRPr/>
                       </a:pPr>
                       <a:r>
-                        <a:rPr lang="en-US" sz="3400" kern="1200" dirty="0">
+                        <a:rPr lang="en-US" sz="3600" kern="1200" dirty="0">
                           <a:solidFill>
                             <a:schemeClr val="tx1"/>
                           </a:solidFill>
@@ -7844,7 +6512,7 @@
                         <a:defRPr/>
                       </a:pPr>
                       <a:r>
-                        <a:rPr lang="en-US" sz="3400" kern="1200" dirty="0">
+                        <a:rPr lang="en-US" sz="3600" kern="1200" dirty="0">
                           <a:solidFill>
                             <a:schemeClr val="tx1"/>
                           </a:solidFill>
@@ -7857,7 +6525,7 @@
                       </a:r>
                     </a:p>
                     <a:p>
-                      <a:pPr marL="0" marR="0" lvl="0" indent="0" algn="l" defTabSz="2519995" rtl="0" eaLnBrk="1" fontAlgn="auto" latinLnBrk="0" hangingPunct="1">
+                      <a:pPr marL="457200" marR="0" lvl="0" indent="-457200" algn="just" defTabSz="2519995" rtl="0" eaLnBrk="1" fontAlgn="auto" latinLnBrk="0" hangingPunct="1">
                         <a:lnSpc>
                           <a:spcPct val="100000"/>
                         </a:lnSpc>
@@ -7870,235 +6538,11 @@
                         <a:buClrTx/>
                         <a:buSzTx/>
                         <a:buFont typeface="Arial" panose="020B0604020202020204" pitchFamily="34" charset="0"/>
-                        <a:buNone/>
+                        <a:buChar char="•"/>
                         <a:tabLst/>
                         <a:defRPr/>
                       </a:pPr>
-                      <a:endParaRPr lang="en-US" sz="3400" kern="1200" dirty="0">
-                        <a:solidFill>
-                          <a:schemeClr val="tx1"/>
-                        </a:solidFill>
-                        <a:effectLst/>
-                        <a:latin typeface="+mn-lt"/>
-                        <a:ea typeface="+mn-ea"/>
-                        <a:cs typeface="Open Sans Hebrew" panose="00000500000000000000" pitchFamily="2" charset="-79"/>
-                      </a:endParaRPr>
-                    </a:p>
-                    <a:p>
-                      <a:pPr marL="0" marR="0" lvl="0" indent="0" algn="l" defTabSz="2519995" rtl="0" eaLnBrk="1" fontAlgn="auto" latinLnBrk="0" hangingPunct="1">
-                        <a:lnSpc>
-                          <a:spcPct val="100000"/>
-                        </a:lnSpc>
-                        <a:spcBef>
-                          <a:spcPts val="0"/>
-                        </a:spcBef>
-                        <a:spcAft>
-                          <a:spcPts val="0"/>
-                        </a:spcAft>
-                        <a:buClrTx/>
-                        <a:buSzTx/>
-                        <a:buFont typeface="Arial" panose="020B0604020202020204" pitchFamily="34" charset="0"/>
-                        <a:buNone/>
-                        <a:tabLst/>
-                        <a:defRPr/>
-                      </a:pPr>
-                      <a:endParaRPr lang="en-US" sz="3400" kern="1200" dirty="0">
-                        <a:solidFill>
-                          <a:schemeClr val="tx1"/>
-                        </a:solidFill>
-                        <a:effectLst/>
-                        <a:latin typeface="+mn-lt"/>
-                        <a:ea typeface="+mn-ea"/>
-                        <a:cs typeface="Open Sans Hebrew" panose="00000500000000000000" pitchFamily="2" charset="-79"/>
-                      </a:endParaRPr>
-                    </a:p>
-                    <a:p>
-                      <a:pPr marL="0" marR="0" lvl="0" indent="0" algn="l" defTabSz="2519995" rtl="0" eaLnBrk="1" fontAlgn="auto" latinLnBrk="0" hangingPunct="1">
-                        <a:lnSpc>
-                          <a:spcPct val="100000"/>
-                        </a:lnSpc>
-                        <a:spcBef>
-                          <a:spcPts val="0"/>
-                        </a:spcBef>
-                        <a:spcAft>
-                          <a:spcPts val="0"/>
-                        </a:spcAft>
-                        <a:buClrTx/>
-                        <a:buSzTx/>
-                        <a:buFont typeface="Arial" panose="020B0604020202020204" pitchFamily="34" charset="0"/>
-                        <a:buNone/>
-                        <a:tabLst/>
-                        <a:defRPr/>
-                      </a:pPr>
-                      <a:endParaRPr lang="en-US" sz="3400" kern="1200" dirty="0">
-                        <a:solidFill>
-                          <a:schemeClr val="tx1"/>
-                        </a:solidFill>
-                        <a:effectLst/>
-                        <a:latin typeface="+mn-lt"/>
-                        <a:ea typeface="+mn-ea"/>
-                        <a:cs typeface="Open Sans Hebrew" panose="00000500000000000000" pitchFamily="2" charset="-79"/>
-                      </a:endParaRPr>
-                    </a:p>
-                    <a:p>
-                      <a:pPr marL="0" marR="0" lvl="0" indent="0" algn="l" defTabSz="2519995" rtl="0" eaLnBrk="1" fontAlgn="auto" latinLnBrk="0" hangingPunct="1">
-                        <a:lnSpc>
-                          <a:spcPct val="100000"/>
-                        </a:lnSpc>
-                        <a:spcBef>
-                          <a:spcPts val="0"/>
-                        </a:spcBef>
-                        <a:spcAft>
-                          <a:spcPts val="0"/>
-                        </a:spcAft>
-                        <a:buClrTx/>
-                        <a:buSzTx/>
-                        <a:buFont typeface="Arial" panose="020B0604020202020204" pitchFamily="34" charset="0"/>
-                        <a:buNone/>
-                        <a:tabLst/>
-                        <a:defRPr/>
-                      </a:pPr>
-                      <a:endParaRPr lang="en-US" sz="3400" kern="1200" dirty="0">
-                        <a:solidFill>
-                          <a:schemeClr val="tx1"/>
-                        </a:solidFill>
-                        <a:effectLst/>
-                        <a:latin typeface="+mn-lt"/>
-                        <a:ea typeface="+mn-ea"/>
-                        <a:cs typeface="Open Sans Hebrew" panose="00000500000000000000" pitchFamily="2" charset="-79"/>
-                      </a:endParaRPr>
-                    </a:p>
-                    <a:p>
-                      <a:pPr marL="0" marR="0" lvl="0" indent="0" algn="l" defTabSz="2519995" rtl="0" eaLnBrk="1" fontAlgn="auto" latinLnBrk="0" hangingPunct="1">
-                        <a:lnSpc>
-                          <a:spcPct val="100000"/>
-                        </a:lnSpc>
-                        <a:spcBef>
-                          <a:spcPts val="0"/>
-                        </a:spcBef>
-                        <a:spcAft>
-                          <a:spcPts val="0"/>
-                        </a:spcAft>
-                        <a:buClrTx/>
-                        <a:buSzTx/>
-                        <a:buFont typeface="Arial" panose="020B0604020202020204" pitchFamily="34" charset="0"/>
-                        <a:buNone/>
-                        <a:tabLst/>
-                        <a:defRPr/>
-                      </a:pPr>
-                      <a:endParaRPr lang="en-US" sz="3400" kern="1200" dirty="0">
-                        <a:solidFill>
-                          <a:schemeClr val="tx1"/>
-                        </a:solidFill>
-                        <a:effectLst/>
-                        <a:latin typeface="+mn-lt"/>
-                        <a:ea typeface="+mn-ea"/>
-                        <a:cs typeface="Open Sans Hebrew" panose="00000500000000000000" pitchFamily="2" charset="-79"/>
-                      </a:endParaRPr>
-                    </a:p>
-                    <a:p>
-                      <a:pPr marL="0" marR="0" lvl="0" indent="0" algn="l" defTabSz="2519995" rtl="0" eaLnBrk="1" fontAlgn="auto" latinLnBrk="0" hangingPunct="1">
-                        <a:lnSpc>
-                          <a:spcPct val="100000"/>
-                        </a:lnSpc>
-                        <a:spcBef>
-                          <a:spcPts val="0"/>
-                        </a:spcBef>
-                        <a:spcAft>
-                          <a:spcPts val="0"/>
-                        </a:spcAft>
-                        <a:buClrTx/>
-                        <a:buSzTx/>
-                        <a:buFont typeface="Arial" panose="020B0604020202020204" pitchFamily="34" charset="0"/>
-                        <a:buNone/>
-                        <a:tabLst/>
-                        <a:defRPr/>
-                      </a:pPr>
-                      <a:endParaRPr lang="en-US" sz="3400" kern="1200" dirty="0">
-                        <a:solidFill>
-                          <a:schemeClr val="tx1"/>
-                        </a:solidFill>
-                        <a:effectLst/>
-                        <a:latin typeface="+mn-lt"/>
-                        <a:ea typeface="+mn-ea"/>
-                        <a:cs typeface="Open Sans Hebrew" panose="00000500000000000000" pitchFamily="2" charset="-79"/>
-                      </a:endParaRPr>
-                    </a:p>
-                    <a:p>
-                      <a:pPr marL="0" marR="0" lvl="0" indent="0" algn="l" defTabSz="2519995" rtl="0" eaLnBrk="1" fontAlgn="auto" latinLnBrk="0" hangingPunct="1">
-                        <a:lnSpc>
-                          <a:spcPct val="100000"/>
-                        </a:lnSpc>
-                        <a:spcBef>
-                          <a:spcPts val="0"/>
-                        </a:spcBef>
-                        <a:spcAft>
-                          <a:spcPts val="0"/>
-                        </a:spcAft>
-                        <a:buClrTx/>
-                        <a:buSzTx/>
-                        <a:buFont typeface="Arial" panose="020B0604020202020204" pitchFamily="34" charset="0"/>
-                        <a:buNone/>
-                        <a:tabLst/>
-                        <a:defRPr/>
-                      </a:pPr>
-                      <a:endParaRPr lang="en-US" sz="3400" kern="1200" dirty="0">
-                        <a:solidFill>
-                          <a:schemeClr val="tx1"/>
-                        </a:solidFill>
-                        <a:effectLst/>
-                        <a:latin typeface="+mn-lt"/>
-                        <a:ea typeface="+mn-ea"/>
-                        <a:cs typeface="Open Sans Hebrew" panose="00000500000000000000" pitchFamily="2" charset="-79"/>
-                      </a:endParaRPr>
-                    </a:p>
-                    <a:p>
-                      <a:pPr marL="0" marR="0" lvl="0" indent="0" algn="l" defTabSz="2519995" rtl="0" eaLnBrk="1" fontAlgn="auto" latinLnBrk="0" hangingPunct="1">
-                        <a:lnSpc>
-                          <a:spcPct val="100000"/>
-                        </a:lnSpc>
-                        <a:spcBef>
-                          <a:spcPts val="0"/>
-                        </a:spcBef>
-                        <a:spcAft>
-                          <a:spcPts val="0"/>
-                        </a:spcAft>
-                        <a:buClrTx/>
-                        <a:buSzTx/>
-                        <a:buFont typeface="Arial" panose="020B0604020202020204" pitchFamily="34" charset="0"/>
-                        <a:buNone/>
-                        <a:tabLst/>
-                        <a:defRPr/>
-                      </a:pPr>
-                      <a:endParaRPr lang="en-US" sz="3400" kern="1200" dirty="0">
-                        <a:solidFill>
-                          <a:schemeClr val="tx1"/>
-                        </a:solidFill>
-                        <a:effectLst/>
-                        <a:latin typeface="+mn-lt"/>
-                        <a:ea typeface="+mn-ea"/>
-                        <a:cs typeface="Open Sans Hebrew" panose="00000500000000000000" pitchFamily="2" charset="-79"/>
-                      </a:endParaRPr>
-                    </a:p>
-                    <a:p>
-                      <a:pPr marL="0" marR="0" lvl="0" indent="0" algn="l" defTabSz="2519995" rtl="0" eaLnBrk="1" fontAlgn="auto" latinLnBrk="0" hangingPunct="1">
-                        <a:lnSpc>
-                          <a:spcPct val="100000"/>
-                        </a:lnSpc>
-                        <a:spcBef>
-                          <a:spcPts val="0"/>
-                        </a:spcBef>
-                        <a:spcAft>
-                          <a:spcPts val="0"/>
-                        </a:spcAft>
-                        <a:buClrTx/>
-                        <a:buSzTx/>
-                        <a:buFont typeface="Arial" panose="020B0604020202020204" pitchFamily="34" charset="0"/>
-                        <a:buNone/>
-                        <a:tabLst/>
-                        <a:defRPr/>
-                      </a:pPr>
-                      <a:endParaRPr lang="en-US" sz="3400" kern="1200" dirty="0">
+                      <a:endParaRPr lang="en-US" sz="3600" kern="1200" dirty="0">
                         <a:solidFill>
                           <a:schemeClr val="tx1"/>
                         </a:solidFill>
@@ -8158,7 +6602,7 @@
                         <a:defRPr/>
                       </a:pPr>
                       <a:r>
-                        <a:rPr lang="en-US" sz="3400" u="sng" baseline="0" dirty="0">
+                        <a:rPr lang="en-US" sz="3600" u="sng" baseline="0" dirty="0">
                           <a:effectLst/>
                           <a:latin typeface="+mn-lt"/>
                           <a:cs typeface="Open Sans Hebrew" panose="00000500000000000000" pitchFamily="2" charset="-79"/>
@@ -8166,7 +6610,7 @@
                         <a:t>Enhanced User Experience</a:t>
                       </a:r>
                       <a:r>
-                        <a:rPr lang="en-US" sz="3400" baseline="0" dirty="0">
+                        <a:rPr lang="en-US" sz="3600" baseline="0" dirty="0">
                           <a:effectLst/>
                           <a:latin typeface="+mn-lt"/>
                           <a:cs typeface="Open Sans Hebrew" panose="00000500000000000000" pitchFamily="2" charset="-79"/>
@@ -8193,7 +6637,7 @@
                         <a:defRPr/>
                       </a:pPr>
                       <a:r>
-                        <a:rPr lang="en-US" sz="3400" u="sng" baseline="0" dirty="0">
+                        <a:rPr lang="en-US" sz="3600" u="sng" baseline="0" dirty="0">
                           <a:effectLst/>
                           <a:latin typeface="+mn-lt"/>
                           <a:cs typeface="Open Sans Hebrew" panose="00000500000000000000" pitchFamily="2" charset="-79"/>
@@ -8201,7 +6645,7 @@
                         <a:t>Documentation</a:t>
                       </a:r>
                       <a:r>
-                        <a:rPr lang="en-US" sz="3400" baseline="0" dirty="0">
+                        <a:rPr lang="en-US" sz="3600" baseline="0" dirty="0">
                           <a:effectLst/>
                           <a:latin typeface="+mn-lt"/>
                           <a:cs typeface="Open Sans Hebrew" panose="00000500000000000000" pitchFamily="2" charset="-79"/>
@@ -8228,7 +6672,7 @@
                         <a:defRPr/>
                       </a:pPr>
                       <a:r>
-                        <a:rPr lang="en-US" sz="3400" u="sng" baseline="0" dirty="0">
+                        <a:rPr lang="en-US" sz="3600" u="sng" baseline="0" dirty="0">
                           <a:effectLst/>
                           <a:latin typeface="+mn-lt"/>
                           <a:cs typeface="Open Sans Hebrew" panose="00000500000000000000" pitchFamily="2" charset="-79"/>
@@ -8236,7 +6680,7 @@
                         <a:t>Research &amp; Optimization:</a:t>
                       </a:r>
                       <a:r>
-                        <a:rPr lang="en-US" sz="3400" u="none" baseline="0" dirty="0">
+                        <a:rPr lang="en-US" sz="3600" u="none" baseline="0" dirty="0">
                           <a:effectLst/>
                           <a:latin typeface="+mn-lt"/>
                           <a:cs typeface="Open Sans Hebrew" panose="00000500000000000000" pitchFamily="2" charset="-79"/>
@@ -8244,7 +6688,7 @@
                         <a:t> </a:t>
                       </a:r>
                       <a:r>
-                        <a:rPr lang="en-US" sz="3400" baseline="0" dirty="0">
+                        <a:rPr lang="en-US" sz="3600" baseline="0" dirty="0">
                           <a:effectLst/>
                           <a:latin typeface="+mn-lt"/>
                           <a:cs typeface="Open Sans Hebrew" panose="00000500000000000000" pitchFamily="2" charset="-79"/>
@@ -8271,7 +6715,7 @@
                         <a:defRPr/>
                       </a:pPr>
                       <a:r>
-                        <a:rPr lang="en-US" sz="3400" u="sng" baseline="0" dirty="0">
+                        <a:rPr lang="en-US" sz="3600" u="sng" baseline="0" dirty="0">
                           <a:effectLst/>
                           <a:latin typeface="+mn-lt"/>
                           <a:cs typeface="Open Sans Hebrew" panose="00000500000000000000" pitchFamily="2" charset="-79"/>
@@ -8279,13 +6723,41 @@
                         <a:t>Collaborative Synergy</a:t>
                       </a:r>
                       <a:r>
-                        <a:rPr lang="en-US" sz="3400" baseline="0" dirty="0">
+                        <a:rPr lang="en-US" sz="3600" baseline="0" dirty="0">
                           <a:effectLst/>
                           <a:latin typeface="+mn-lt"/>
                           <a:cs typeface="Open Sans Hebrew" panose="00000500000000000000" pitchFamily="2" charset="-79"/>
                         </a:rPr>
                         <a:t>: Partnership with an Arduino M5Stack team enriches project scope and capabilities.</a:t>
                       </a:r>
+                    </a:p>
+                    <a:p>
+                      <a:pPr marL="0" marR="0" lvl="0" indent="0" algn="l" defTabSz="2519995" rtl="0" eaLnBrk="1" fontAlgn="auto" latinLnBrk="0" hangingPunct="1">
+                        <a:lnSpc>
+                          <a:spcPct val="100000"/>
+                        </a:lnSpc>
+                        <a:spcBef>
+                          <a:spcPts val="0"/>
+                        </a:spcBef>
+                        <a:spcAft>
+                          <a:spcPts val="0"/>
+                        </a:spcAft>
+                        <a:buClrTx/>
+                        <a:buSzTx/>
+                        <a:buFontTx/>
+                        <a:buNone/>
+                        <a:tabLst/>
+                        <a:defRPr/>
+                      </a:pPr>
+                      <a:endParaRPr lang="en-US" sz="5400" b="1" kern="1200" dirty="0">
+                        <a:solidFill>
+                          <a:schemeClr val="tx1"/>
+                        </a:solidFill>
+                        <a:effectLst/>
+                        <a:latin typeface="+mn-lt"/>
+                        <a:ea typeface="+mn-ea"/>
+                        <a:cs typeface="Open Sans Hebrew" panose="00000500000000000000" pitchFamily="2" charset="-79"/>
+                      </a:endParaRPr>
                     </a:p>
                     <a:p>
                       <a:pPr marL="0" marR="0" lvl="0" indent="0" algn="l" defTabSz="2519995" rtl="0" eaLnBrk="1" fontAlgn="auto" latinLnBrk="0" hangingPunct="1">
@@ -8404,6 +6876,202 @@
                         <a:tabLst/>
                         <a:defRPr/>
                       </a:pPr>
+                      <a:endParaRPr lang="en-US" sz="5400" b="1" kern="1200" dirty="0">
+                        <a:solidFill>
+                          <a:schemeClr val="tx1"/>
+                        </a:solidFill>
+                        <a:effectLst/>
+                        <a:latin typeface="+mn-lt"/>
+                        <a:ea typeface="+mn-ea"/>
+                        <a:cs typeface="Open Sans Hebrew" panose="00000500000000000000" pitchFamily="2" charset="-79"/>
+                      </a:endParaRPr>
+                    </a:p>
+                    <a:p>
+                      <a:pPr marL="0" marR="0" lvl="0" indent="0" algn="l" defTabSz="2519995" rtl="0" eaLnBrk="1" fontAlgn="auto" latinLnBrk="0" hangingPunct="1">
+                        <a:lnSpc>
+                          <a:spcPct val="100000"/>
+                        </a:lnSpc>
+                        <a:spcBef>
+                          <a:spcPts val="0"/>
+                        </a:spcBef>
+                        <a:spcAft>
+                          <a:spcPts val="0"/>
+                        </a:spcAft>
+                        <a:buClrTx/>
+                        <a:buSzTx/>
+                        <a:buFontTx/>
+                        <a:buNone/>
+                        <a:tabLst/>
+                        <a:defRPr/>
+                      </a:pPr>
+                      <a:endParaRPr lang="en-US" sz="5400" b="1" kern="1200" dirty="0">
+                        <a:solidFill>
+                          <a:schemeClr val="tx1"/>
+                        </a:solidFill>
+                        <a:effectLst/>
+                        <a:latin typeface="+mn-lt"/>
+                        <a:ea typeface="+mn-ea"/>
+                        <a:cs typeface="Open Sans Hebrew" panose="00000500000000000000" pitchFamily="2" charset="-79"/>
+                      </a:endParaRPr>
+                    </a:p>
+                    <a:p>
+                      <a:pPr marL="0" marR="0" lvl="0" indent="0" algn="l" defTabSz="2519995" rtl="0" eaLnBrk="1" fontAlgn="auto" latinLnBrk="0" hangingPunct="1">
+                        <a:lnSpc>
+                          <a:spcPct val="100000"/>
+                        </a:lnSpc>
+                        <a:spcBef>
+                          <a:spcPts val="0"/>
+                        </a:spcBef>
+                        <a:spcAft>
+                          <a:spcPts val="0"/>
+                        </a:spcAft>
+                        <a:buClrTx/>
+                        <a:buSzTx/>
+                        <a:buFontTx/>
+                        <a:buNone/>
+                        <a:tabLst/>
+                        <a:defRPr/>
+                      </a:pPr>
+                      <a:endParaRPr lang="en-US" sz="5400" b="1" kern="1200" dirty="0">
+                        <a:solidFill>
+                          <a:schemeClr val="tx1"/>
+                        </a:solidFill>
+                        <a:effectLst/>
+                        <a:latin typeface="+mn-lt"/>
+                        <a:ea typeface="+mn-ea"/>
+                        <a:cs typeface="Open Sans Hebrew" panose="00000500000000000000" pitchFamily="2" charset="-79"/>
+                      </a:endParaRPr>
+                    </a:p>
+                    <a:p>
+                      <a:pPr marL="0" marR="0" lvl="0" indent="0" algn="l" defTabSz="2519995" rtl="0" eaLnBrk="1" fontAlgn="auto" latinLnBrk="0" hangingPunct="1">
+                        <a:lnSpc>
+                          <a:spcPct val="100000"/>
+                        </a:lnSpc>
+                        <a:spcBef>
+                          <a:spcPts val="0"/>
+                        </a:spcBef>
+                        <a:spcAft>
+                          <a:spcPts val="0"/>
+                        </a:spcAft>
+                        <a:buClrTx/>
+                        <a:buSzTx/>
+                        <a:buFontTx/>
+                        <a:buNone/>
+                        <a:tabLst/>
+                        <a:defRPr/>
+                      </a:pPr>
+                      <a:endParaRPr lang="en-US" sz="5400" b="1" kern="1200" dirty="0">
+                        <a:solidFill>
+                          <a:schemeClr val="tx1"/>
+                        </a:solidFill>
+                        <a:effectLst/>
+                        <a:latin typeface="+mn-lt"/>
+                        <a:ea typeface="+mn-ea"/>
+                        <a:cs typeface="Open Sans Hebrew" panose="00000500000000000000" pitchFamily="2" charset="-79"/>
+                      </a:endParaRPr>
+                    </a:p>
+                    <a:p>
+                      <a:pPr marL="0" marR="0" lvl="0" indent="0" algn="l" defTabSz="2519995" rtl="0" eaLnBrk="1" fontAlgn="auto" latinLnBrk="0" hangingPunct="1">
+                        <a:lnSpc>
+                          <a:spcPct val="100000"/>
+                        </a:lnSpc>
+                        <a:spcBef>
+                          <a:spcPts val="0"/>
+                        </a:spcBef>
+                        <a:spcAft>
+                          <a:spcPts val="0"/>
+                        </a:spcAft>
+                        <a:buClrTx/>
+                        <a:buSzTx/>
+                        <a:buFontTx/>
+                        <a:buNone/>
+                        <a:tabLst/>
+                        <a:defRPr/>
+                      </a:pPr>
+                      <a:endParaRPr lang="en-US" sz="5400" b="1" kern="1200" dirty="0">
+                        <a:solidFill>
+                          <a:schemeClr val="tx1"/>
+                        </a:solidFill>
+                        <a:effectLst/>
+                        <a:latin typeface="+mn-lt"/>
+                        <a:ea typeface="+mn-ea"/>
+                        <a:cs typeface="Open Sans Hebrew" panose="00000500000000000000" pitchFamily="2" charset="-79"/>
+                      </a:endParaRPr>
+                    </a:p>
+                    <a:p>
+                      <a:pPr marL="0" marR="0" lvl="0" indent="0" algn="l" defTabSz="2519995" rtl="0" eaLnBrk="1" fontAlgn="auto" latinLnBrk="0" hangingPunct="1">
+                        <a:lnSpc>
+                          <a:spcPct val="100000"/>
+                        </a:lnSpc>
+                        <a:spcBef>
+                          <a:spcPts val="0"/>
+                        </a:spcBef>
+                        <a:spcAft>
+                          <a:spcPts val="0"/>
+                        </a:spcAft>
+                        <a:buClrTx/>
+                        <a:buSzTx/>
+                        <a:buFontTx/>
+                        <a:buNone/>
+                        <a:tabLst/>
+                        <a:defRPr/>
+                      </a:pPr>
+                      <a:endParaRPr lang="en-US" sz="5400" b="1" kern="1200" dirty="0">
+                        <a:solidFill>
+                          <a:schemeClr val="tx1"/>
+                        </a:solidFill>
+                        <a:effectLst/>
+                        <a:latin typeface="+mn-lt"/>
+                        <a:ea typeface="+mn-ea"/>
+                        <a:cs typeface="Open Sans Hebrew" panose="00000500000000000000" pitchFamily="2" charset="-79"/>
+                      </a:endParaRPr>
+                    </a:p>
+                    <a:p>
+                      <a:pPr marL="0" marR="0" lvl="0" indent="0" algn="l" defTabSz="2519995" rtl="0" eaLnBrk="1" fontAlgn="auto" latinLnBrk="0" hangingPunct="1">
+                        <a:lnSpc>
+                          <a:spcPct val="100000"/>
+                        </a:lnSpc>
+                        <a:spcBef>
+                          <a:spcPts val="0"/>
+                        </a:spcBef>
+                        <a:spcAft>
+                          <a:spcPts val="0"/>
+                        </a:spcAft>
+                        <a:buClrTx/>
+                        <a:buSzTx/>
+                        <a:buFontTx/>
+                        <a:buNone/>
+                        <a:tabLst/>
+                        <a:defRPr/>
+                      </a:pPr>
+                      <a:endParaRPr lang="en-US" sz="5400" b="1" kern="1200" dirty="0">
+                        <a:solidFill>
+                          <a:schemeClr val="tx1"/>
+                        </a:solidFill>
+                        <a:effectLst/>
+                        <a:latin typeface="+mn-lt"/>
+                        <a:ea typeface="+mn-ea"/>
+                        <a:cs typeface="Open Sans Hebrew" panose="00000500000000000000" pitchFamily="2" charset="-79"/>
+                      </a:endParaRPr>
+                    </a:p>
+                    <a:p>
+                      <a:pPr marL="0" marR="0" lvl="0" indent="0" algn="l" defTabSz="2519995" rtl="0" eaLnBrk="1" fontAlgn="auto" latinLnBrk="0" hangingPunct="1">
+                        <a:lnSpc>
+                          <a:spcPct val="100000"/>
+                        </a:lnSpc>
+                        <a:spcBef>
+                          <a:spcPts val="0"/>
+                        </a:spcBef>
+                        <a:spcAft>
+                          <a:spcPts val="0"/>
+                        </a:spcAft>
+                        <a:buClrTx/>
+                        <a:buSzTx/>
+                        <a:buFontTx/>
+                        <a:buNone/>
+                        <a:tabLst/>
+                        <a:defRPr/>
+                      </a:pPr>
                       <a:r>
                         <a:rPr lang="en-US" sz="5400" b="1" kern="1200" dirty="0">
                           <a:solidFill>
@@ -8444,7 +7112,19 @@
                         <a:tabLst/>
                         <a:defRPr/>
                       </a:pPr>
-                      <a:endParaRPr lang="en-US" sz="3400" b="1" u="sng" kern="1200" dirty="0">
+                      <a:r>
+                        <a:rPr lang="en-US" sz="3600" b="1" u="sng" kern="1200" dirty="0">
+                          <a:solidFill>
+                            <a:schemeClr val="tx1"/>
+                          </a:solidFill>
+                          <a:effectLst/>
+                          <a:latin typeface="+mn-lt"/>
+                          <a:ea typeface="+mn-ea"/>
+                          <a:cs typeface="Open Sans Hebrew" panose="00000500000000000000" pitchFamily="2" charset="-79"/>
+                        </a:rPr>
+                        <a:t>Camera:</a:t>
+                      </a:r>
+                      <a:endParaRPr lang="en-US" sz="3600" u="sng" kern="1200" dirty="0">
                         <a:solidFill>
                           <a:schemeClr val="tx1"/>
                         </a:solidFill>
@@ -8567,6 +7247,34 @@
                       </a:endParaRPr>
                     </a:p>
                     <a:p>
+                      <a:pPr marL="0" marR="0" lvl="0" indent="0" algn="l" defTabSz="2519995" rtl="0" eaLnBrk="1" fontAlgn="auto" latinLnBrk="0" hangingPunct="1">
+                        <a:lnSpc>
+                          <a:spcPct val="100000"/>
+                        </a:lnSpc>
+                        <a:spcBef>
+                          <a:spcPts val="0"/>
+                        </a:spcBef>
+                        <a:spcAft>
+                          <a:spcPts val="0"/>
+                        </a:spcAft>
+                        <a:buClrTx/>
+                        <a:buSzTx/>
+                        <a:buFont typeface="Arial" panose="020B0604020202020204" pitchFamily="34" charset="0"/>
+                        <a:buNone/>
+                        <a:tabLst/>
+                        <a:defRPr/>
+                      </a:pPr>
+                      <a:endParaRPr lang="en-US" sz="3400" b="1" u="sng" kern="1200" dirty="0">
+                        <a:solidFill>
+                          <a:schemeClr val="tx1"/>
+                        </a:solidFill>
+                        <a:effectLst/>
+                        <a:latin typeface="+mn-lt"/>
+                        <a:ea typeface="+mn-ea"/>
+                        <a:cs typeface="Open Sans Hebrew" panose="00000500000000000000" pitchFamily="2" charset="-79"/>
+                      </a:endParaRPr>
+                    </a:p>
+                    <a:p>
                       <a:pPr marL="457200" marR="0" lvl="0" indent="-457200" algn="l" defTabSz="2519995" rtl="0" eaLnBrk="1" fontAlgn="auto" latinLnBrk="0" hangingPunct="1">
                         <a:lnSpc>
                           <a:spcPct val="100000"/>
@@ -8623,202 +7331,6 @@
                       </a:endParaRPr>
                     </a:p>
                     <a:p>
-                      <a:pPr marL="457200" marR="0" lvl="0" indent="-457200" algn="l" defTabSz="2519995" rtl="0" eaLnBrk="1" fontAlgn="auto" latinLnBrk="0" hangingPunct="1">
-                        <a:lnSpc>
-                          <a:spcPct val="100000"/>
-                        </a:lnSpc>
-                        <a:spcBef>
-                          <a:spcPts val="0"/>
-                        </a:spcBef>
-                        <a:spcAft>
-                          <a:spcPts val="0"/>
-                        </a:spcAft>
-                        <a:buClrTx/>
-                        <a:buSzTx/>
-                        <a:buFont typeface="Arial" panose="020B0604020202020204" pitchFamily="34" charset="0"/>
-                        <a:buChar char="•"/>
-                        <a:tabLst/>
-                        <a:defRPr/>
-                      </a:pPr>
-                      <a:endParaRPr lang="en-US" sz="3400" kern="1200" dirty="0">
-                        <a:solidFill>
-                          <a:schemeClr val="tx1"/>
-                        </a:solidFill>
-                        <a:effectLst/>
-                        <a:latin typeface="+mn-lt"/>
-                        <a:ea typeface="+mn-ea"/>
-                        <a:cs typeface="Open Sans Hebrew" panose="00000500000000000000" pitchFamily="2" charset="-79"/>
-                      </a:endParaRPr>
-                    </a:p>
-                    <a:p>
-                      <a:pPr marL="457200" marR="0" lvl="0" indent="-457200" algn="l" defTabSz="2519995" rtl="0" eaLnBrk="1" fontAlgn="auto" latinLnBrk="0" hangingPunct="1">
-                        <a:lnSpc>
-                          <a:spcPct val="100000"/>
-                        </a:lnSpc>
-                        <a:spcBef>
-                          <a:spcPts val="0"/>
-                        </a:spcBef>
-                        <a:spcAft>
-                          <a:spcPts val="0"/>
-                        </a:spcAft>
-                        <a:buClrTx/>
-                        <a:buSzTx/>
-                        <a:buFont typeface="Arial" panose="020B0604020202020204" pitchFamily="34" charset="0"/>
-                        <a:buChar char="•"/>
-                        <a:tabLst/>
-                        <a:defRPr/>
-                      </a:pPr>
-                      <a:endParaRPr lang="en-US" sz="3400" kern="1200" dirty="0">
-                        <a:solidFill>
-                          <a:schemeClr val="tx1"/>
-                        </a:solidFill>
-                        <a:effectLst/>
-                        <a:latin typeface="+mn-lt"/>
-                        <a:ea typeface="+mn-ea"/>
-                        <a:cs typeface="Open Sans Hebrew" panose="00000500000000000000" pitchFamily="2" charset="-79"/>
-                      </a:endParaRPr>
-                    </a:p>
-                    <a:p>
-                      <a:pPr marL="457200" marR="0" lvl="0" indent="-457200" algn="l" defTabSz="2519995" rtl="0" eaLnBrk="1" fontAlgn="auto" latinLnBrk="0" hangingPunct="1">
-                        <a:lnSpc>
-                          <a:spcPct val="100000"/>
-                        </a:lnSpc>
-                        <a:spcBef>
-                          <a:spcPts val="0"/>
-                        </a:spcBef>
-                        <a:spcAft>
-                          <a:spcPts val="0"/>
-                        </a:spcAft>
-                        <a:buClrTx/>
-                        <a:buSzTx/>
-                        <a:buFont typeface="Arial" panose="020B0604020202020204" pitchFamily="34" charset="0"/>
-                        <a:buChar char="•"/>
-                        <a:tabLst/>
-                        <a:defRPr/>
-                      </a:pPr>
-                      <a:endParaRPr lang="en-US" sz="3400" kern="1200" dirty="0">
-                        <a:solidFill>
-                          <a:schemeClr val="tx1"/>
-                        </a:solidFill>
-                        <a:effectLst/>
-                        <a:latin typeface="+mn-lt"/>
-                        <a:ea typeface="+mn-ea"/>
-                        <a:cs typeface="Open Sans Hebrew" panose="00000500000000000000" pitchFamily="2" charset="-79"/>
-                      </a:endParaRPr>
-                    </a:p>
-                    <a:p>
-                      <a:pPr marL="457200" marR="0" lvl="0" indent="-457200" algn="l" defTabSz="2519995" rtl="0" eaLnBrk="1" fontAlgn="auto" latinLnBrk="0" hangingPunct="1">
-                        <a:lnSpc>
-                          <a:spcPct val="100000"/>
-                        </a:lnSpc>
-                        <a:spcBef>
-                          <a:spcPts val="0"/>
-                        </a:spcBef>
-                        <a:spcAft>
-                          <a:spcPts val="0"/>
-                        </a:spcAft>
-                        <a:buClrTx/>
-                        <a:buSzTx/>
-                        <a:buFont typeface="Arial" panose="020B0604020202020204" pitchFamily="34" charset="0"/>
-                        <a:buChar char="•"/>
-                        <a:tabLst/>
-                        <a:defRPr/>
-                      </a:pPr>
-                      <a:endParaRPr lang="en-US" sz="3400" kern="1200" dirty="0">
-                        <a:solidFill>
-                          <a:schemeClr val="tx1"/>
-                        </a:solidFill>
-                        <a:effectLst/>
-                        <a:latin typeface="+mn-lt"/>
-                        <a:ea typeface="+mn-ea"/>
-                        <a:cs typeface="Open Sans Hebrew" panose="00000500000000000000" pitchFamily="2" charset="-79"/>
-                      </a:endParaRPr>
-                    </a:p>
-                    <a:p>
-                      <a:pPr marL="457200" marR="0" lvl="0" indent="-457200" algn="l" defTabSz="2519995" rtl="0" eaLnBrk="1" fontAlgn="auto" latinLnBrk="0" hangingPunct="1">
-                        <a:lnSpc>
-                          <a:spcPct val="100000"/>
-                        </a:lnSpc>
-                        <a:spcBef>
-                          <a:spcPts val="0"/>
-                        </a:spcBef>
-                        <a:spcAft>
-                          <a:spcPts val="0"/>
-                        </a:spcAft>
-                        <a:buClrTx/>
-                        <a:buSzTx/>
-                        <a:buFont typeface="Arial" panose="020B0604020202020204" pitchFamily="34" charset="0"/>
-                        <a:buChar char="•"/>
-                        <a:tabLst/>
-                        <a:defRPr/>
-                      </a:pPr>
-                      <a:endParaRPr lang="en-US" sz="3400" kern="1200" dirty="0">
-                        <a:solidFill>
-                          <a:schemeClr val="tx1"/>
-                        </a:solidFill>
-                        <a:effectLst/>
-                        <a:latin typeface="+mn-lt"/>
-                        <a:ea typeface="+mn-ea"/>
-                        <a:cs typeface="Open Sans Hebrew" panose="00000500000000000000" pitchFamily="2" charset="-79"/>
-                      </a:endParaRPr>
-                    </a:p>
-                    <a:p>
-                      <a:pPr marL="0" marR="0" lvl="0" indent="0" algn="l" defTabSz="2519995" rtl="0" eaLnBrk="1" fontAlgn="auto" latinLnBrk="0" hangingPunct="1">
-                        <a:lnSpc>
-                          <a:spcPct val="100000"/>
-                        </a:lnSpc>
-                        <a:spcBef>
-                          <a:spcPts val="0"/>
-                        </a:spcBef>
-                        <a:spcAft>
-                          <a:spcPts val="0"/>
-                        </a:spcAft>
-                        <a:buClrTx/>
-                        <a:buSzTx/>
-                        <a:buFont typeface="Arial" panose="020B0604020202020204" pitchFamily="34" charset="0"/>
-                        <a:buNone/>
-                        <a:tabLst/>
-                        <a:defRPr/>
-                      </a:pPr>
-                      <a:endParaRPr lang="en-US" sz="3400" kern="1200" dirty="0">
-                        <a:solidFill>
-                          <a:schemeClr val="tx1"/>
-                        </a:solidFill>
-                        <a:effectLst/>
-                        <a:latin typeface="+mn-lt"/>
-                        <a:ea typeface="+mn-ea"/>
-                        <a:cs typeface="Open Sans Hebrew" panose="00000500000000000000" pitchFamily="2" charset="-79"/>
-                      </a:endParaRPr>
-                    </a:p>
-                    <a:p>
-                      <a:pPr marL="0" marR="0" lvl="0" indent="0" algn="l" defTabSz="2519995" rtl="0" eaLnBrk="1" fontAlgn="auto" latinLnBrk="0" hangingPunct="1">
-                        <a:lnSpc>
-                          <a:spcPct val="100000"/>
-                        </a:lnSpc>
-                        <a:spcBef>
-                          <a:spcPts val="0"/>
-                        </a:spcBef>
-                        <a:spcAft>
-                          <a:spcPts val="0"/>
-                        </a:spcAft>
-                        <a:buClrTx/>
-                        <a:buSzTx/>
-                        <a:buFont typeface="Arial" panose="020B0604020202020204" pitchFamily="34" charset="0"/>
-                        <a:buNone/>
-                        <a:tabLst/>
-                        <a:defRPr/>
-                      </a:pPr>
-                      <a:endParaRPr lang="en-US" sz="3400" kern="1200" dirty="0">
-                        <a:solidFill>
-                          <a:schemeClr val="tx1"/>
-                        </a:solidFill>
-                        <a:effectLst/>
-                        <a:latin typeface="+mn-lt"/>
-                        <a:ea typeface="+mn-ea"/>
-                        <a:cs typeface="Open Sans Hebrew" panose="00000500000000000000" pitchFamily="2" charset="-79"/>
-                      </a:endParaRPr>
-                    </a:p>
-                    <a:p>
                       <a:pPr marL="0" marR="0" lvl="0" indent="0" algn="l" defTabSz="2519995" rtl="0" eaLnBrk="1" fontAlgn="auto" latinLnBrk="0" hangingPunct="1">
                         <a:lnSpc>
                           <a:spcPct val="100000"/>
@@ -8864,8 +7376,36 @@
                         <a:tabLst/>
                         <a:defRPr/>
                       </a:pPr>
+                      <a:endParaRPr lang="en-US" sz="3600" u="sng" kern="1200" dirty="0">
+                        <a:solidFill>
+                          <a:schemeClr val="tx1"/>
+                        </a:solidFill>
+                        <a:effectLst/>
+                        <a:latin typeface="+mn-lt"/>
+                        <a:ea typeface="+mn-ea"/>
+                        <a:cs typeface="Open Sans Hebrew" panose="00000500000000000000" pitchFamily="2" charset="-79"/>
+                      </a:endParaRPr>
+                    </a:p>
+                    <a:p>
+                      <a:pPr marL="0" marR="0" lvl="0" indent="0" algn="l" defTabSz="2519995" rtl="0" eaLnBrk="1" fontAlgn="auto" latinLnBrk="0" hangingPunct="1">
+                        <a:lnSpc>
+                          <a:spcPct val="100000"/>
+                        </a:lnSpc>
+                        <a:spcBef>
+                          <a:spcPts val="0"/>
+                        </a:spcBef>
+                        <a:spcAft>
+                          <a:spcPts val="0"/>
+                        </a:spcAft>
+                        <a:buClrTx/>
+                        <a:buSzTx/>
+                        <a:buFont typeface="Arial" panose="020B0604020202020204" pitchFamily="34" charset="0"/>
+                        <a:buNone/>
+                        <a:tabLst/>
+                        <a:defRPr/>
+                      </a:pPr>
                       <a:r>
-                        <a:rPr lang="en-US" sz="3400" u="sng" kern="1200" dirty="0">
+                        <a:rPr lang="en-US" sz="3600" u="sng" kern="1200" dirty="0">
                           <a:solidFill>
                             <a:schemeClr val="tx1"/>
                           </a:solidFill>
@@ -8877,7 +7417,7 @@
                         <a:t>Identifying distances </a:t>
                       </a:r>
                       <a:r>
-                        <a:rPr lang="en-US" sz="3400" kern="1200" dirty="0">
+                        <a:rPr lang="en-US" sz="3600" kern="1200" dirty="0">
                           <a:solidFill>
                             <a:schemeClr val="tx1"/>
                           </a:solidFill>
@@ -8908,7 +7448,7 @@
                         <a:defRPr/>
                       </a:pPr>
                       <a:r>
-                        <a:rPr lang="en-US" sz="3400" kern="1200" dirty="0">
+                        <a:rPr lang="en-US" sz="3600" kern="1200" dirty="0">
                           <a:solidFill>
                             <a:schemeClr val="tx1"/>
                           </a:solidFill>
@@ -9213,12 +7753,12 @@
                         </a:spcAft>
                         <a:buClrTx/>
                         <a:buSzTx/>
-                        <a:buFontTx/>
+                        <a:buFont typeface="Arial" panose="020B0604020202020204" pitchFamily="34" charset="0"/>
                         <a:buNone/>
                         <a:tabLst/>
                         <a:defRPr/>
                       </a:pPr>
-                      <a:endParaRPr lang="en-US" sz="3200" kern="1200" dirty="0">
+                      <a:endParaRPr lang="en-US" sz="3600" b="1" u="sng" kern="1200" dirty="0">
                         <a:solidFill>
                           <a:schemeClr val="tx1"/>
                         </a:solidFill>
@@ -9241,209 +7781,13 @@
                         </a:spcAft>
                         <a:buClrTx/>
                         <a:buSzTx/>
-                        <a:buFontTx/>
-                        <a:buNone/>
-                        <a:tabLst/>
-                        <a:defRPr/>
-                      </a:pPr>
-                      <a:endParaRPr lang="en-US" sz="3200" kern="1200" dirty="0">
-                        <a:solidFill>
-                          <a:schemeClr val="tx1"/>
-                        </a:solidFill>
-                        <a:effectLst/>
-                        <a:latin typeface="+mn-lt"/>
-                        <a:ea typeface="+mn-ea"/>
-                        <a:cs typeface="Open Sans Hebrew" panose="00000500000000000000" pitchFamily="2" charset="-79"/>
-                      </a:endParaRPr>
-                    </a:p>
-                    <a:p>
-                      <a:pPr marL="0" marR="0" lvl="0" indent="0" algn="l" defTabSz="2519995" rtl="0" eaLnBrk="1" fontAlgn="auto" latinLnBrk="0" hangingPunct="1">
-                        <a:lnSpc>
-                          <a:spcPct val="100000"/>
-                        </a:lnSpc>
-                        <a:spcBef>
-                          <a:spcPts val="0"/>
-                        </a:spcBef>
-                        <a:spcAft>
-                          <a:spcPts val="0"/>
-                        </a:spcAft>
-                        <a:buClrTx/>
-                        <a:buSzTx/>
-                        <a:buFontTx/>
-                        <a:buNone/>
-                        <a:tabLst/>
-                        <a:defRPr/>
-                      </a:pPr>
-                      <a:endParaRPr lang="en-US" sz="3200" kern="1200" dirty="0">
-                        <a:solidFill>
-                          <a:schemeClr val="tx1"/>
-                        </a:solidFill>
-                        <a:effectLst/>
-                        <a:latin typeface="+mn-lt"/>
-                        <a:ea typeface="+mn-ea"/>
-                        <a:cs typeface="Open Sans Hebrew" panose="00000500000000000000" pitchFamily="2" charset="-79"/>
-                      </a:endParaRPr>
-                    </a:p>
-                    <a:p>
-                      <a:pPr marL="0" marR="0" lvl="0" indent="0" algn="l" defTabSz="2519995" rtl="0" eaLnBrk="1" fontAlgn="auto" latinLnBrk="0" hangingPunct="1">
-                        <a:lnSpc>
-                          <a:spcPct val="100000"/>
-                        </a:lnSpc>
-                        <a:spcBef>
-                          <a:spcPts val="0"/>
-                        </a:spcBef>
-                        <a:spcAft>
-                          <a:spcPts val="0"/>
-                        </a:spcAft>
-                        <a:buClrTx/>
-                        <a:buSzTx/>
-                        <a:buFontTx/>
-                        <a:buNone/>
-                        <a:tabLst/>
-                        <a:defRPr/>
-                      </a:pPr>
-                      <a:endParaRPr lang="en-US" sz="3200" kern="1200" dirty="0">
-                        <a:solidFill>
-                          <a:schemeClr val="tx1"/>
-                        </a:solidFill>
-                        <a:effectLst/>
-                        <a:latin typeface="+mn-lt"/>
-                        <a:ea typeface="+mn-ea"/>
-                        <a:cs typeface="Open Sans Hebrew" panose="00000500000000000000" pitchFamily="2" charset="-79"/>
-                      </a:endParaRPr>
-                    </a:p>
-                    <a:p>
-                      <a:pPr marL="0" marR="0" lvl="0" indent="0" algn="l" defTabSz="2519995" rtl="0" eaLnBrk="1" fontAlgn="auto" latinLnBrk="0" hangingPunct="1">
-                        <a:lnSpc>
-                          <a:spcPct val="100000"/>
-                        </a:lnSpc>
-                        <a:spcBef>
-                          <a:spcPts val="0"/>
-                        </a:spcBef>
-                        <a:spcAft>
-                          <a:spcPts val="0"/>
-                        </a:spcAft>
-                        <a:buClrTx/>
-                        <a:buSzTx/>
-                        <a:buFontTx/>
-                        <a:buNone/>
-                        <a:tabLst/>
-                        <a:defRPr/>
-                      </a:pPr>
-                      <a:endParaRPr lang="en-US" sz="3200" kern="1200" dirty="0">
-                        <a:solidFill>
-                          <a:schemeClr val="tx1"/>
-                        </a:solidFill>
-                        <a:effectLst/>
-                        <a:latin typeface="+mn-lt"/>
-                        <a:ea typeface="+mn-ea"/>
-                        <a:cs typeface="Open Sans Hebrew" panose="00000500000000000000" pitchFamily="2" charset="-79"/>
-                      </a:endParaRPr>
-                    </a:p>
-                    <a:p>
-                      <a:pPr marL="0" marR="0" lvl="0" indent="0" algn="l" defTabSz="2519995" rtl="0" eaLnBrk="1" fontAlgn="auto" latinLnBrk="0" hangingPunct="1">
-                        <a:lnSpc>
-                          <a:spcPct val="100000"/>
-                        </a:lnSpc>
-                        <a:spcBef>
-                          <a:spcPts val="0"/>
-                        </a:spcBef>
-                        <a:spcAft>
-                          <a:spcPts val="0"/>
-                        </a:spcAft>
-                        <a:buClrTx/>
-                        <a:buSzTx/>
-                        <a:buFont typeface="Arial" panose="020B0604020202020204" pitchFamily="34" charset="0"/>
-                        <a:buNone/>
-                        <a:tabLst/>
-                        <a:defRPr/>
-                      </a:pPr>
-                      <a:endParaRPr lang="en-US" sz="3200" b="1" u="sng" kern="1200" dirty="0">
-                        <a:solidFill>
-                          <a:schemeClr val="tx1"/>
-                        </a:solidFill>
-                        <a:effectLst/>
-                        <a:latin typeface="+mn-lt"/>
-                        <a:ea typeface="+mn-ea"/>
-                        <a:cs typeface="Open Sans Hebrew" panose="00000500000000000000" pitchFamily="2" charset="-79"/>
-                      </a:endParaRPr>
-                    </a:p>
-                    <a:p>
-                      <a:pPr marL="0" marR="0" lvl="0" indent="0" algn="l" defTabSz="2519995" rtl="0" eaLnBrk="1" fontAlgn="auto" latinLnBrk="0" hangingPunct="1">
-                        <a:lnSpc>
-                          <a:spcPct val="100000"/>
-                        </a:lnSpc>
-                        <a:spcBef>
-                          <a:spcPts val="0"/>
-                        </a:spcBef>
-                        <a:spcAft>
-                          <a:spcPts val="0"/>
-                        </a:spcAft>
-                        <a:buClrTx/>
-                        <a:buSzTx/>
-                        <a:buFont typeface="Arial" panose="020B0604020202020204" pitchFamily="34" charset="0"/>
-                        <a:buNone/>
-                        <a:tabLst/>
-                        <a:defRPr/>
-                      </a:pPr>
-                      <a:endParaRPr lang="en-US" sz="3200" b="1" u="sng" kern="1200" dirty="0">
-                        <a:solidFill>
-                          <a:schemeClr val="tx1"/>
-                        </a:solidFill>
-                        <a:effectLst/>
-                        <a:latin typeface="+mn-lt"/>
-                        <a:ea typeface="+mn-ea"/>
-                        <a:cs typeface="Open Sans Hebrew" panose="00000500000000000000" pitchFamily="2" charset="-79"/>
-                      </a:endParaRPr>
-                    </a:p>
-                    <a:p>
-                      <a:pPr marL="0" marR="0" lvl="0" indent="0" algn="l" defTabSz="2519995" rtl="0" eaLnBrk="1" fontAlgn="auto" latinLnBrk="0" hangingPunct="1">
-                        <a:lnSpc>
-                          <a:spcPct val="100000"/>
-                        </a:lnSpc>
-                        <a:spcBef>
-                          <a:spcPts val="0"/>
-                        </a:spcBef>
-                        <a:spcAft>
-                          <a:spcPts val="0"/>
-                        </a:spcAft>
-                        <a:buClrTx/>
-                        <a:buSzTx/>
-                        <a:buFont typeface="Arial" panose="020B0604020202020204" pitchFamily="34" charset="0"/>
-                        <a:buNone/>
-                        <a:tabLst/>
-                        <a:defRPr/>
-                      </a:pPr>
-                      <a:endParaRPr lang="en-US" sz="3200" b="1" u="sng" kern="1200" dirty="0">
-                        <a:solidFill>
-                          <a:schemeClr val="tx1"/>
-                        </a:solidFill>
-                        <a:effectLst/>
-                        <a:latin typeface="+mn-lt"/>
-                        <a:ea typeface="+mn-ea"/>
-                        <a:cs typeface="Open Sans Hebrew" panose="00000500000000000000" pitchFamily="2" charset="-79"/>
-                      </a:endParaRPr>
-                    </a:p>
-                    <a:p>
-                      <a:pPr marL="0" marR="0" lvl="0" indent="0" algn="l" defTabSz="2519995" rtl="0" eaLnBrk="1" fontAlgn="auto" latinLnBrk="0" hangingPunct="1">
-                        <a:lnSpc>
-                          <a:spcPct val="100000"/>
-                        </a:lnSpc>
-                        <a:spcBef>
-                          <a:spcPts val="0"/>
-                        </a:spcBef>
-                        <a:spcAft>
-                          <a:spcPts val="0"/>
-                        </a:spcAft>
-                        <a:buClrTx/>
-                        <a:buSzTx/>
                         <a:buFont typeface="Arial" panose="020B0604020202020204" pitchFamily="34" charset="0"/>
                         <a:buNone/>
                         <a:tabLst/>
                         <a:defRPr/>
                       </a:pPr>
                       <a:r>
-                        <a:rPr lang="en-US" sz="3200" b="1" u="sng" kern="1200" dirty="0">
+                        <a:rPr lang="en-US" sz="3600" b="1" u="sng" kern="1200" dirty="0">
                           <a:solidFill>
                             <a:schemeClr val="tx1"/>
                           </a:solidFill>
@@ -9455,7 +7799,7 @@
                         <a:t>LIDAR</a:t>
                       </a:r>
                       <a:r>
-                        <a:rPr lang="en-US" sz="3200" kern="1200" dirty="0">
+                        <a:rPr lang="en-US" sz="3600" kern="1200" dirty="0">
                           <a:solidFill>
                             <a:schemeClr val="tx1"/>
                           </a:solidFill>
@@ -9486,7 +7830,7 @@
                         <a:defRPr/>
                       </a:pPr>
                       <a:r>
-                        <a:rPr lang="en-US" sz="3200" u="sng" kern="1200" dirty="0">
+                        <a:rPr lang="en-US" sz="3600" u="sng" kern="1200" dirty="0">
                           <a:solidFill>
                             <a:schemeClr val="tx1"/>
                           </a:solidFill>
@@ -9498,7 +7842,7 @@
                         <a:t>Alerting</a:t>
                       </a:r>
                       <a:r>
-                        <a:rPr lang="en-US" sz="3200" kern="1200" dirty="0">
+                        <a:rPr lang="en-US" sz="3600" kern="1200" dirty="0">
                           <a:solidFill>
                             <a:schemeClr val="tx1"/>
                           </a:solidFill>
@@ -9510,7 +7854,7 @@
                         <a:t> when the presence of an object is close to the sensor from a certain distance </a:t>
                       </a:r>
                       <a:r>
-                        <a:rPr lang="en-US" sz="3200" b="1" kern="1200" dirty="0">
+                        <a:rPr lang="en-US" sz="3600" b="1" kern="1200" dirty="0">
                           <a:solidFill>
                             <a:schemeClr val="tx1"/>
                           </a:solidFill>
@@ -9521,7 +7865,7 @@
                         </a:rPr>
                         <a:t>(360-degree scan). Sample only when object is closer then 150 mm</a:t>
                       </a:r>
-                      <a:endParaRPr lang="en-US" sz="2800" b="1" kern="1200" baseline="0" dirty="0">
+                      <a:endParaRPr lang="en-US" sz="3600" b="1" kern="1200" baseline="0" dirty="0">
                         <a:solidFill>
                           <a:schemeClr val="tx1"/>
                         </a:solidFill>
@@ -9986,7 +8330,7 @@
                         <a:defRPr/>
                       </a:pPr>
                       <a:r>
-                        <a:rPr lang="en-US" sz="3400" u="sng" kern="1200" dirty="0">
+                        <a:rPr lang="en-US" sz="3600" u="sng" kern="1200" dirty="0">
                           <a:solidFill>
                             <a:schemeClr val="tx1"/>
                           </a:solidFill>
@@ -9998,7 +8342,7 @@
                         <a:t>Connection of Raspberry PI and Arduino </a:t>
                       </a:r>
                       <a:r>
-                        <a:rPr lang="en-US" sz="3400" kern="1200" dirty="0">
+                        <a:rPr lang="en-US" sz="3600" kern="1200" dirty="0">
                           <a:solidFill>
                             <a:schemeClr val="tx1"/>
                           </a:solidFill>
@@ -10010,7 +8354,7 @@
                         <a:t>: a scan of the device is performed, and a connection is made in </a:t>
                       </a:r>
                       <a:r>
-                        <a:rPr lang="en-US" sz="3400" b="1" u="none" kern="1200" dirty="0">
+                        <a:rPr lang="en-US" sz="3600" b="1" u="none" kern="1200" dirty="0">
                           <a:solidFill>
                             <a:schemeClr val="tx1"/>
                           </a:solidFill>
@@ -10022,7 +8366,7 @@
                         <a:t>WIFI configuration</a:t>
                       </a:r>
                       <a:r>
-                        <a:rPr lang="en-US" sz="3400" kern="1200" dirty="0">
+                        <a:rPr lang="en-US" sz="3600" kern="1200" dirty="0">
                           <a:solidFill>
                             <a:schemeClr val="tx1"/>
                           </a:solidFill>
@@ -10252,7 +8596,7 @@
                         <a:defRPr/>
                       </a:pPr>
                       <a:r>
-                        <a:rPr lang="en-US" sz="3400" kern="1200" dirty="0">
+                        <a:rPr lang="en-US" sz="3600" kern="1200" dirty="0">
                           <a:solidFill>
                             <a:schemeClr val="tx1"/>
                           </a:solidFill>
@@ -10261,10 +8605,10 @@
                           <a:ea typeface="+mn-ea"/>
                           <a:cs typeface="Open Sans Hebrew" panose="00000500000000000000" pitchFamily="2" charset="-79"/>
                         </a:rPr>
-                        <a:t>We selected and integrated sensors compatible with the Raspberry Pi, including </a:t>
+                        <a:t>The sensors were compatible with the Raspberry Pi: </a:t>
                       </a:r>
                       <a:r>
-                        <a:rPr lang="en-US" sz="3400" b="1" kern="1200" dirty="0">
+                        <a:rPr lang="en-US" sz="3600" b="1" kern="1200" dirty="0">
                           <a:solidFill>
                             <a:schemeClr val="tx1"/>
                           </a:solidFill>
@@ -10276,7 +8620,7 @@
                         <a:t>camera</a:t>
                       </a:r>
                       <a:r>
-                        <a:rPr lang="en-US" sz="3400" kern="1200" dirty="0">
+                        <a:rPr lang="en-US" sz="3600" kern="1200" dirty="0">
                           <a:solidFill>
                             <a:schemeClr val="tx1"/>
                           </a:solidFill>
@@ -10288,7 +8632,7 @@
                         <a:t>, </a:t>
                       </a:r>
                       <a:r>
-                        <a:rPr lang="en-US" sz="3400" b="1" kern="1200" dirty="0">
+                        <a:rPr lang="en-US" sz="3600" b="1" kern="1200" dirty="0">
                           <a:solidFill>
                             <a:schemeClr val="tx1"/>
                           </a:solidFill>
@@ -10300,7 +8644,7 @@
                         <a:t>LIDAR</a:t>
                       </a:r>
                       <a:r>
-                        <a:rPr lang="en-US" sz="3400" kern="1200" dirty="0">
+                        <a:rPr lang="en-US" sz="3600" kern="1200" dirty="0">
                           <a:solidFill>
                             <a:schemeClr val="tx1"/>
                           </a:solidFill>
@@ -10312,7 +8656,7 @@
                         <a:t>, and </a:t>
                       </a:r>
                       <a:r>
-                        <a:rPr lang="en-US" sz="3400" b="1" kern="1200" dirty="0">
+                        <a:rPr lang="en-US" sz="3600" b="1" kern="1200" dirty="0">
                           <a:solidFill>
                             <a:schemeClr val="tx1"/>
                           </a:solidFill>
@@ -10324,7 +8668,7 @@
                         <a:t>OLED</a:t>
                       </a:r>
                       <a:r>
-                        <a:rPr lang="en-US" sz="3400" kern="1200" dirty="0">
+                        <a:rPr lang="en-US" sz="3600" kern="1200" dirty="0">
                           <a:solidFill>
                             <a:schemeClr val="tx1"/>
                           </a:solidFill>
@@ -10336,7 +8680,7 @@
                         <a:t> </a:t>
                       </a:r>
                       <a:r>
-                        <a:rPr lang="en-US" sz="3400" b="1" kern="1200" dirty="0">
+                        <a:rPr lang="en-US" sz="3600" b="1" kern="1200" dirty="0">
                           <a:solidFill>
                             <a:schemeClr val="tx1"/>
                           </a:solidFill>
@@ -10348,7 +8692,7 @@
                         <a:t>screen</a:t>
                       </a:r>
                       <a:r>
-                        <a:rPr lang="en-US" sz="3400" kern="1200" dirty="0">
+                        <a:rPr lang="en-US" sz="3600" kern="1200" dirty="0">
                           <a:solidFill>
                             <a:schemeClr val="tx1"/>
                           </a:solidFill>
@@ -10357,7 +8701,7 @@
                           <a:ea typeface="+mn-ea"/>
                           <a:cs typeface="Open Sans Hebrew" panose="00000500000000000000" pitchFamily="2" charset="-79"/>
                         </a:rPr>
-                        <a:t>. Testing showcased functionalities such as Real-sense software for the camera and scanning configuration for the LIDAR sensor. </a:t>
+                        <a:t>. Testing showcased functionalities for the camera and scanning configuration for the LIDAR sensor. </a:t>
                       </a:r>
                     </a:p>
                     <a:p>
@@ -10379,7 +8723,7 @@
                         <a:defRPr/>
                       </a:pPr>
                       <a:r>
-                        <a:rPr lang="en-US" sz="3400" kern="1200" dirty="0">
+                        <a:rPr lang="en-US" sz="3600" kern="1200" dirty="0">
                           <a:solidFill>
                             <a:schemeClr val="tx1"/>
                           </a:solidFill>
@@ -10441,7 +8785,7 @@
                         <a:defRPr/>
                       </a:pPr>
                       <a:r>
-                        <a:rPr lang="en-US" sz="3400" u="sng" kern="1200" dirty="0">
+                        <a:rPr lang="en-US" sz="3600" u="sng" kern="1200" dirty="0">
                           <a:solidFill>
                             <a:schemeClr val="tx1"/>
                           </a:solidFill>
@@ -10453,7 +8797,7 @@
                         <a:t>Component definition document </a:t>
                       </a:r>
                       <a:r>
-                        <a:rPr lang="en-US" sz="3400" kern="1200" dirty="0">
+                        <a:rPr lang="en-US" sz="3600" kern="1200" dirty="0">
                           <a:solidFill>
                             <a:schemeClr val="tx1"/>
                           </a:solidFill>
@@ -10484,7 +8828,7 @@
                         <a:defRPr/>
                       </a:pPr>
                       <a:r>
-                        <a:rPr lang="en-US" sz="3400" u="sng" kern="1200" dirty="0">
+                        <a:rPr lang="en-US" sz="3600" u="sng" kern="1200" dirty="0">
                           <a:solidFill>
                             <a:schemeClr val="tx1"/>
                           </a:solidFill>
@@ -10496,7 +8840,7 @@
                         <a:t>Sensor installation document </a:t>
                       </a:r>
                       <a:r>
-                        <a:rPr lang="en-US" sz="3400" kern="1200" dirty="0">
+                        <a:rPr lang="en-US" sz="3600" kern="1200" dirty="0">
                           <a:solidFill>
                             <a:schemeClr val="tx1"/>
                           </a:solidFill>
@@ -10527,7 +8871,7 @@
                         <a:defRPr/>
                       </a:pPr>
                       <a:r>
-                        <a:rPr lang="en-US" sz="3400" u="sng" kern="1200" dirty="0">
+                        <a:rPr lang="en-US" sz="3600" u="sng" kern="1200" dirty="0">
                           <a:solidFill>
                             <a:schemeClr val="tx1"/>
                           </a:solidFill>
@@ -10536,23 +8880,10 @@
                           <a:ea typeface="+mn-ea"/>
                           <a:cs typeface="Open Sans Hebrew" panose="00000500000000000000" pitchFamily="2" charset="-79"/>
                         </a:rPr>
-                        <a:t>Git: </a:t>
+                        <a:t>Git:</a:t>
                       </a:r>
                       <a:r>
-                        <a:rPr lang="en-US" sz="3400" u="sng" kern="1200" dirty="0">
-                          <a:solidFill>
-                            <a:schemeClr val="tx1"/>
-                          </a:solidFill>
-                          <a:effectLst/>
-                          <a:latin typeface="+mn-lt"/>
-                          <a:ea typeface="+mn-ea"/>
-                          <a:cs typeface="Open Sans Hebrew" panose="00000500000000000000" pitchFamily="2" charset="-79"/>
-                          <a:hlinkClick r:id="rId2"/>
-                        </a:rPr>
-                        <a:t>https://github.com/ShaharHanno/TAU-RP-Sensing/</a:t>
-                      </a:r>
-                      <a:r>
-                        <a:rPr lang="en-US" sz="3400" u="sng" kern="1200" dirty="0">
+                        <a:rPr lang="he-IL" sz="3600" u="sng" kern="1200">
                           <a:solidFill>
                             <a:schemeClr val="tx1"/>
                           </a:solidFill>
@@ -10563,6 +8894,72 @@
                         </a:rPr>
                         <a:t> </a:t>
                       </a:r>
+                      <a:r>
+                        <a:rPr lang="en-US" sz="3600" u="none" kern="1200">
+                          <a:solidFill>
+                            <a:schemeClr val="tx1"/>
+                          </a:solidFill>
+                          <a:effectLst/>
+                          <a:latin typeface="+mn-lt"/>
+                          <a:ea typeface="+mn-ea"/>
+                          <a:cs typeface="Open Sans Hebrew" panose="00000500000000000000" pitchFamily="2" charset="-79"/>
+                          <a:hlinkClick r:id="rId2"/>
+                        </a:rPr>
+                        <a:t>https</a:t>
+                      </a:r>
+                      <a:r>
+                        <a:rPr lang="en-US" sz="3600" u="none" kern="1200" dirty="0">
+                          <a:solidFill>
+                            <a:schemeClr val="tx1"/>
+                          </a:solidFill>
+                          <a:effectLst/>
+                          <a:latin typeface="+mn-lt"/>
+                          <a:ea typeface="+mn-ea"/>
+                          <a:cs typeface="Open Sans Hebrew" panose="00000500000000000000" pitchFamily="2" charset="-79"/>
+                          <a:hlinkClick r:id="rId2"/>
+                        </a:rPr>
+                        <a:t>://github.com/ShaharHanno/TAU-RP-Sensing/</a:t>
+                      </a:r>
+                      <a:r>
+                        <a:rPr lang="en-US" sz="3600" u="none" kern="1200" dirty="0">
+                          <a:solidFill>
+                            <a:schemeClr val="tx1"/>
+                          </a:solidFill>
+                          <a:effectLst/>
+                          <a:latin typeface="+mn-lt"/>
+                          <a:ea typeface="+mn-ea"/>
+                          <a:cs typeface="Open Sans Hebrew" panose="00000500000000000000" pitchFamily="2" charset="-79"/>
+                        </a:rPr>
+                        <a:t> </a:t>
+                      </a:r>
+                    </a:p>
+                    <a:p>
+                      <a:pPr marL="0" marR="0" lvl="0" indent="0" algn="just" defTabSz="2519995" rtl="0" eaLnBrk="1" fontAlgn="auto" latinLnBrk="0" hangingPunct="1">
+                        <a:lnSpc>
+                          <a:spcPct val="100000"/>
+                        </a:lnSpc>
+                        <a:spcBef>
+                          <a:spcPts val="0"/>
+                        </a:spcBef>
+                        <a:spcAft>
+                          <a:spcPts val="0"/>
+                        </a:spcAft>
+                        <a:buClrTx/>
+                        <a:buSzTx/>
+                        <a:buFont typeface="Arial" panose="020B0604020202020204" pitchFamily="34" charset="0"/>
+                        <a:buNone/>
+                        <a:tabLst/>
+                        <a:defRPr/>
+                      </a:pPr>
+                      <a:endParaRPr lang="en-US" sz="3400" u="sng" kern="1200" dirty="0">
+                        <a:solidFill>
+                          <a:schemeClr val="tx1"/>
+                        </a:solidFill>
+                        <a:effectLst/>
+                        <a:latin typeface="+mn-lt"/>
+                        <a:ea typeface="+mn-ea"/>
+                        <a:cs typeface="Open Sans Hebrew" panose="00000500000000000000" pitchFamily="2" charset="-79"/>
+                      </a:endParaRPr>
                     </a:p>
                     <a:p>
                       <a:pPr marL="457200" marR="0" lvl="0" indent="-457200" algn="just" defTabSz="2519995" rtl="0" eaLnBrk="1" fontAlgn="auto" latinLnBrk="0" hangingPunct="1">
@@ -10700,105 +9097,49 @@
           </a:prstGeom>
         </p:spPr>
       </p:pic>
-      <p:grpSp>
-        <p:nvGrpSpPr>
-          <p:cNvPr id="28" name="Group 27">
+      <p:pic>
+        <p:nvPicPr>
+          <p:cNvPr id="18" name="Picture 17">
             <a:extLst>
               <a:ext uri="{FF2B5EF4-FFF2-40B4-BE49-F238E27FC236}">
-                <a16:creationId xmlns:a16="http://schemas.microsoft.com/office/drawing/2014/main" id="{5D42801F-FD3D-AFD5-E9AB-90A0CB88FF15}"/>
+                <a16:creationId xmlns:a16="http://schemas.microsoft.com/office/drawing/2014/main" id="{DB609742-C13A-5031-9EAE-3CD507561592}"/>
               </a:ext>
             </a:extLst>
           </p:cNvPr>
-          <p:cNvGrpSpPr/>
+          <p:cNvPicPr>
+            <a:picLocks noChangeAspect="1"/>
+          </p:cNvPicPr>
           <p:nvPr/>
-        </p:nvGrpSpPr>
-        <p:grpSpPr>
-          <a:xfrm>
-            <a:off x="29082735" y="11807548"/>
-            <a:ext cx="6798376" cy="3229697"/>
-            <a:chOff x="24936153" y="10500476"/>
-            <a:chExt cx="3457670" cy="1353841"/>
-          </a:xfrm>
-        </p:grpSpPr>
-        <p:pic>
-          <p:nvPicPr>
-            <p:cNvPr id="18" name="Picture 17">
-              <a:extLst>
-                <a:ext uri="{FF2B5EF4-FFF2-40B4-BE49-F238E27FC236}">
-                  <a16:creationId xmlns:a16="http://schemas.microsoft.com/office/drawing/2014/main" id="{DB609742-C13A-5031-9EAE-3CD507561592}"/>
-                </a:ext>
-              </a:extLst>
-            </p:cNvPr>
-            <p:cNvPicPr>
-              <a:picLocks noChangeAspect="1"/>
-            </p:cNvPicPr>
-            <p:nvPr/>
-          </p:nvPicPr>
-          <p:blipFill rotWithShape="1">
-            <a:blip r:embed="rId4" cstate="print">
-              <a:extLst>
-                <a:ext uri="{28A0092B-C50C-407E-A947-70E740481C1C}">
-                  <a14:useLocalDpi xmlns:a14="http://schemas.microsoft.com/office/drawing/2010/main" val="0"/>
-                </a:ext>
-              </a:extLst>
-            </a:blip>
-            <a:srcRect l="9177" t="14635" r="12355" b="12886"/>
-            <a:stretch/>
-          </p:blipFill>
-          <p:spPr bwMode="auto">
-            <a:xfrm>
-              <a:off x="24936153" y="10500476"/>
-              <a:ext cx="1694861" cy="1353841"/>
-            </a:xfrm>
-            <a:prstGeom prst="rect">
-              <a:avLst/>
-            </a:prstGeom>
-            <a:ln>
-              <a:noFill/>
-            </a:ln>
+        </p:nvPicPr>
+        <p:blipFill rotWithShape="1">
+          <a:blip r:embed="rId4" cstate="print">
             <a:extLst>
-              <a:ext uri="{53640926-AAD7-44D8-BBD7-CCE9431645EC}">
-                <a14:shadowObscured xmlns:a14="http://schemas.microsoft.com/office/drawing/2010/main"/>
+              <a:ext uri="{28A0092B-C50C-407E-A947-70E740481C1C}">
+                <a14:useLocalDpi xmlns:a14="http://schemas.microsoft.com/office/drawing/2010/main" val="0"/>
               </a:ext>
             </a:extLst>
-          </p:spPr>
-        </p:pic>
-        <p:pic>
-          <p:nvPicPr>
-            <p:cNvPr id="24" name="Picture 23" descr="A screenshot of a computer screen&#10;&#10;Description automatically generated">
-              <a:extLst>
-                <a:ext uri="{FF2B5EF4-FFF2-40B4-BE49-F238E27FC236}">
-                  <a16:creationId xmlns:a16="http://schemas.microsoft.com/office/drawing/2014/main" id="{9FE4450F-7418-6748-8558-D86AD2CF9242}"/>
-                </a:ext>
-              </a:extLst>
-            </p:cNvPr>
-            <p:cNvPicPr>
-              <a:picLocks noChangeAspect="1"/>
-            </p:cNvPicPr>
-            <p:nvPr/>
-          </p:nvPicPr>
-          <p:blipFill rotWithShape="1">
-            <a:blip r:embed="rId5">
-              <a:extLst>
-                <a:ext uri="{28A0092B-C50C-407E-A947-70E740481C1C}">
-                  <a14:useLocalDpi xmlns:a14="http://schemas.microsoft.com/office/drawing/2010/main" val="0"/>
-                </a:ext>
-              </a:extLst>
-            </a:blip>
-            <a:srcRect l="7755" t="13961" r="9967" b="12729"/>
-            <a:stretch/>
-          </p:blipFill>
-          <p:spPr>
-            <a:xfrm>
-              <a:off x="26698962" y="10500476"/>
-              <a:ext cx="1694861" cy="1315563"/>
-            </a:xfrm>
-            <a:prstGeom prst="rect">
-              <a:avLst/>
-            </a:prstGeom>
-          </p:spPr>
-        </p:pic>
-      </p:grpSp>
+          </a:blip>
+          <a:srcRect l="9177" t="14635" r="12355" b="12886"/>
+          <a:stretch/>
+        </p:blipFill>
+        <p:spPr bwMode="auto">
+          <a:xfrm>
+            <a:off x="31010114" y="11860842"/>
+            <a:ext cx="4140198" cy="3664208"/>
+          </a:xfrm>
+          <a:prstGeom prst="rect">
+            <a:avLst/>
+          </a:prstGeom>
+          <a:ln>
+            <a:noFill/>
+          </a:ln>
+          <a:extLst>
+            <a:ext uri="{53640926-AAD7-44D8-BBD7-CCE9431645EC}">
+              <a14:shadowObscured xmlns:a14="http://schemas.microsoft.com/office/drawing/2010/main"/>
+            </a:ext>
+          </a:extLst>
+        </p:spPr>
+      </p:pic>
       <p:pic>
         <p:nvPicPr>
           <p:cNvPr id="12" name="Picture 11">
@@ -10814,15 +9155,15 @@
           <p:nvPr/>
         </p:nvPicPr>
         <p:blipFill>
-          <a:blip r:embed="rId6"/>
+          <a:blip r:embed="rId5"/>
           <a:stretch>
             <a:fillRect/>
           </a:stretch>
         </p:blipFill>
         <p:spPr>
           <a:xfrm>
-            <a:off x="1220207" y="10914800"/>
-            <a:ext cx="9923664" cy="4693018"/>
+            <a:off x="12154204" y="4009984"/>
+            <a:ext cx="10876120" cy="5143446"/>
           </a:xfrm>
           <a:prstGeom prst="rect">
             <a:avLst/>
@@ -10843,10 +9184,10 @@
         </p:nvGrpSpPr>
         <p:grpSpPr>
           <a:xfrm>
-            <a:off x="667463" y="21761085"/>
-            <a:ext cx="11029152" cy="3351130"/>
+            <a:off x="537139" y="20391153"/>
+            <a:ext cx="11029152" cy="3412070"/>
             <a:chOff x="9001125" y="10485611"/>
-            <a:chExt cx="5972175" cy="5863144"/>
+            <a:chExt cx="5972175" cy="5969764"/>
           </a:xfrm>
         </p:grpSpPr>
         <p:sp>
@@ -10864,7 +9205,7 @@
           <p:spPr>
             <a:xfrm>
               <a:off x="9001125" y="10485611"/>
-              <a:ext cx="3267075" cy="5863144"/>
+              <a:ext cx="3267075" cy="5950276"/>
             </a:xfrm>
             <a:prstGeom prst="rect">
               <a:avLst/>
@@ -10895,7 +9236,7 @@
                 <a:defRPr/>
               </a:pPr>
               <a:r>
-                <a:rPr lang="en-US" sz="3400" u="sng" kern="1200" baseline="0" dirty="0">
+                <a:rPr lang="en-US" sz="3600" u="sng" kern="1200" baseline="0" dirty="0">
                   <a:solidFill>
                     <a:schemeClr val="tx1"/>
                   </a:solidFill>
@@ -10922,7 +9263,7 @@
                 <a:buChar char=""/>
               </a:pPr>
               <a:r>
-                <a:rPr lang="en-US" sz="3400" kern="1200" baseline="0" dirty="0">
+                <a:rPr lang="en-US" sz="3600" kern="1200" baseline="0" dirty="0">
                   <a:solidFill>
                     <a:schemeClr val="tx1"/>
                   </a:solidFill>
@@ -10933,7 +9274,7 @@
                 </a:rPr>
                 <a:t>Raspberry PI 4 Model B</a:t>
               </a:r>
-              <a:endParaRPr lang="he-IL" sz="3400" kern="1200" baseline="0" dirty="0">
+              <a:endParaRPr lang="he-IL" sz="3600" kern="1200" baseline="0" dirty="0">
                 <a:solidFill>
                   <a:schemeClr val="tx1"/>
                 </a:solidFill>
@@ -10958,7 +9299,7 @@
                 <a:buChar char=""/>
               </a:pPr>
               <a:r>
-                <a:rPr lang="en-US" sz="3400" kern="1200" baseline="0" dirty="0">
+                <a:rPr lang="en-US" sz="3600" kern="1200" baseline="0" dirty="0">
                   <a:solidFill>
                     <a:schemeClr val="tx1"/>
                   </a:solidFill>
@@ -10969,7 +9310,7 @@
                 </a:rPr>
                 <a:t>Intel RealSense D435 camera</a:t>
               </a:r>
-              <a:endParaRPr lang="he-IL" sz="3400" kern="1200" baseline="0" dirty="0">
+              <a:endParaRPr lang="he-IL" sz="3600" kern="1200" baseline="0" dirty="0">
                 <a:solidFill>
                   <a:schemeClr val="tx1"/>
                 </a:solidFill>
@@ -10994,7 +9335,7 @@
                 <a:buChar char=""/>
               </a:pPr>
               <a:r>
-                <a:rPr lang="en-US" sz="3400" kern="1200" baseline="0" dirty="0" err="1">
+                <a:rPr lang="en-US" sz="3600" kern="1200" baseline="0" dirty="0" err="1">
                   <a:solidFill>
                     <a:schemeClr val="tx1"/>
                   </a:solidFill>
@@ -11006,7 +9347,7 @@
                 <a:t>Rplidar</a:t>
               </a:r>
               <a:r>
-                <a:rPr lang="en-US" sz="3400" kern="1200" baseline="0" dirty="0">
+                <a:rPr lang="en-US" sz="3600" kern="1200" baseline="0" dirty="0">
                   <a:solidFill>
                     <a:schemeClr val="tx1"/>
                   </a:solidFill>
@@ -11033,7 +9374,7 @@
                 <a:buChar char=""/>
               </a:pPr>
               <a:r>
-                <a:rPr lang="en-US" sz="3400" kern="1200" baseline="0" dirty="0">
+                <a:rPr lang="en-US" sz="3600" kern="1200" baseline="0" dirty="0">
                   <a:solidFill>
                     <a:schemeClr val="tx1"/>
                   </a:solidFill>
@@ -11044,7 +9385,7 @@
                 </a:rPr>
                 <a:t>M5STACK (Arduino)</a:t>
               </a:r>
-              <a:endParaRPr lang="he-IL" sz="3400" kern="1200" baseline="0" dirty="0">
+              <a:endParaRPr lang="he-IL" sz="3600" kern="1200" baseline="0" dirty="0">
                 <a:solidFill>
                   <a:schemeClr val="tx1"/>
                 </a:solidFill>
@@ -11071,7 +9412,7 @@
           <p:spPr>
             <a:xfrm>
               <a:off x="12268200" y="11608996"/>
-              <a:ext cx="2705100" cy="4739759"/>
+              <a:ext cx="2705100" cy="4846379"/>
             </a:xfrm>
             <a:prstGeom prst="rect">
               <a:avLst/>
@@ -11098,7 +9439,7 @@
                 <a:buChar char=""/>
               </a:pPr>
               <a:r>
-                <a:rPr lang="en-US" sz="3400" kern="1200" baseline="0" dirty="0">
+                <a:rPr lang="en-US" sz="3600" kern="1200" baseline="0" dirty="0">
                   <a:solidFill>
                     <a:schemeClr val="tx1"/>
                   </a:solidFill>
@@ -11125,7 +9466,7 @@
                 <a:buChar char=""/>
               </a:pPr>
               <a:r>
-                <a:rPr lang="en-US" sz="3400" kern="1200" baseline="0" dirty="0">
+                <a:rPr lang="en-US" sz="3600" kern="1200" baseline="0" dirty="0">
                   <a:solidFill>
                     <a:schemeClr val="tx1"/>
                   </a:solidFill>
@@ -11152,7 +9493,7 @@
                 <a:buChar char=""/>
               </a:pPr>
               <a:r>
-                <a:rPr lang="en-US" sz="3400" kern="1200" baseline="0" dirty="0">
+                <a:rPr lang="en-US" sz="3600" kern="1200" baseline="0" dirty="0">
                   <a:solidFill>
                     <a:schemeClr val="tx1"/>
                   </a:solidFill>
@@ -11163,7 +9504,7 @@
                 </a:rPr>
                 <a:t>HDMI type Display</a:t>
               </a:r>
-              <a:endParaRPr lang="he-IL" sz="3400" kern="1200" baseline="0" dirty="0">
+              <a:endParaRPr lang="he-IL" sz="3600" kern="1200" baseline="0" dirty="0">
                 <a:solidFill>
                   <a:schemeClr val="tx1"/>
                 </a:solidFill>
@@ -11188,7 +9529,7 @@
                 <a:buChar char=""/>
               </a:pPr>
               <a:r>
-                <a:rPr lang="en-US" sz="3400" kern="1200" baseline="0" dirty="0">
+                <a:rPr lang="en-US" sz="3600" kern="1200" baseline="0" dirty="0">
                   <a:solidFill>
                     <a:schemeClr val="tx1"/>
                   </a:solidFill>
@@ -11199,7 +9540,7 @@
                 </a:rPr>
                 <a:t>0.91 inch OLED Display</a:t>
               </a:r>
-              <a:endParaRPr lang="en-US" sz="3400" b="1" kern="1200" dirty="0">
+              <a:endParaRPr lang="en-US" sz="3600" b="1" kern="1200" dirty="0">
                 <a:solidFill>
                   <a:schemeClr val="tx1"/>
                 </a:solidFill>
@@ -11226,10 +9567,10 @@
         </p:nvGrpSpPr>
         <p:grpSpPr>
           <a:xfrm>
-            <a:off x="12314459" y="8469191"/>
-            <a:ext cx="10593797" cy="3867458"/>
+            <a:off x="12154204" y="10941021"/>
+            <a:ext cx="11062311" cy="4147570"/>
             <a:chOff x="12253436" y="13946422"/>
-            <a:chExt cx="10593797" cy="3867458"/>
+            <a:chExt cx="11062311" cy="4147570"/>
           </a:xfrm>
         </p:grpSpPr>
         <p:pic>
@@ -11247,7 +9588,7 @@
             <p:nvPr/>
           </p:nvPicPr>
           <p:blipFill rotWithShape="1">
-            <a:blip r:embed="rId7">
+            <a:blip r:embed="rId6">
               <a:extLst>
                 <a:ext uri="{28A0092B-C50C-407E-A947-70E740481C1C}">
                   <a14:useLocalDpi xmlns:a14="http://schemas.microsoft.com/office/drawing/2010/main" val="0"/>
@@ -11259,8 +9600,8 @@
           </p:blipFill>
           <p:spPr bwMode="auto">
             <a:xfrm>
-              <a:off x="18264389" y="13946422"/>
-              <a:ext cx="4582844" cy="3762882"/>
+              <a:off x="18264388" y="13946422"/>
+              <a:ext cx="5051359" cy="4147570"/>
             </a:xfrm>
             <a:prstGeom prst="rect">
               <a:avLst/>
@@ -11291,7 +9632,7 @@
           <p:spPr>
             <a:xfrm>
               <a:off x="12253436" y="14059006"/>
-              <a:ext cx="5558886" cy="3754874"/>
+              <a:ext cx="5558886" cy="3970318"/>
             </a:xfrm>
             <a:prstGeom prst="rect">
               <a:avLst/>
@@ -11320,7 +9661,7 @@
                 <a:defRPr/>
               </a:pPr>
               <a:r>
-                <a:rPr lang="en-US" sz="3400" u="sng" kern="1200" dirty="0">
+                <a:rPr lang="en-US" sz="3600" u="sng" kern="1200" dirty="0">
                   <a:solidFill>
                     <a:schemeClr val="tx1"/>
                   </a:solidFill>
@@ -11332,7 +9673,7 @@
                 <a:t>Alert on the screen </a:t>
               </a:r>
               <a:r>
-                <a:rPr lang="en-US" sz="3400" kern="1200" dirty="0">
+                <a:rPr lang="en-US" sz="3600" kern="1200" dirty="0">
                   <a:solidFill>
                     <a:schemeClr val="tx1"/>
                   </a:solidFill>
@@ -11360,40 +9701,14 @@
                 <a:tabLst/>
                 <a:defRPr/>
               </a:pPr>
-              <a:endParaRPr lang="en-US" sz="3400" kern="1200" dirty="0">
-                <a:solidFill>
-                  <a:schemeClr val="tx1"/>
-                </a:solidFill>
-                <a:effectLst/>
-                <a:latin typeface="+mn-lt"/>
-                <a:ea typeface="+mn-ea"/>
-                <a:cs typeface="Open Sans Hebrew" panose="00000500000000000000" pitchFamily="2" charset="-79"/>
-              </a:endParaRPr>
-            </a:p>
-            <a:p>
-              <a:pPr marR="0" lvl="0" algn="just" defTabSz="2519995" rtl="0" eaLnBrk="1" fontAlgn="auto" latinLnBrk="0" hangingPunct="1">
-                <a:lnSpc>
-                  <a:spcPct val="100000"/>
-                </a:lnSpc>
-                <a:spcBef>
-                  <a:spcPts val="0"/>
-                </a:spcBef>
-                <a:spcAft>
-                  <a:spcPts val="0"/>
-                </a:spcAft>
-                <a:buClrTx/>
-                <a:buSzTx/>
-                <a:tabLst/>
-                <a:defRPr/>
-              </a:pPr>
               <a:r>
-                <a:rPr lang="en-US" sz="3400" dirty="0">
+                <a:rPr lang="en-US" sz="3600" dirty="0">
                   <a:cs typeface="Open Sans Hebrew" panose="00000500000000000000" pitchFamily="2" charset="-79"/>
                 </a:rPr>
                 <a:t>T</a:t>
               </a:r>
               <a:r>
-                <a:rPr lang="en-US" sz="3400" kern="1200" dirty="0">
+                <a:rPr lang="en-US" sz="3600" kern="1200" dirty="0">
                   <a:solidFill>
                     <a:schemeClr val="tx1"/>
                   </a:solidFill>
@@ -11403,273 +9718,6 @@
                   <a:cs typeface="Open Sans Hebrew" panose="00000500000000000000" pitchFamily="2" charset="-79"/>
                 </a:rPr>
                 <a:t>he system warns about the presence of the object since it is less than 0.75 meters away.</a:t>
-              </a:r>
-            </a:p>
-          </p:txBody>
-        </p:sp>
-      </p:grpSp>
-      <p:grpSp>
-        <p:nvGrpSpPr>
-          <p:cNvPr id="45" name="Group 44">
-            <a:extLst>
-              <a:ext uri="{FF2B5EF4-FFF2-40B4-BE49-F238E27FC236}">
-                <a16:creationId xmlns:a16="http://schemas.microsoft.com/office/drawing/2014/main" id="{1AEF7402-3478-3AF4-D63A-752E4E524A28}"/>
-              </a:ext>
-            </a:extLst>
-          </p:cNvPr>
-          <p:cNvGrpSpPr/>
-          <p:nvPr/>
-        </p:nvGrpSpPr>
-        <p:grpSpPr>
-          <a:xfrm>
-            <a:off x="12252128" y="4454114"/>
-            <a:ext cx="10656128" cy="3947034"/>
-            <a:chOff x="12191104" y="9629266"/>
-            <a:chExt cx="10656128" cy="3947034"/>
-          </a:xfrm>
-        </p:grpSpPr>
-        <p:pic>
-          <p:nvPicPr>
-            <p:cNvPr id="10" name="Picture 9" descr="A computer screen shot of a computer screen&#10;&#10;Description automatically generated">
-              <a:extLst>
-                <a:ext uri="{FF2B5EF4-FFF2-40B4-BE49-F238E27FC236}">
-                  <a16:creationId xmlns:a16="http://schemas.microsoft.com/office/drawing/2014/main" id="{85A3D387-1B25-06F3-6CEF-3042E374514C}"/>
-                </a:ext>
-              </a:extLst>
-            </p:cNvPr>
-            <p:cNvPicPr>
-              <a:picLocks noChangeAspect="1"/>
-            </p:cNvPicPr>
-            <p:nvPr/>
-          </p:nvPicPr>
-          <p:blipFill rotWithShape="1">
-            <a:blip r:embed="rId8">
-              <a:extLst>
-                <a:ext uri="{28A0092B-C50C-407E-A947-70E740481C1C}">
-                  <a14:useLocalDpi xmlns:a14="http://schemas.microsoft.com/office/drawing/2010/main" val="0"/>
-                </a:ext>
-              </a:extLst>
-            </a:blip>
-            <a:srcRect l="41074" t="50028" r="31261" b="7585"/>
-            <a:stretch/>
-          </p:blipFill>
-          <p:spPr bwMode="auto">
-            <a:xfrm>
-              <a:off x="18264388" y="9629266"/>
-              <a:ext cx="4582844" cy="3947034"/>
-            </a:xfrm>
-            <a:prstGeom prst="rect">
-              <a:avLst/>
-            </a:prstGeom>
-            <a:noFill/>
-            <a:ln>
-              <a:noFill/>
-            </a:ln>
-            <a:extLst>
-              <a:ext uri="{53640926-AAD7-44D8-BBD7-CCE9431645EC}">
-                <a14:shadowObscured xmlns:a14="http://schemas.microsoft.com/office/drawing/2010/main"/>
-              </a:ext>
-            </a:extLst>
-          </p:spPr>
-        </p:pic>
-        <p:sp>
-          <p:nvSpPr>
-            <p:cNvPr id="2" name="TextBox 1">
-              <a:extLst>
-                <a:ext uri="{FF2B5EF4-FFF2-40B4-BE49-F238E27FC236}">
-                  <a16:creationId xmlns:a16="http://schemas.microsoft.com/office/drawing/2014/main" id="{11B50825-8DFC-DB06-39DC-9724CC71C5C8}"/>
-                </a:ext>
-              </a:extLst>
-            </p:cNvPr>
-            <p:cNvSpPr txBox="1"/>
-            <p:nvPr/>
-          </p:nvSpPr>
-          <p:spPr>
-            <a:xfrm>
-              <a:off x="12191104" y="9667865"/>
-              <a:ext cx="6033491" cy="1661993"/>
-            </a:xfrm>
-            <a:prstGeom prst="rect">
-              <a:avLst/>
-            </a:prstGeom>
-            <a:noFill/>
-          </p:spPr>
-          <p:txBody>
-            <a:bodyPr wrap="square">
-              <a:spAutoFit/>
-            </a:bodyPr>
-            <a:lstStyle/>
-            <a:p>
-              <a:pPr defTabSz="2519995">
-                <a:defRPr/>
-              </a:pPr>
-              <a:r>
-                <a:rPr lang="en-US" sz="3400" b="1" u="sng" kern="1200" dirty="0">
-                  <a:solidFill>
-                    <a:schemeClr val="tx1"/>
-                  </a:solidFill>
-                  <a:effectLst/>
-                  <a:latin typeface="+mn-lt"/>
-                  <a:ea typeface="+mn-ea"/>
-                  <a:cs typeface="Open Sans Hebrew" panose="00000500000000000000" pitchFamily="2" charset="-79"/>
-                </a:rPr>
-                <a:t>Camera:</a:t>
-              </a:r>
-              <a:endParaRPr lang="en-US" sz="3400" u="sng" kern="1200" dirty="0">
-                <a:solidFill>
-                  <a:schemeClr val="tx1"/>
-                </a:solidFill>
-                <a:effectLst/>
-                <a:latin typeface="+mn-lt"/>
-                <a:ea typeface="+mn-ea"/>
-                <a:cs typeface="Open Sans Hebrew" panose="00000500000000000000" pitchFamily="2" charset="-79"/>
-              </a:endParaRPr>
-            </a:p>
-            <a:p>
-              <a:pPr marL="0" marR="0" lvl="0" indent="0" algn="l" defTabSz="2519995" rtl="0" eaLnBrk="1" fontAlgn="auto" latinLnBrk="0" hangingPunct="1">
-                <a:lnSpc>
-                  <a:spcPct val="100000"/>
-                </a:lnSpc>
-                <a:spcBef>
-                  <a:spcPts val="0"/>
-                </a:spcBef>
-                <a:spcAft>
-                  <a:spcPts val="0"/>
-                </a:spcAft>
-                <a:buClrTx/>
-                <a:buSzTx/>
-                <a:buFont typeface="Arial" panose="020B0604020202020204" pitchFamily="34" charset="0"/>
-                <a:buNone/>
-                <a:tabLst/>
-                <a:defRPr/>
-              </a:pPr>
-              <a:r>
-                <a:rPr lang="en-US" sz="3400" u="sng" kern="1200" dirty="0">
-                  <a:solidFill>
-                    <a:schemeClr val="tx1"/>
-                  </a:solidFill>
-                  <a:effectLst/>
-                  <a:latin typeface="+mn-lt"/>
-                  <a:ea typeface="+mn-ea"/>
-                  <a:cs typeface="Open Sans Hebrew" panose="00000500000000000000" pitchFamily="2" charset="-79"/>
-                </a:rPr>
-                <a:t>Displaying the distance </a:t>
-              </a:r>
-              <a:r>
-                <a:rPr lang="en-US" sz="3400" kern="1200" dirty="0">
-                  <a:solidFill>
-                    <a:schemeClr val="tx1"/>
-                  </a:solidFill>
-                  <a:effectLst/>
-                  <a:latin typeface="+mn-lt"/>
-                  <a:ea typeface="+mn-ea"/>
-                  <a:cs typeface="Open Sans Hebrew" panose="00000500000000000000" pitchFamily="2" charset="-79"/>
-                </a:rPr>
-                <a:t>marked on the screen using the mouse.</a:t>
-              </a:r>
-            </a:p>
-          </p:txBody>
-        </p:sp>
-        <p:cxnSp>
-          <p:nvCxnSpPr>
-            <p:cNvPr id="22" name="Straight Arrow Connector 21">
-              <a:extLst>
-                <a:ext uri="{FF2B5EF4-FFF2-40B4-BE49-F238E27FC236}">
-                  <a16:creationId xmlns:a16="http://schemas.microsoft.com/office/drawing/2014/main" id="{5449C817-E5FD-0FE9-E20C-ABB68542387F}"/>
-                </a:ext>
-              </a:extLst>
-            </p:cNvPr>
-            <p:cNvCxnSpPr>
-              <a:cxnSpLocks/>
-            </p:cNvCxnSpPr>
-            <p:nvPr/>
-          </p:nvCxnSpPr>
-          <p:spPr>
-            <a:xfrm flipV="1">
-              <a:off x="16293196" y="10921782"/>
-              <a:ext cx="3690254" cy="1143844"/>
-            </a:xfrm>
-            <a:prstGeom prst="straightConnector1">
-              <a:avLst/>
-            </a:prstGeom>
-            <a:ln w="57150">
-              <a:solidFill>
-                <a:srgbClr val="FF0000"/>
-              </a:solidFill>
-              <a:tailEnd type="triangle"/>
-            </a:ln>
-          </p:spPr>
-          <p:style>
-            <a:lnRef idx="1">
-              <a:schemeClr val="accent1"/>
-            </a:lnRef>
-            <a:fillRef idx="0">
-              <a:schemeClr val="accent1"/>
-            </a:fillRef>
-            <a:effectRef idx="0">
-              <a:schemeClr val="accent1"/>
-            </a:effectRef>
-            <a:fontRef idx="minor">
-              <a:schemeClr val="tx1"/>
-            </a:fontRef>
-          </p:style>
-        </p:cxnSp>
-        <p:sp>
-          <p:nvSpPr>
-            <p:cNvPr id="26" name="TextBox 25">
-              <a:extLst>
-                <a:ext uri="{FF2B5EF4-FFF2-40B4-BE49-F238E27FC236}">
-                  <a16:creationId xmlns:a16="http://schemas.microsoft.com/office/drawing/2014/main" id="{4CE2208A-5CB3-7D10-0D11-E89641A6E17D}"/>
-                </a:ext>
-              </a:extLst>
-            </p:cNvPr>
-            <p:cNvSpPr txBox="1"/>
-            <p:nvPr/>
-          </p:nvSpPr>
-          <p:spPr>
-            <a:xfrm>
-              <a:off x="13407767" y="11785500"/>
-              <a:ext cx="3239892" cy="1138773"/>
-            </a:xfrm>
-            <a:prstGeom prst="rect">
-              <a:avLst/>
-            </a:prstGeom>
-            <a:noFill/>
-          </p:spPr>
-          <p:txBody>
-            <a:bodyPr wrap="square">
-              <a:spAutoFit/>
-            </a:bodyPr>
-            <a:lstStyle/>
-            <a:p>
-              <a:pPr marL="0" marR="0" lvl="0" indent="0" algn="l" defTabSz="2519995" rtl="0" eaLnBrk="1" fontAlgn="auto" latinLnBrk="0" hangingPunct="1">
-                <a:lnSpc>
-                  <a:spcPct val="100000"/>
-                </a:lnSpc>
-                <a:spcBef>
-                  <a:spcPts val="0"/>
-                </a:spcBef>
-                <a:spcAft>
-                  <a:spcPts val="0"/>
-                </a:spcAft>
-                <a:buClrTx/>
-                <a:buSzTx/>
-                <a:buFont typeface="Arial" panose="020B0604020202020204" pitchFamily="34" charset="0"/>
-                <a:buNone/>
-                <a:tabLst/>
-                <a:defRPr/>
-              </a:pPr>
-              <a:r>
-                <a:rPr lang="en-US" sz="3400" kern="1200" dirty="0">
-                  <a:solidFill>
-                    <a:schemeClr val="tx1"/>
-                  </a:solidFill>
-                  <a:effectLst/>
-                  <a:latin typeface="+mn-lt"/>
-                  <a:ea typeface="+mn-ea"/>
-                  <a:cs typeface="Open Sans Hebrew" panose="00000500000000000000" pitchFamily="2" charset="-79"/>
-                </a:rPr>
-                <a:t>Required point and its distance</a:t>
               </a:r>
             </a:p>
           </p:txBody>
@@ -11686,14 +9734,15 @@
           </p:cNvPr>
           <p:cNvCxnSpPr>
             <a:cxnSpLocks/>
+            <a:stCxn id="35" idx="6"/>
             <a:endCxn id="31" idx="1"/>
           </p:cNvCxnSpPr>
           <p:nvPr/>
         </p:nvCxnSpPr>
         <p:spPr>
-          <a:xfrm flipV="1">
-            <a:off x="14753184" y="15910024"/>
-            <a:ext cx="1208690" cy="8043"/>
+          <a:xfrm>
+            <a:off x="14765225" y="20192773"/>
+            <a:ext cx="978034" cy="24245"/>
           </a:xfrm>
           <a:prstGeom prst="straightConnector1">
             <a:avLst/>
@@ -11742,8 +9791,8 @@
         </p:nvCxnSpPr>
         <p:spPr>
           <a:xfrm>
-            <a:off x="19477584" y="15910024"/>
-            <a:ext cx="2682029" cy="8043"/>
+            <a:off x="19630245" y="20217018"/>
+            <a:ext cx="2412336" cy="9672"/>
           </a:xfrm>
           <a:prstGeom prst="straightConnector1">
             <a:avLst/>
@@ -11776,10 +9825,10 @@
       </p:cxnSp>
       <p:grpSp>
         <p:nvGrpSpPr>
-          <p:cNvPr id="63" name="Group 62">
+          <p:cNvPr id="62" name="Group 61">
             <a:extLst>
               <a:ext uri="{FF2B5EF4-FFF2-40B4-BE49-F238E27FC236}">
-                <a16:creationId xmlns:a16="http://schemas.microsoft.com/office/drawing/2014/main" id="{E651C294-F9BD-5C63-EF76-000E22765F43}"/>
+                <a16:creationId xmlns:a16="http://schemas.microsoft.com/office/drawing/2014/main" id="{BEF4566C-1555-0633-B597-18E9610EF811}"/>
               </a:ext>
             </a:extLst>
           </p:cNvPr>
@@ -11788,46 +9837,18 @@
         </p:nvGrpSpPr>
         <p:grpSpPr>
           <a:xfrm>
-            <a:off x="12355766" y="13730240"/>
-            <a:ext cx="10711321" cy="8237324"/>
-            <a:chOff x="12682941" y="18874368"/>
-            <a:chExt cx="10711321" cy="6395278"/>
+            <a:off x="12460895" y="17595539"/>
+            <a:ext cx="10865693" cy="3664208"/>
+            <a:chOff x="12577261" y="18202781"/>
+            <a:chExt cx="10551628" cy="2365487"/>
           </a:xfrm>
         </p:grpSpPr>
-        <p:graphicFrame>
-          <p:nvGraphicFramePr>
-            <p:cNvPr id="7" name="Chart 6">
+        <p:grpSp>
+          <p:nvGrpSpPr>
+            <p:cNvPr id="61" name="Group 60">
               <a:extLst>
                 <a:ext uri="{FF2B5EF4-FFF2-40B4-BE49-F238E27FC236}">
-                  <a16:creationId xmlns:a16="http://schemas.microsoft.com/office/drawing/2014/main" id="{BA3140BD-1196-68B7-ECC9-E815F01BCCF6}"/>
-                </a:ext>
-              </a:extLst>
-            </p:cNvPr>
-            <p:cNvGraphicFramePr/>
-            <p:nvPr>
-              <p:extLst>
-                <p:ext uri="{D42A27DB-BD31-4B8C-83A1-F6EECF244321}">
-                  <p14:modId xmlns:p14="http://schemas.microsoft.com/office/powerpoint/2010/main" val="2237477529"/>
-                </p:ext>
-              </p:extLst>
-            </p:nvPr>
-          </p:nvGraphicFramePr>
-          <p:xfrm>
-            <a:off x="12682941" y="21344431"/>
-            <a:ext cx="10459346" cy="3925215"/>
-          </p:xfrm>
-          <a:graphic>
-            <a:graphicData uri="http://schemas.openxmlformats.org/drawingml/2006/chart">
-              <c:chart xmlns:c="http://schemas.openxmlformats.org/drawingml/2006/chart" xmlns:r="http://schemas.openxmlformats.org/officeDocument/2006/relationships" r:id="rId9"/>
-            </a:graphicData>
-          </a:graphic>
-        </p:graphicFrame>
-        <p:grpSp>
-          <p:nvGrpSpPr>
-            <p:cNvPr id="62" name="Group 61">
-              <a:extLst>
-                <a:ext uri="{FF2B5EF4-FFF2-40B4-BE49-F238E27FC236}">
-                  <a16:creationId xmlns:a16="http://schemas.microsoft.com/office/drawing/2014/main" id="{BEF4566C-1555-0633-B597-18E9610EF811}"/>
+                  <a16:creationId xmlns:a16="http://schemas.microsoft.com/office/drawing/2014/main" id="{94C000B0-B4F0-F4D3-4F5C-98C2390EF250}"/>
                 </a:ext>
               </a:extLst>
             </p:cNvPr>
@@ -11836,18 +9857,332 @@
           </p:nvGrpSpPr>
           <p:grpSpPr>
             <a:xfrm>
-              <a:off x="12842634" y="18874368"/>
-              <a:ext cx="10551628" cy="2365487"/>
+              <a:off x="12577261" y="18202781"/>
+              <a:ext cx="4353889" cy="2349835"/>
               <a:chOff x="12577261" y="18202781"/>
-              <a:chExt cx="10551628" cy="2365487"/>
+              <a:chExt cx="4353889" cy="2349835"/>
+            </a:xfrm>
+          </p:grpSpPr>
+          <p:sp>
+            <p:nvSpPr>
+              <p:cNvPr id="31" name="Rectangle: Rounded Corners 30">
+                <a:extLst>
+                  <a:ext uri="{FF2B5EF4-FFF2-40B4-BE49-F238E27FC236}">
+                    <a16:creationId xmlns:a16="http://schemas.microsoft.com/office/drawing/2014/main" id="{45761ED7-52FD-EC21-2CC9-F21EB3CF981A}"/>
+                  </a:ext>
+                </a:extLst>
+              </p:cNvPr>
+              <p:cNvSpPr/>
+              <p:nvPr/>
+            </p:nvSpPr>
+            <p:spPr>
+              <a:xfrm>
+                <a:off x="15764750" y="19476201"/>
+                <a:ext cx="1166400" cy="837833"/>
+              </a:xfrm>
+              <a:prstGeom prst="roundRect">
+                <a:avLst/>
+              </a:prstGeom>
+              <a:solidFill>
+                <a:schemeClr val="accent2">
+                  <a:lumMod val="40000"/>
+                  <a:lumOff val="60000"/>
+                </a:schemeClr>
+              </a:solidFill>
+              <a:ln>
+                <a:solidFill>
+                  <a:schemeClr val="accent2">
+                    <a:lumMod val="75000"/>
+                  </a:schemeClr>
+                </a:solidFill>
+              </a:ln>
+            </p:spPr>
+            <p:style>
+              <a:lnRef idx="2">
+                <a:schemeClr val="accent1">
+                  <a:shade val="15000"/>
+                </a:schemeClr>
+              </a:lnRef>
+              <a:fillRef idx="1">
+                <a:schemeClr val="accent1"/>
+              </a:fillRef>
+              <a:effectRef idx="0">
+                <a:schemeClr val="accent1"/>
+              </a:effectRef>
+              <a:fontRef idx="minor">
+                <a:schemeClr val="lt1"/>
+              </a:fontRef>
+            </p:style>
+            <p:txBody>
+              <a:bodyPr rtlCol="1" anchor="ctr"/>
+              <a:lstStyle/>
+              <a:p>
+                <a:pPr algn="ctr"/>
+                <a:r>
+                  <a:rPr lang="en-US" sz="2400" dirty="0">
+                    <a:solidFill>
+                      <a:schemeClr val="tx1"/>
+                    </a:solidFill>
+                  </a:rPr>
+                  <a:t>Object</a:t>
+                </a:r>
+              </a:p>
+            </p:txBody>
+          </p:sp>
+          <p:sp>
+            <p:nvSpPr>
+              <p:cNvPr id="33" name="Rectangle: Beveled 32">
+                <a:extLst>
+                  <a:ext uri="{FF2B5EF4-FFF2-40B4-BE49-F238E27FC236}">
+                    <a16:creationId xmlns:a16="http://schemas.microsoft.com/office/drawing/2014/main" id="{C5E7F020-67A6-D48F-DBD2-6F594360150E}"/>
+                  </a:ext>
+                </a:extLst>
+              </p:cNvPr>
+              <p:cNvSpPr/>
+              <p:nvPr/>
+            </p:nvSpPr>
+            <p:spPr>
+              <a:xfrm>
+                <a:off x="14594681" y="18202781"/>
+                <a:ext cx="1408533" cy="1069723"/>
+              </a:xfrm>
+              <a:prstGeom prst="bevel">
+                <a:avLst/>
+              </a:prstGeom>
+              <a:solidFill>
+                <a:schemeClr val="bg2">
+                  <a:lumMod val="75000"/>
+                </a:schemeClr>
+              </a:solidFill>
+              <a:ln>
+                <a:solidFill>
+                  <a:schemeClr val="tx1"/>
+                </a:solidFill>
+              </a:ln>
+            </p:spPr>
+            <p:style>
+              <a:lnRef idx="2">
+                <a:schemeClr val="accent1">
+                  <a:shade val="15000"/>
+                </a:schemeClr>
+              </a:lnRef>
+              <a:fillRef idx="1">
+                <a:schemeClr val="accent1"/>
+              </a:fillRef>
+              <a:effectRef idx="0">
+                <a:schemeClr val="accent1"/>
+              </a:effectRef>
+              <a:fontRef idx="minor">
+                <a:schemeClr val="lt1"/>
+              </a:fontRef>
+            </p:style>
+            <p:txBody>
+              <a:bodyPr rtlCol="1" anchor="ctr"/>
+              <a:lstStyle/>
+              <a:p>
+                <a:pPr algn="ctr"/>
+                <a:r>
+                  <a:rPr lang="he-IL" sz="3600" dirty="0">
+                    <a:latin typeface="David" panose="020E0502060401010101" pitchFamily="34" charset="-79"/>
+                    <a:cs typeface="David" panose="020E0502060401010101" pitchFamily="34" charset="-79"/>
+                  </a:rPr>
+                  <a:t>1</a:t>
+                </a:r>
+                <a:r>
+                  <a:rPr lang="en-US" sz="3600" dirty="0">
+                    <a:latin typeface="David" panose="020E0502060401010101" pitchFamily="34" charset="-79"/>
+                    <a:cs typeface="David" panose="020E0502060401010101" pitchFamily="34" charset="-79"/>
+                  </a:rPr>
+                  <a:t>m</a:t>
+                </a:r>
+                <a:endParaRPr lang="he-IL" sz="3600" dirty="0">
+                  <a:latin typeface="David" panose="020E0502060401010101" pitchFamily="34" charset="-79"/>
+                  <a:cs typeface="David" panose="020E0502060401010101" pitchFamily="34" charset="-79"/>
+                </a:endParaRPr>
+              </a:p>
+            </p:txBody>
+          </p:sp>
+          <p:sp>
+            <p:nvSpPr>
+              <p:cNvPr id="34" name="Freeform: Shape 33">
+                <a:extLst>
+                  <a:ext uri="{FF2B5EF4-FFF2-40B4-BE49-F238E27FC236}">
+                    <a16:creationId xmlns:a16="http://schemas.microsoft.com/office/drawing/2014/main" id="{380E75D5-194A-C2D9-2877-21023F1EA96F}"/>
+                  </a:ext>
+                </a:extLst>
+              </p:cNvPr>
+              <p:cNvSpPr/>
+              <p:nvPr/>
+            </p:nvSpPr>
+            <p:spPr>
+              <a:xfrm>
+                <a:off x="13778450" y="18613447"/>
+                <a:ext cx="837603" cy="592869"/>
+              </a:xfrm>
+              <a:custGeom>
+                <a:avLst/>
+                <a:gdLst>
+                  <a:gd name="connsiteX0" fmla="*/ 27420 w 436493"/>
+                  <a:gd name="connsiteY0" fmla="*/ 344905 h 344905"/>
+                  <a:gd name="connsiteX1" fmla="*/ 43462 w 436493"/>
+                  <a:gd name="connsiteY1" fmla="*/ 112295 h 344905"/>
+                  <a:gd name="connsiteX2" fmla="*/ 436493 w 436493"/>
+                  <a:gd name="connsiteY2" fmla="*/ 0 h 344905"/>
+                </a:gdLst>
+                <a:ahLst/>
+                <a:cxnLst>
+                  <a:cxn ang="0">
+                    <a:pos x="connsiteX0" y="connsiteY0"/>
+                  </a:cxn>
+                  <a:cxn ang="0">
+                    <a:pos x="connsiteX1" y="connsiteY1"/>
+                  </a:cxn>
+                  <a:cxn ang="0">
+                    <a:pos x="connsiteX2" y="connsiteY2"/>
+                  </a:cxn>
+                </a:cxnLst>
+                <a:rect l="l" t="t" r="r" b="b"/>
+                <a:pathLst>
+                  <a:path w="436493" h="344905">
+                    <a:moveTo>
+                      <a:pt x="27420" y="344905"/>
+                    </a:moveTo>
+                    <a:cubicBezTo>
+                      <a:pt x="1351" y="257342"/>
+                      <a:pt x="-24717" y="169779"/>
+                      <a:pt x="43462" y="112295"/>
+                    </a:cubicBezTo>
+                    <a:cubicBezTo>
+                      <a:pt x="111641" y="54811"/>
+                      <a:pt x="274067" y="27405"/>
+                      <a:pt x="436493" y="0"/>
+                    </a:cubicBezTo>
+                  </a:path>
+                </a:pathLst>
+              </a:custGeom>
+              <a:noFill/>
+            </p:spPr>
+            <p:style>
+              <a:lnRef idx="2">
+                <a:schemeClr val="accent1">
+                  <a:shade val="15000"/>
+                </a:schemeClr>
+              </a:lnRef>
+              <a:fillRef idx="1">
+                <a:schemeClr val="accent1"/>
+              </a:fillRef>
+              <a:effectRef idx="0">
+                <a:schemeClr val="accent1"/>
+              </a:effectRef>
+              <a:fontRef idx="minor">
+                <a:schemeClr val="lt1"/>
+              </a:fontRef>
+            </p:style>
+            <p:txBody>
+              <a:bodyPr rtlCol="1" anchor="ctr"/>
+              <a:lstStyle/>
+              <a:p>
+                <a:pPr algn="ctr"/>
+                <a:endParaRPr lang="he-IL"/>
+              </a:p>
+            </p:txBody>
+          </p:sp>
+          <p:sp>
+            <p:nvSpPr>
+              <p:cNvPr id="35" name="Oval 34">
+                <a:extLst>
+                  <a:ext uri="{FF2B5EF4-FFF2-40B4-BE49-F238E27FC236}">
+                    <a16:creationId xmlns:a16="http://schemas.microsoft.com/office/drawing/2014/main" id="{A402C3A5-C43C-292E-508E-D1A97EBF8E40}"/>
+                  </a:ext>
+                </a:extLst>
+              </p:cNvPr>
+              <p:cNvSpPr/>
+              <p:nvPr/>
+            </p:nvSpPr>
+            <p:spPr>
+              <a:xfrm>
+                <a:off x="12577261" y="19206316"/>
+                <a:ext cx="2237725" cy="1346300"/>
+              </a:xfrm>
+              <a:prstGeom prst="ellipse">
+                <a:avLst/>
+              </a:prstGeom>
+              <a:solidFill>
+                <a:schemeClr val="accent6">
+                  <a:lumMod val="60000"/>
+                  <a:lumOff val="40000"/>
+                </a:schemeClr>
+              </a:solidFill>
+              <a:ln>
+                <a:solidFill>
+                  <a:schemeClr val="accent6">
+                    <a:lumMod val="75000"/>
+                  </a:schemeClr>
+                </a:solidFill>
+              </a:ln>
+            </p:spPr>
+            <p:style>
+              <a:lnRef idx="2">
+                <a:schemeClr val="accent1">
+                  <a:shade val="15000"/>
+                </a:schemeClr>
+              </a:lnRef>
+              <a:fillRef idx="1">
+                <a:schemeClr val="accent1"/>
+              </a:fillRef>
+              <a:effectRef idx="0">
+                <a:schemeClr val="accent1"/>
+              </a:effectRef>
+              <a:fontRef idx="minor">
+                <a:schemeClr val="lt1"/>
+              </a:fontRef>
+            </p:style>
+            <p:txBody>
+              <a:bodyPr rtlCol="1" anchor="ctr"/>
+              <a:lstStyle/>
+              <a:p>
+                <a:pPr algn="ctr"/>
+                <a:r>
+                  <a:rPr lang="en-US" sz="3200" b="1" dirty="0">
+                    <a:solidFill>
+                      <a:schemeClr val="tx1"/>
+                    </a:solidFill>
+                    <a:latin typeface="David" panose="020E0502060401010101" pitchFamily="34" charset="-79"/>
+                    <a:cs typeface="David" panose="020E0502060401010101" pitchFamily="34" charset="-79"/>
+                  </a:rPr>
+                  <a:t>Camera</a:t>
+                </a:r>
+                <a:endParaRPr lang="he-IL" sz="2800" dirty="0"/>
+              </a:p>
+            </p:txBody>
+          </p:sp>
+        </p:grpSp>
+        <p:grpSp>
+          <p:nvGrpSpPr>
+            <p:cNvPr id="60" name="Group 59">
+              <a:extLst>
+                <a:ext uri="{FF2B5EF4-FFF2-40B4-BE49-F238E27FC236}">
+                  <a16:creationId xmlns:a16="http://schemas.microsoft.com/office/drawing/2014/main" id="{657D2569-C726-EBB5-ED13-7D50B5485F3E}"/>
+                </a:ext>
+              </a:extLst>
+            </p:cNvPr>
+            <p:cNvGrpSpPr/>
+            <p:nvPr/>
+          </p:nvGrpSpPr>
+          <p:grpSpPr>
+            <a:xfrm>
+              <a:off x="17301661" y="18218433"/>
+              <a:ext cx="5827228" cy="2349835"/>
+              <a:chOff x="17301661" y="18218433"/>
+              <a:chExt cx="5827228" cy="2349835"/>
             </a:xfrm>
           </p:grpSpPr>
           <p:grpSp>
             <p:nvGrpSpPr>
-              <p:cNvPr id="61" name="Group 60">
+              <p:cNvPr id="51" name="Group 50">
                 <a:extLst>
                   <a:ext uri="{FF2B5EF4-FFF2-40B4-BE49-F238E27FC236}">
-                    <a16:creationId xmlns:a16="http://schemas.microsoft.com/office/drawing/2014/main" id="{94C000B0-B4F0-F4D3-4F5C-98C2390EF250}"/>
+                    <a16:creationId xmlns:a16="http://schemas.microsoft.com/office/drawing/2014/main" id="{FD21E313-02D1-AE08-208E-4D3E80B4AC7D}"/>
                   </a:ext>
                 </a:extLst>
               </p:cNvPr>
@@ -11856,18 +10191,18 @@
             </p:nvGrpSpPr>
             <p:grpSpPr>
               <a:xfrm>
-                <a:off x="12577261" y="18202781"/>
-                <a:ext cx="4353889" cy="2349835"/>
-                <a:chOff x="12577261" y="18202781"/>
-                <a:chExt cx="4353889" cy="2349835"/>
+                <a:off x="17301661" y="18218433"/>
+                <a:ext cx="5827228" cy="2349835"/>
+                <a:chOff x="681491" y="2137246"/>
+                <a:chExt cx="5159215" cy="1869963"/>
               </a:xfrm>
             </p:grpSpPr>
             <p:sp>
               <p:nvSpPr>
-                <p:cNvPr id="31" name="Rectangle: Rounded Corners 30">
+                <p:cNvPr id="53" name="Rectangle: Rounded Corners 52">
                   <a:extLst>
                     <a:ext uri="{FF2B5EF4-FFF2-40B4-BE49-F238E27FC236}">
-                      <a16:creationId xmlns:a16="http://schemas.microsoft.com/office/drawing/2014/main" id="{45761ED7-52FD-EC21-2CC9-F21EB3CF981A}"/>
+                      <a16:creationId xmlns:a16="http://schemas.microsoft.com/office/drawing/2014/main" id="{84F199D5-BE37-D7BE-D308-09BC3C36436D}"/>
                     </a:ext>
                   </a:extLst>
                 </p:cNvPr>
@@ -11876,8 +10211,8 @@
               </p:nvSpPr>
               <p:spPr>
                 <a:xfrm>
-                  <a:off x="16023676" y="19476201"/>
-                  <a:ext cx="907474" cy="837833"/>
+                  <a:off x="4736752" y="3143128"/>
+                  <a:ext cx="1103954" cy="666735"/>
                 </a:xfrm>
                 <a:prstGeom prst="roundRect">
                   <a:avLst/>
@@ -11918,7 +10253,7 @@
                 <a:p>
                   <a:pPr algn="ctr"/>
                   <a:r>
-                    <a:rPr lang="en-US" sz="1600" dirty="0">
+                    <a:rPr lang="en-US" sz="2400" dirty="0">
                       <a:solidFill>
                         <a:schemeClr val="tx1"/>
                       </a:solidFill>
@@ -11930,10 +10265,10 @@
             </p:sp>
             <p:sp>
               <p:nvSpPr>
-                <p:cNvPr id="33" name="Rectangle: Beveled 32">
+                <p:cNvPr id="54" name="Rectangle: Beveled 53">
                   <a:extLst>
                     <a:ext uri="{FF2B5EF4-FFF2-40B4-BE49-F238E27FC236}">
-                      <a16:creationId xmlns:a16="http://schemas.microsoft.com/office/drawing/2014/main" id="{C5E7F020-67A6-D48F-DBD2-6F594360150E}"/>
+                      <a16:creationId xmlns:a16="http://schemas.microsoft.com/office/drawing/2014/main" id="{CC137C54-D326-49C2-E16C-66627280F182}"/>
                     </a:ext>
                   </a:extLst>
                 </p:cNvPr>
@@ -11942,8 +10277,8 @@
               </p:nvSpPr>
               <p:spPr>
                 <a:xfrm>
-                  <a:off x="14594681" y="18202781"/>
-                  <a:ext cx="1408533" cy="1069723"/>
+                  <a:off x="2467641" y="2137246"/>
+                  <a:ext cx="1247064" cy="851269"/>
                 </a:xfrm>
                 <a:prstGeom prst="bevel">
                   <a:avLst/>
@@ -11985,7 +10320,7 @@
                       <a:latin typeface="David" panose="020E0502060401010101" pitchFamily="34" charset="-79"/>
                       <a:cs typeface="David" panose="020E0502060401010101" pitchFamily="34" charset="-79"/>
                     </a:rPr>
-                    <a:t>1</a:t>
+                    <a:t>2</a:t>
                   </a:r>
                   <a:r>
                     <a:rPr lang="en-US" sz="3600" dirty="0">
@@ -12003,10 +10338,10 @@
             </p:sp>
             <p:sp>
               <p:nvSpPr>
-                <p:cNvPr id="34" name="Freeform: Shape 33">
+                <p:cNvPr id="55" name="Freeform: Shape 54">
                   <a:extLst>
                     <a:ext uri="{FF2B5EF4-FFF2-40B4-BE49-F238E27FC236}">
-                      <a16:creationId xmlns:a16="http://schemas.microsoft.com/office/drawing/2014/main" id="{380E75D5-194A-C2D9-2877-21023F1EA96F}"/>
+                      <a16:creationId xmlns:a16="http://schemas.microsoft.com/office/drawing/2014/main" id="{69572E6D-357C-A75C-AED5-67526D095D54}"/>
                     </a:ext>
                   </a:extLst>
                 </p:cNvPr>
@@ -12015,8 +10350,8 @@
               </p:nvSpPr>
               <p:spPr>
                 <a:xfrm>
-                  <a:off x="13778450" y="18613447"/>
-                  <a:ext cx="837603" cy="592869"/>
+                  <a:off x="1744980" y="2464048"/>
+                  <a:ext cx="741583" cy="471796"/>
                 </a:xfrm>
                 <a:custGeom>
                   <a:avLst/>
@@ -12088,10 +10423,10 @@
             </p:sp>
             <p:sp>
               <p:nvSpPr>
-                <p:cNvPr id="35" name="Oval 34">
+                <p:cNvPr id="56" name="Oval 55">
                   <a:extLst>
                     <a:ext uri="{FF2B5EF4-FFF2-40B4-BE49-F238E27FC236}">
-                      <a16:creationId xmlns:a16="http://schemas.microsoft.com/office/drawing/2014/main" id="{A402C3A5-C43C-292E-508E-D1A97EBF8E40}"/>
+                      <a16:creationId xmlns:a16="http://schemas.microsoft.com/office/drawing/2014/main" id="{FFD9C612-D680-D490-F116-F275730A9756}"/>
                     </a:ext>
                   </a:extLst>
                 </p:cNvPr>
@@ -12100,8 +10435,8 @@
               </p:nvSpPr>
               <p:spPr>
                 <a:xfrm>
-                  <a:off x="12577261" y="19206316"/>
-                  <a:ext cx="2237725" cy="1346300"/>
+                  <a:off x="681491" y="2935844"/>
+                  <a:ext cx="1981200" cy="1071365"/>
                 </a:xfrm>
                 <a:prstGeom prst="ellipse">
                   <a:avLst/>
@@ -12142,7 +10477,7 @@
                 <a:p>
                   <a:pPr algn="ctr"/>
                   <a:r>
-                    <a:rPr lang="en-US" sz="2800" b="1" dirty="0">
+                    <a:rPr lang="en-US" sz="3200" b="1" dirty="0">
                       <a:solidFill>
                         <a:schemeClr val="tx1"/>
                       </a:solidFill>
@@ -12151,395 +10486,17 @@
                     </a:rPr>
                     <a:t>Camera</a:t>
                   </a:r>
-                  <a:endParaRPr lang="he-IL" sz="2800" dirty="0"/>
-                </a:p>
-              </p:txBody>
-            </p:sp>
-          </p:grpSp>
-          <p:grpSp>
-            <p:nvGrpSpPr>
-              <p:cNvPr id="60" name="Group 59">
-                <a:extLst>
-                  <a:ext uri="{FF2B5EF4-FFF2-40B4-BE49-F238E27FC236}">
-                    <a16:creationId xmlns:a16="http://schemas.microsoft.com/office/drawing/2014/main" id="{657D2569-C726-EBB5-ED13-7D50B5485F3E}"/>
-                  </a:ext>
-                </a:extLst>
-              </p:cNvPr>
-              <p:cNvGrpSpPr/>
-              <p:nvPr/>
-            </p:nvGrpSpPr>
-            <p:grpSpPr>
-              <a:xfrm>
-                <a:off x="17301661" y="18218433"/>
-                <a:ext cx="5827228" cy="2349835"/>
-                <a:chOff x="17301661" y="18218433"/>
-                <a:chExt cx="5827228" cy="2349835"/>
-              </a:xfrm>
-            </p:grpSpPr>
-            <p:grpSp>
-              <p:nvGrpSpPr>
-                <p:cNvPr id="51" name="Group 50">
-                  <a:extLst>
-                    <a:ext uri="{FF2B5EF4-FFF2-40B4-BE49-F238E27FC236}">
-                      <a16:creationId xmlns:a16="http://schemas.microsoft.com/office/drawing/2014/main" id="{FD21E313-02D1-AE08-208E-4D3E80B4AC7D}"/>
-                    </a:ext>
-                  </a:extLst>
-                </p:cNvPr>
-                <p:cNvGrpSpPr/>
-                <p:nvPr/>
-              </p:nvGrpSpPr>
-              <p:grpSpPr>
-                <a:xfrm>
-                  <a:off x="17301661" y="18218433"/>
-                  <a:ext cx="5827228" cy="2349835"/>
-                  <a:chOff x="681491" y="2137246"/>
-                  <a:chExt cx="5159215" cy="1869963"/>
-                </a:xfrm>
-              </p:grpSpPr>
-              <p:sp>
-                <p:nvSpPr>
-                  <p:cNvPr id="53" name="Rectangle: Rounded Corners 52">
-                    <a:extLst>
-                      <a:ext uri="{FF2B5EF4-FFF2-40B4-BE49-F238E27FC236}">
-                        <a16:creationId xmlns:a16="http://schemas.microsoft.com/office/drawing/2014/main" id="{84F199D5-BE37-D7BE-D308-09BC3C36436D}"/>
-                      </a:ext>
-                    </a:extLst>
-                  </p:cNvPr>
-                  <p:cNvSpPr/>
-                  <p:nvPr/>
-                </p:nvSpPr>
-                <p:spPr>
-                  <a:xfrm>
-                    <a:off x="5037262" y="3143128"/>
-                    <a:ext cx="803444" cy="666735"/>
-                  </a:xfrm>
-                  <a:prstGeom prst="roundRect">
-                    <a:avLst/>
-                  </a:prstGeom>
-                  <a:solidFill>
-                    <a:schemeClr val="accent2">
-                      <a:lumMod val="40000"/>
-                      <a:lumOff val="60000"/>
-                    </a:schemeClr>
-                  </a:solidFill>
-                  <a:ln>
-                    <a:solidFill>
-                      <a:schemeClr val="accent2">
-                        <a:lumMod val="75000"/>
-                      </a:schemeClr>
-                    </a:solidFill>
-                  </a:ln>
-                </p:spPr>
-                <p:style>
-                  <a:lnRef idx="2">
-                    <a:schemeClr val="accent1">
-                      <a:shade val="15000"/>
-                    </a:schemeClr>
-                  </a:lnRef>
-                  <a:fillRef idx="1">
-                    <a:schemeClr val="accent1"/>
-                  </a:fillRef>
-                  <a:effectRef idx="0">
-                    <a:schemeClr val="accent1"/>
-                  </a:effectRef>
-                  <a:fontRef idx="minor">
-                    <a:schemeClr val="lt1"/>
-                  </a:fontRef>
-                </p:style>
-                <p:txBody>
-                  <a:bodyPr rtlCol="1" anchor="ctr"/>
-                  <a:lstStyle/>
-                  <a:p>
-                    <a:pPr algn="ctr"/>
-                    <a:r>
-                      <a:rPr lang="en-US" sz="1600" dirty="0">
-                        <a:solidFill>
-                          <a:schemeClr val="tx1"/>
-                        </a:solidFill>
-                      </a:rPr>
-                      <a:t>Object</a:t>
-                    </a:r>
-                  </a:p>
-                </p:txBody>
-              </p:sp>
-              <p:sp>
-                <p:nvSpPr>
-                  <p:cNvPr id="54" name="Rectangle: Beveled 53">
-                    <a:extLst>
-                      <a:ext uri="{FF2B5EF4-FFF2-40B4-BE49-F238E27FC236}">
-                        <a16:creationId xmlns:a16="http://schemas.microsoft.com/office/drawing/2014/main" id="{CC137C54-D326-49C2-E16C-66627280F182}"/>
-                      </a:ext>
-                    </a:extLst>
-                  </p:cNvPr>
-                  <p:cNvSpPr/>
-                  <p:nvPr/>
-                </p:nvSpPr>
-                <p:spPr>
-                  <a:xfrm>
-                    <a:off x="2467641" y="2137246"/>
-                    <a:ext cx="1247064" cy="851269"/>
-                  </a:xfrm>
-                  <a:prstGeom prst="bevel">
-                    <a:avLst/>
-                  </a:prstGeom>
-                  <a:solidFill>
-                    <a:schemeClr val="bg2">
-                      <a:lumMod val="75000"/>
-                    </a:schemeClr>
-                  </a:solidFill>
-                  <a:ln>
-                    <a:solidFill>
-                      <a:schemeClr val="tx1"/>
-                    </a:solidFill>
-                  </a:ln>
-                </p:spPr>
-                <p:style>
-                  <a:lnRef idx="2">
-                    <a:schemeClr val="accent1">
-                      <a:shade val="15000"/>
-                    </a:schemeClr>
-                  </a:lnRef>
-                  <a:fillRef idx="1">
-                    <a:schemeClr val="accent1"/>
-                  </a:fillRef>
-                  <a:effectRef idx="0">
-                    <a:schemeClr val="accent1"/>
-                  </a:effectRef>
-                  <a:fontRef idx="minor">
-                    <a:schemeClr val="lt1"/>
-                  </a:fontRef>
-                </p:style>
-                <p:txBody>
-                  <a:bodyPr rtlCol="1" anchor="ctr"/>
-                  <a:lstStyle/>
-                  <a:p>
-                    <a:pPr algn="ctr"/>
-                    <a:r>
-                      <a:rPr lang="he-IL" sz="3600" dirty="0">
-                        <a:latin typeface="David" panose="020E0502060401010101" pitchFamily="34" charset="-79"/>
-                        <a:cs typeface="David" panose="020E0502060401010101" pitchFamily="34" charset="-79"/>
-                      </a:rPr>
-                      <a:t>2</a:t>
-                    </a:r>
-                    <a:r>
-                      <a:rPr lang="en-US" sz="3600" dirty="0">
-                        <a:latin typeface="David" panose="020E0502060401010101" pitchFamily="34" charset="-79"/>
-                        <a:cs typeface="David" panose="020E0502060401010101" pitchFamily="34" charset="-79"/>
-                      </a:rPr>
-                      <a:t>m</a:t>
-                    </a:r>
-                    <a:endParaRPr lang="he-IL" sz="3600" dirty="0">
-                      <a:latin typeface="David" panose="020E0502060401010101" pitchFamily="34" charset="-79"/>
-                      <a:cs typeface="David" panose="020E0502060401010101" pitchFamily="34" charset="-79"/>
-                    </a:endParaRPr>
-                  </a:p>
-                </p:txBody>
-              </p:sp>
-              <p:sp>
-                <p:nvSpPr>
-                  <p:cNvPr id="55" name="Freeform: Shape 54">
-                    <a:extLst>
-                      <a:ext uri="{FF2B5EF4-FFF2-40B4-BE49-F238E27FC236}">
-                        <a16:creationId xmlns:a16="http://schemas.microsoft.com/office/drawing/2014/main" id="{69572E6D-357C-A75C-AED5-67526D095D54}"/>
-                      </a:ext>
-                    </a:extLst>
-                  </p:cNvPr>
-                  <p:cNvSpPr/>
-                  <p:nvPr/>
-                </p:nvSpPr>
-                <p:spPr>
-                  <a:xfrm>
-                    <a:off x="1744980" y="2464048"/>
-                    <a:ext cx="741583" cy="471796"/>
-                  </a:xfrm>
-                  <a:custGeom>
-                    <a:avLst/>
-                    <a:gdLst>
-                      <a:gd name="connsiteX0" fmla="*/ 27420 w 436493"/>
-                      <a:gd name="connsiteY0" fmla="*/ 344905 h 344905"/>
-                      <a:gd name="connsiteX1" fmla="*/ 43462 w 436493"/>
-                      <a:gd name="connsiteY1" fmla="*/ 112295 h 344905"/>
-                      <a:gd name="connsiteX2" fmla="*/ 436493 w 436493"/>
-                      <a:gd name="connsiteY2" fmla="*/ 0 h 344905"/>
-                    </a:gdLst>
-                    <a:ahLst/>
-                    <a:cxnLst>
-                      <a:cxn ang="0">
-                        <a:pos x="connsiteX0" y="connsiteY0"/>
-                      </a:cxn>
-                      <a:cxn ang="0">
-                        <a:pos x="connsiteX1" y="connsiteY1"/>
-                      </a:cxn>
-                      <a:cxn ang="0">
-                        <a:pos x="connsiteX2" y="connsiteY2"/>
-                      </a:cxn>
-                    </a:cxnLst>
-                    <a:rect l="l" t="t" r="r" b="b"/>
-                    <a:pathLst>
-                      <a:path w="436493" h="344905">
-                        <a:moveTo>
-                          <a:pt x="27420" y="344905"/>
-                        </a:moveTo>
-                        <a:cubicBezTo>
-                          <a:pt x="1351" y="257342"/>
-                          <a:pt x="-24717" y="169779"/>
-                          <a:pt x="43462" y="112295"/>
-                        </a:cubicBezTo>
-                        <a:cubicBezTo>
-                          <a:pt x="111641" y="54811"/>
-                          <a:pt x="274067" y="27405"/>
-                          <a:pt x="436493" y="0"/>
-                        </a:cubicBezTo>
-                      </a:path>
-                    </a:pathLst>
-                  </a:custGeom>
-                  <a:noFill/>
-                </p:spPr>
-                <p:style>
-                  <a:lnRef idx="2">
-                    <a:schemeClr val="accent1">
-                      <a:shade val="15000"/>
-                    </a:schemeClr>
-                  </a:lnRef>
-                  <a:fillRef idx="1">
-                    <a:schemeClr val="accent1"/>
-                  </a:fillRef>
-                  <a:effectRef idx="0">
-                    <a:schemeClr val="accent1"/>
-                  </a:effectRef>
-                  <a:fontRef idx="minor">
-                    <a:schemeClr val="lt1"/>
-                  </a:fontRef>
-                </p:style>
-                <p:txBody>
-                  <a:bodyPr rtlCol="1" anchor="ctr"/>
-                  <a:lstStyle/>
-                  <a:p>
-                    <a:pPr algn="ctr"/>
-                    <a:endParaRPr lang="he-IL"/>
-                  </a:p>
-                </p:txBody>
-              </p:sp>
-              <p:sp>
-                <p:nvSpPr>
-                  <p:cNvPr id="56" name="Oval 55">
-                    <a:extLst>
-                      <a:ext uri="{FF2B5EF4-FFF2-40B4-BE49-F238E27FC236}">
-                        <a16:creationId xmlns:a16="http://schemas.microsoft.com/office/drawing/2014/main" id="{FFD9C612-D680-D490-F116-F275730A9756}"/>
-                      </a:ext>
-                    </a:extLst>
-                  </p:cNvPr>
-                  <p:cNvSpPr/>
-                  <p:nvPr/>
-                </p:nvSpPr>
-                <p:spPr>
-                  <a:xfrm>
-                    <a:off x="681491" y="2935844"/>
-                    <a:ext cx="1981200" cy="1071365"/>
-                  </a:xfrm>
-                  <a:prstGeom prst="ellipse">
-                    <a:avLst/>
-                  </a:prstGeom>
-                  <a:solidFill>
-                    <a:schemeClr val="accent6">
-                      <a:lumMod val="60000"/>
-                      <a:lumOff val="40000"/>
-                    </a:schemeClr>
-                  </a:solidFill>
-                  <a:ln>
-                    <a:solidFill>
-                      <a:schemeClr val="accent6">
-                        <a:lumMod val="75000"/>
-                      </a:schemeClr>
-                    </a:solidFill>
-                  </a:ln>
-                </p:spPr>
-                <p:style>
-                  <a:lnRef idx="2">
-                    <a:schemeClr val="accent1">
-                      <a:shade val="15000"/>
-                    </a:schemeClr>
-                  </a:lnRef>
-                  <a:fillRef idx="1">
-                    <a:schemeClr val="accent1"/>
-                  </a:fillRef>
-                  <a:effectRef idx="0">
-                    <a:schemeClr val="accent1"/>
-                  </a:effectRef>
-                  <a:fontRef idx="minor">
-                    <a:schemeClr val="lt1"/>
-                  </a:fontRef>
-                </p:style>
-                <p:txBody>
-                  <a:bodyPr rtlCol="1" anchor="ctr"/>
-                  <a:lstStyle/>
-                  <a:p>
-                    <a:pPr algn="ctr"/>
-                    <a:r>
-                      <a:rPr lang="en-US" sz="2800" b="1" dirty="0">
-                        <a:solidFill>
-                          <a:schemeClr val="tx1"/>
-                        </a:solidFill>
-                        <a:latin typeface="David" panose="020E0502060401010101" pitchFamily="34" charset="-79"/>
-                        <a:cs typeface="David" panose="020E0502060401010101" pitchFamily="34" charset="-79"/>
-                      </a:rPr>
-                      <a:t>Camera</a:t>
-                    </a:r>
-                    <a:endParaRPr lang="he-IL" sz="2800" dirty="0"/>
-                  </a:p>
-                </p:txBody>
-              </p:sp>
-            </p:grpSp>
-            <p:sp>
-              <p:nvSpPr>
-                <p:cNvPr id="52" name="TextBox 51">
-                  <a:extLst>
-                    <a:ext uri="{FF2B5EF4-FFF2-40B4-BE49-F238E27FC236}">
-                      <a16:creationId xmlns:a16="http://schemas.microsoft.com/office/drawing/2014/main" id="{09BFE059-5188-BABD-A86E-0B071E19CE94}"/>
-                    </a:ext>
-                  </a:extLst>
-                </p:cNvPr>
-                <p:cNvSpPr txBox="1"/>
-                <p:nvPr/>
-              </p:nvSpPr>
-              <p:spPr>
-                <a:xfrm>
-                  <a:off x="19437611" y="19257425"/>
-                  <a:ext cx="1246894" cy="400110"/>
-                </a:xfrm>
-                <a:prstGeom prst="rect">
-                  <a:avLst/>
-                </a:prstGeom>
-                <a:noFill/>
-              </p:spPr>
-              <p:txBody>
-                <a:bodyPr wrap="square" rtlCol="1">
-                  <a:spAutoFit/>
-                </a:bodyPr>
-                <a:lstStyle/>
-                <a:p>
-                  <a:pPr algn="ctr" rtl="1"/>
-                  <a:r>
-                    <a:rPr lang="en-US" sz="2000" dirty="0">
-                      <a:latin typeface="David" panose="020E0502060401010101" pitchFamily="34" charset="-79"/>
-                      <a:cs typeface="David" panose="020E0502060401010101" pitchFamily="34" charset="-79"/>
-                    </a:rPr>
-                    <a:t>screen</a:t>
-                  </a:r>
-                  <a:endParaRPr lang="he-IL" sz="2000" dirty="0">
-                    <a:latin typeface="David" panose="020E0502060401010101" pitchFamily="34" charset="-79"/>
-                    <a:cs typeface="David" panose="020E0502060401010101" pitchFamily="34" charset="-79"/>
-                  </a:endParaRPr>
+                  <a:endParaRPr lang="he-IL" sz="3200" dirty="0"/>
                 </a:p>
               </p:txBody>
             </p:sp>
           </p:grpSp>
           <p:sp>
             <p:nvSpPr>
-              <p:cNvPr id="59" name="TextBox 58">
+              <p:cNvPr id="52" name="TextBox 51">
                 <a:extLst>
                   <a:ext uri="{FF2B5EF4-FFF2-40B4-BE49-F238E27FC236}">
-                    <a16:creationId xmlns:a16="http://schemas.microsoft.com/office/drawing/2014/main" id="{74A0B931-44A4-0C88-34B1-C93BB85D9612}"/>
+                    <a16:creationId xmlns:a16="http://schemas.microsoft.com/office/drawing/2014/main" id="{09BFE059-5188-BABD-A86E-0B071E19CE94}"/>
                   </a:ext>
                 </a:extLst>
               </p:cNvPr>
@@ -12548,8 +10505,8 @@
             </p:nvSpPr>
             <p:spPr>
               <a:xfrm>
-                <a:off x="14687139" y="19191838"/>
-                <a:ext cx="1246894" cy="400110"/>
+                <a:off x="19446521" y="19305773"/>
+                <a:ext cx="1246894" cy="337773"/>
               </a:xfrm>
               <a:prstGeom prst="rect">
                 <a:avLst/>
@@ -12564,13 +10521,13 @@
               <a:p>
                 <a:pPr algn="ctr" rtl="1"/>
                 <a:r>
-                  <a:rPr lang="en-US" sz="2000" dirty="0">
+                  <a:rPr lang="en-US" sz="2800" dirty="0">
                     <a:latin typeface="David" panose="020E0502060401010101" pitchFamily="34" charset="-79"/>
                     <a:cs typeface="David" panose="020E0502060401010101" pitchFamily="34" charset="-79"/>
                   </a:rPr>
                   <a:t>screen</a:t>
                 </a:r>
-                <a:endParaRPr lang="he-IL" sz="2000" dirty="0">
+                <a:endParaRPr lang="he-IL" sz="2800" dirty="0">
                   <a:latin typeface="David" panose="020E0502060401010101" pitchFamily="34" charset="-79"/>
                   <a:cs typeface="David" panose="020E0502060401010101" pitchFamily="34" charset="-79"/>
                 </a:endParaRPr>
@@ -12578,6 +10535,49 @@
             </p:txBody>
           </p:sp>
         </p:grpSp>
+        <p:sp>
+          <p:nvSpPr>
+            <p:cNvPr id="59" name="TextBox 58">
+              <a:extLst>
+                <a:ext uri="{FF2B5EF4-FFF2-40B4-BE49-F238E27FC236}">
+                  <a16:creationId xmlns:a16="http://schemas.microsoft.com/office/drawing/2014/main" id="{74A0B931-44A4-0C88-34B1-C93BB85D9612}"/>
+                </a:ext>
+              </a:extLst>
+            </p:cNvPr>
+            <p:cNvSpPr txBox="1"/>
+            <p:nvPr/>
+          </p:nvSpPr>
+          <p:spPr>
+            <a:xfrm>
+              <a:off x="14675500" y="19282485"/>
+              <a:ext cx="1246894" cy="337773"/>
+            </a:xfrm>
+            <a:prstGeom prst="rect">
+              <a:avLst/>
+            </a:prstGeom>
+            <a:noFill/>
+          </p:spPr>
+          <p:txBody>
+            <a:bodyPr wrap="square" rtlCol="1">
+              <a:spAutoFit/>
+            </a:bodyPr>
+            <a:lstStyle/>
+            <a:p>
+              <a:pPr algn="ctr" rtl="1"/>
+              <a:r>
+                <a:rPr lang="en-US" sz="2800" dirty="0">
+                  <a:latin typeface="David" panose="020E0502060401010101" pitchFamily="34" charset="-79"/>
+                  <a:cs typeface="David" panose="020E0502060401010101" pitchFamily="34" charset="-79"/>
+                </a:rPr>
+                <a:t>screen</a:t>
+              </a:r>
+              <a:endParaRPr lang="he-IL" sz="2800" dirty="0">
+                <a:latin typeface="David" panose="020E0502060401010101" pitchFamily="34" charset="-79"/>
+                <a:cs typeface="David" panose="020E0502060401010101" pitchFamily="34" charset="-79"/>
+              </a:endParaRPr>
+            </a:p>
+          </p:txBody>
+        </p:sp>
       </p:grpSp>
       <p:grpSp>
         <p:nvGrpSpPr>
@@ -12593,10 +10593,10 @@
         </p:nvGrpSpPr>
         <p:grpSpPr>
           <a:xfrm>
-            <a:off x="23085800" y="3625858"/>
-            <a:ext cx="12767887" cy="6529232"/>
+            <a:off x="23326588" y="3625858"/>
+            <a:ext cx="12588113" cy="6529232"/>
             <a:chOff x="23099647" y="3210099"/>
-            <a:chExt cx="12767887" cy="6529232"/>
+            <a:chExt cx="12828901" cy="6529232"/>
           </a:xfrm>
         </p:grpSpPr>
         <p:grpSp>
@@ -12632,7 +10632,7 @@
               <p:nvPr>
                 <p:extLst>
                   <p:ext uri="{D42A27DB-BD31-4B8C-83A1-F6EECF244321}">
-                    <p14:modId xmlns:p14="http://schemas.microsoft.com/office/powerpoint/2010/main" val="2212252552"/>
+                    <p14:modId xmlns:p14="http://schemas.microsoft.com/office/powerpoint/2010/main" val="1238507153"/>
                   </p:ext>
                 </p:extLst>
               </p:nvPr>
@@ -12643,7 +10643,7 @@
             </p:xfrm>
             <a:graphic>
               <a:graphicData uri="http://schemas.openxmlformats.org/drawingml/2006/chart">
-                <c:chart xmlns:c="http://schemas.openxmlformats.org/drawingml/2006/chart" xmlns:r="http://schemas.openxmlformats.org/officeDocument/2006/relationships" r:id="rId10"/>
+                <c:chart xmlns:c="http://schemas.openxmlformats.org/drawingml/2006/chart" xmlns:r="http://schemas.openxmlformats.org/officeDocument/2006/relationships" r:id="rId7"/>
               </a:graphicData>
             </a:graphic>
           </p:graphicFrame>
@@ -12660,7 +10660,7 @@
               <p:nvPr>
                 <p:extLst>
                   <p:ext uri="{D42A27DB-BD31-4B8C-83A1-F6EECF244321}">
-                    <p14:modId xmlns:p14="http://schemas.microsoft.com/office/powerpoint/2010/main" val="2798874264"/>
+                    <p14:modId xmlns:p14="http://schemas.microsoft.com/office/powerpoint/2010/main" val="1995598391"/>
                   </p:ext>
                 </p:extLst>
               </p:nvPr>
@@ -12671,7 +10671,7 @@
             </p:xfrm>
             <a:graphic>
               <a:graphicData uri="http://schemas.openxmlformats.org/drawingml/2006/chart">
-                <c:chart xmlns:c="http://schemas.openxmlformats.org/drawingml/2006/chart" xmlns:r="http://schemas.openxmlformats.org/officeDocument/2006/relationships" r:id="rId11"/>
+                <c:chart xmlns:c="http://schemas.openxmlformats.org/drawingml/2006/chart" xmlns:r="http://schemas.openxmlformats.org/officeDocument/2006/relationships" r:id="rId8"/>
               </a:graphicData>
             </a:graphic>
           </p:graphicFrame>
@@ -12690,10 +10690,10 @@
           </p:nvGrpSpPr>
           <p:grpSpPr>
             <a:xfrm>
-              <a:off x="30192653" y="3400444"/>
-              <a:ext cx="5674881" cy="5821343"/>
-              <a:chOff x="22123159" y="9035261"/>
-              <a:chExt cx="4837896" cy="4921272"/>
+              <a:off x="30310636" y="3459436"/>
+              <a:ext cx="5617912" cy="5762349"/>
+              <a:chOff x="22223747" y="9085133"/>
+              <a:chExt cx="4789331" cy="4871400"/>
             </a:xfrm>
           </p:grpSpPr>
           <p:grpSp>
@@ -12710,10 +10710,10 @@
             </p:nvGrpSpPr>
             <p:grpSpPr>
               <a:xfrm>
-                <a:off x="22123159" y="9035261"/>
-                <a:ext cx="4579647" cy="2603164"/>
-                <a:chOff x="22123159" y="9035261"/>
-                <a:chExt cx="4579647" cy="2603164"/>
+                <a:off x="22223747" y="9085133"/>
+                <a:ext cx="4683055" cy="2553292"/>
+                <a:chOff x="22223747" y="9085133"/>
+                <a:chExt cx="4683055" cy="2553292"/>
               </a:xfrm>
             </p:grpSpPr>
             <p:sp>
@@ -12759,7 +10759,7 @@
                 <a:p>
                   <a:pPr algn="ctr"/>
                   <a:r>
-                    <a:rPr lang="en-US" sz="3200" dirty="0"/>
+                    <a:rPr lang="en-US" sz="3600" dirty="0"/>
                     <a:t>LIDAR</a:t>
                   </a:r>
                   <a:endParaRPr lang="en-US" dirty="0"/>
@@ -12780,7 +10780,7 @@
               </p:nvSpPr>
               <p:spPr>
                 <a:xfrm>
-                  <a:off x="22123159" y="9035261"/>
+                  <a:off x="22223747" y="9085133"/>
                   <a:ext cx="869296" cy="666735"/>
                 </a:xfrm>
                 <a:prstGeom prst="roundRect">
@@ -12822,7 +10822,7 @@
                 <a:p>
                   <a:pPr algn="ctr"/>
                   <a:r>
-                    <a:rPr lang="en-US" sz="1600" dirty="0">
+                    <a:rPr lang="en-US" sz="2000" dirty="0">
                       <a:solidFill>
                         <a:schemeClr val="tx1"/>
                       </a:solidFill>
@@ -12855,8 +10855,8 @@
               </p:nvCxnSpPr>
               <p:spPr>
                 <a:xfrm>
-                  <a:off x="22992455" y="9368629"/>
-                  <a:ext cx="925586" cy="722600"/>
+                  <a:off x="23093043" y="9418501"/>
+                  <a:ext cx="824998" cy="672727"/>
                 </a:xfrm>
                 <a:prstGeom prst="straightConnector1">
                   <a:avLst/>
@@ -12901,8 +10901,8 @@
               </p:nvSpPr>
               <p:spPr>
                 <a:xfrm>
-                  <a:off x="25287740" y="9116184"/>
-                  <a:ext cx="1415066" cy="851269"/>
+                  <a:off x="25295284" y="9104119"/>
+                  <a:ext cx="1611518" cy="851269"/>
                 </a:xfrm>
                 <a:prstGeom prst="bevel">
                   <a:avLst/>
@@ -12958,7 +10958,7 @@
               <p:spPr>
                 <a:xfrm>
                   <a:off x="25493965" y="9934928"/>
-                  <a:ext cx="1050588" cy="400110"/>
+                  <a:ext cx="1050588" cy="442322"/>
                 </a:xfrm>
                 <a:prstGeom prst="rect">
                   <a:avLst/>
@@ -12973,7 +10973,7 @@
                 <a:p>
                   <a:pPr algn="ctr" rtl="1"/>
                   <a:r>
-                    <a:rPr lang="en-US" sz="2000" dirty="0">
+                    <a:rPr lang="en-US" sz="2800" dirty="0">
                       <a:latin typeface="David" panose="020E0502060401010101" pitchFamily="34" charset="-79"/>
                       <a:cs typeface="David" panose="020E0502060401010101" pitchFamily="34" charset="-79"/>
                     </a:rPr>
@@ -13087,9 +11087,9 @@
             <p:grpSpPr>
               <a:xfrm>
                 <a:off x="22816981" y="11610204"/>
-                <a:ext cx="4144074" cy="2346329"/>
+                <a:ext cx="4196097" cy="2346329"/>
                 <a:chOff x="28162695" y="9168320"/>
-                <a:chExt cx="4144074" cy="2346329"/>
+                <a:chExt cx="4196097" cy="2346329"/>
               </a:xfrm>
             </p:grpSpPr>
             <p:sp>
@@ -13135,9 +11135,10 @@
                 <a:p>
                   <a:pPr algn="ctr"/>
                   <a:r>
-                    <a:rPr lang="en-US" sz="3200" dirty="0"/>
+                    <a:rPr lang="en-US" sz="3600" dirty="0"/>
                     <a:t>LIDAR</a:t>
                   </a:r>
+                  <a:endParaRPr lang="en-US" sz="3200" dirty="0"/>
                 </a:p>
               </p:txBody>
             </p:sp>
@@ -13197,13 +11198,18 @@
                 <a:p>
                   <a:pPr algn="ctr"/>
                   <a:r>
-                    <a:rPr lang="en-US" sz="1600" dirty="0">
+                    <a:rPr lang="en-US" sz="2000" dirty="0">
                       <a:solidFill>
                         <a:schemeClr val="tx1"/>
                       </a:solidFill>
                     </a:rPr>
                     <a:t>Object</a:t>
                   </a:r>
+                  <a:endParaRPr lang="en-US" sz="1600" dirty="0">
+                    <a:solidFill>
+                      <a:schemeClr val="tx1"/>
+                    </a:solidFill>
+                  </a:endParaRPr>
                 </a:p>
               </p:txBody>
             </p:sp>
@@ -13271,8 +11277,8 @@
               </p:nvSpPr>
               <p:spPr>
                 <a:xfrm>
-                  <a:off x="30891702" y="9168320"/>
-                  <a:ext cx="1415067" cy="851269"/>
+                  <a:off x="30839679" y="9168320"/>
+                  <a:ext cx="1519113" cy="851269"/>
                 </a:xfrm>
                 <a:prstGeom prst="bevel">
                   <a:avLst/>
@@ -13326,7 +11332,7 @@
                 <a:p>
                   <a:pPr algn="ctr"/>
                   <a:r>
-                    <a:rPr lang="en-US" sz="1400" dirty="0">
+                    <a:rPr lang="en-US" sz="1600" dirty="0">
                       <a:solidFill>
                         <a:schemeClr val="tx1"/>
                       </a:solidFill>
@@ -13335,7 +11341,7 @@
                     </a:rPr>
                     <a:t>100 mm,300 deg</a:t>
                   </a:r>
-                  <a:endParaRPr lang="he-IL" sz="2000" dirty="0">
+                  <a:endParaRPr lang="he-IL" sz="2400" dirty="0">
                     <a:solidFill>
                       <a:schemeClr val="tx1"/>
                     </a:solidFill>
@@ -13445,7 +11451,7 @@
               <p:spPr>
                 <a:xfrm>
                   <a:off x="31084181" y="9987268"/>
-                  <a:ext cx="1050588" cy="400110"/>
+                  <a:ext cx="1050588" cy="442322"/>
                 </a:xfrm>
                 <a:prstGeom prst="rect">
                   <a:avLst/>
@@ -13460,7 +11466,7 @@
                 <a:p>
                   <a:pPr algn="ctr" rtl="1"/>
                   <a:r>
-                    <a:rPr lang="en-US" sz="2000" dirty="0">
+                    <a:rPr lang="en-US" sz="2800" dirty="0">
                       <a:latin typeface="David" panose="020E0502060401010101" pitchFamily="34" charset="-79"/>
                       <a:cs typeface="David" panose="020E0502060401010101" pitchFamily="34" charset="-79"/>
                     </a:rPr>
@@ -13490,8 +11496,8 @@
         </p:nvSpPr>
         <p:spPr>
           <a:xfrm>
-            <a:off x="23767015" y="11816386"/>
-            <a:ext cx="5315720" cy="2708434"/>
+            <a:off x="24047824" y="12256713"/>
+            <a:ext cx="6130982" cy="2862322"/>
           </a:xfrm>
           <a:prstGeom prst="rect">
             <a:avLst/>
@@ -13520,7 +11526,7 @@
               <a:defRPr/>
             </a:pPr>
             <a:r>
-              <a:rPr lang="en-US" sz="3400" u="sng" kern="1200" dirty="0">
+              <a:rPr lang="en-US" sz="3600" u="sng" kern="1200" dirty="0">
                 <a:solidFill>
                   <a:schemeClr val="tx1"/>
                 </a:solidFill>
@@ -13529,10 +11535,10 @@
                 <a:ea typeface="+mn-ea"/>
                 <a:cs typeface="Open Sans Hebrew" panose="00000500000000000000" pitchFamily="2" charset="-79"/>
               </a:rPr>
-              <a:t>Temperature sensor results:</a:t>
+              <a:t>Temperature senso</a:t>
             </a:r>
             <a:r>
-              <a:rPr lang="en-US" sz="3400" kern="1200" dirty="0">
+              <a:rPr lang="en-US" sz="3600" kern="1200" dirty="0">
                 <a:solidFill>
                   <a:schemeClr val="tx1"/>
                 </a:solidFill>
@@ -13541,7 +11547,7 @@
                 <a:ea typeface="+mn-ea"/>
                 <a:cs typeface="Open Sans Hebrew" panose="00000500000000000000" pitchFamily="2" charset="-79"/>
               </a:rPr>
-              <a:t> On the right - placing a high temperature object on the sensor, on the left - lifting the object.</a:t>
+              <a:t>: Placing an object at a high temperature near the sensor - a color change on the monitor in the position where the object is placed.</a:t>
             </a:r>
           </a:p>
         </p:txBody>
